--- a/Portfolio_Diversifier.pptx
+++ b/Portfolio_Diversifier.pptx
@@ -14,16 +14,16 @@
     <p:sldId id="286" r:id="rId8"/>
     <p:sldId id="285" r:id="rId9"/>
     <p:sldId id="268" r:id="rId10"/>
-    <p:sldId id="273" r:id="rId11"/>
-    <p:sldId id="287" r:id="rId12"/>
-    <p:sldId id="288" r:id="rId13"/>
-    <p:sldId id="284" r:id="rId14"/>
-    <p:sldId id="269" r:id="rId15"/>
-    <p:sldId id="289" r:id="rId16"/>
-    <p:sldId id="280" r:id="rId17"/>
-    <p:sldId id="277" r:id="rId18"/>
-    <p:sldId id="278" r:id="rId19"/>
-    <p:sldId id="279" r:id="rId20"/>
+    <p:sldId id="269" r:id="rId11"/>
+    <p:sldId id="289" r:id="rId12"/>
+    <p:sldId id="273" r:id="rId13"/>
+    <p:sldId id="287" r:id="rId14"/>
+    <p:sldId id="288" r:id="rId15"/>
+    <p:sldId id="284" r:id="rId16"/>
+    <p:sldId id="290" r:id="rId17"/>
+    <p:sldId id="292" r:id="rId18"/>
+    <p:sldId id="293" r:id="rId19"/>
+    <p:sldId id="294" r:id="rId20"/>
   </p:sldIdLst>
   <p:sldSz cx="12192000" cy="6858000"/>
   <p:notesSz cx="6858000" cy="9144000"/>
@@ -2126,8 +2126,12 @@
         <a:lstStyle/>
         <a:p>
           <a:r>
-            <a:rPr lang="en-US"/>
-            <a:t>tlt            20+ Year Treasury bond ETF</a:t>
+            <a:rPr lang="en-US" dirty="0" err="1"/>
+            <a:t>tlt</a:t>
+          </a:r>
+          <a:r>
+            <a:rPr lang="en-US" dirty="0"/>
+            <a:t>      20+ Year Treasury bond ETF</a:t>
           </a:r>
         </a:p>
       </dgm:t>
@@ -2163,7 +2167,7 @@
         <a:p>
           <a:r>
             <a:rPr lang="en-US" dirty="0"/>
-            <a:t>shy          1 to 3 Year Treasury bond ETF</a:t>
+            <a:t>shy    1-3 Year Treasury bond ETF</a:t>
           </a:r>
         </a:p>
       </dgm:t>
@@ -2198,8 +2202,12 @@
         <a:lstStyle/>
         <a:p>
           <a:r>
-            <a:rPr lang="en-US"/>
-            <a:t>gld           Gold ETF</a:t>
+            <a:rPr lang="en-US" dirty="0" err="1"/>
+            <a:t>gld</a:t>
+          </a:r>
+          <a:r>
+            <a:rPr lang="en-US" dirty="0"/>
+            <a:t>     Gold ETF</a:t>
           </a:r>
         </a:p>
       </dgm:t>
@@ -2236,7 +2244,7 @@
       <dgm:spPr/>
     </dgm:pt>
     <dgm:pt modelId="{8F1A6DA2-270C-4637-B600-43AC5107FD46}" type="pres">
-      <dgm:prSet presAssocID="{3CAAFA46-ADC5-47CA-B50F-85A2FF28D708}" presName="parentText" presStyleLbl="node1" presStyleIdx="0" presStyleCnt="3">
+      <dgm:prSet presAssocID="{3CAAFA46-ADC5-47CA-B50F-85A2FF28D708}" presName="parentText" presStyleLbl="node1" presStyleIdx="0" presStyleCnt="3" custScaleX="98887" custScaleY="90861">
         <dgm:presLayoutVars>
           <dgm:chMax val="0"/>
           <dgm:bulletEnabled val="1"/>
@@ -2875,8 +2883,8 @@
       </dsp:nvSpPr>
       <dsp:spPr>
         <a:xfrm>
-          <a:off x="0" y="37309"/>
-          <a:ext cx="6666833" cy="1710540"/>
+          <a:off x="43285" y="33671"/>
+          <a:ext cx="7691609" cy="1662647"/>
         </a:xfrm>
         <a:prstGeom prst="roundRect">
           <a:avLst/>
@@ -2939,12 +2947,12 @@
         </a:fontRef>
       </dsp:style>
       <dsp:txBody>
-        <a:bodyPr spcFirstLastPara="0" vert="horz" wrap="square" lIns="163830" tIns="163830" rIns="163830" bIns="163830" numCol="1" spcCol="1270" anchor="ctr" anchorCtr="0">
+        <a:bodyPr spcFirstLastPara="0" vert="horz" wrap="square" lIns="160020" tIns="160020" rIns="160020" bIns="160020" numCol="1" spcCol="1270" anchor="ctr" anchorCtr="0">
           <a:noAutofit/>
         </a:bodyPr>
         <a:lstStyle/>
         <a:p>
-          <a:pPr marL="0" lvl="0" indent="0" algn="l" defTabSz="1911350">
+          <a:pPr marL="0" lvl="0" indent="0" algn="l" defTabSz="1866900">
             <a:lnSpc>
               <a:spcPct val="90000"/>
             </a:lnSpc>
@@ -2957,14 +2965,18 @@
             <a:buNone/>
           </a:pPr>
           <a:r>
-            <a:rPr lang="en-US" sz="4300" kern="1200"/>
-            <a:t>tlt            20+ Year Treasury bond ETF</a:t>
+            <a:rPr lang="en-US" sz="4200" kern="1200" dirty="0" err="1"/>
+            <a:t>tlt</a:t>
+          </a:r>
+          <a:r>
+            <a:rPr lang="en-US" sz="4200" kern="1200" dirty="0"/>
+            <a:t>      20+ Year Treasury bond ETF</a:t>
           </a:r>
         </a:p>
       </dsp:txBody>
       <dsp:txXfrm>
-        <a:off x="83502" y="120811"/>
-        <a:ext cx="6499829" cy="1543536"/>
+        <a:off x="124449" y="114835"/>
+        <a:ext cx="7529281" cy="1500319"/>
       </dsp:txXfrm>
     </dsp:sp>
     <dsp:sp modelId="{7B13DB7F-77D9-4C51-8EF8-B8C1D38D54AE}">
@@ -2974,8 +2986,8 @@
       </dsp:nvSpPr>
       <dsp:spPr>
         <a:xfrm>
-          <a:off x="0" y="1871689"/>
-          <a:ext cx="6666833" cy="1710540"/>
+          <a:off x="0" y="1828798"/>
+          <a:ext cx="7778181" cy="1829880"/>
         </a:xfrm>
         <a:prstGeom prst="roundRect">
           <a:avLst/>
@@ -3038,12 +3050,12 @@
         </a:fontRef>
       </dsp:style>
       <dsp:txBody>
-        <a:bodyPr spcFirstLastPara="0" vert="horz" wrap="square" lIns="163830" tIns="163830" rIns="163830" bIns="163830" numCol="1" spcCol="1270" anchor="ctr" anchorCtr="0">
+        <a:bodyPr spcFirstLastPara="0" vert="horz" wrap="square" lIns="160020" tIns="160020" rIns="160020" bIns="160020" numCol="1" spcCol="1270" anchor="ctr" anchorCtr="0">
           <a:noAutofit/>
         </a:bodyPr>
         <a:lstStyle/>
         <a:p>
-          <a:pPr marL="0" lvl="0" indent="0" algn="l" defTabSz="1911350">
+          <a:pPr marL="0" lvl="0" indent="0" algn="l" defTabSz="1866900">
             <a:lnSpc>
               <a:spcPct val="90000"/>
             </a:lnSpc>
@@ -3056,14 +3068,14 @@
             <a:buNone/>
           </a:pPr>
           <a:r>
-            <a:rPr lang="en-US" sz="4300" kern="1200" dirty="0"/>
-            <a:t>shy          1 to 3 Year Treasury bond ETF</a:t>
+            <a:rPr lang="en-US" sz="4200" kern="1200" dirty="0"/>
+            <a:t>shy    1-3 Year Treasury bond ETF</a:t>
           </a:r>
         </a:p>
       </dsp:txBody>
       <dsp:txXfrm>
-        <a:off x="83502" y="1955191"/>
-        <a:ext cx="6499829" cy="1543536"/>
+        <a:off x="89327" y="1918125"/>
+        <a:ext cx="7599527" cy="1651226"/>
       </dsp:txXfrm>
     </dsp:sp>
     <dsp:sp modelId="{6E192173-EF2D-4BCD-BCBB-C33850EFDC89}">
@@ -3073,8 +3085,8 @@
       </dsp:nvSpPr>
       <dsp:spPr>
         <a:xfrm>
-          <a:off x="0" y="3706069"/>
-          <a:ext cx="6666833" cy="1710540"/>
+          <a:off x="0" y="3791158"/>
+          <a:ext cx="7778181" cy="1829880"/>
         </a:xfrm>
         <a:prstGeom prst="roundRect">
           <a:avLst/>
@@ -3137,12 +3149,12 @@
         </a:fontRef>
       </dsp:style>
       <dsp:txBody>
-        <a:bodyPr spcFirstLastPara="0" vert="horz" wrap="square" lIns="163830" tIns="163830" rIns="163830" bIns="163830" numCol="1" spcCol="1270" anchor="ctr" anchorCtr="0">
+        <a:bodyPr spcFirstLastPara="0" vert="horz" wrap="square" lIns="160020" tIns="160020" rIns="160020" bIns="160020" numCol="1" spcCol="1270" anchor="ctr" anchorCtr="0">
           <a:noAutofit/>
         </a:bodyPr>
         <a:lstStyle/>
         <a:p>
-          <a:pPr marL="0" lvl="0" indent="0" algn="l" defTabSz="1911350">
+          <a:pPr marL="0" lvl="0" indent="0" algn="l" defTabSz="1866900">
             <a:lnSpc>
               <a:spcPct val="90000"/>
             </a:lnSpc>
@@ -3155,14 +3167,18 @@
             <a:buNone/>
           </a:pPr>
           <a:r>
-            <a:rPr lang="en-US" sz="4300" kern="1200"/>
-            <a:t>gld           Gold ETF</a:t>
+            <a:rPr lang="en-US" sz="4200" kern="1200" dirty="0" err="1"/>
+            <a:t>gld</a:t>
+          </a:r>
+          <a:r>
+            <a:rPr lang="en-US" sz="4200" kern="1200" dirty="0"/>
+            <a:t>     Gold ETF</a:t>
           </a:r>
         </a:p>
       </dsp:txBody>
       <dsp:txXfrm>
-        <a:off x="83502" y="3789571"/>
-        <a:ext cx="6499829" cy="1543536"/>
+        <a:off x="89327" y="3880485"/>
+        <a:ext cx="7599527" cy="1651226"/>
       </dsp:txXfrm>
     </dsp:sp>
   </dsp:spTree>
@@ -9353,7 +9369,7 @@
           <a:p>
             <a:pPr algn="l"/>
             <a:r>
-              <a:rPr lang="en-US" sz="4800">
+              <a:rPr lang="en-US" sz="4800" dirty="0">
                 <a:solidFill>
                   <a:srgbClr val="FFFFFF"/>
                 </a:solidFill>
@@ -9490,7 +9506,7 @@
                   <a:srgbClr val="FFFFFF"/>
                 </a:solidFill>
               </a:rPr>
-              <a:t>Sangram Singh, Rodrigo Monge, Dylan </a:t>
+              <a:t>Sangram Singh, George Kraft, Rodrigo Monge, Dylan </a:t>
             </a:r>
             <a:r>
               <a:rPr lang="en-US" dirty="0" err="1">
@@ -9506,7 +9522,7 @@
                   <a:srgbClr val="FFFFFF"/>
                 </a:solidFill>
               </a:rPr>
-              <a:t>, George Kraft, </a:t>
+              <a:t> </a:t>
             </a:r>
           </a:p>
         </p:txBody>
@@ -9688,1035 +9704,9 @@
           <a:chExt cx="0" cy="0"/>
         </a:xfrm>
       </p:grpSpPr>
-      <p:sp>
-        <p:nvSpPr>
-          <p:cNvPr id="33" name="Down Arrow 7">
-            <a:extLst>
-              <a:ext uri="{FF2B5EF4-FFF2-40B4-BE49-F238E27FC236}">
-                <a16:creationId xmlns:a16="http://schemas.microsoft.com/office/drawing/2014/main" id="{D4771268-CB57-404A-9271-370EB28F6090}"/>
-              </a:ext>
-              <a:ext uri="{C183D7F6-B498-43B3-948B-1728B52AA6E4}">
-                <adec:decorative xmlns:adec="http://schemas.microsoft.com/office/drawing/2017/decorative" val="1"/>
-              </a:ext>
-            </a:extLst>
-          </p:cNvPr>
-          <p:cNvSpPr>
-            <a:spLocks noGrp="1" noRot="1" noChangeAspect="1" noMove="1" noResize="1" noEditPoints="1" noAdjustHandles="1" noChangeArrowheads="1" noChangeShapeType="1" noTextEdit="1"/>
-          </p:cNvSpPr>
-          <p:nvPr>
-            <p:extLst>
-              <p:ext uri="{386F3935-93C4-4BCD-93E2-E3B085C9AB24}">
-                <p16:designElem xmlns:p16="http://schemas.microsoft.com/office/powerpoint/2015/main" val="1"/>
-              </p:ext>
-            </p:extLst>
-          </p:nvPr>
-        </p:nvSpPr>
-        <p:spPr>
-          <a:xfrm rot="16200000">
-            <a:off x="800100" y="1491343"/>
-            <a:ext cx="3333749" cy="3499103"/>
-          </a:xfrm>
-          <a:prstGeom prst="downArrow">
-            <a:avLst>
-              <a:gd name="adj1" fmla="val 100000"/>
-              <a:gd name="adj2" fmla="val 15788"/>
-            </a:avLst>
-          </a:prstGeom>
-          <a:solidFill>
-            <a:srgbClr val="404040"/>
-          </a:solidFill>
-          <a:ln w="53975">
-            <a:noFill/>
-          </a:ln>
-        </p:spPr>
-        <p:style>
-          <a:lnRef idx="2">
-            <a:schemeClr val="accent1">
-              <a:shade val="50000"/>
-            </a:schemeClr>
-          </a:lnRef>
-          <a:fillRef idx="1">
-            <a:schemeClr val="accent1"/>
-          </a:fillRef>
-          <a:effectRef idx="0">
-            <a:schemeClr val="accent1"/>
-          </a:effectRef>
-          <a:fontRef idx="minor">
-            <a:schemeClr val="lt1"/>
-          </a:fontRef>
-        </p:style>
-        <p:txBody>
-          <a:bodyPr rtlCol="0" anchor="ctr"/>
-          <a:lstStyle/>
-          <a:p>
-            <a:pPr algn="ctr"/>
-            <a:endParaRPr lang="en-US"/>
-          </a:p>
-        </p:txBody>
-      </p:sp>
-      <p:sp>
-        <p:nvSpPr>
-          <p:cNvPr id="2" name="TextBox 1">
-            <a:extLst>
-              <a:ext uri="{FF2B5EF4-FFF2-40B4-BE49-F238E27FC236}">
-                <a16:creationId xmlns:a16="http://schemas.microsoft.com/office/drawing/2014/main" id="{5E88A6A9-4597-4E01-9864-67EEE1A2003A}"/>
-              </a:ext>
-            </a:extLst>
-          </p:cNvPr>
-          <p:cNvSpPr txBox="1"/>
-          <p:nvPr/>
-        </p:nvSpPr>
-        <p:spPr>
-          <a:xfrm>
-            <a:off x="1028700" y="1967266"/>
-            <a:ext cx="2628900" cy="2547257"/>
-          </a:xfrm>
-          <a:prstGeom prst="rect">
-            <a:avLst/>
-          </a:prstGeom>
-          <a:noFill/>
-        </p:spPr>
-        <p:txBody>
-          <a:bodyPr vert="horz" lIns="91440" tIns="45720" rIns="91440" bIns="45720" rtlCol="0" anchor="ctr">
-            <a:normAutofit/>
-          </a:bodyPr>
-          <a:lstStyle/>
-          <a:p>
-            <a:pPr algn="ctr">
-              <a:lnSpc>
-                <a:spcPct val="90000"/>
-              </a:lnSpc>
-              <a:spcBef>
-                <a:spcPct val="0"/>
-              </a:spcBef>
-              <a:spcAft>
-                <a:spcPts val="600"/>
-              </a:spcAft>
-            </a:pPr>
-            <a:r>
-              <a:rPr lang="en-US" sz="3600" kern="1200">
-                <a:solidFill>
-                  <a:srgbClr val="FFFFFF"/>
-                </a:solidFill>
-                <a:latin typeface="+mj-lt"/>
-                <a:ea typeface="+mj-ea"/>
-                <a:cs typeface="+mj-cs"/>
-              </a:rPr>
-              <a:t>UI Flow</a:t>
-            </a:r>
-          </a:p>
-        </p:txBody>
-      </p:sp>
-      <p:pic>
-        <p:nvPicPr>
-          <p:cNvPr id="7" name="Picture 6" descr="Diagram&#10;&#10;Description automatically generated">
-            <a:extLst>
-              <a:ext uri="{FF2B5EF4-FFF2-40B4-BE49-F238E27FC236}">
-                <a16:creationId xmlns:a16="http://schemas.microsoft.com/office/drawing/2014/main" id="{288D4895-430B-4280-80C9-7E9841F3B1AC}"/>
-              </a:ext>
-            </a:extLst>
-          </p:cNvPr>
-          <p:cNvPicPr>
-            <a:picLocks noChangeAspect="1"/>
-          </p:cNvPicPr>
-          <p:nvPr/>
-        </p:nvPicPr>
-        <p:blipFill>
-          <a:blip r:embed="rId2">
-            <a:extLst>
-              <a:ext uri="{28A0092B-C50C-407E-A947-70E740481C1C}">
-                <a14:useLocalDpi xmlns:a14="http://schemas.microsoft.com/office/drawing/2010/main" val="0"/>
-              </a:ext>
-            </a:extLst>
-          </a:blip>
-          <a:stretch>
-            <a:fillRect/>
-          </a:stretch>
-        </p:blipFill>
-        <p:spPr>
-          <a:xfrm>
-            <a:off x="4321907" y="271263"/>
-            <a:ext cx="7307138" cy="6315474"/>
-          </a:xfrm>
-          <a:prstGeom prst="rect">
-            <a:avLst/>
-          </a:prstGeom>
-        </p:spPr>
-      </p:pic>
-      <p:sp>
-        <p:nvSpPr>
-          <p:cNvPr id="5" name="AutoShape 4">
-            <a:extLst>
-              <a:ext uri="{FF2B5EF4-FFF2-40B4-BE49-F238E27FC236}">
-                <a16:creationId xmlns:a16="http://schemas.microsoft.com/office/drawing/2014/main" id="{5C1FA715-5FFC-42DF-8ADD-64D5E07CE022}"/>
-              </a:ext>
-            </a:extLst>
-          </p:cNvPr>
-          <p:cNvSpPr>
-            <a:spLocks noChangeAspect="1" noChangeArrowheads="1"/>
-          </p:cNvSpPr>
-          <p:nvPr/>
-        </p:nvSpPr>
-        <p:spPr bwMode="auto">
-          <a:xfrm>
-            <a:off x="5943600" y="3276600"/>
-            <a:ext cx="304800" cy="304800"/>
-          </a:xfrm>
-          <a:prstGeom prst="rect">
-            <a:avLst/>
-          </a:prstGeom>
-          <a:noFill/>
-          <a:extLst>
-            <a:ext uri="{909E8E84-426E-40DD-AFC4-6F175D3DCCD1}">
-              <a14:hiddenFill xmlns:a14="http://schemas.microsoft.com/office/drawing/2010/main">
-                <a:solidFill>
-                  <a:srgbClr val="FFFFFF"/>
-                </a:solidFill>
-              </a14:hiddenFill>
-            </a:ext>
-          </a:extLst>
-        </p:spPr>
-        <p:txBody>
-          <a:bodyPr vert="horz" wrap="square" lIns="91440" tIns="45720" rIns="91440" bIns="45720" numCol="1" anchor="t" anchorCtr="0" compatLnSpc="1">
-            <a:prstTxWarp prst="textNoShape">
-              <a:avLst/>
-            </a:prstTxWarp>
-          </a:bodyPr>
-          <a:lstStyle/>
-          <a:p>
-            <a:endParaRPr lang="en-US"/>
-          </a:p>
-        </p:txBody>
-      </p:sp>
-    </p:spTree>
-    <p:extLst>
-      <p:ext uri="{BB962C8B-B14F-4D97-AF65-F5344CB8AC3E}">
-        <p14:creationId xmlns:p14="http://schemas.microsoft.com/office/powerpoint/2010/main" val="941697631"/>
-      </p:ext>
-    </p:extLst>
-  </p:cSld>
-  <p:clrMapOvr>
-    <a:masterClrMapping/>
-  </p:clrMapOvr>
-</p:sld>
-</file>
-
-<file path=ppt/slides/slide11.xml><?xml version="1.0" encoding="utf-8"?>
-<p:sld xmlns:a="http://schemas.openxmlformats.org/drawingml/2006/main" xmlns:r="http://schemas.openxmlformats.org/officeDocument/2006/relationships" xmlns:p="http://schemas.openxmlformats.org/presentationml/2006/main">
-  <p:cSld>
-    <p:bg>
-      <p:bgPr>
-        <a:solidFill>
-          <a:schemeClr val="bg1"/>
-        </a:solidFill>
-        <a:effectLst/>
-      </p:bgPr>
-    </p:bg>
-    <p:spTree>
-      <p:nvGrpSpPr>
-        <p:cNvPr id="1" name=""/>
-        <p:cNvGrpSpPr/>
-        <p:nvPr/>
-      </p:nvGrpSpPr>
-      <p:grpSpPr>
-        <a:xfrm>
-          <a:off x="0" y="0"/>
-          <a:ext cx="0" cy="0"/>
-          <a:chOff x="0" y="0"/>
-          <a:chExt cx="0" cy="0"/>
-        </a:xfrm>
-      </p:grpSpPr>
       <p:sp useBgFill="1">
         <p:nvSpPr>
-          <p:cNvPr id="10" name="Rectangle 9">
-            <a:extLst>
-              <a:ext uri="{FF2B5EF4-FFF2-40B4-BE49-F238E27FC236}">
-                <a16:creationId xmlns:a16="http://schemas.microsoft.com/office/drawing/2014/main" id="{AB8C311F-7253-4AED-9701-7FC0708C41C7}"/>
-              </a:ext>
-              <a:ext uri="{C183D7F6-B498-43B3-948B-1728B52AA6E4}">
-                <adec:decorative xmlns:adec="http://schemas.microsoft.com/office/drawing/2017/decorative" val="1"/>
-              </a:ext>
-            </a:extLst>
-          </p:cNvPr>
-          <p:cNvSpPr>
-            <a:spLocks noGrp="1" noRot="1" noChangeAspect="1" noMove="1" noResize="1" noEditPoints="1" noAdjustHandles="1" noChangeArrowheads="1" noChangeShapeType="1" noTextEdit="1"/>
-          </p:cNvSpPr>
-          <p:nvPr>
-            <p:extLst>
-              <p:ext uri="{386F3935-93C4-4BCD-93E2-E3B085C9AB24}">
-                <p16:designElem xmlns:p16="http://schemas.microsoft.com/office/powerpoint/2015/main" val="1"/>
-              </p:ext>
-            </p:extLst>
-          </p:nvPr>
-        </p:nvSpPr>
-        <p:spPr>
-          <a:xfrm>
-            <a:off x="0" y="0"/>
-            <a:ext cx="12192000" cy="6858000"/>
-          </a:xfrm>
-          <a:prstGeom prst="rect">
-            <a:avLst/>
-          </a:prstGeom>
-          <a:ln w="12700" cap="flat" cmpd="sng" algn="ctr">
-            <a:noFill/>
-            <a:prstDash val="solid"/>
-            <a:miter lim="800000"/>
-          </a:ln>
-          <a:effectLst/>
-          <a:extLst>
-            <a:ext uri="{91240B29-F687-4F45-9708-019B960494DF}">
-              <a14:hiddenLine xmlns:a14="http://schemas.microsoft.com/office/drawing/2010/main" w="12700" cap="flat" cmpd="sng" algn="ctr">
-                <a:solidFill>
-                  <a:schemeClr val="accent1">
-                    <a:shade val="50000"/>
-                  </a:schemeClr>
-                </a:solidFill>
-                <a:prstDash val="solid"/>
-                <a:miter lim="800000"/>
-              </a14:hiddenLine>
-            </a:ext>
-          </a:extLst>
-        </p:spPr>
-        <p:style>
-          <a:lnRef idx="2">
-            <a:schemeClr val="accent1">
-              <a:shade val="50000"/>
-            </a:schemeClr>
-          </a:lnRef>
-          <a:fillRef idx="1">
-            <a:schemeClr val="accent1"/>
-          </a:fillRef>
-          <a:effectRef idx="0">
-            <a:schemeClr val="accent1"/>
-          </a:effectRef>
-          <a:fontRef idx="minor">
-            <a:schemeClr val="lt1"/>
-          </a:fontRef>
-        </p:style>
-        <p:txBody>
-          <a:bodyPr rtlCol="0" anchor="ctr"/>
-          <a:lstStyle/>
-          <a:p>
-            <a:pPr algn="ctr"/>
-            <a:endParaRPr lang="en-US"/>
-          </a:p>
-        </p:txBody>
-      </p:sp>
-      <p:sp>
-        <p:nvSpPr>
-          <p:cNvPr id="12" name="Rectangle 11">
-            <a:extLst>
-              <a:ext uri="{FF2B5EF4-FFF2-40B4-BE49-F238E27FC236}">
-                <a16:creationId xmlns:a16="http://schemas.microsoft.com/office/drawing/2014/main" id="{E2384209-CB15-4CDF-9D31-C44FD9A3F20D}"/>
-              </a:ext>
-              <a:ext uri="{C183D7F6-B498-43B3-948B-1728B52AA6E4}">
-                <adec:decorative xmlns:adec="http://schemas.microsoft.com/office/drawing/2017/decorative" val="1"/>
-              </a:ext>
-            </a:extLst>
-          </p:cNvPr>
-          <p:cNvSpPr>
-            <a:spLocks noGrp="1" noRot="1" noChangeAspect="1" noMove="1" noResize="1" noEditPoints="1" noAdjustHandles="1" noChangeArrowheads="1" noChangeShapeType="1" noTextEdit="1"/>
-          </p:cNvSpPr>
-          <p:nvPr>
-            <p:extLst>
-              <p:ext uri="{386F3935-93C4-4BCD-93E2-E3B085C9AB24}">
-                <p16:designElem xmlns:p16="http://schemas.microsoft.com/office/powerpoint/2015/main" val="1"/>
-              </p:ext>
-            </p:extLst>
-          </p:nvPr>
-        </p:nvSpPr>
-        <p:spPr>
-          <a:xfrm rot="16200000" flipH="1">
-            <a:off x="2666617" y="-2666188"/>
-            <a:ext cx="6858000" cy="12191233"/>
-          </a:xfrm>
-          <a:prstGeom prst="rect">
-            <a:avLst/>
-          </a:prstGeom>
-          <a:gradFill>
-            <a:gsLst>
-              <a:gs pos="8000">
-                <a:schemeClr val="accent1"/>
-              </a:gs>
-              <a:gs pos="100000">
-                <a:schemeClr val="accent1">
-                  <a:lumMod val="50000"/>
-                </a:schemeClr>
-              </a:gs>
-            </a:gsLst>
-            <a:lin ang="12000000" scaled="0"/>
-          </a:gradFill>
-          <a:ln>
-            <a:noFill/>
-          </a:ln>
-        </p:spPr>
-        <p:style>
-          <a:lnRef idx="2">
-            <a:schemeClr val="accent1">
-              <a:shade val="50000"/>
-            </a:schemeClr>
-          </a:lnRef>
-          <a:fillRef idx="1">
-            <a:schemeClr val="accent1"/>
-          </a:fillRef>
-          <a:effectRef idx="0">
-            <a:schemeClr val="accent1"/>
-          </a:effectRef>
-          <a:fontRef idx="minor">
-            <a:schemeClr val="lt1"/>
-          </a:fontRef>
-        </p:style>
-        <p:txBody>
-          <a:bodyPr rtlCol="0" anchor="ctr"/>
-          <a:lstStyle/>
-          <a:p>
-            <a:pPr algn="ctr"/>
-            <a:endParaRPr lang="en-US"/>
-          </a:p>
-        </p:txBody>
-      </p:sp>
-      <p:sp>
-        <p:nvSpPr>
           <p:cNvPr id="14" name="Rectangle 13">
-            <a:extLst>
-              <a:ext uri="{FF2B5EF4-FFF2-40B4-BE49-F238E27FC236}">
-                <a16:creationId xmlns:a16="http://schemas.microsoft.com/office/drawing/2014/main" id="{2633B3B5-CC90-43F0-8714-D31D1F3F0209}"/>
-              </a:ext>
-              <a:ext uri="{C183D7F6-B498-43B3-948B-1728B52AA6E4}">
-                <adec:decorative xmlns:adec="http://schemas.microsoft.com/office/drawing/2017/decorative" val="1"/>
-              </a:ext>
-            </a:extLst>
-          </p:cNvPr>
-          <p:cNvSpPr>
-            <a:spLocks noGrp="1" noRot="1" noChangeAspect="1" noMove="1" noResize="1" noEditPoints="1" noAdjustHandles="1" noChangeArrowheads="1" noChangeShapeType="1" noTextEdit="1"/>
-          </p:cNvSpPr>
-          <p:nvPr>
-            <p:extLst>
-              <p:ext uri="{386F3935-93C4-4BCD-93E2-E3B085C9AB24}">
-                <p16:designElem xmlns:p16="http://schemas.microsoft.com/office/powerpoint/2015/main" val="1"/>
-              </p:ext>
-            </p:extLst>
-          </p:nvPr>
-        </p:nvSpPr>
-        <p:spPr>
-          <a:xfrm rot="10800000" flipH="1">
-            <a:off x="-2311" y="0"/>
-            <a:ext cx="9070846" cy="6857572"/>
-          </a:xfrm>
-          <a:prstGeom prst="rect">
-            <a:avLst/>
-          </a:prstGeom>
-          <a:gradFill>
-            <a:gsLst>
-              <a:gs pos="8000">
-                <a:srgbClr val="000000">
-                  <a:alpha val="52000"/>
-                </a:srgbClr>
-              </a:gs>
-              <a:gs pos="100000">
-                <a:schemeClr val="accent1"/>
-              </a:gs>
-            </a:gsLst>
-            <a:lin ang="4800000" scaled="0"/>
-          </a:gradFill>
-          <a:ln>
-            <a:noFill/>
-          </a:ln>
-        </p:spPr>
-        <p:style>
-          <a:lnRef idx="2">
-            <a:schemeClr val="accent1">
-              <a:shade val="50000"/>
-            </a:schemeClr>
-          </a:lnRef>
-          <a:fillRef idx="1">
-            <a:schemeClr val="accent1"/>
-          </a:fillRef>
-          <a:effectRef idx="0">
-            <a:schemeClr val="accent1"/>
-          </a:effectRef>
-          <a:fontRef idx="minor">
-            <a:schemeClr val="lt1"/>
-          </a:fontRef>
-        </p:style>
-        <p:txBody>
-          <a:bodyPr rtlCol="0" anchor="ctr"/>
-          <a:lstStyle/>
-          <a:p>
-            <a:pPr algn="ctr"/>
-            <a:endParaRPr lang="en-US"/>
-          </a:p>
-        </p:txBody>
-      </p:sp>
-      <p:sp>
-        <p:nvSpPr>
-          <p:cNvPr id="16" name="Rectangle 15">
-            <a:extLst>
-              <a:ext uri="{FF2B5EF4-FFF2-40B4-BE49-F238E27FC236}">
-                <a16:creationId xmlns:a16="http://schemas.microsoft.com/office/drawing/2014/main" id="{A8D57A06-A426-446D-B02C-A2DC6B62E45E}"/>
-              </a:ext>
-              <a:ext uri="{C183D7F6-B498-43B3-948B-1728B52AA6E4}">
-                <adec:decorative xmlns:adec="http://schemas.microsoft.com/office/drawing/2017/decorative" val="1"/>
-              </a:ext>
-            </a:extLst>
-          </p:cNvPr>
-          <p:cNvSpPr>
-            <a:spLocks noGrp="1" noRot="1" noChangeAspect="1" noMove="1" noResize="1" noEditPoints="1" noAdjustHandles="1" noChangeArrowheads="1" noChangeShapeType="1" noTextEdit="1"/>
-          </p:cNvSpPr>
-          <p:nvPr>
-            <p:extLst>
-              <p:ext uri="{386F3935-93C4-4BCD-93E2-E3B085C9AB24}">
-                <p16:designElem xmlns:p16="http://schemas.microsoft.com/office/powerpoint/2015/main" val="1"/>
-              </p:ext>
-            </p:extLst>
-          </p:nvPr>
-        </p:nvSpPr>
-        <p:spPr>
-          <a:xfrm rot="16200000" flipH="1">
-            <a:off x="3649491" y="-1685840"/>
-            <a:ext cx="4894564" cy="12193546"/>
-          </a:xfrm>
-          <a:prstGeom prst="rect">
-            <a:avLst/>
-          </a:prstGeom>
-          <a:gradFill>
-            <a:gsLst>
-              <a:gs pos="0">
-                <a:schemeClr val="accent5">
-                  <a:lumMod val="60000"/>
-                  <a:lumOff val="40000"/>
-                  <a:alpha val="0"/>
-                </a:schemeClr>
-              </a:gs>
-              <a:gs pos="100000">
-                <a:srgbClr val="000000">
-                  <a:alpha val="46000"/>
-                </a:srgbClr>
-              </a:gs>
-            </a:gsLst>
-            <a:lin ang="1200000" scaled="0"/>
-          </a:gradFill>
-          <a:ln>
-            <a:noFill/>
-          </a:ln>
-        </p:spPr>
-        <p:style>
-          <a:lnRef idx="2">
-            <a:schemeClr val="accent1">
-              <a:shade val="50000"/>
-            </a:schemeClr>
-          </a:lnRef>
-          <a:fillRef idx="1">
-            <a:schemeClr val="accent1"/>
-          </a:fillRef>
-          <a:effectRef idx="0">
-            <a:schemeClr val="accent1"/>
-          </a:effectRef>
-          <a:fontRef idx="minor">
-            <a:schemeClr val="lt1"/>
-          </a:fontRef>
-        </p:style>
-        <p:txBody>
-          <a:bodyPr rtlCol="0" anchor="ctr"/>
-          <a:lstStyle/>
-          <a:p>
-            <a:pPr algn="ctr"/>
-            <a:endParaRPr lang="en-US"/>
-          </a:p>
-        </p:txBody>
-      </p:sp>
-      <p:sp>
-        <p:nvSpPr>
-          <p:cNvPr id="2" name="TextBox 1">
-            <a:extLst>
-              <a:ext uri="{FF2B5EF4-FFF2-40B4-BE49-F238E27FC236}">
-                <a16:creationId xmlns:a16="http://schemas.microsoft.com/office/drawing/2014/main" id="{58F2584D-F505-4BEE-989E-AAB989B78ACE}"/>
-              </a:ext>
-            </a:extLst>
-          </p:cNvPr>
-          <p:cNvSpPr txBox="1"/>
-          <p:nvPr/>
-        </p:nvSpPr>
-        <p:spPr>
-          <a:xfrm>
-            <a:off x="1944303" y="548640"/>
-            <a:ext cx="5958038" cy="1323439"/>
-          </a:xfrm>
-          <a:prstGeom prst="rect">
-            <a:avLst/>
-          </a:prstGeom>
-          <a:noFill/>
-        </p:spPr>
-        <p:txBody>
-          <a:bodyPr wrap="square" rtlCol="0">
-            <a:spAutoFit/>
-          </a:bodyPr>
-          <a:lstStyle/>
-          <a:p>
-            <a:r>
-              <a:rPr lang="en-US" sz="4000" dirty="0">
-                <a:solidFill>
-                  <a:schemeClr val="bg1"/>
-                </a:solidFill>
-              </a:rPr>
-              <a:t>Application UI Demonstration</a:t>
-            </a:r>
-          </a:p>
-        </p:txBody>
-      </p:sp>
-    </p:spTree>
-    <p:extLst>
-      <p:ext uri="{BB962C8B-B14F-4D97-AF65-F5344CB8AC3E}">
-        <p14:creationId xmlns:p14="http://schemas.microsoft.com/office/powerpoint/2010/main" val="1163989964"/>
-      </p:ext>
-    </p:extLst>
-  </p:cSld>
-  <p:clrMapOvr>
-    <a:masterClrMapping/>
-  </p:clrMapOvr>
-</p:sld>
-</file>
-
-<file path=ppt/slides/slide12.xml><?xml version="1.0" encoding="utf-8"?>
-<p:sld xmlns:a="http://schemas.openxmlformats.org/drawingml/2006/main" xmlns:r="http://schemas.openxmlformats.org/officeDocument/2006/relationships" xmlns:p="http://schemas.openxmlformats.org/presentationml/2006/main">
-  <p:cSld>
-    <p:bg>
-      <p:bgPr>
-        <a:solidFill>
-          <a:schemeClr val="bg1"/>
-        </a:solidFill>
-        <a:effectLst/>
-      </p:bgPr>
-    </p:bg>
-    <p:spTree>
-      <p:nvGrpSpPr>
-        <p:cNvPr id="1" name=""/>
-        <p:cNvGrpSpPr/>
-        <p:nvPr/>
-      </p:nvGrpSpPr>
-      <p:grpSpPr>
-        <a:xfrm>
-          <a:off x="0" y="0"/>
-          <a:ext cx="0" cy="0"/>
-          <a:chOff x="0" y="0"/>
-          <a:chExt cx="0" cy="0"/>
-        </a:xfrm>
-      </p:grpSpPr>
-      <p:sp useBgFill="1">
-        <p:nvSpPr>
-          <p:cNvPr id="10" name="Rectangle 9">
-            <a:extLst>
-              <a:ext uri="{FF2B5EF4-FFF2-40B4-BE49-F238E27FC236}">
-                <a16:creationId xmlns:a16="http://schemas.microsoft.com/office/drawing/2014/main" id="{AB8C311F-7253-4AED-9701-7FC0708C41C7}"/>
-              </a:ext>
-              <a:ext uri="{C183D7F6-B498-43B3-948B-1728B52AA6E4}">
-                <adec:decorative xmlns:adec="http://schemas.microsoft.com/office/drawing/2017/decorative" val="1"/>
-              </a:ext>
-            </a:extLst>
-          </p:cNvPr>
-          <p:cNvSpPr>
-            <a:spLocks noGrp="1" noRot="1" noChangeAspect="1" noMove="1" noResize="1" noEditPoints="1" noAdjustHandles="1" noChangeArrowheads="1" noChangeShapeType="1" noTextEdit="1"/>
-          </p:cNvSpPr>
-          <p:nvPr>
-            <p:extLst>
-              <p:ext uri="{386F3935-93C4-4BCD-93E2-E3B085C9AB24}">
-                <p16:designElem xmlns:p16="http://schemas.microsoft.com/office/powerpoint/2015/main" val="1"/>
-              </p:ext>
-            </p:extLst>
-          </p:nvPr>
-        </p:nvSpPr>
-        <p:spPr>
-          <a:xfrm>
-            <a:off x="0" y="0"/>
-            <a:ext cx="12192000" cy="6858000"/>
-          </a:xfrm>
-          <a:prstGeom prst="rect">
-            <a:avLst/>
-          </a:prstGeom>
-          <a:ln w="12700" cap="flat" cmpd="sng" algn="ctr">
-            <a:noFill/>
-            <a:prstDash val="solid"/>
-            <a:miter lim="800000"/>
-          </a:ln>
-          <a:effectLst/>
-          <a:extLst>
-            <a:ext uri="{91240B29-F687-4F45-9708-019B960494DF}">
-              <a14:hiddenLine xmlns:a14="http://schemas.microsoft.com/office/drawing/2010/main" w="12700" cap="flat" cmpd="sng" algn="ctr">
-                <a:solidFill>
-                  <a:schemeClr val="accent1">
-                    <a:shade val="50000"/>
-                  </a:schemeClr>
-                </a:solidFill>
-                <a:prstDash val="solid"/>
-                <a:miter lim="800000"/>
-              </a14:hiddenLine>
-            </a:ext>
-          </a:extLst>
-        </p:spPr>
-        <p:style>
-          <a:lnRef idx="2">
-            <a:schemeClr val="accent1">
-              <a:shade val="50000"/>
-            </a:schemeClr>
-          </a:lnRef>
-          <a:fillRef idx="1">
-            <a:schemeClr val="accent1"/>
-          </a:fillRef>
-          <a:effectRef idx="0">
-            <a:schemeClr val="accent1"/>
-          </a:effectRef>
-          <a:fontRef idx="minor">
-            <a:schemeClr val="lt1"/>
-          </a:fontRef>
-        </p:style>
-        <p:txBody>
-          <a:bodyPr rtlCol="0" anchor="ctr"/>
-          <a:lstStyle/>
-          <a:p>
-            <a:pPr algn="ctr"/>
-            <a:endParaRPr lang="en-US"/>
-          </a:p>
-        </p:txBody>
-      </p:sp>
-      <p:sp>
-        <p:nvSpPr>
-          <p:cNvPr id="12" name="Rectangle 11">
-            <a:extLst>
-              <a:ext uri="{FF2B5EF4-FFF2-40B4-BE49-F238E27FC236}">
-                <a16:creationId xmlns:a16="http://schemas.microsoft.com/office/drawing/2014/main" id="{E2384209-CB15-4CDF-9D31-C44FD9A3F20D}"/>
-              </a:ext>
-              <a:ext uri="{C183D7F6-B498-43B3-948B-1728B52AA6E4}">
-                <adec:decorative xmlns:adec="http://schemas.microsoft.com/office/drawing/2017/decorative" val="1"/>
-              </a:ext>
-            </a:extLst>
-          </p:cNvPr>
-          <p:cNvSpPr>
-            <a:spLocks noGrp="1" noRot="1" noChangeAspect="1" noMove="1" noResize="1" noEditPoints="1" noAdjustHandles="1" noChangeArrowheads="1" noChangeShapeType="1" noTextEdit="1"/>
-          </p:cNvSpPr>
-          <p:nvPr>
-            <p:extLst>
-              <p:ext uri="{386F3935-93C4-4BCD-93E2-E3B085C9AB24}">
-                <p16:designElem xmlns:p16="http://schemas.microsoft.com/office/powerpoint/2015/main" val="1"/>
-              </p:ext>
-            </p:extLst>
-          </p:nvPr>
-        </p:nvSpPr>
-        <p:spPr>
-          <a:xfrm rot="16200000" flipH="1">
-            <a:off x="2666617" y="-2666188"/>
-            <a:ext cx="6858000" cy="12191233"/>
-          </a:xfrm>
-          <a:prstGeom prst="rect">
-            <a:avLst/>
-          </a:prstGeom>
-          <a:gradFill>
-            <a:gsLst>
-              <a:gs pos="8000">
-                <a:schemeClr val="accent1"/>
-              </a:gs>
-              <a:gs pos="100000">
-                <a:schemeClr val="accent1">
-                  <a:lumMod val="50000"/>
-                </a:schemeClr>
-              </a:gs>
-            </a:gsLst>
-            <a:lin ang="12000000" scaled="0"/>
-          </a:gradFill>
-          <a:ln>
-            <a:noFill/>
-          </a:ln>
-        </p:spPr>
-        <p:style>
-          <a:lnRef idx="2">
-            <a:schemeClr val="accent1">
-              <a:shade val="50000"/>
-            </a:schemeClr>
-          </a:lnRef>
-          <a:fillRef idx="1">
-            <a:schemeClr val="accent1"/>
-          </a:fillRef>
-          <a:effectRef idx="0">
-            <a:schemeClr val="accent1"/>
-          </a:effectRef>
-          <a:fontRef idx="minor">
-            <a:schemeClr val="lt1"/>
-          </a:fontRef>
-        </p:style>
-        <p:txBody>
-          <a:bodyPr rtlCol="0" anchor="ctr"/>
-          <a:lstStyle/>
-          <a:p>
-            <a:pPr algn="ctr"/>
-            <a:endParaRPr lang="en-US"/>
-          </a:p>
-        </p:txBody>
-      </p:sp>
-      <p:sp>
-        <p:nvSpPr>
-          <p:cNvPr id="14" name="Rectangle 13">
-            <a:extLst>
-              <a:ext uri="{FF2B5EF4-FFF2-40B4-BE49-F238E27FC236}">
-                <a16:creationId xmlns:a16="http://schemas.microsoft.com/office/drawing/2014/main" id="{2633B3B5-CC90-43F0-8714-D31D1F3F0209}"/>
-              </a:ext>
-              <a:ext uri="{C183D7F6-B498-43B3-948B-1728B52AA6E4}">
-                <adec:decorative xmlns:adec="http://schemas.microsoft.com/office/drawing/2017/decorative" val="1"/>
-              </a:ext>
-            </a:extLst>
-          </p:cNvPr>
-          <p:cNvSpPr>
-            <a:spLocks noGrp="1" noRot="1" noChangeAspect="1" noMove="1" noResize="1" noEditPoints="1" noAdjustHandles="1" noChangeArrowheads="1" noChangeShapeType="1" noTextEdit="1"/>
-          </p:cNvSpPr>
-          <p:nvPr>
-            <p:extLst>
-              <p:ext uri="{386F3935-93C4-4BCD-93E2-E3B085C9AB24}">
-                <p16:designElem xmlns:p16="http://schemas.microsoft.com/office/powerpoint/2015/main" val="1"/>
-              </p:ext>
-            </p:extLst>
-          </p:nvPr>
-        </p:nvSpPr>
-        <p:spPr>
-          <a:xfrm rot="10800000" flipH="1">
-            <a:off x="-2311" y="0"/>
-            <a:ext cx="9070846" cy="6857572"/>
-          </a:xfrm>
-          <a:prstGeom prst="rect">
-            <a:avLst/>
-          </a:prstGeom>
-          <a:gradFill>
-            <a:gsLst>
-              <a:gs pos="8000">
-                <a:srgbClr val="000000">
-                  <a:alpha val="52000"/>
-                </a:srgbClr>
-              </a:gs>
-              <a:gs pos="100000">
-                <a:schemeClr val="accent1"/>
-              </a:gs>
-            </a:gsLst>
-            <a:lin ang="4800000" scaled="0"/>
-          </a:gradFill>
-          <a:ln>
-            <a:noFill/>
-          </a:ln>
-        </p:spPr>
-        <p:style>
-          <a:lnRef idx="2">
-            <a:schemeClr val="accent1">
-              <a:shade val="50000"/>
-            </a:schemeClr>
-          </a:lnRef>
-          <a:fillRef idx="1">
-            <a:schemeClr val="accent1"/>
-          </a:fillRef>
-          <a:effectRef idx="0">
-            <a:schemeClr val="accent1"/>
-          </a:effectRef>
-          <a:fontRef idx="minor">
-            <a:schemeClr val="lt1"/>
-          </a:fontRef>
-        </p:style>
-        <p:txBody>
-          <a:bodyPr rtlCol="0" anchor="ctr"/>
-          <a:lstStyle/>
-          <a:p>
-            <a:pPr algn="ctr"/>
-            <a:endParaRPr lang="en-US"/>
-          </a:p>
-        </p:txBody>
-      </p:sp>
-      <p:sp>
-        <p:nvSpPr>
-          <p:cNvPr id="16" name="Rectangle 15">
-            <a:extLst>
-              <a:ext uri="{FF2B5EF4-FFF2-40B4-BE49-F238E27FC236}">
-                <a16:creationId xmlns:a16="http://schemas.microsoft.com/office/drawing/2014/main" id="{A8D57A06-A426-446D-B02C-A2DC6B62E45E}"/>
-              </a:ext>
-              <a:ext uri="{C183D7F6-B498-43B3-948B-1728B52AA6E4}">
-                <adec:decorative xmlns:adec="http://schemas.microsoft.com/office/drawing/2017/decorative" val="1"/>
-              </a:ext>
-            </a:extLst>
-          </p:cNvPr>
-          <p:cNvSpPr>
-            <a:spLocks noGrp="1" noRot="1" noChangeAspect="1" noMove="1" noResize="1" noEditPoints="1" noAdjustHandles="1" noChangeArrowheads="1" noChangeShapeType="1" noTextEdit="1"/>
-          </p:cNvSpPr>
-          <p:nvPr>
-            <p:extLst>
-              <p:ext uri="{386F3935-93C4-4BCD-93E2-E3B085C9AB24}">
-                <p16:designElem xmlns:p16="http://schemas.microsoft.com/office/powerpoint/2015/main" val="1"/>
-              </p:ext>
-            </p:extLst>
-          </p:nvPr>
-        </p:nvSpPr>
-        <p:spPr>
-          <a:xfrm rot="16200000" flipH="1">
-            <a:off x="3649491" y="-1685840"/>
-            <a:ext cx="4894564" cy="12193546"/>
-          </a:xfrm>
-          <a:prstGeom prst="rect">
-            <a:avLst/>
-          </a:prstGeom>
-          <a:gradFill>
-            <a:gsLst>
-              <a:gs pos="0">
-                <a:schemeClr val="accent5">
-                  <a:lumMod val="60000"/>
-                  <a:lumOff val="40000"/>
-                  <a:alpha val="0"/>
-                </a:schemeClr>
-              </a:gs>
-              <a:gs pos="100000">
-                <a:srgbClr val="000000">
-                  <a:alpha val="46000"/>
-                </a:srgbClr>
-              </a:gs>
-            </a:gsLst>
-            <a:lin ang="1200000" scaled="0"/>
-          </a:gradFill>
-          <a:ln>
-            <a:noFill/>
-          </a:ln>
-        </p:spPr>
-        <p:style>
-          <a:lnRef idx="2">
-            <a:schemeClr val="accent1">
-              <a:shade val="50000"/>
-            </a:schemeClr>
-          </a:lnRef>
-          <a:fillRef idx="1">
-            <a:schemeClr val="accent1"/>
-          </a:fillRef>
-          <a:effectRef idx="0">
-            <a:schemeClr val="accent1"/>
-          </a:effectRef>
-          <a:fontRef idx="minor">
-            <a:schemeClr val="lt1"/>
-          </a:fontRef>
-        </p:style>
-        <p:txBody>
-          <a:bodyPr rtlCol="0" anchor="ctr"/>
-          <a:lstStyle/>
-          <a:p>
-            <a:pPr algn="ctr"/>
-            <a:endParaRPr lang="en-US"/>
-          </a:p>
-        </p:txBody>
-      </p:sp>
-      <p:sp>
-        <p:nvSpPr>
-          <p:cNvPr id="2" name="TextBox 1">
-            <a:extLst>
-              <a:ext uri="{FF2B5EF4-FFF2-40B4-BE49-F238E27FC236}">
-                <a16:creationId xmlns:a16="http://schemas.microsoft.com/office/drawing/2014/main" id="{58F2584D-F505-4BEE-989E-AAB989B78ACE}"/>
-              </a:ext>
-            </a:extLst>
-          </p:cNvPr>
-          <p:cNvSpPr txBox="1"/>
-          <p:nvPr/>
-        </p:nvSpPr>
-        <p:spPr>
-          <a:xfrm>
-            <a:off x="362010" y="178256"/>
-            <a:ext cx="5958038" cy="1323439"/>
-          </a:xfrm>
-          <a:prstGeom prst="rect">
-            <a:avLst/>
-          </a:prstGeom>
-          <a:noFill/>
-        </p:spPr>
-        <p:txBody>
-          <a:bodyPr wrap="square" rtlCol="0">
-            <a:spAutoFit/>
-          </a:bodyPr>
-          <a:lstStyle/>
-          <a:p>
-            <a:r>
-              <a:rPr lang="en-US" sz="4000" dirty="0">
-                <a:solidFill>
-                  <a:schemeClr val="bg1"/>
-                </a:solidFill>
-              </a:rPr>
-              <a:t>Visualize Output through Dash</a:t>
-            </a:r>
-          </a:p>
-        </p:txBody>
-      </p:sp>
-      <p:pic>
-        <p:nvPicPr>
-          <p:cNvPr id="4" name="Picture 3" descr="Chart, histogram&#10;&#10;Description automatically generated">
-            <a:extLst>
-              <a:ext uri="{FF2B5EF4-FFF2-40B4-BE49-F238E27FC236}">
-                <a16:creationId xmlns:a16="http://schemas.microsoft.com/office/drawing/2014/main" id="{DDF1D0D7-0A9D-4879-BB05-812C2C1520AE}"/>
-              </a:ext>
-            </a:extLst>
-          </p:cNvPr>
-          <p:cNvPicPr>
-            <a:picLocks noChangeAspect="1"/>
-          </p:cNvPicPr>
-          <p:nvPr/>
-        </p:nvPicPr>
-        <p:blipFill>
-          <a:blip r:embed="rId2">
-            <a:extLst>
-              <a:ext uri="{28A0092B-C50C-407E-A947-70E740481C1C}">
-                <a14:useLocalDpi xmlns:a14="http://schemas.microsoft.com/office/drawing/2010/main" val="0"/>
-              </a:ext>
-            </a:extLst>
-          </a:blip>
-          <a:stretch>
-            <a:fillRect/>
-          </a:stretch>
-        </p:blipFill>
-        <p:spPr>
-          <a:xfrm>
-            <a:off x="2220686" y="921594"/>
-            <a:ext cx="9314665" cy="5936406"/>
-          </a:xfrm>
-          <a:prstGeom prst="rect">
-            <a:avLst/>
-          </a:prstGeom>
-        </p:spPr>
-      </p:pic>
-    </p:spTree>
-    <p:extLst>
-      <p:ext uri="{BB962C8B-B14F-4D97-AF65-F5344CB8AC3E}">
-        <p14:creationId xmlns:p14="http://schemas.microsoft.com/office/powerpoint/2010/main" val="4101337380"/>
-      </p:ext>
-    </p:extLst>
-  </p:cSld>
-  <p:clrMapOvr>
-    <a:masterClrMapping/>
-  </p:clrMapOvr>
-</p:sld>
-</file>
-
-<file path=ppt/slides/slide13.xml><?xml version="1.0" encoding="utf-8"?>
-<p:sld xmlns:a="http://schemas.openxmlformats.org/drawingml/2006/main" xmlns:r="http://schemas.openxmlformats.org/officeDocument/2006/relationships" xmlns:p="http://schemas.openxmlformats.org/presentationml/2006/main">
-  <p:cSld>
-    <p:bg>
-      <p:bgPr>
-        <a:solidFill>
-          <a:schemeClr val="bg1"/>
-        </a:solidFill>
-        <a:effectLst/>
-      </p:bgPr>
-    </p:bg>
-    <p:spTree>
-      <p:nvGrpSpPr>
-        <p:cNvPr id="1" name=""/>
-        <p:cNvGrpSpPr/>
-        <p:nvPr/>
-      </p:nvGrpSpPr>
-      <p:grpSpPr>
-        <a:xfrm>
-          <a:off x="0" y="0"/>
-          <a:ext cx="0" cy="0"/>
-          <a:chOff x="0" y="0"/>
-          <a:chExt cx="0" cy="0"/>
-        </a:xfrm>
-      </p:grpSpPr>
-      <p:sp useBgFill="1">
-        <p:nvSpPr>
-          <p:cNvPr id="11" name="Rectangle 10">
             <a:extLst>
               <a:ext uri="{FF2B5EF4-FFF2-40B4-BE49-F238E27FC236}">
                 <a16:creationId xmlns:a16="http://schemas.microsoft.com/office/drawing/2014/main" id="{C232B152-3720-4D3B-97ED-45CE5483F16F}"/>
@@ -10779,7 +9769,7 @@
       </p:sp>
       <p:sp>
         <p:nvSpPr>
-          <p:cNvPr id="13" name="Freeform: Shape 12">
+          <p:cNvPr id="16" name="Freeform: Shape 15">
             <a:extLst>
               <a:ext uri="{FF2B5EF4-FFF2-40B4-BE49-F238E27FC236}">
                 <a16:creationId xmlns:a16="http://schemas.microsoft.com/office/drawing/2014/main" id="{11BAB570-FF10-4E96-8A3F-FA9804702B89}"/>
@@ -12002,7 +10992,7 @@
       </p:sp>
       <p:sp>
         <p:nvSpPr>
-          <p:cNvPr id="15" name="Freeform: Shape 14">
+          <p:cNvPr id="18" name="Freeform: Shape 17">
             <a:extLst>
               <a:ext uri="{FF2B5EF4-FFF2-40B4-BE49-F238E27FC236}">
                 <a16:creationId xmlns:a16="http://schemas.microsoft.com/office/drawing/2014/main" id="{4B9FAFB2-BEB5-4848-8018-BCAD99E2E1AA}"/>
@@ -13273,114 +12263,854 @@
       </p:sp>
       <p:sp>
         <p:nvSpPr>
-          <p:cNvPr id="2" name="Title 1">
+          <p:cNvPr id="8" name="Rectangle 2">
             <a:extLst>
               <a:ext uri="{FF2B5EF4-FFF2-40B4-BE49-F238E27FC236}">
-                <a16:creationId xmlns:a16="http://schemas.microsoft.com/office/drawing/2014/main" id="{A773052D-62DC-4DD5-B832-65A440BC65A7}"/>
+                <a16:creationId xmlns:a16="http://schemas.microsoft.com/office/drawing/2014/main" id="{961112B1-22AF-4B41-B736-AA86970B59AC}"/>
               </a:ext>
             </a:extLst>
           </p:cNvPr>
           <p:cNvSpPr>
-            <a:spLocks noGrp="1"/>
+            <a:spLocks noChangeArrowheads="1"/>
           </p:cNvSpPr>
-          <p:nvPr>
-            <p:ph type="title"/>
-          </p:nvPr>
+          <p:nvPr/>
         </p:nvSpPr>
-        <p:spPr>
+        <p:spPr bwMode="auto">
           <a:xfrm>
-            <a:off x="765051" y="662400"/>
-            <a:ext cx="3384000" cy="1492132"/>
+            <a:off x="355476" y="3092706"/>
+            <a:ext cx="3384000" cy="3844800"/>
           </a:xfrm>
+          <a:prstGeom prst="rect">
+            <a:avLst/>
+          </a:prstGeom>
+          <a:extLst>
+            <a:ext uri="{91240B29-F687-4F45-9708-019B960494DF}">
+              <a14:hiddenLine xmlns:a14="http://schemas.microsoft.com/office/drawing/2010/main" w="9525">
+                <a:solidFill>
+                  <a:schemeClr val="tx1"/>
+                </a:solidFill>
+                <a:miter lim="800000"/>
+                <a:headEnd/>
+                <a:tailEnd/>
+              </a14:hiddenLine>
+            </a:ext>
+            <a:ext uri="{AF507438-7753-43E0-B8FC-AC1667EBCBE1}">
+              <a14:hiddenEffects xmlns:a14="http://schemas.microsoft.com/office/drawing/2010/main">
+                <a:effectLst>
+                  <a:outerShdw dist="35921" dir="2700000" algn="ctr" rotWithShape="0">
+                    <a:schemeClr val="bg2"/>
+                  </a:outerShdw>
+                </a:effectLst>
+              </a14:hiddenEffects>
+            </a:ext>
+          </a:extLst>
         </p:spPr>
         <p:txBody>
-          <a:bodyPr anchor="t">
-            <a:normAutofit/>
+          <a:bodyPr vert="horz" lIns="91440" tIns="45720" rIns="91440" bIns="45720" numCol="1" rtlCol="0" anchorCtr="0" compatLnSpc="1">
+            <a:prstTxWarp prst="textNoShape">
+              <a:avLst/>
+            </a:prstTxWarp>
+            <a:normAutofit lnSpcReduction="10000"/>
           </a:bodyPr>
           <a:lstStyle/>
           <a:p>
+            <a:pPr marL="0" marR="0" lvl="0" indent="-228600" fontAlgn="base">
+              <a:lnSpc>
+                <a:spcPct val="90000"/>
+              </a:lnSpc>
+              <a:spcBef>
+                <a:spcPct val="0"/>
+              </a:spcBef>
+              <a:spcAft>
+                <a:spcPts val="600"/>
+              </a:spcAft>
+              <a:buClrTx/>
+              <a:buSzTx/>
+              <a:buFont typeface="Arial" panose="020B0604020202020204" pitchFamily="34" charset="0"/>
+              <a:buChar char="•"/>
+              <a:tabLst/>
+            </a:pPr>
             <a:r>
-              <a:rPr lang="en-US">
+              <a:rPr kumimoji="0" lang="en-US" altLang="en-US" sz="2000" b="0" i="0" u="none" strike="noStrike" cap="none" normalizeH="0" baseline="0" dirty="0">
+                <a:ln>
+                  <a:noFill/>
+                </a:ln>
                 <a:solidFill>
-                  <a:schemeClr val="bg1"/>
+                  <a:schemeClr val="bg1">
+                    <a:alpha val="60000"/>
+                  </a:schemeClr>
                 </a:solidFill>
+                <a:effectLst/>
               </a:rPr>
-              <a:t>Dash next steps</a:t>
+              <a:t>count         500 </a:t>
             </a:r>
           </a:p>
-        </p:txBody>
-      </p:sp>
-      <p:sp>
-        <p:nvSpPr>
-          <p:cNvPr id="4" name="Content Placeholder 3">
-            <a:extLst>
-              <a:ext uri="{FF2B5EF4-FFF2-40B4-BE49-F238E27FC236}">
-                <a16:creationId xmlns:a16="http://schemas.microsoft.com/office/drawing/2014/main" id="{6131F640-8F15-42AB-BE29-869F4A4256E9}"/>
-              </a:ext>
-            </a:extLst>
-          </p:cNvPr>
-          <p:cNvSpPr>
-            <a:spLocks noGrp="1"/>
-          </p:cNvSpPr>
-          <p:nvPr>
-            <p:ph idx="1"/>
-          </p:nvPr>
-        </p:nvSpPr>
-        <p:spPr>
-          <a:xfrm>
-            <a:off x="765051" y="2286000"/>
-            <a:ext cx="3384000" cy="3844800"/>
-          </a:xfrm>
-        </p:spPr>
-        <p:txBody>
-          <a:bodyPr>
-            <a:normAutofit/>
-          </a:bodyPr>
-          <a:lstStyle/>
-          <a:p>
+          <a:p>
+            <a:pPr marL="0" marR="0" lvl="0" indent="-228600" fontAlgn="base">
+              <a:lnSpc>
+                <a:spcPct val="90000"/>
+              </a:lnSpc>
+              <a:spcBef>
+                <a:spcPct val="0"/>
+              </a:spcBef>
+              <a:spcAft>
+                <a:spcPts val="600"/>
+              </a:spcAft>
+              <a:buClrTx/>
+              <a:buSzTx/>
+              <a:buFont typeface="Arial" panose="020B0604020202020204" pitchFamily="34" charset="0"/>
+              <a:buChar char="•"/>
+              <a:tabLst/>
+            </a:pPr>
             <a:r>
-              <a:rPr lang="en-US" sz="3200" dirty="0">
+              <a:rPr kumimoji="0" lang="en-US" altLang="en-US" sz="2000" b="0" i="0" u="none" strike="noStrike" cap="none" normalizeH="0" baseline="0" dirty="0">
+                <a:ln>
+                  <a:noFill/>
+                </a:ln>
+                <a:solidFill>
+                  <a:schemeClr val="bg1">
+                    <a:alpha val="60000"/>
+                  </a:schemeClr>
+                </a:solidFill>
+                <a:effectLst/>
+              </a:rPr>
+              <a:t>mean         1.55 </a:t>
+            </a:r>
+          </a:p>
+          <a:p>
+            <a:pPr marL="0" marR="0" lvl="0" indent="-228600" fontAlgn="base">
+              <a:lnSpc>
+                <a:spcPct val="90000"/>
+              </a:lnSpc>
+              <a:spcBef>
+                <a:spcPct val="0"/>
+              </a:spcBef>
+              <a:spcAft>
+                <a:spcPts val="600"/>
+              </a:spcAft>
+              <a:buClrTx/>
+              <a:buSzTx/>
+              <a:buFont typeface="Arial" panose="020B0604020202020204" pitchFamily="34" charset="0"/>
+              <a:buChar char="•"/>
+              <a:tabLst/>
+            </a:pPr>
+            <a:r>
+              <a:rPr kumimoji="0" lang="en-US" altLang="en-US" sz="2000" b="0" i="0" u="none" strike="noStrike" cap="none" normalizeH="0" baseline="0" dirty="0">
+                <a:ln>
+                  <a:noFill/>
+                </a:ln>
+                <a:solidFill>
+                  <a:schemeClr val="bg1">
+                    <a:alpha val="60000"/>
+                  </a:schemeClr>
+                </a:solidFill>
+                <a:effectLst/>
+              </a:rPr>
+              <a:t>std              0.37</a:t>
+            </a:r>
+          </a:p>
+          <a:p>
+            <a:pPr marL="0" marR="0" lvl="0" indent="-228600" fontAlgn="base">
+              <a:lnSpc>
+                <a:spcPct val="90000"/>
+              </a:lnSpc>
+              <a:spcBef>
+                <a:spcPct val="0"/>
+              </a:spcBef>
+              <a:spcAft>
+                <a:spcPts val="600"/>
+              </a:spcAft>
+              <a:buClrTx/>
+              <a:buSzTx/>
+              <a:buFont typeface="Arial" panose="020B0604020202020204" pitchFamily="34" charset="0"/>
+              <a:buChar char="•"/>
+              <a:tabLst/>
+            </a:pPr>
+            <a:r>
+              <a:rPr kumimoji="0" lang="en-US" altLang="en-US" sz="2000" b="0" i="0" u="none" strike="noStrike" cap="none" normalizeH="0" baseline="0" dirty="0">
+                <a:ln>
+                  <a:noFill/>
+                </a:ln>
+                <a:solidFill>
+                  <a:schemeClr val="bg1">
+                    <a:alpha val="60000"/>
+                  </a:schemeClr>
+                </a:solidFill>
+                <a:effectLst/>
+              </a:rPr>
+              <a:t>min             0.69 </a:t>
+            </a:r>
+          </a:p>
+          <a:p>
+            <a:pPr marL="0" marR="0" lvl="0" indent="-228600" fontAlgn="base">
+              <a:lnSpc>
+                <a:spcPct val="90000"/>
+              </a:lnSpc>
+              <a:spcBef>
+                <a:spcPct val="0"/>
+              </a:spcBef>
+              <a:spcAft>
+                <a:spcPts val="600"/>
+              </a:spcAft>
+              <a:buClrTx/>
+              <a:buSzTx/>
+              <a:buFont typeface="Arial" panose="020B0604020202020204" pitchFamily="34" charset="0"/>
+              <a:buChar char="•"/>
+              <a:tabLst/>
+            </a:pPr>
+            <a:r>
+              <a:rPr kumimoji="0" lang="en-US" altLang="en-US" sz="2000" b="0" i="0" u="none" strike="noStrike" cap="none" normalizeH="0" baseline="0" dirty="0">
+                <a:ln>
+                  <a:noFill/>
+                </a:ln>
+                <a:solidFill>
+                  <a:schemeClr val="bg1">
+                    <a:alpha val="60000"/>
+                  </a:schemeClr>
+                </a:solidFill>
+                <a:effectLst/>
+              </a:rPr>
+              <a:t>25%            1.29 </a:t>
+            </a:r>
+          </a:p>
+          <a:p>
+            <a:pPr marL="0" marR="0" lvl="0" indent="-228600" fontAlgn="base">
+              <a:lnSpc>
+                <a:spcPct val="90000"/>
+              </a:lnSpc>
+              <a:spcBef>
+                <a:spcPct val="0"/>
+              </a:spcBef>
+              <a:spcAft>
+                <a:spcPts val="600"/>
+              </a:spcAft>
+              <a:buClrTx/>
+              <a:buSzTx/>
+              <a:buFont typeface="Arial" panose="020B0604020202020204" pitchFamily="34" charset="0"/>
+              <a:buChar char="•"/>
+              <a:tabLst/>
+            </a:pPr>
+            <a:r>
+              <a:rPr kumimoji="0" lang="en-US" altLang="en-US" sz="2000" b="0" i="0" u="none" strike="noStrike" cap="none" normalizeH="0" baseline="0" dirty="0">
+                <a:ln>
+                  <a:noFill/>
+                </a:ln>
+                <a:solidFill>
+                  <a:schemeClr val="bg1">
+                    <a:alpha val="60000"/>
+                  </a:schemeClr>
+                </a:solidFill>
+                <a:effectLst/>
+              </a:rPr>
+              <a:t>50%            1.51 </a:t>
+            </a:r>
+          </a:p>
+          <a:p>
+            <a:pPr marL="0" marR="0" lvl="0" indent="-228600" fontAlgn="base">
+              <a:lnSpc>
+                <a:spcPct val="90000"/>
+              </a:lnSpc>
+              <a:spcBef>
+                <a:spcPct val="0"/>
+              </a:spcBef>
+              <a:spcAft>
+                <a:spcPts val="600"/>
+              </a:spcAft>
+              <a:buClrTx/>
+              <a:buSzTx/>
+              <a:buFont typeface="Arial" panose="020B0604020202020204" pitchFamily="34" charset="0"/>
+              <a:buChar char="•"/>
+              <a:tabLst/>
+            </a:pPr>
+            <a:r>
+              <a:rPr kumimoji="0" lang="en-US" altLang="en-US" sz="2000" b="0" i="0" u="none" strike="noStrike" cap="none" normalizeH="0" baseline="0" dirty="0">
+                <a:ln>
+                  <a:noFill/>
+                </a:ln>
+                <a:solidFill>
+                  <a:schemeClr val="bg1">
+                    <a:alpha val="60000"/>
+                  </a:schemeClr>
+                </a:solidFill>
+                <a:effectLst/>
+              </a:rPr>
+              <a:t>75%            1.76 </a:t>
+            </a:r>
+          </a:p>
+          <a:p>
+            <a:pPr marL="0" marR="0" lvl="0" indent="-228600" fontAlgn="base">
+              <a:lnSpc>
+                <a:spcPct val="90000"/>
+              </a:lnSpc>
+              <a:spcBef>
+                <a:spcPct val="0"/>
+              </a:spcBef>
+              <a:spcAft>
+                <a:spcPts val="600"/>
+              </a:spcAft>
+              <a:buClrTx/>
+              <a:buSzTx/>
+              <a:buFont typeface="Arial" panose="020B0604020202020204" pitchFamily="34" charset="0"/>
+              <a:buChar char="•"/>
+              <a:tabLst/>
+            </a:pPr>
+            <a:r>
+              <a:rPr kumimoji="0" lang="en-US" altLang="en-US" sz="2000" b="0" i="0" u="none" strike="noStrike" cap="none" normalizeH="0" baseline="0" dirty="0">
+                <a:ln>
+                  <a:noFill/>
+                </a:ln>
+                <a:solidFill>
+                  <a:schemeClr val="bg1">
+                    <a:alpha val="60000"/>
+                  </a:schemeClr>
+                </a:solidFill>
+                <a:effectLst/>
+              </a:rPr>
+              <a:t>max            </a:t>
+            </a:r>
+            <a:r>
+              <a:rPr lang="en-US" altLang="en-US" sz="2000" dirty="0">
                 <a:solidFill>
                   <a:schemeClr val="bg1">
                     <a:alpha val="60000"/>
                   </a:schemeClr>
                 </a:solidFill>
               </a:rPr>
-              <a:t>Launching full web application</a:t>
+              <a:t>2.95</a:t>
             </a:r>
-          </a:p>
-          <a:p>
             <a:r>
-              <a:rPr lang="en-US" sz="3200" dirty="0">
+              <a:rPr kumimoji="0" lang="en-US" altLang="en-US" sz="2000" b="0" i="0" u="none" strike="noStrike" cap="none" normalizeH="0" baseline="0" dirty="0">
+                <a:ln>
+                  <a:noFill/>
+                </a:ln>
+                <a:solidFill>
+                  <a:schemeClr val="bg1">
+                    <a:alpha val="60000"/>
+                  </a:schemeClr>
+                </a:solidFill>
+                <a:effectLst/>
+              </a:rPr>
+              <a:t> </a:t>
+            </a:r>
+          </a:p>
+          <a:p>
+            <a:pPr marL="0" marR="0" lvl="0" indent="-228600" fontAlgn="base">
+              <a:lnSpc>
+                <a:spcPct val="90000"/>
+              </a:lnSpc>
+              <a:spcBef>
+                <a:spcPct val="0"/>
+              </a:spcBef>
+              <a:spcAft>
+                <a:spcPts val="600"/>
+              </a:spcAft>
+              <a:buClrTx/>
+              <a:buSzTx/>
+              <a:buFont typeface="Arial" panose="020B0604020202020204" pitchFamily="34" charset="0"/>
+              <a:buChar char="•"/>
+              <a:tabLst/>
+            </a:pPr>
+            <a:r>
+              <a:rPr kumimoji="0" lang="en-US" altLang="en-US" sz="2000" b="0" i="0" u="none" strike="noStrike" cap="none" normalizeH="0" baseline="0" dirty="0">
+                <a:ln>
+                  <a:noFill/>
+                </a:ln>
+                <a:solidFill>
+                  <a:schemeClr val="bg1">
+                    <a:alpha val="60000"/>
+                  </a:schemeClr>
+                </a:solidFill>
+                <a:effectLst/>
+              </a:rPr>
+              <a:t>95% </a:t>
+            </a:r>
+            <a:r>
+              <a:rPr lang="en-US" altLang="en-US" sz="2000" dirty="0">
                 <a:solidFill>
                   <a:schemeClr val="bg1">
                     <a:alpha val="60000"/>
                   </a:schemeClr>
                 </a:solidFill>
               </a:rPr>
-              <a:t>Integrating questions from our questionary</a:t>
+              <a:t>CI - </a:t>
             </a:r>
           </a:p>
           <a:p>
+            <a:pPr marL="0" marR="0" lvl="0" indent="-228600" fontAlgn="base">
+              <a:lnSpc>
+                <a:spcPct val="90000"/>
+              </a:lnSpc>
+              <a:spcBef>
+                <a:spcPct val="0"/>
+              </a:spcBef>
+              <a:spcAft>
+                <a:spcPts val="600"/>
+              </a:spcAft>
+              <a:buClrTx/>
+              <a:buSzTx/>
+              <a:buFont typeface="Arial" panose="020B0604020202020204" pitchFamily="34" charset="0"/>
+              <a:buChar char="•"/>
+              <a:tabLst/>
+            </a:pPr>
             <a:r>
-              <a:rPr lang="en-US" sz="3200" dirty="0">
+              <a:rPr kumimoji="0" lang="en-US" altLang="en-US" sz="2000" b="0" i="0" u="none" strike="noStrike" cap="none" normalizeH="0" baseline="0" dirty="0">
+                <a:ln>
+                  <a:noFill/>
+                </a:ln>
                 <a:solidFill>
                   <a:schemeClr val="bg1">
                     <a:alpha val="60000"/>
                   </a:schemeClr>
                 </a:solidFill>
+                <a:effectLst/>
               </a:rPr>
-              <a:t>Making daily updates on ratios</a:t>
+              <a:t>Lower        0.91 </a:t>
+            </a:r>
+          </a:p>
+          <a:p>
+            <a:pPr marL="0" marR="0" lvl="0" indent="-228600" fontAlgn="base">
+              <a:lnSpc>
+                <a:spcPct val="90000"/>
+              </a:lnSpc>
+              <a:spcBef>
+                <a:spcPct val="0"/>
+              </a:spcBef>
+              <a:spcAft>
+                <a:spcPts val="600"/>
+              </a:spcAft>
+              <a:buClrTx/>
+              <a:buSzTx/>
+              <a:buFont typeface="Arial" panose="020B0604020202020204" pitchFamily="34" charset="0"/>
+              <a:buChar char="•"/>
+              <a:tabLst/>
+            </a:pPr>
+            <a:r>
+              <a:rPr kumimoji="0" lang="en-US" altLang="en-US" sz="2000" b="0" i="0" u="none" strike="noStrike" cap="none" normalizeH="0" baseline="0" dirty="0">
+                <a:ln>
+                  <a:noFill/>
+                </a:ln>
+                <a:solidFill>
+                  <a:schemeClr val="bg1">
+                    <a:alpha val="60000"/>
+                  </a:schemeClr>
+                </a:solidFill>
+                <a:effectLst/>
+              </a:rPr>
+              <a:t>Upper        2.41</a:t>
+            </a:r>
+          </a:p>
+        </p:txBody>
+      </p:sp>
+      <p:sp>
+        <p:nvSpPr>
+          <p:cNvPr id="9" name="Rectangle 3">
+            <a:extLst>
+              <a:ext uri="{FF2B5EF4-FFF2-40B4-BE49-F238E27FC236}">
+                <a16:creationId xmlns:a16="http://schemas.microsoft.com/office/drawing/2014/main" id="{D7234067-148F-46BF-B20A-0A6B397C0C60}"/>
+              </a:ext>
+            </a:extLst>
+          </p:cNvPr>
+          <p:cNvSpPr>
+            <a:spLocks noChangeArrowheads="1"/>
+          </p:cNvSpPr>
+          <p:nvPr/>
+        </p:nvSpPr>
+        <p:spPr bwMode="auto">
+          <a:xfrm>
+            <a:off x="5035313" y="5205432"/>
+            <a:ext cx="6959450" cy="1261884"/>
+          </a:xfrm>
+          <a:prstGeom prst="rect">
+            <a:avLst/>
+          </a:prstGeom>
+          <a:solidFill>
+            <a:srgbClr val="FFFFFF"/>
+          </a:solidFill>
+          <a:ln>
+            <a:noFill/>
+          </a:ln>
+          <a:effectLst/>
+          <a:extLst>
+            <a:ext uri="{91240B29-F687-4F45-9708-019B960494DF}">
+              <a14:hiddenLine xmlns:a14="http://schemas.microsoft.com/office/drawing/2010/main" w="9525">
+                <a:solidFill>
+                  <a:schemeClr val="tx1"/>
+                </a:solidFill>
+                <a:miter lim="800000"/>
+                <a:headEnd/>
+                <a:tailEnd/>
+              </a14:hiddenLine>
+            </a:ext>
+            <a:ext uri="{AF507438-7753-43E0-B8FC-AC1667EBCBE1}">
+              <a14:hiddenEffects xmlns:a14="http://schemas.microsoft.com/office/drawing/2010/main">
+                <a:effectLst>
+                  <a:outerShdw dist="35921" dir="2700000" algn="ctr" rotWithShape="0">
+                    <a:schemeClr val="bg2"/>
+                  </a:outerShdw>
+                </a:effectLst>
+              </a14:hiddenEffects>
+            </a:ext>
+          </a:extLst>
+        </p:spPr>
+        <p:txBody>
+          <a:bodyPr vert="horz" wrap="square" lIns="0" tIns="0" rIns="0" bIns="0" numCol="1" anchor="ctr" anchorCtr="0" compatLnSpc="1">
+            <a:prstTxWarp prst="textNoShape">
+              <a:avLst/>
+            </a:prstTxWarp>
+            <a:spAutoFit/>
+          </a:bodyPr>
+          <a:lstStyle/>
+          <a:p>
+            <a:pPr marL="0" marR="0" lvl="0" indent="0" algn="l" defTabSz="914400" rtl="0" eaLnBrk="0" fontAlgn="base" latinLnBrk="0" hangingPunct="0">
+              <a:spcBef>
+                <a:spcPct val="0"/>
+              </a:spcBef>
+              <a:spcAft>
+                <a:spcPts val="600"/>
+              </a:spcAft>
+              <a:buClrTx/>
+              <a:buSzTx/>
+              <a:buFontTx/>
+              <a:buNone/>
+              <a:tabLst/>
+            </a:pPr>
+            <a:r>
+              <a:rPr kumimoji="0" lang="en-US" altLang="en-US" sz="2400" b="0" i="0" u="none" strike="noStrike" cap="none" normalizeH="0" baseline="0" dirty="0">
+                <a:ln>
+                  <a:noFill/>
+                </a:ln>
+                <a:solidFill>
+                  <a:schemeClr val="tx1"/>
+                </a:solidFill>
+                <a:effectLst/>
+                <a:latin typeface="var(--jp-code-font-family)"/>
+              </a:rPr>
+              <a:t>There is a 95% chance that an initial investment of </a:t>
+            </a:r>
+          </a:p>
+          <a:p>
+            <a:pPr marL="0" marR="0" lvl="0" indent="0" algn="l" defTabSz="914400" rtl="0" eaLnBrk="0" fontAlgn="base" latinLnBrk="0" hangingPunct="0">
+              <a:spcBef>
+                <a:spcPct val="0"/>
+              </a:spcBef>
+              <a:spcAft>
+                <a:spcPts val="600"/>
+              </a:spcAft>
+              <a:buClrTx/>
+              <a:buSzTx/>
+              <a:buFontTx/>
+              <a:buNone/>
+              <a:tabLst/>
+            </a:pPr>
+            <a:r>
+              <a:rPr kumimoji="0" lang="en-US" altLang="en-US" sz="2400" b="0" i="0" u="none" strike="noStrike" cap="none" normalizeH="0" baseline="0" dirty="0">
+                <a:ln>
+                  <a:noFill/>
+                </a:ln>
+                <a:solidFill>
+                  <a:schemeClr val="tx1"/>
+                </a:solidFill>
+                <a:effectLst/>
+                <a:latin typeface="var(--jp-code-font-family)"/>
+              </a:rPr>
+              <a:t>$</a:t>
+            </a:r>
+            <a:r>
+              <a:rPr kumimoji="0" lang="en-US" altLang="en-US" sz="2400" b="1" i="0" u="none" strike="noStrike" cap="none" normalizeH="0" baseline="0" dirty="0">
+                <a:ln>
+                  <a:noFill/>
+                </a:ln>
+                <a:solidFill>
+                  <a:schemeClr val="tx1"/>
+                </a:solidFill>
+                <a:effectLst/>
+                <a:latin typeface="var(--jp-code-font-family)"/>
+              </a:rPr>
+              <a:t>10,000</a:t>
+            </a:r>
+            <a:r>
+              <a:rPr kumimoji="0" lang="en-US" altLang="en-US" sz="2400" b="0" i="0" u="none" strike="noStrike" cap="none" normalizeH="0" baseline="0" dirty="0">
+                <a:ln>
+                  <a:noFill/>
+                </a:ln>
+                <a:solidFill>
+                  <a:schemeClr val="tx1"/>
+                </a:solidFill>
+                <a:effectLst/>
+                <a:latin typeface="var(--jp-code-font-family)"/>
+              </a:rPr>
+              <a:t> in the portfolio</a:t>
+            </a:r>
+          </a:p>
+          <a:p>
+            <a:pPr marL="0" marR="0" lvl="0" indent="0" algn="l" defTabSz="914400" rtl="0" eaLnBrk="0" fontAlgn="base" latinLnBrk="0" hangingPunct="0">
+              <a:spcBef>
+                <a:spcPct val="0"/>
+              </a:spcBef>
+              <a:spcAft>
+                <a:spcPts val="600"/>
+              </a:spcAft>
+              <a:buClrTx/>
+              <a:buSzTx/>
+              <a:buFontTx/>
+              <a:buNone/>
+              <a:tabLst/>
+            </a:pPr>
+            <a:r>
+              <a:rPr lang="en-US" altLang="en-US" sz="2400" dirty="0">
+                <a:latin typeface="var(--jp-code-font-family)"/>
+              </a:rPr>
+              <a:t>Returns </a:t>
+            </a:r>
+            <a:r>
+              <a:rPr kumimoji="0" lang="en-US" altLang="en-US" sz="2400" b="0" i="0" u="none" strike="noStrike" cap="none" normalizeH="0" baseline="0" dirty="0">
+                <a:ln>
+                  <a:noFill/>
+                </a:ln>
+                <a:solidFill>
+                  <a:schemeClr val="tx1"/>
+                </a:solidFill>
+                <a:effectLst/>
+                <a:latin typeface="var(--jp-code-font-family)"/>
+              </a:rPr>
+              <a:t> $</a:t>
+            </a:r>
+            <a:r>
+              <a:rPr kumimoji="0" lang="en-US" altLang="en-US" sz="2400" b="1" i="0" u="none" strike="noStrike" cap="none" normalizeH="0" baseline="0" dirty="0">
+                <a:ln>
+                  <a:noFill/>
+                </a:ln>
+                <a:solidFill>
+                  <a:schemeClr val="tx1"/>
+                </a:solidFill>
+                <a:effectLst/>
+                <a:latin typeface="var(--jp-code-font-family)"/>
+              </a:rPr>
+              <a:t>9071.96</a:t>
+            </a:r>
+            <a:r>
+              <a:rPr kumimoji="0" lang="en-US" altLang="en-US" sz="2400" b="0" i="0" u="none" strike="noStrike" cap="none" normalizeH="0" baseline="0" dirty="0">
+                <a:ln>
+                  <a:noFill/>
+                </a:ln>
+                <a:solidFill>
+                  <a:schemeClr val="tx1"/>
+                </a:solidFill>
+                <a:effectLst/>
+                <a:latin typeface="var(--jp-code-font-family)"/>
+              </a:rPr>
+              <a:t> </a:t>
+            </a:r>
+            <a:r>
+              <a:rPr lang="en-US" altLang="en-US" sz="2400" dirty="0">
+                <a:latin typeface="var(--jp-code-font-family)"/>
+              </a:rPr>
+              <a:t>to</a:t>
+            </a:r>
+            <a:r>
+              <a:rPr kumimoji="0" lang="en-US" altLang="en-US" sz="2400" b="0" i="0" u="none" strike="noStrike" cap="none" normalizeH="0" baseline="0" dirty="0">
+                <a:ln>
+                  <a:noFill/>
+                </a:ln>
+                <a:solidFill>
+                  <a:schemeClr val="tx1"/>
+                </a:solidFill>
+                <a:effectLst/>
+                <a:latin typeface="var(--jp-code-font-family)"/>
+              </a:rPr>
+              <a:t> $</a:t>
+            </a:r>
+            <a:r>
+              <a:rPr kumimoji="0" lang="en-US" altLang="en-US" sz="2400" b="1" i="0" u="none" strike="noStrike" cap="none" normalizeH="0" baseline="0" dirty="0">
+                <a:ln>
+                  <a:noFill/>
+                </a:ln>
+                <a:solidFill>
+                  <a:schemeClr val="tx1"/>
+                </a:solidFill>
+                <a:effectLst/>
+                <a:latin typeface="var(--jp-code-font-family)"/>
+              </a:rPr>
+              <a:t>24128.53</a:t>
+            </a:r>
+            <a:r>
+              <a:rPr kumimoji="0" lang="en-US" altLang="en-US" sz="2400" b="0" i="0" u="none" strike="noStrike" cap="none" normalizeH="0" baseline="0" dirty="0">
+                <a:ln>
+                  <a:noFill/>
+                </a:ln>
+                <a:solidFill>
+                  <a:schemeClr val="tx1"/>
+                </a:solidFill>
+                <a:effectLst/>
+                <a:latin typeface="var(--jp-code-font-family)"/>
+              </a:rPr>
+              <a:t>.</a:t>
+            </a:r>
+            <a:r>
+              <a:rPr kumimoji="0" lang="en-US" altLang="en-US" sz="2400" b="0" i="0" u="none" strike="noStrike" cap="none" normalizeH="0" baseline="0" dirty="0">
+                <a:ln>
+                  <a:noFill/>
+                </a:ln>
+                <a:solidFill>
+                  <a:schemeClr val="tx1"/>
+                </a:solidFill>
+                <a:effectLst/>
+              </a:rPr>
+              <a:t> </a:t>
+            </a:r>
+            <a:endParaRPr kumimoji="0" lang="en-US" altLang="en-US" sz="2400" b="0" i="0" u="none" strike="noStrike" cap="none" normalizeH="0" baseline="0" dirty="0">
+              <a:ln>
+                <a:noFill/>
+              </a:ln>
+              <a:solidFill>
+                <a:schemeClr val="tx1"/>
+              </a:solidFill>
+              <a:effectLst/>
+              <a:latin typeface="Arial" panose="020B0604020202020204" pitchFamily="34" charset="0"/>
+            </a:endParaRPr>
+          </a:p>
+        </p:txBody>
+      </p:sp>
+      <p:sp>
+        <p:nvSpPr>
+          <p:cNvPr id="2" name="TextBox 1">
+            <a:extLst>
+              <a:ext uri="{FF2B5EF4-FFF2-40B4-BE49-F238E27FC236}">
+                <a16:creationId xmlns:a16="http://schemas.microsoft.com/office/drawing/2014/main" id="{B1768CFA-28A3-440C-93CA-254317782DC8}"/>
+              </a:ext>
+            </a:extLst>
+          </p:cNvPr>
+          <p:cNvSpPr txBox="1"/>
+          <p:nvPr/>
+        </p:nvSpPr>
+        <p:spPr>
+          <a:xfrm>
+            <a:off x="4591980" y="132416"/>
+            <a:ext cx="7869925" cy="1569660"/>
+          </a:xfrm>
+          <a:prstGeom prst="rect">
+            <a:avLst/>
+          </a:prstGeom>
+          <a:noFill/>
+        </p:spPr>
+        <p:txBody>
+          <a:bodyPr wrap="square" rtlCol="0">
+            <a:spAutoFit/>
+          </a:bodyPr>
+          <a:lstStyle/>
+          <a:p>
+            <a:r>
+              <a:rPr lang="en-US" sz="3200" dirty="0"/>
+              <a:t>Portfolio</a:t>
+            </a:r>
+            <a:r>
+              <a:rPr lang="en-US" sz="3200" dirty="0">
+                <a:solidFill>
+                  <a:schemeClr val="bg1"/>
+                </a:solidFill>
+              </a:rPr>
+              <a:t> </a:t>
+            </a:r>
+            <a:r>
+              <a:rPr lang="en-US" sz="3200" dirty="0"/>
+              <a:t>consisting of 20% </a:t>
+            </a:r>
+          </a:p>
+          <a:p>
+            <a:r>
+              <a:rPr lang="en-US" sz="3200" dirty="0"/>
+              <a:t>and 48% spy (stock) and 32% </a:t>
+            </a:r>
+            <a:r>
+              <a:rPr lang="en-US" sz="3200" dirty="0" err="1"/>
+              <a:t>ier</a:t>
+            </a:r>
+            <a:r>
+              <a:rPr lang="en-US" sz="3200" dirty="0"/>
+              <a:t> (bond)</a:t>
+            </a:r>
+          </a:p>
+          <a:p>
+            <a:r>
+              <a:rPr lang="en-US" sz="3200" dirty="0"/>
+              <a:t>Monte Carlo</a:t>
+            </a:r>
+          </a:p>
+        </p:txBody>
+      </p:sp>
+      <p:sp>
+        <p:nvSpPr>
+          <p:cNvPr id="11" name="TextBox 10">
+            <a:extLst>
+              <a:ext uri="{FF2B5EF4-FFF2-40B4-BE49-F238E27FC236}">
+                <a16:creationId xmlns:a16="http://schemas.microsoft.com/office/drawing/2014/main" id="{F74EED0D-9507-4CCE-A73A-7655C1BECB4A}"/>
+              </a:ext>
+            </a:extLst>
+          </p:cNvPr>
+          <p:cNvSpPr txBox="1"/>
+          <p:nvPr/>
+        </p:nvSpPr>
+        <p:spPr>
+          <a:xfrm>
+            <a:off x="2084225" y="141007"/>
+            <a:ext cx="7869925" cy="1569660"/>
+          </a:xfrm>
+          <a:prstGeom prst="rect">
+            <a:avLst/>
+          </a:prstGeom>
+          <a:noFill/>
+        </p:spPr>
+        <p:txBody>
+          <a:bodyPr wrap="square" rtlCol="0">
+            <a:spAutoFit/>
+          </a:bodyPr>
+          <a:lstStyle/>
+          <a:p>
+            <a:r>
+              <a:rPr lang="en-US" sz="3200" dirty="0">
+                <a:solidFill>
+                  <a:schemeClr val="bg1"/>
+                </a:solidFill>
+              </a:rPr>
+              <a:t>Forecasting of</a:t>
+            </a:r>
+          </a:p>
+          <a:p>
+            <a:r>
+              <a:rPr lang="en-US" sz="3200" dirty="0" err="1">
+                <a:solidFill>
+                  <a:schemeClr val="bg1"/>
+                </a:solidFill>
+              </a:rPr>
+              <a:t>tlt</a:t>
+            </a:r>
+            <a:r>
+              <a:rPr lang="en-US" sz="3200" dirty="0">
+                <a:solidFill>
+                  <a:schemeClr val="bg1"/>
+                </a:solidFill>
+              </a:rPr>
+              <a:t> (diversifier) </a:t>
+            </a:r>
+          </a:p>
+          <a:p>
+            <a:r>
+              <a:rPr lang="en-US" sz="3200" dirty="0">
+                <a:solidFill>
+                  <a:schemeClr val="bg1"/>
+                </a:solidFill>
+              </a:rPr>
+              <a:t>              using</a:t>
             </a:r>
           </a:p>
         </p:txBody>
       </p:sp>
       <p:pic>
         <p:nvPicPr>
-          <p:cNvPr id="6" name="Picture 5" descr="Stock exchange numbers">
+          <p:cNvPr id="7" name="Picture 6" descr="Chart, line chart&#10;&#10;Description automatically generated">
             <a:extLst>
               <a:ext uri="{FF2B5EF4-FFF2-40B4-BE49-F238E27FC236}">
-                <a16:creationId xmlns:a16="http://schemas.microsoft.com/office/drawing/2014/main" id="{22B2FCB6-3BA8-4B5D-997B-DA67E0FD1A7B}"/>
+                <a16:creationId xmlns:a16="http://schemas.microsoft.com/office/drawing/2014/main" id="{DE049023-302E-4D1D-8B51-C2F6AF4E71A9}"/>
               </a:ext>
             </a:extLst>
           </p:cNvPr>
@@ -13389,15 +13119,22 @@
           </p:cNvPicPr>
           <p:nvPr/>
         </p:nvPicPr>
-        <p:blipFill rotWithShape="1">
-          <a:blip r:embed="rId2"/>
-          <a:srcRect l="33698" r="32216" b="-1"/>
-          <a:stretch/>
+        <p:blipFill>
+          <a:blip r:embed="rId2">
+            <a:extLst>
+              <a:ext uri="{28A0092B-C50C-407E-A947-70E740481C1C}">
+                <a14:useLocalDpi xmlns:a14="http://schemas.microsoft.com/office/drawing/2010/main" val="0"/>
+              </a:ext>
+            </a:extLst>
+          </a:blip>
+          <a:stretch>
+            <a:fillRect/>
+          </a:stretch>
         </p:blipFill>
         <p:spPr>
           <a:xfrm>
-            <a:off x="6948237" y="559738"/>
-            <a:ext cx="2844845" cy="5571062"/>
+            <a:off x="3637199" y="1906637"/>
+            <a:ext cx="8310563" cy="3028140"/>
           </a:xfrm>
           <a:prstGeom prst="rect">
             <a:avLst/>
@@ -13407,7 +13144,1072 @@
     </p:spTree>
     <p:extLst>
       <p:ext uri="{BB962C8B-B14F-4D97-AF65-F5344CB8AC3E}">
-        <p14:creationId xmlns:p14="http://schemas.microsoft.com/office/powerpoint/2010/main" val="3104626400"/>
+        <p14:creationId xmlns:p14="http://schemas.microsoft.com/office/powerpoint/2010/main" val="3894897037"/>
+      </p:ext>
+    </p:extLst>
+  </p:cSld>
+  <p:clrMapOvr>
+    <a:masterClrMapping/>
+  </p:clrMapOvr>
+</p:sld>
+</file>
+
+<file path=ppt/slides/slide11.xml><?xml version="1.0" encoding="utf-8"?>
+<p:sld xmlns:a="http://schemas.openxmlformats.org/drawingml/2006/main" xmlns:r="http://schemas.openxmlformats.org/officeDocument/2006/relationships" xmlns:p="http://schemas.openxmlformats.org/presentationml/2006/main">
+  <p:cSld>
+    <p:bg>
+      <p:bgPr>
+        <a:solidFill>
+          <a:schemeClr val="bg1"/>
+        </a:solidFill>
+        <a:effectLst/>
+      </p:bgPr>
+    </p:bg>
+    <p:spTree>
+      <p:nvGrpSpPr>
+        <p:cNvPr id="1" name=""/>
+        <p:cNvGrpSpPr/>
+        <p:nvPr/>
+      </p:nvGrpSpPr>
+      <p:grpSpPr>
+        <a:xfrm>
+          <a:off x="0" y="0"/>
+          <a:ext cx="0" cy="0"/>
+          <a:chOff x="0" y="0"/>
+          <a:chExt cx="0" cy="0"/>
+        </a:xfrm>
+      </p:grpSpPr>
+      <p:sp useBgFill="1">
+        <p:nvSpPr>
+          <p:cNvPr id="10" name="Rectangle 9">
+            <a:extLst>
+              <a:ext uri="{FF2B5EF4-FFF2-40B4-BE49-F238E27FC236}">
+                <a16:creationId xmlns:a16="http://schemas.microsoft.com/office/drawing/2014/main" id="{AB8C311F-7253-4AED-9701-7FC0708C41C7}"/>
+              </a:ext>
+              <a:ext uri="{C183D7F6-B498-43B3-948B-1728B52AA6E4}">
+                <adec:decorative xmlns:adec="http://schemas.microsoft.com/office/drawing/2017/decorative" val="1"/>
+              </a:ext>
+            </a:extLst>
+          </p:cNvPr>
+          <p:cNvSpPr>
+            <a:spLocks noGrp="1" noRot="1" noChangeAspect="1" noMove="1" noResize="1" noEditPoints="1" noAdjustHandles="1" noChangeArrowheads="1" noChangeShapeType="1" noTextEdit="1"/>
+          </p:cNvSpPr>
+          <p:nvPr>
+            <p:extLst>
+              <p:ext uri="{386F3935-93C4-4BCD-93E2-E3B085C9AB24}">
+                <p16:designElem xmlns:p16="http://schemas.microsoft.com/office/powerpoint/2015/main" val="1"/>
+              </p:ext>
+            </p:extLst>
+          </p:nvPr>
+        </p:nvSpPr>
+        <p:spPr>
+          <a:xfrm>
+            <a:off x="0" y="0"/>
+            <a:ext cx="12192000" cy="6858000"/>
+          </a:xfrm>
+          <a:prstGeom prst="rect">
+            <a:avLst/>
+          </a:prstGeom>
+          <a:ln w="12700" cap="flat" cmpd="sng" algn="ctr">
+            <a:noFill/>
+            <a:prstDash val="solid"/>
+            <a:miter lim="800000"/>
+          </a:ln>
+          <a:effectLst/>
+          <a:extLst>
+            <a:ext uri="{91240B29-F687-4F45-9708-019B960494DF}">
+              <a14:hiddenLine xmlns:a14="http://schemas.microsoft.com/office/drawing/2010/main" w="12700" cap="flat" cmpd="sng" algn="ctr">
+                <a:solidFill>
+                  <a:schemeClr val="accent1">
+                    <a:shade val="50000"/>
+                  </a:schemeClr>
+                </a:solidFill>
+                <a:prstDash val="solid"/>
+                <a:miter lim="800000"/>
+              </a14:hiddenLine>
+            </a:ext>
+          </a:extLst>
+        </p:spPr>
+        <p:style>
+          <a:lnRef idx="2">
+            <a:schemeClr val="accent1">
+              <a:shade val="50000"/>
+            </a:schemeClr>
+          </a:lnRef>
+          <a:fillRef idx="1">
+            <a:schemeClr val="accent1"/>
+          </a:fillRef>
+          <a:effectRef idx="0">
+            <a:schemeClr val="accent1"/>
+          </a:effectRef>
+          <a:fontRef idx="minor">
+            <a:schemeClr val="lt1"/>
+          </a:fontRef>
+        </p:style>
+        <p:txBody>
+          <a:bodyPr rtlCol="0" anchor="ctr"/>
+          <a:lstStyle/>
+          <a:p>
+            <a:pPr algn="ctr"/>
+            <a:endParaRPr lang="en-US"/>
+          </a:p>
+        </p:txBody>
+      </p:sp>
+      <p:sp>
+        <p:nvSpPr>
+          <p:cNvPr id="12" name="Rectangle 11">
+            <a:extLst>
+              <a:ext uri="{FF2B5EF4-FFF2-40B4-BE49-F238E27FC236}">
+                <a16:creationId xmlns:a16="http://schemas.microsoft.com/office/drawing/2014/main" id="{E2384209-CB15-4CDF-9D31-C44FD9A3F20D}"/>
+              </a:ext>
+              <a:ext uri="{C183D7F6-B498-43B3-948B-1728B52AA6E4}">
+                <adec:decorative xmlns:adec="http://schemas.microsoft.com/office/drawing/2017/decorative" val="1"/>
+              </a:ext>
+            </a:extLst>
+          </p:cNvPr>
+          <p:cNvSpPr>
+            <a:spLocks noGrp="1" noRot="1" noChangeAspect="1" noMove="1" noResize="1" noEditPoints="1" noAdjustHandles="1" noChangeArrowheads="1" noChangeShapeType="1" noTextEdit="1"/>
+          </p:cNvSpPr>
+          <p:nvPr>
+            <p:extLst>
+              <p:ext uri="{386F3935-93C4-4BCD-93E2-E3B085C9AB24}">
+                <p16:designElem xmlns:p16="http://schemas.microsoft.com/office/powerpoint/2015/main" val="1"/>
+              </p:ext>
+            </p:extLst>
+          </p:nvPr>
+        </p:nvSpPr>
+        <p:spPr>
+          <a:xfrm rot="16200000" flipH="1">
+            <a:off x="2666617" y="-2666188"/>
+            <a:ext cx="6858000" cy="12191233"/>
+          </a:xfrm>
+          <a:prstGeom prst="rect">
+            <a:avLst/>
+          </a:prstGeom>
+          <a:gradFill>
+            <a:gsLst>
+              <a:gs pos="8000">
+                <a:schemeClr val="accent1"/>
+              </a:gs>
+              <a:gs pos="100000">
+                <a:schemeClr val="accent1">
+                  <a:lumMod val="50000"/>
+                </a:schemeClr>
+              </a:gs>
+            </a:gsLst>
+            <a:lin ang="12000000" scaled="0"/>
+          </a:gradFill>
+          <a:ln>
+            <a:noFill/>
+          </a:ln>
+        </p:spPr>
+        <p:style>
+          <a:lnRef idx="2">
+            <a:schemeClr val="accent1">
+              <a:shade val="50000"/>
+            </a:schemeClr>
+          </a:lnRef>
+          <a:fillRef idx="1">
+            <a:schemeClr val="accent1"/>
+          </a:fillRef>
+          <a:effectRef idx="0">
+            <a:schemeClr val="accent1"/>
+          </a:effectRef>
+          <a:fontRef idx="minor">
+            <a:schemeClr val="lt1"/>
+          </a:fontRef>
+        </p:style>
+        <p:txBody>
+          <a:bodyPr rtlCol="0" anchor="ctr"/>
+          <a:lstStyle/>
+          <a:p>
+            <a:pPr algn="ctr"/>
+            <a:endParaRPr lang="en-US"/>
+          </a:p>
+        </p:txBody>
+      </p:sp>
+      <p:sp>
+        <p:nvSpPr>
+          <p:cNvPr id="14" name="Rectangle 13">
+            <a:extLst>
+              <a:ext uri="{FF2B5EF4-FFF2-40B4-BE49-F238E27FC236}">
+                <a16:creationId xmlns:a16="http://schemas.microsoft.com/office/drawing/2014/main" id="{2633B3B5-CC90-43F0-8714-D31D1F3F0209}"/>
+              </a:ext>
+              <a:ext uri="{C183D7F6-B498-43B3-948B-1728B52AA6E4}">
+                <adec:decorative xmlns:adec="http://schemas.microsoft.com/office/drawing/2017/decorative" val="1"/>
+              </a:ext>
+            </a:extLst>
+          </p:cNvPr>
+          <p:cNvSpPr>
+            <a:spLocks noGrp="1" noRot="1" noChangeAspect="1" noMove="1" noResize="1" noEditPoints="1" noAdjustHandles="1" noChangeArrowheads="1" noChangeShapeType="1" noTextEdit="1"/>
+          </p:cNvSpPr>
+          <p:nvPr>
+            <p:extLst>
+              <p:ext uri="{386F3935-93C4-4BCD-93E2-E3B085C9AB24}">
+                <p16:designElem xmlns:p16="http://schemas.microsoft.com/office/powerpoint/2015/main" val="1"/>
+              </p:ext>
+            </p:extLst>
+          </p:nvPr>
+        </p:nvSpPr>
+        <p:spPr>
+          <a:xfrm rot="10800000" flipH="1">
+            <a:off x="-2311" y="0"/>
+            <a:ext cx="9070846" cy="6857572"/>
+          </a:xfrm>
+          <a:prstGeom prst="rect">
+            <a:avLst/>
+          </a:prstGeom>
+          <a:gradFill>
+            <a:gsLst>
+              <a:gs pos="8000">
+                <a:srgbClr val="000000">
+                  <a:alpha val="52000"/>
+                </a:srgbClr>
+              </a:gs>
+              <a:gs pos="100000">
+                <a:schemeClr val="accent1"/>
+              </a:gs>
+            </a:gsLst>
+            <a:lin ang="4800000" scaled="0"/>
+          </a:gradFill>
+          <a:ln>
+            <a:noFill/>
+          </a:ln>
+        </p:spPr>
+        <p:style>
+          <a:lnRef idx="2">
+            <a:schemeClr val="accent1">
+              <a:shade val="50000"/>
+            </a:schemeClr>
+          </a:lnRef>
+          <a:fillRef idx="1">
+            <a:schemeClr val="accent1"/>
+          </a:fillRef>
+          <a:effectRef idx="0">
+            <a:schemeClr val="accent1"/>
+          </a:effectRef>
+          <a:fontRef idx="minor">
+            <a:schemeClr val="lt1"/>
+          </a:fontRef>
+        </p:style>
+        <p:txBody>
+          <a:bodyPr rtlCol="0" anchor="ctr"/>
+          <a:lstStyle/>
+          <a:p>
+            <a:pPr algn="ctr"/>
+            <a:endParaRPr lang="en-US"/>
+          </a:p>
+        </p:txBody>
+      </p:sp>
+      <p:sp>
+        <p:nvSpPr>
+          <p:cNvPr id="16" name="Rectangle 15">
+            <a:extLst>
+              <a:ext uri="{FF2B5EF4-FFF2-40B4-BE49-F238E27FC236}">
+                <a16:creationId xmlns:a16="http://schemas.microsoft.com/office/drawing/2014/main" id="{A8D57A06-A426-446D-B02C-A2DC6B62E45E}"/>
+              </a:ext>
+              <a:ext uri="{C183D7F6-B498-43B3-948B-1728B52AA6E4}">
+                <adec:decorative xmlns:adec="http://schemas.microsoft.com/office/drawing/2017/decorative" val="1"/>
+              </a:ext>
+            </a:extLst>
+          </p:cNvPr>
+          <p:cNvSpPr>
+            <a:spLocks noGrp="1" noRot="1" noChangeAspect="1" noMove="1" noResize="1" noEditPoints="1" noAdjustHandles="1" noChangeArrowheads="1" noChangeShapeType="1" noTextEdit="1"/>
+          </p:cNvSpPr>
+          <p:nvPr>
+            <p:extLst>
+              <p:ext uri="{386F3935-93C4-4BCD-93E2-E3B085C9AB24}">
+                <p16:designElem xmlns:p16="http://schemas.microsoft.com/office/powerpoint/2015/main" val="1"/>
+              </p:ext>
+            </p:extLst>
+          </p:nvPr>
+        </p:nvSpPr>
+        <p:spPr>
+          <a:xfrm rot="16200000" flipH="1">
+            <a:off x="3649491" y="-1685840"/>
+            <a:ext cx="4894564" cy="12193546"/>
+          </a:xfrm>
+          <a:prstGeom prst="rect">
+            <a:avLst/>
+          </a:prstGeom>
+          <a:gradFill>
+            <a:gsLst>
+              <a:gs pos="0">
+                <a:schemeClr val="accent5">
+                  <a:lumMod val="60000"/>
+                  <a:lumOff val="40000"/>
+                  <a:alpha val="0"/>
+                </a:schemeClr>
+              </a:gs>
+              <a:gs pos="100000">
+                <a:srgbClr val="000000">
+                  <a:alpha val="46000"/>
+                </a:srgbClr>
+              </a:gs>
+            </a:gsLst>
+            <a:lin ang="1200000" scaled="0"/>
+          </a:gradFill>
+          <a:ln>
+            <a:noFill/>
+          </a:ln>
+        </p:spPr>
+        <p:style>
+          <a:lnRef idx="2">
+            <a:schemeClr val="accent1">
+              <a:shade val="50000"/>
+            </a:schemeClr>
+          </a:lnRef>
+          <a:fillRef idx="1">
+            <a:schemeClr val="accent1"/>
+          </a:fillRef>
+          <a:effectRef idx="0">
+            <a:schemeClr val="accent1"/>
+          </a:effectRef>
+          <a:fontRef idx="minor">
+            <a:schemeClr val="lt1"/>
+          </a:fontRef>
+        </p:style>
+        <p:txBody>
+          <a:bodyPr rtlCol="0" anchor="ctr"/>
+          <a:lstStyle/>
+          <a:p>
+            <a:pPr algn="ctr"/>
+            <a:endParaRPr lang="en-US"/>
+          </a:p>
+        </p:txBody>
+      </p:sp>
+      <p:pic>
+        <p:nvPicPr>
+          <p:cNvPr id="7" name="Picture 6" descr="A screenshot of a computer&#10;&#10;Description automatically generated with medium confidence">
+            <a:extLst>
+              <a:ext uri="{FF2B5EF4-FFF2-40B4-BE49-F238E27FC236}">
+                <a16:creationId xmlns:a16="http://schemas.microsoft.com/office/drawing/2014/main" id="{E614BD8C-4614-4648-B67A-2CB7D22C5323}"/>
+              </a:ext>
+            </a:extLst>
+          </p:cNvPr>
+          <p:cNvPicPr>
+            <a:picLocks noChangeAspect="1"/>
+          </p:cNvPicPr>
+          <p:nvPr/>
+        </p:nvPicPr>
+        <p:blipFill>
+          <a:blip r:embed="rId2">
+            <a:extLst>
+              <a:ext uri="{28A0092B-C50C-407E-A947-70E740481C1C}">
+                <a14:useLocalDpi xmlns:a14="http://schemas.microsoft.com/office/drawing/2010/main" val="0"/>
+              </a:ext>
+            </a:extLst>
+          </a:blip>
+          <a:stretch>
+            <a:fillRect/>
+          </a:stretch>
+        </p:blipFill>
+        <p:spPr>
+          <a:xfrm>
+            <a:off x="869289" y="1381760"/>
+            <a:ext cx="9798711" cy="5546440"/>
+          </a:xfrm>
+          <a:prstGeom prst="rect">
+            <a:avLst/>
+          </a:prstGeom>
+        </p:spPr>
+      </p:pic>
+      <p:sp>
+        <p:nvSpPr>
+          <p:cNvPr id="8" name="Title 1">
+            <a:extLst>
+              <a:ext uri="{FF2B5EF4-FFF2-40B4-BE49-F238E27FC236}">
+                <a16:creationId xmlns:a16="http://schemas.microsoft.com/office/drawing/2014/main" id="{9000B72E-D0CF-4EA8-9AB8-F1F20F0E79D0}"/>
+              </a:ext>
+            </a:extLst>
+          </p:cNvPr>
+          <p:cNvSpPr txBox="1">
+            <a:spLocks/>
+          </p:cNvSpPr>
+          <p:nvPr/>
+        </p:nvSpPr>
+        <p:spPr>
+          <a:xfrm>
+            <a:off x="1856509" y="169808"/>
+            <a:ext cx="9144000" cy="757237"/>
+          </a:xfrm>
+          <a:prstGeom prst="rect">
+            <a:avLst/>
+          </a:prstGeom>
+        </p:spPr>
+        <p:txBody>
+          <a:bodyPr vert="horz" lIns="91440" tIns="45720" rIns="91440" bIns="45720" rtlCol="0" anchor="ctr">
+            <a:normAutofit fontScale="75000" lnSpcReduction="20000"/>
+          </a:bodyPr>
+          <a:lstStyle>
+            <a:lvl1pPr algn="l" defTabSz="914400" rtl="0" eaLnBrk="1" latinLnBrk="0" hangingPunct="1">
+              <a:lnSpc>
+                <a:spcPct val="90000"/>
+              </a:lnSpc>
+              <a:spcBef>
+                <a:spcPct val="0"/>
+              </a:spcBef>
+              <a:buNone/>
+              <a:defRPr sz="4400" kern="1200">
+                <a:solidFill>
+                  <a:schemeClr val="tx1"/>
+                </a:solidFill>
+                <a:latin typeface="+mj-lt"/>
+                <a:ea typeface="+mj-ea"/>
+                <a:cs typeface="+mj-cs"/>
+              </a:defRPr>
+            </a:lvl1pPr>
+          </a:lstStyle>
+          <a:p>
+            <a:r>
+              <a:rPr lang="en-US" sz="4900" b="1" dirty="0">
+                <a:solidFill>
+                  <a:schemeClr val="bg1"/>
+                </a:solidFill>
+              </a:rPr>
+              <a:t>Identifying Target Customers</a:t>
+            </a:r>
+            <a:br>
+              <a:rPr lang="en-US" dirty="0">
+                <a:solidFill>
+                  <a:schemeClr val="bg1"/>
+                </a:solidFill>
+              </a:rPr>
+            </a:br>
+            <a:r>
+              <a:rPr lang="en-US" sz="3100" dirty="0">
+                <a:solidFill>
+                  <a:schemeClr val="bg1"/>
+                </a:solidFill>
+              </a:rPr>
+              <a:t>San Francisco Neighborhoods by Income and Population</a:t>
+            </a:r>
+            <a:endParaRPr lang="en-US" sz="5300" dirty="0">
+              <a:solidFill>
+                <a:schemeClr val="bg1"/>
+              </a:solidFill>
+            </a:endParaRPr>
+          </a:p>
+        </p:txBody>
+      </p:sp>
+    </p:spTree>
+    <p:extLst>
+      <p:ext uri="{BB962C8B-B14F-4D97-AF65-F5344CB8AC3E}">
+        <p14:creationId xmlns:p14="http://schemas.microsoft.com/office/powerpoint/2010/main" val="3730486294"/>
+      </p:ext>
+    </p:extLst>
+  </p:cSld>
+  <p:clrMapOvr>
+    <a:masterClrMapping/>
+  </p:clrMapOvr>
+</p:sld>
+</file>
+
+<file path=ppt/slides/slide12.xml><?xml version="1.0" encoding="utf-8"?>
+<p:sld xmlns:a="http://schemas.openxmlformats.org/drawingml/2006/main" xmlns:r="http://schemas.openxmlformats.org/officeDocument/2006/relationships" xmlns:p="http://schemas.openxmlformats.org/presentationml/2006/main">
+  <p:cSld>
+    <p:bg>
+      <p:bgPr>
+        <a:solidFill>
+          <a:schemeClr val="bg1"/>
+        </a:solidFill>
+        <a:effectLst/>
+      </p:bgPr>
+    </p:bg>
+    <p:spTree>
+      <p:nvGrpSpPr>
+        <p:cNvPr id="1" name=""/>
+        <p:cNvGrpSpPr/>
+        <p:nvPr/>
+      </p:nvGrpSpPr>
+      <p:grpSpPr>
+        <a:xfrm>
+          <a:off x="0" y="0"/>
+          <a:ext cx="0" cy="0"/>
+          <a:chOff x="0" y="0"/>
+          <a:chExt cx="0" cy="0"/>
+        </a:xfrm>
+      </p:grpSpPr>
+      <p:sp>
+        <p:nvSpPr>
+          <p:cNvPr id="33" name="Down Arrow 7">
+            <a:extLst>
+              <a:ext uri="{FF2B5EF4-FFF2-40B4-BE49-F238E27FC236}">
+                <a16:creationId xmlns:a16="http://schemas.microsoft.com/office/drawing/2014/main" id="{D4771268-CB57-404A-9271-370EB28F6090}"/>
+              </a:ext>
+              <a:ext uri="{C183D7F6-B498-43B3-948B-1728B52AA6E4}">
+                <adec:decorative xmlns:adec="http://schemas.microsoft.com/office/drawing/2017/decorative" val="1"/>
+              </a:ext>
+            </a:extLst>
+          </p:cNvPr>
+          <p:cNvSpPr>
+            <a:spLocks noGrp="1" noRot="1" noChangeAspect="1" noMove="1" noResize="1" noEditPoints="1" noAdjustHandles="1" noChangeArrowheads="1" noChangeShapeType="1" noTextEdit="1"/>
+          </p:cNvSpPr>
+          <p:nvPr>
+            <p:extLst>
+              <p:ext uri="{386F3935-93C4-4BCD-93E2-E3B085C9AB24}">
+                <p16:designElem xmlns:p16="http://schemas.microsoft.com/office/powerpoint/2015/main" val="1"/>
+              </p:ext>
+            </p:extLst>
+          </p:nvPr>
+        </p:nvSpPr>
+        <p:spPr>
+          <a:xfrm rot="16200000">
+            <a:off x="800100" y="1491343"/>
+            <a:ext cx="3333749" cy="3499103"/>
+          </a:xfrm>
+          <a:prstGeom prst="downArrow">
+            <a:avLst>
+              <a:gd name="adj1" fmla="val 100000"/>
+              <a:gd name="adj2" fmla="val 15788"/>
+            </a:avLst>
+          </a:prstGeom>
+          <a:solidFill>
+            <a:srgbClr val="404040"/>
+          </a:solidFill>
+          <a:ln w="53975">
+            <a:noFill/>
+          </a:ln>
+        </p:spPr>
+        <p:style>
+          <a:lnRef idx="2">
+            <a:schemeClr val="accent1">
+              <a:shade val="50000"/>
+            </a:schemeClr>
+          </a:lnRef>
+          <a:fillRef idx="1">
+            <a:schemeClr val="accent1"/>
+          </a:fillRef>
+          <a:effectRef idx="0">
+            <a:schemeClr val="accent1"/>
+          </a:effectRef>
+          <a:fontRef idx="minor">
+            <a:schemeClr val="lt1"/>
+          </a:fontRef>
+        </p:style>
+        <p:txBody>
+          <a:bodyPr rtlCol="0" anchor="ctr"/>
+          <a:lstStyle/>
+          <a:p>
+            <a:pPr algn="ctr"/>
+            <a:endParaRPr lang="en-US"/>
+          </a:p>
+        </p:txBody>
+      </p:sp>
+      <p:sp>
+        <p:nvSpPr>
+          <p:cNvPr id="2" name="TextBox 1">
+            <a:extLst>
+              <a:ext uri="{FF2B5EF4-FFF2-40B4-BE49-F238E27FC236}">
+                <a16:creationId xmlns:a16="http://schemas.microsoft.com/office/drawing/2014/main" id="{5E88A6A9-4597-4E01-9864-67EEE1A2003A}"/>
+              </a:ext>
+            </a:extLst>
+          </p:cNvPr>
+          <p:cNvSpPr txBox="1"/>
+          <p:nvPr/>
+        </p:nvSpPr>
+        <p:spPr>
+          <a:xfrm>
+            <a:off x="1028700" y="1967266"/>
+            <a:ext cx="2628900" cy="2547257"/>
+          </a:xfrm>
+          <a:prstGeom prst="rect">
+            <a:avLst/>
+          </a:prstGeom>
+          <a:noFill/>
+        </p:spPr>
+        <p:txBody>
+          <a:bodyPr vert="horz" lIns="91440" tIns="45720" rIns="91440" bIns="45720" rtlCol="0" anchor="ctr">
+            <a:normAutofit/>
+          </a:bodyPr>
+          <a:lstStyle/>
+          <a:p>
+            <a:pPr algn="ctr">
+              <a:lnSpc>
+                <a:spcPct val="90000"/>
+              </a:lnSpc>
+              <a:spcBef>
+                <a:spcPct val="0"/>
+              </a:spcBef>
+              <a:spcAft>
+                <a:spcPts val="600"/>
+              </a:spcAft>
+            </a:pPr>
+            <a:r>
+              <a:rPr lang="en-US" sz="3600" kern="1200">
+                <a:solidFill>
+                  <a:srgbClr val="FFFFFF"/>
+                </a:solidFill>
+                <a:latin typeface="+mj-lt"/>
+                <a:ea typeface="+mj-ea"/>
+                <a:cs typeface="+mj-cs"/>
+              </a:rPr>
+              <a:t>UI Flow</a:t>
+            </a:r>
+          </a:p>
+        </p:txBody>
+      </p:sp>
+      <p:pic>
+        <p:nvPicPr>
+          <p:cNvPr id="7" name="Picture 6" descr="Diagram&#10;&#10;Description automatically generated">
+            <a:extLst>
+              <a:ext uri="{FF2B5EF4-FFF2-40B4-BE49-F238E27FC236}">
+                <a16:creationId xmlns:a16="http://schemas.microsoft.com/office/drawing/2014/main" id="{288D4895-430B-4280-80C9-7E9841F3B1AC}"/>
+              </a:ext>
+            </a:extLst>
+          </p:cNvPr>
+          <p:cNvPicPr>
+            <a:picLocks noChangeAspect="1"/>
+          </p:cNvPicPr>
+          <p:nvPr/>
+        </p:nvPicPr>
+        <p:blipFill>
+          <a:blip r:embed="rId2">
+            <a:extLst>
+              <a:ext uri="{28A0092B-C50C-407E-A947-70E740481C1C}">
+                <a14:useLocalDpi xmlns:a14="http://schemas.microsoft.com/office/drawing/2010/main" val="0"/>
+              </a:ext>
+            </a:extLst>
+          </a:blip>
+          <a:stretch>
+            <a:fillRect/>
+          </a:stretch>
+        </p:blipFill>
+        <p:spPr>
+          <a:xfrm>
+            <a:off x="4321907" y="271263"/>
+            <a:ext cx="7307138" cy="6315474"/>
+          </a:xfrm>
+          <a:prstGeom prst="rect">
+            <a:avLst/>
+          </a:prstGeom>
+        </p:spPr>
+      </p:pic>
+      <p:sp>
+        <p:nvSpPr>
+          <p:cNvPr id="5" name="AutoShape 4">
+            <a:extLst>
+              <a:ext uri="{FF2B5EF4-FFF2-40B4-BE49-F238E27FC236}">
+                <a16:creationId xmlns:a16="http://schemas.microsoft.com/office/drawing/2014/main" id="{5C1FA715-5FFC-42DF-8ADD-64D5E07CE022}"/>
+              </a:ext>
+            </a:extLst>
+          </p:cNvPr>
+          <p:cNvSpPr>
+            <a:spLocks noChangeAspect="1" noChangeArrowheads="1"/>
+          </p:cNvSpPr>
+          <p:nvPr/>
+        </p:nvSpPr>
+        <p:spPr bwMode="auto">
+          <a:xfrm>
+            <a:off x="5943600" y="3276600"/>
+            <a:ext cx="304800" cy="304800"/>
+          </a:xfrm>
+          <a:prstGeom prst="rect">
+            <a:avLst/>
+          </a:prstGeom>
+          <a:noFill/>
+          <a:extLst>
+            <a:ext uri="{909E8E84-426E-40DD-AFC4-6F175D3DCCD1}">
+              <a14:hiddenFill xmlns:a14="http://schemas.microsoft.com/office/drawing/2010/main">
+                <a:solidFill>
+                  <a:srgbClr val="FFFFFF"/>
+                </a:solidFill>
+              </a14:hiddenFill>
+            </a:ext>
+          </a:extLst>
+        </p:spPr>
+        <p:txBody>
+          <a:bodyPr vert="horz" wrap="square" lIns="91440" tIns="45720" rIns="91440" bIns="45720" numCol="1" anchor="t" anchorCtr="0" compatLnSpc="1">
+            <a:prstTxWarp prst="textNoShape">
+              <a:avLst/>
+            </a:prstTxWarp>
+          </a:bodyPr>
+          <a:lstStyle/>
+          <a:p>
+            <a:endParaRPr lang="en-US"/>
+          </a:p>
+        </p:txBody>
+      </p:sp>
+    </p:spTree>
+    <p:extLst>
+      <p:ext uri="{BB962C8B-B14F-4D97-AF65-F5344CB8AC3E}">
+        <p14:creationId xmlns:p14="http://schemas.microsoft.com/office/powerpoint/2010/main" val="941697631"/>
+      </p:ext>
+    </p:extLst>
+  </p:cSld>
+  <p:clrMapOvr>
+    <a:masterClrMapping/>
+  </p:clrMapOvr>
+</p:sld>
+</file>
+
+<file path=ppt/slides/slide13.xml><?xml version="1.0" encoding="utf-8"?>
+<p:sld xmlns:a="http://schemas.openxmlformats.org/drawingml/2006/main" xmlns:r="http://schemas.openxmlformats.org/officeDocument/2006/relationships" xmlns:p="http://schemas.openxmlformats.org/presentationml/2006/main">
+  <p:cSld>
+    <p:bg>
+      <p:bgPr>
+        <a:solidFill>
+          <a:schemeClr val="bg1"/>
+        </a:solidFill>
+        <a:effectLst/>
+      </p:bgPr>
+    </p:bg>
+    <p:spTree>
+      <p:nvGrpSpPr>
+        <p:cNvPr id="1" name=""/>
+        <p:cNvGrpSpPr/>
+        <p:nvPr/>
+      </p:nvGrpSpPr>
+      <p:grpSpPr>
+        <a:xfrm>
+          <a:off x="0" y="0"/>
+          <a:ext cx="0" cy="0"/>
+          <a:chOff x="0" y="0"/>
+          <a:chExt cx="0" cy="0"/>
+        </a:xfrm>
+      </p:grpSpPr>
+      <p:sp useBgFill="1">
+        <p:nvSpPr>
+          <p:cNvPr id="10" name="Rectangle 9">
+            <a:extLst>
+              <a:ext uri="{FF2B5EF4-FFF2-40B4-BE49-F238E27FC236}">
+                <a16:creationId xmlns:a16="http://schemas.microsoft.com/office/drawing/2014/main" id="{AB8C311F-7253-4AED-9701-7FC0708C41C7}"/>
+              </a:ext>
+              <a:ext uri="{C183D7F6-B498-43B3-948B-1728B52AA6E4}">
+                <adec:decorative xmlns:adec="http://schemas.microsoft.com/office/drawing/2017/decorative" val="1"/>
+              </a:ext>
+            </a:extLst>
+          </p:cNvPr>
+          <p:cNvSpPr>
+            <a:spLocks noGrp="1" noRot="1" noChangeAspect="1" noMove="1" noResize="1" noEditPoints="1" noAdjustHandles="1" noChangeArrowheads="1" noChangeShapeType="1" noTextEdit="1"/>
+          </p:cNvSpPr>
+          <p:nvPr>
+            <p:extLst>
+              <p:ext uri="{386F3935-93C4-4BCD-93E2-E3B085C9AB24}">
+                <p16:designElem xmlns:p16="http://schemas.microsoft.com/office/powerpoint/2015/main" val="1"/>
+              </p:ext>
+            </p:extLst>
+          </p:nvPr>
+        </p:nvSpPr>
+        <p:spPr>
+          <a:xfrm>
+            <a:off x="0" y="0"/>
+            <a:ext cx="12192000" cy="6858000"/>
+          </a:xfrm>
+          <a:prstGeom prst="rect">
+            <a:avLst/>
+          </a:prstGeom>
+          <a:ln w="12700" cap="flat" cmpd="sng" algn="ctr">
+            <a:noFill/>
+            <a:prstDash val="solid"/>
+            <a:miter lim="800000"/>
+          </a:ln>
+          <a:effectLst/>
+          <a:extLst>
+            <a:ext uri="{91240B29-F687-4F45-9708-019B960494DF}">
+              <a14:hiddenLine xmlns:a14="http://schemas.microsoft.com/office/drawing/2010/main" w="12700" cap="flat" cmpd="sng" algn="ctr">
+                <a:solidFill>
+                  <a:schemeClr val="accent1">
+                    <a:shade val="50000"/>
+                  </a:schemeClr>
+                </a:solidFill>
+                <a:prstDash val="solid"/>
+                <a:miter lim="800000"/>
+              </a14:hiddenLine>
+            </a:ext>
+          </a:extLst>
+        </p:spPr>
+        <p:style>
+          <a:lnRef idx="2">
+            <a:schemeClr val="accent1">
+              <a:shade val="50000"/>
+            </a:schemeClr>
+          </a:lnRef>
+          <a:fillRef idx="1">
+            <a:schemeClr val="accent1"/>
+          </a:fillRef>
+          <a:effectRef idx="0">
+            <a:schemeClr val="accent1"/>
+          </a:effectRef>
+          <a:fontRef idx="minor">
+            <a:schemeClr val="lt1"/>
+          </a:fontRef>
+        </p:style>
+        <p:txBody>
+          <a:bodyPr rtlCol="0" anchor="ctr"/>
+          <a:lstStyle/>
+          <a:p>
+            <a:pPr algn="ctr"/>
+            <a:endParaRPr lang="en-US"/>
+          </a:p>
+        </p:txBody>
+      </p:sp>
+      <p:sp>
+        <p:nvSpPr>
+          <p:cNvPr id="12" name="Rectangle 11">
+            <a:extLst>
+              <a:ext uri="{FF2B5EF4-FFF2-40B4-BE49-F238E27FC236}">
+                <a16:creationId xmlns:a16="http://schemas.microsoft.com/office/drawing/2014/main" id="{E2384209-CB15-4CDF-9D31-C44FD9A3F20D}"/>
+              </a:ext>
+              <a:ext uri="{C183D7F6-B498-43B3-948B-1728B52AA6E4}">
+                <adec:decorative xmlns:adec="http://schemas.microsoft.com/office/drawing/2017/decorative" val="1"/>
+              </a:ext>
+            </a:extLst>
+          </p:cNvPr>
+          <p:cNvSpPr>
+            <a:spLocks noGrp="1" noRot="1" noChangeAspect="1" noMove="1" noResize="1" noEditPoints="1" noAdjustHandles="1" noChangeArrowheads="1" noChangeShapeType="1" noTextEdit="1"/>
+          </p:cNvSpPr>
+          <p:nvPr>
+            <p:extLst>
+              <p:ext uri="{386F3935-93C4-4BCD-93E2-E3B085C9AB24}">
+                <p16:designElem xmlns:p16="http://schemas.microsoft.com/office/powerpoint/2015/main" val="1"/>
+              </p:ext>
+            </p:extLst>
+          </p:nvPr>
+        </p:nvSpPr>
+        <p:spPr>
+          <a:xfrm rot="16200000" flipH="1">
+            <a:off x="2666617" y="-2666188"/>
+            <a:ext cx="6858000" cy="12191233"/>
+          </a:xfrm>
+          <a:prstGeom prst="rect">
+            <a:avLst/>
+          </a:prstGeom>
+          <a:gradFill>
+            <a:gsLst>
+              <a:gs pos="8000">
+                <a:schemeClr val="accent1"/>
+              </a:gs>
+              <a:gs pos="100000">
+                <a:schemeClr val="accent1">
+                  <a:lumMod val="50000"/>
+                </a:schemeClr>
+              </a:gs>
+            </a:gsLst>
+            <a:lin ang="12000000" scaled="0"/>
+          </a:gradFill>
+          <a:ln>
+            <a:noFill/>
+          </a:ln>
+        </p:spPr>
+        <p:style>
+          <a:lnRef idx="2">
+            <a:schemeClr val="accent1">
+              <a:shade val="50000"/>
+            </a:schemeClr>
+          </a:lnRef>
+          <a:fillRef idx="1">
+            <a:schemeClr val="accent1"/>
+          </a:fillRef>
+          <a:effectRef idx="0">
+            <a:schemeClr val="accent1"/>
+          </a:effectRef>
+          <a:fontRef idx="minor">
+            <a:schemeClr val="lt1"/>
+          </a:fontRef>
+        </p:style>
+        <p:txBody>
+          <a:bodyPr rtlCol="0" anchor="ctr"/>
+          <a:lstStyle/>
+          <a:p>
+            <a:pPr algn="ctr"/>
+            <a:endParaRPr lang="en-US"/>
+          </a:p>
+        </p:txBody>
+      </p:sp>
+      <p:sp>
+        <p:nvSpPr>
+          <p:cNvPr id="14" name="Rectangle 13">
+            <a:extLst>
+              <a:ext uri="{FF2B5EF4-FFF2-40B4-BE49-F238E27FC236}">
+                <a16:creationId xmlns:a16="http://schemas.microsoft.com/office/drawing/2014/main" id="{2633B3B5-CC90-43F0-8714-D31D1F3F0209}"/>
+              </a:ext>
+              <a:ext uri="{C183D7F6-B498-43B3-948B-1728B52AA6E4}">
+                <adec:decorative xmlns:adec="http://schemas.microsoft.com/office/drawing/2017/decorative" val="1"/>
+              </a:ext>
+            </a:extLst>
+          </p:cNvPr>
+          <p:cNvSpPr>
+            <a:spLocks noGrp="1" noRot="1" noChangeAspect="1" noMove="1" noResize="1" noEditPoints="1" noAdjustHandles="1" noChangeArrowheads="1" noChangeShapeType="1" noTextEdit="1"/>
+          </p:cNvSpPr>
+          <p:nvPr>
+            <p:extLst>
+              <p:ext uri="{386F3935-93C4-4BCD-93E2-E3B085C9AB24}">
+                <p16:designElem xmlns:p16="http://schemas.microsoft.com/office/powerpoint/2015/main" val="1"/>
+              </p:ext>
+            </p:extLst>
+          </p:nvPr>
+        </p:nvSpPr>
+        <p:spPr>
+          <a:xfrm rot="10800000" flipH="1">
+            <a:off x="-2311" y="0"/>
+            <a:ext cx="9070846" cy="6857572"/>
+          </a:xfrm>
+          <a:prstGeom prst="rect">
+            <a:avLst/>
+          </a:prstGeom>
+          <a:gradFill>
+            <a:gsLst>
+              <a:gs pos="8000">
+                <a:srgbClr val="000000">
+                  <a:alpha val="52000"/>
+                </a:srgbClr>
+              </a:gs>
+              <a:gs pos="100000">
+                <a:schemeClr val="accent1"/>
+              </a:gs>
+            </a:gsLst>
+            <a:lin ang="4800000" scaled="0"/>
+          </a:gradFill>
+          <a:ln>
+            <a:noFill/>
+          </a:ln>
+        </p:spPr>
+        <p:style>
+          <a:lnRef idx="2">
+            <a:schemeClr val="accent1">
+              <a:shade val="50000"/>
+            </a:schemeClr>
+          </a:lnRef>
+          <a:fillRef idx="1">
+            <a:schemeClr val="accent1"/>
+          </a:fillRef>
+          <a:effectRef idx="0">
+            <a:schemeClr val="accent1"/>
+          </a:effectRef>
+          <a:fontRef idx="minor">
+            <a:schemeClr val="lt1"/>
+          </a:fontRef>
+        </p:style>
+        <p:txBody>
+          <a:bodyPr rtlCol="0" anchor="ctr"/>
+          <a:lstStyle/>
+          <a:p>
+            <a:pPr algn="ctr"/>
+            <a:endParaRPr lang="en-US"/>
+          </a:p>
+        </p:txBody>
+      </p:sp>
+      <p:sp>
+        <p:nvSpPr>
+          <p:cNvPr id="16" name="Rectangle 15">
+            <a:extLst>
+              <a:ext uri="{FF2B5EF4-FFF2-40B4-BE49-F238E27FC236}">
+                <a16:creationId xmlns:a16="http://schemas.microsoft.com/office/drawing/2014/main" id="{A8D57A06-A426-446D-B02C-A2DC6B62E45E}"/>
+              </a:ext>
+              <a:ext uri="{C183D7F6-B498-43B3-948B-1728B52AA6E4}">
+                <adec:decorative xmlns:adec="http://schemas.microsoft.com/office/drawing/2017/decorative" val="1"/>
+              </a:ext>
+            </a:extLst>
+          </p:cNvPr>
+          <p:cNvSpPr>
+            <a:spLocks noGrp="1" noRot="1" noChangeAspect="1" noMove="1" noResize="1" noEditPoints="1" noAdjustHandles="1" noChangeArrowheads="1" noChangeShapeType="1" noTextEdit="1"/>
+          </p:cNvSpPr>
+          <p:nvPr>
+            <p:extLst>
+              <p:ext uri="{386F3935-93C4-4BCD-93E2-E3B085C9AB24}">
+                <p16:designElem xmlns:p16="http://schemas.microsoft.com/office/powerpoint/2015/main" val="1"/>
+              </p:ext>
+            </p:extLst>
+          </p:nvPr>
+        </p:nvSpPr>
+        <p:spPr>
+          <a:xfrm rot="16200000" flipH="1">
+            <a:off x="3649491" y="-1685840"/>
+            <a:ext cx="4894564" cy="12193546"/>
+          </a:xfrm>
+          <a:prstGeom prst="rect">
+            <a:avLst/>
+          </a:prstGeom>
+          <a:gradFill>
+            <a:gsLst>
+              <a:gs pos="0">
+                <a:schemeClr val="accent5">
+                  <a:lumMod val="60000"/>
+                  <a:lumOff val="40000"/>
+                  <a:alpha val="0"/>
+                </a:schemeClr>
+              </a:gs>
+              <a:gs pos="100000">
+                <a:srgbClr val="000000">
+                  <a:alpha val="46000"/>
+                </a:srgbClr>
+              </a:gs>
+            </a:gsLst>
+            <a:lin ang="1200000" scaled="0"/>
+          </a:gradFill>
+          <a:ln>
+            <a:noFill/>
+          </a:ln>
+        </p:spPr>
+        <p:style>
+          <a:lnRef idx="2">
+            <a:schemeClr val="accent1">
+              <a:shade val="50000"/>
+            </a:schemeClr>
+          </a:lnRef>
+          <a:fillRef idx="1">
+            <a:schemeClr val="accent1"/>
+          </a:fillRef>
+          <a:effectRef idx="0">
+            <a:schemeClr val="accent1"/>
+          </a:effectRef>
+          <a:fontRef idx="minor">
+            <a:schemeClr val="lt1"/>
+          </a:fontRef>
+        </p:style>
+        <p:txBody>
+          <a:bodyPr rtlCol="0" anchor="ctr"/>
+          <a:lstStyle/>
+          <a:p>
+            <a:pPr algn="ctr"/>
+            <a:endParaRPr lang="en-US"/>
+          </a:p>
+        </p:txBody>
+      </p:sp>
+      <p:sp>
+        <p:nvSpPr>
+          <p:cNvPr id="2" name="TextBox 1">
+            <a:extLst>
+              <a:ext uri="{FF2B5EF4-FFF2-40B4-BE49-F238E27FC236}">
+                <a16:creationId xmlns:a16="http://schemas.microsoft.com/office/drawing/2014/main" id="{58F2584D-F505-4BEE-989E-AAB989B78ACE}"/>
+              </a:ext>
+            </a:extLst>
+          </p:cNvPr>
+          <p:cNvSpPr txBox="1"/>
+          <p:nvPr/>
+        </p:nvSpPr>
+        <p:spPr>
+          <a:xfrm>
+            <a:off x="1944303" y="548640"/>
+            <a:ext cx="5958038" cy="1323439"/>
+          </a:xfrm>
+          <a:prstGeom prst="rect">
+            <a:avLst/>
+          </a:prstGeom>
+          <a:noFill/>
+        </p:spPr>
+        <p:txBody>
+          <a:bodyPr wrap="square" rtlCol="0">
+            <a:spAutoFit/>
+          </a:bodyPr>
+          <a:lstStyle/>
+          <a:p>
+            <a:r>
+              <a:rPr lang="en-US" sz="4000" dirty="0">
+                <a:solidFill>
+                  <a:schemeClr val="bg1"/>
+                </a:solidFill>
+              </a:rPr>
+              <a:t>Application UI Demonstration</a:t>
+            </a:r>
+          </a:p>
+        </p:txBody>
+      </p:sp>
+    </p:spTree>
+    <p:extLst>
+      <p:ext uri="{BB962C8B-B14F-4D97-AF65-F5344CB8AC3E}">
+        <p14:creationId xmlns:p14="http://schemas.microsoft.com/office/powerpoint/2010/main" val="1163989964"/>
       </p:ext>
     </p:extLst>
   </p:cSld>
@@ -13444,7 +14246,419 @@
       </p:grpSpPr>
       <p:sp useBgFill="1">
         <p:nvSpPr>
+          <p:cNvPr id="10" name="Rectangle 9">
+            <a:extLst>
+              <a:ext uri="{FF2B5EF4-FFF2-40B4-BE49-F238E27FC236}">
+                <a16:creationId xmlns:a16="http://schemas.microsoft.com/office/drawing/2014/main" id="{AB8C311F-7253-4AED-9701-7FC0708C41C7}"/>
+              </a:ext>
+              <a:ext uri="{C183D7F6-B498-43B3-948B-1728B52AA6E4}">
+                <adec:decorative xmlns:adec="http://schemas.microsoft.com/office/drawing/2017/decorative" val="1"/>
+              </a:ext>
+            </a:extLst>
+          </p:cNvPr>
+          <p:cNvSpPr>
+            <a:spLocks noGrp="1" noRot="1" noChangeAspect="1" noMove="1" noResize="1" noEditPoints="1" noAdjustHandles="1" noChangeArrowheads="1" noChangeShapeType="1" noTextEdit="1"/>
+          </p:cNvSpPr>
+          <p:nvPr>
+            <p:extLst>
+              <p:ext uri="{386F3935-93C4-4BCD-93E2-E3B085C9AB24}">
+                <p16:designElem xmlns:p16="http://schemas.microsoft.com/office/powerpoint/2015/main" val="1"/>
+              </p:ext>
+            </p:extLst>
+          </p:nvPr>
+        </p:nvSpPr>
+        <p:spPr>
+          <a:xfrm>
+            <a:off x="0" y="0"/>
+            <a:ext cx="12192000" cy="6858000"/>
+          </a:xfrm>
+          <a:prstGeom prst="rect">
+            <a:avLst/>
+          </a:prstGeom>
+          <a:ln w="12700" cap="flat" cmpd="sng" algn="ctr">
+            <a:noFill/>
+            <a:prstDash val="solid"/>
+            <a:miter lim="800000"/>
+          </a:ln>
+          <a:effectLst/>
+          <a:extLst>
+            <a:ext uri="{91240B29-F687-4F45-9708-019B960494DF}">
+              <a14:hiddenLine xmlns:a14="http://schemas.microsoft.com/office/drawing/2010/main" w="12700" cap="flat" cmpd="sng" algn="ctr">
+                <a:solidFill>
+                  <a:schemeClr val="accent1">
+                    <a:shade val="50000"/>
+                  </a:schemeClr>
+                </a:solidFill>
+                <a:prstDash val="solid"/>
+                <a:miter lim="800000"/>
+              </a14:hiddenLine>
+            </a:ext>
+          </a:extLst>
+        </p:spPr>
+        <p:style>
+          <a:lnRef idx="2">
+            <a:schemeClr val="accent1">
+              <a:shade val="50000"/>
+            </a:schemeClr>
+          </a:lnRef>
+          <a:fillRef idx="1">
+            <a:schemeClr val="accent1"/>
+          </a:fillRef>
+          <a:effectRef idx="0">
+            <a:schemeClr val="accent1"/>
+          </a:effectRef>
+          <a:fontRef idx="minor">
+            <a:schemeClr val="lt1"/>
+          </a:fontRef>
+        </p:style>
+        <p:txBody>
+          <a:bodyPr rtlCol="0" anchor="ctr"/>
+          <a:lstStyle/>
+          <a:p>
+            <a:pPr algn="ctr"/>
+            <a:endParaRPr lang="en-US"/>
+          </a:p>
+        </p:txBody>
+      </p:sp>
+      <p:sp>
+        <p:nvSpPr>
+          <p:cNvPr id="12" name="Rectangle 11">
+            <a:extLst>
+              <a:ext uri="{FF2B5EF4-FFF2-40B4-BE49-F238E27FC236}">
+                <a16:creationId xmlns:a16="http://schemas.microsoft.com/office/drawing/2014/main" id="{E2384209-CB15-4CDF-9D31-C44FD9A3F20D}"/>
+              </a:ext>
+              <a:ext uri="{C183D7F6-B498-43B3-948B-1728B52AA6E4}">
+                <adec:decorative xmlns:adec="http://schemas.microsoft.com/office/drawing/2017/decorative" val="1"/>
+              </a:ext>
+            </a:extLst>
+          </p:cNvPr>
+          <p:cNvSpPr>
+            <a:spLocks noGrp="1" noRot="1" noChangeAspect="1" noMove="1" noResize="1" noEditPoints="1" noAdjustHandles="1" noChangeArrowheads="1" noChangeShapeType="1" noTextEdit="1"/>
+          </p:cNvSpPr>
+          <p:nvPr>
+            <p:extLst>
+              <p:ext uri="{386F3935-93C4-4BCD-93E2-E3B085C9AB24}">
+                <p16:designElem xmlns:p16="http://schemas.microsoft.com/office/powerpoint/2015/main" val="1"/>
+              </p:ext>
+            </p:extLst>
+          </p:nvPr>
+        </p:nvSpPr>
+        <p:spPr>
+          <a:xfrm rot="16200000" flipH="1">
+            <a:off x="2666617" y="-2666188"/>
+            <a:ext cx="6858000" cy="12191233"/>
+          </a:xfrm>
+          <a:prstGeom prst="rect">
+            <a:avLst/>
+          </a:prstGeom>
+          <a:gradFill>
+            <a:gsLst>
+              <a:gs pos="8000">
+                <a:schemeClr val="accent1"/>
+              </a:gs>
+              <a:gs pos="100000">
+                <a:schemeClr val="accent1">
+                  <a:lumMod val="50000"/>
+                </a:schemeClr>
+              </a:gs>
+            </a:gsLst>
+            <a:lin ang="12000000" scaled="0"/>
+          </a:gradFill>
+          <a:ln>
+            <a:noFill/>
+          </a:ln>
+        </p:spPr>
+        <p:style>
+          <a:lnRef idx="2">
+            <a:schemeClr val="accent1">
+              <a:shade val="50000"/>
+            </a:schemeClr>
+          </a:lnRef>
+          <a:fillRef idx="1">
+            <a:schemeClr val="accent1"/>
+          </a:fillRef>
+          <a:effectRef idx="0">
+            <a:schemeClr val="accent1"/>
+          </a:effectRef>
+          <a:fontRef idx="minor">
+            <a:schemeClr val="lt1"/>
+          </a:fontRef>
+        </p:style>
+        <p:txBody>
+          <a:bodyPr rtlCol="0" anchor="ctr"/>
+          <a:lstStyle/>
+          <a:p>
+            <a:pPr algn="ctr"/>
+            <a:endParaRPr lang="en-US"/>
+          </a:p>
+        </p:txBody>
+      </p:sp>
+      <p:sp>
+        <p:nvSpPr>
           <p:cNvPr id="14" name="Rectangle 13">
+            <a:extLst>
+              <a:ext uri="{FF2B5EF4-FFF2-40B4-BE49-F238E27FC236}">
+                <a16:creationId xmlns:a16="http://schemas.microsoft.com/office/drawing/2014/main" id="{2633B3B5-CC90-43F0-8714-D31D1F3F0209}"/>
+              </a:ext>
+              <a:ext uri="{C183D7F6-B498-43B3-948B-1728B52AA6E4}">
+                <adec:decorative xmlns:adec="http://schemas.microsoft.com/office/drawing/2017/decorative" val="1"/>
+              </a:ext>
+            </a:extLst>
+          </p:cNvPr>
+          <p:cNvSpPr>
+            <a:spLocks noGrp="1" noRot="1" noChangeAspect="1" noMove="1" noResize="1" noEditPoints="1" noAdjustHandles="1" noChangeArrowheads="1" noChangeShapeType="1" noTextEdit="1"/>
+          </p:cNvSpPr>
+          <p:nvPr>
+            <p:extLst>
+              <p:ext uri="{386F3935-93C4-4BCD-93E2-E3B085C9AB24}">
+                <p16:designElem xmlns:p16="http://schemas.microsoft.com/office/powerpoint/2015/main" val="1"/>
+              </p:ext>
+            </p:extLst>
+          </p:nvPr>
+        </p:nvSpPr>
+        <p:spPr>
+          <a:xfrm rot="10800000" flipH="1">
+            <a:off x="-2311" y="0"/>
+            <a:ext cx="9070846" cy="6857572"/>
+          </a:xfrm>
+          <a:prstGeom prst="rect">
+            <a:avLst/>
+          </a:prstGeom>
+          <a:gradFill>
+            <a:gsLst>
+              <a:gs pos="8000">
+                <a:srgbClr val="000000">
+                  <a:alpha val="52000"/>
+                </a:srgbClr>
+              </a:gs>
+              <a:gs pos="100000">
+                <a:schemeClr val="accent1"/>
+              </a:gs>
+            </a:gsLst>
+            <a:lin ang="4800000" scaled="0"/>
+          </a:gradFill>
+          <a:ln>
+            <a:noFill/>
+          </a:ln>
+        </p:spPr>
+        <p:style>
+          <a:lnRef idx="2">
+            <a:schemeClr val="accent1">
+              <a:shade val="50000"/>
+            </a:schemeClr>
+          </a:lnRef>
+          <a:fillRef idx="1">
+            <a:schemeClr val="accent1"/>
+          </a:fillRef>
+          <a:effectRef idx="0">
+            <a:schemeClr val="accent1"/>
+          </a:effectRef>
+          <a:fontRef idx="minor">
+            <a:schemeClr val="lt1"/>
+          </a:fontRef>
+        </p:style>
+        <p:txBody>
+          <a:bodyPr rtlCol="0" anchor="ctr"/>
+          <a:lstStyle/>
+          <a:p>
+            <a:pPr algn="ctr"/>
+            <a:endParaRPr lang="en-US"/>
+          </a:p>
+        </p:txBody>
+      </p:sp>
+      <p:sp>
+        <p:nvSpPr>
+          <p:cNvPr id="16" name="Rectangle 15">
+            <a:extLst>
+              <a:ext uri="{FF2B5EF4-FFF2-40B4-BE49-F238E27FC236}">
+                <a16:creationId xmlns:a16="http://schemas.microsoft.com/office/drawing/2014/main" id="{A8D57A06-A426-446D-B02C-A2DC6B62E45E}"/>
+              </a:ext>
+              <a:ext uri="{C183D7F6-B498-43B3-948B-1728B52AA6E4}">
+                <adec:decorative xmlns:adec="http://schemas.microsoft.com/office/drawing/2017/decorative" val="1"/>
+              </a:ext>
+            </a:extLst>
+          </p:cNvPr>
+          <p:cNvSpPr>
+            <a:spLocks noGrp="1" noRot="1" noChangeAspect="1" noMove="1" noResize="1" noEditPoints="1" noAdjustHandles="1" noChangeArrowheads="1" noChangeShapeType="1" noTextEdit="1"/>
+          </p:cNvSpPr>
+          <p:nvPr>
+            <p:extLst>
+              <p:ext uri="{386F3935-93C4-4BCD-93E2-E3B085C9AB24}">
+                <p16:designElem xmlns:p16="http://schemas.microsoft.com/office/powerpoint/2015/main" val="1"/>
+              </p:ext>
+            </p:extLst>
+          </p:nvPr>
+        </p:nvSpPr>
+        <p:spPr>
+          <a:xfrm rot="16200000" flipH="1">
+            <a:off x="3649491" y="-1685840"/>
+            <a:ext cx="4894564" cy="12193546"/>
+          </a:xfrm>
+          <a:prstGeom prst="rect">
+            <a:avLst/>
+          </a:prstGeom>
+          <a:gradFill>
+            <a:gsLst>
+              <a:gs pos="0">
+                <a:schemeClr val="accent5">
+                  <a:lumMod val="60000"/>
+                  <a:lumOff val="40000"/>
+                  <a:alpha val="0"/>
+                </a:schemeClr>
+              </a:gs>
+              <a:gs pos="100000">
+                <a:srgbClr val="000000">
+                  <a:alpha val="46000"/>
+                </a:srgbClr>
+              </a:gs>
+            </a:gsLst>
+            <a:lin ang="1200000" scaled="0"/>
+          </a:gradFill>
+          <a:ln>
+            <a:noFill/>
+          </a:ln>
+        </p:spPr>
+        <p:style>
+          <a:lnRef idx="2">
+            <a:schemeClr val="accent1">
+              <a:shade val="50000"/>
+            </a:schemeClr>
+          </a:lnRef>
+          <a:fillRef idx="1">
+            <a:schemeClr val="accent1"/>
+          </a:fillRef>
+          <a:effectRef idx="0">
+            <a:schemeClr val="accent1"/>
+          </a:effectRef>
+          <a:fontRef idx="minor">
+            <a:schemeClr val="lt1"/>
+          </a:fontRef>
+        </p:style>
+        <p:txBody>
+          <a:bodyPr rtlCol="0" anchor="ctr"/>
+          <a:lstStyle/>
+          <a:p>
+            <a:pPr algn="ctr"/>
+            <a:endParaRPr lang="en-US"/>
+          </a:p>
+        </p:txBody>
+      </p:sp>
+      <p:sp>
+        <p:nvSpPr>
+          <p:cNvPr id="2" name="TextBox 1">
+            <a:extLst>
+              <a:ext uri="{FF2B5EF4-FFF2-40B4-BE49-F238E27FC236}">
+                <a16:creationId xmlns:a16="http://schemas.microsoft.com/office/drawing/2014/main" id="{58F2584D-F505-4BEE-989E-AAB989B78ACE}"/>
+              </a:ext>
+            </a:extLst>
+          </p:cNvPr>
+          <p:cNvSpPr txBox="1"/>
+          <p:nvPr/>
+        </p:nvSpPr>
+        <p:spPr>
+          <a:xfrm>
+            <a:off x="362010" y="178256"/>
+            <a:ext cx="5958038" cy="1323439"/>
+          </a:xfrm>
+          <a:prstGeom prst="rect">
+            <a:avLst/>
+          </a:prstGeom>
+          <a:noFill/>
+        </p:spPr>
+        <p:txBody>
+          <a:bodyPr wrap="square" rtlCol="0">
+            <a:spAutoFit/>
+          </a:bodyPr>
+          <a:lstStyle/>
+          <a:p>
+            <a:r>
+              <a:rPr lang="en-US" sz="4000" dirty="0">
+                <a:solidFill>
+                  <a:schemeClr val="bg1"/>
+                </a:solidFill>
+              </a:rPr>
+              <a:t>Visualize Output through Dash</a:t>
+            </a:r>
+          </a:p>
+        </p:txBody>
+      </p:sp>
+      <p:pic>
+        <p:nvPicPr>
+          <p:cNvPr id="4" name="Picture 3" descr="Chart, histogram&#10;&#10;Description automatically generated">
+            <a:extLst>
+              <a:ext uri="{FF2B5EF4-FFF2-40B4-BE49-F238E27FC236}">
+                <a16:creationId xmlns:a16="http://schemas.microsoft.com/office/drawing/2014/main" id="{DDF1D0D7-0A9D-4879-BB05-812C2C1520AE}"/>
+              </a:ext>
+            </a:extLst>
+          </p:cNvPr>
+          <p:cNvPicPr>
+            <a:picLocks noChangeAspect="1"/>
+          </p:cNvPicPr>
+          <p:nvPr/>
+        </p:nvPicPr>
+        <p:blipFill>
+          <a:blip r:embed="rId2">
+            <a:extLst>
+              <a:ext uri="{28A0092B-C50C-407E-A947-70E740481C1C}">
+                <a14:useLocalDpi xmlns:a14="http://schemas.microsoft.com/office/drawing/2010/main" val="0"/>
+              </a:ext>
+            </a:extLst>
+          </a:blip>
+          <a:stretch>
+            <a:fillRect/>
+          </a:stretch>
+        </p:blipFill>
+        <p:spPr>
+          <a:xfrm>
+            <a:off x="2220686" y="921594"/>
+            <a:ext cx="9314665" cy="5936406"/>
+          </a:xfrm>
+          <a:prstGeom prst="rect">
+            <a:avLst/>
+          </a:prstGeom>
+        </p:spPr>
+      </p:pic>
+    </p:spTree>
+    <p:extLst>
+      <p:ext uri="{BB962C8B-B14F-4D97-AF65-F5344CB8AC3E}">
+        <p14:creationId xmlns:p14="http://schemas.microsoft.com/office/powerpoint/2010/main" val="4101337380"/>
+      </p:ext>
+    </p:extLst>
+  </p:cSld>
+  <p:clrMapOvr>
+    <a:masterClrMapping/>
+  </p:clrMapOvr>
+</p:sld>
+</file>
+
+<file path=ppt/slides/slide15.xml><?xml version="1.0" encoding="utf-8"?>
+<p:sld xmlns:a="http://schemas.openxmlformats.org/drawingml/2006/main" xmlns:r="http://schemas.openxmlformats.org/officeDocument/2006/relationships" xmlns:p="http://schemas.openxmlformats.org/presentationml/2006/main">
+  <p:cSld>
+    <p:bg>
+      <p:bgPr>
+        <a:solidFill>
+          <a:schemeClr val="bg1"/>
+        </a:solidFill>
+        <a:effectLst/>
+      </p:bgPr>
+    </p:bg>
+    <p:spTree>
+      <p:nvGrpSpPr>
+        <p:cNvPr id="1" name=""/>
+        <p:cNvGrpSpPr/>
+        <p:nvPr/>
+      </p:nvGrpSpPr>
+      <p:grpSpPr>
+        <a:xfrm>
+          <a:off x="0" y="0"/>
+          <a:ext cx="0" cy="0"/>
+          <a:chOff x="0" y="0"/>
+          <a:chExt cx="0" cy="0"/>
+        </a:xfrm>
+      </p:grpSpPr>
+      <p:sp useBgFill="1">
+        <p:nvSpPr>
+          <p:cNvPr id="11" name="Rectangle 10">
             <a:extLst>
               <a:ext uri="{FF2B5EF4-FFF2-40B4-BE49-F238E27FC236}">
                 <a16:creationId xmlns:a16="http://schemas.microsoft.com/office/drawing/2014/main" id="{C232B152-3720-4D3B-97ED-45CE5483F16F}"/>
@@ -13507,7 +14721,7 @@
       </p:sp>
       <p:sp>
         <p:nvSpPr>
-          <p:cNvPr id="16" name="Freeform: Shape 15">
+          <p:cNvPr id="13" name="Freeform: Shape 12">
             <a:extLst>
               <a:ext uri="{FF2B5EF4-FFF2-40B4-BE49-F238E27FC236}">
                 <a16:creationId xmlns:a16="http://schemas.microsoft.com/office/drawing/2014/main" id="{11BAB570-FF10-4E96-8A3F-FA9804702B89}"/>
@@ -14730,7 +15944,7 @@
       </p:sp>
       <p:sp>
         <p:nvSpPr>
-          <p:cNvPr id="18" name="Freeform: Shape 17">
+          <p:cNvPr id="15" name="Freeform: Shape 14">
             <a:extLst>
               <a:ext uri="{FF2B5EF4-FFF2-40B4-BE49-F238E27FC236}">
                 <a16:creationId xmlns:a16="http://schemas.microsoft.com/office/drawing/2014/main" id="{4B9FAFB2-BEB5-4848-8018-BCAD99E2E1AA}"/>
@@ -16001,755 +17215,114 @@
       </p:sp>
       <p:sp>
         <p:nvSpPr>
-          <p:cNvPr id="8" name="Rectangle 2">
+          <p:cNvPr id="2" name="Title 1">
             <a:extLst>
               <a:ext uri="{FF2B5EF4-FFF2-40B4-BE49-F238E27FC236}">
-                <a16:creationId xmlns:a16="http://schemas.microsoft.com/office/drawing/2014/main" id="{961112B1-22AF-4B41-B736-AA86970B59AC}"/>
+                <a16:creationId xmlns:a16="http://schemas.microsoft.com/office/drawing/2014/main" id="{A773052D-62DC-4DD5-B832-65A440BC65A7}"/>
               </a:ext>
             </a:extLst>
           </p:cNvPr>
           <p:cNvSpPr>
-            <a:spLocks noChangeArrowheads="1"/>
+            <a:spLocks noGrp="1"/>
           </p:cNvSpPr>
-          <p:nvPr/>
+          <p:nvPr>
+            <p:ph type="title"/>
+          </p:nvPr>
         </p:nvSpPr>
-        <p:spPr bwMode="auto">
+        <p:spPr>
+          <a:xfrm>
+            <a:off x="765051" y="662400"/>
+            <a:ext cx="3384000" cy="1492132"/>
+          </a:xfrm>
+        </p:spPr>
+        <p:txBody>
+          <a:bodyPr anchor="t">
+            <a:normAutofit/>
+          </a:bodyPr>
+          <a:lstStyle/>
+          <a:p>
+            <a:r>
+              <a:rPr lang="en-US">
+                <a:solidFill>
+                  <a:schemeClr val="bg1"/>
+                </a:solidFill>
+              </a:rPr>
+              <a:t>Dash next steps</a:t>
+            </a:r>
+          </a:p>
+        </p:txBody>
+      </p:sp>
+      <p:sp>
+        <p:nvSpPr>
+          <p:cNvPr id="4" name="Content Placeholder 3">
+            <a:extLst>
+              <a:ext uri="{FF2B5EF4-FFF2-40B4-BE49-F238E27FC236}">
+                <a16:creationId xmlns:a16="http://schemas.microsoft.com/office/drawing/2014/main" id="{6131F640-8F15-42AB-BE29-869F4A4256E9}"/>
+              </a:ext>
+            </a:extLst>
+          </p:cNvPr>
+          <p:cNvSpPr>
+            <a:spLocks noGrp="1"/>
+          </p:cNvSpPr>
+          <p:nvPr>
+            <p:ph idx="1"/>
+          </p:nvPr>
+        </p:nvSpPr>
+        <p:spPr>
           <a:xfrm>
             <a:off x="765051" y="2286000"/>
             <a:ext cx="3384000" cy="3844800"/>
           </a:xfrm>
-          <a:prstGeom prst="rect">
-            <a:avLst/>
-          </a:prstGeom>
-          <a:extLst>
-            <a:ext uri="{91240B29-F687-4F45-9708-019B960494DF}">
-              <a14:hiddenLine xmlns:a14="http://schemas.microsoft.com/office/drawing/2010/main" w="9525">
-                <a:solidFill>
-                  <a:schemeClr val="tx1"/>
-                </a:solidFill>
-                <a:miter lim="800000"/>
-                <a:headEnd/>
-                <a:tailEnd/>
-              </a14:hiddenLine>
-            </a:ext>
-            <a:ext uri="{AF507438-7753-43E0-B8FC-AC1667EBCBE1}">
-              <a14:hiddenEffects xmlns:a14="http://schemas.microsoft.com/office/drawing/2010/main">
-                <a:effectLst>
-                  <a:outerShdw dist="35921" dir="2700000" algn="ctr" rotWithShape="0">
-                    <a:schemeClr val="bg2"/>
-                  </a:outerShdw>
-                </a:effectLst>
-              </a14:hiddenEffects>
-            </a:ext>
-          </a:extLst>
         </p:spPr>
         <p:txBody>
-          <a:bodyPr vert="horz" lIns="91440" tIns="45720" rIns="91440" bIns="45720" numCol="1" rtlCol="0" anchorCtr="0" compatLnSpc="1">
-            <a:prstTxWarp prst="textNoShape">
-              <a:avLst/>
-            </a:prstTxWarp>
-            <a:normAutofit lnSpcReduction="10000"/>
+          <a:bodyPr>
+            <a:normAutofit/>
           </a:bodyPr>
           <a:lstStyle/>
           <a:p>
-            <a:pPr marL="0" marR="0" lvl="0" indent="-228600" fontAlgn="base">
-              <a:lnSpc>
-                <a:spcPct val="90000"/>
-              </a:lnSpc>
-              <a:spcBef>
-                <a:spcPct val="0"/>
-              </a:spcBef>
-              <a:spcAft>
-                <a:spcPts val="600"/>
-              </a:spcAft>
-              <a:buClrTx/>
-              <a:buSzTx/>
-              <a:buFont typeface="Arial" panose="020B0604020202020204" pitchFamily="34" charset="0"/>
-              <a:buChar char="•"/>
-              <a:tabLst/>
-            </a:pPr>
             <a:r>
-              <a:rPr kumimoji="0" lang="en-US" altLang="en-US" sz="2000" b="0" i="0" u="none" strike="noStrike" cap="none" normalizeH="0" baseline="0" dirty="0">
-                <a:ln>
-                  <a:noFill/>
-                </a:ln>
-                <a:solidFill>
-                  <a:schemeClr val="bg1">
-                    <a:alpha val="60000"/>
-                  </a:schemeClr>
-                </a:solidFill>
-                <a:effectLst/>
-              </a:rPr>
-              <a:t>count         500 </a:t>
-            </a:r>
-          </a:p>
-          <a:p>
-            <a:pPr marL="0" marR="0" lvl="0" indent="-228600" fontAlgn="base">
-              <a:lnSpc>
-                <a:spcPct val="90000"/>
-              </a:lnSpc>
-              <a:spcBef>
-                <a:spcPct val="0"/>
-              </a:spcBef>
-              <a:spcAft>
-                <a:spcPts val="600"/>
-              </a:spcAft>
-              <a:buClrTx/>
-              <a:buSzTx/>
-              <a:buFont typeface="Arial" panose="020B0604020202020204" pitchFamily="34" charset="0"/>
-              <a:buChar char="•"/>
-              <a:tabLst/>
-            </a:pPr>
-            <a:r>
-              <a:rPr kumimoji="0" lang="en-US" altLang="en-US" sz="2000" b="0" i="0" u="none" strike="noStrike" cap="none" normalizeH="0" baseline="0" dirty="0">
-                <a:ln>
-                  <a:noFill/>
-                </a:ln>
-                <a:solidFill>
-                  <a:schemeClr val="bg1">
-                    <a:alpha val="60000"/>
-                  </a:schemeClr>
-                </a:solidFill>
-                <a:effectLst/>
-              </a:rPr>
-              <a:t>mean         1.523473 </a:t>
-            </a:r>
-          </a:p>
-          <a:p>
-            <a:pPr marL="0" marR="0" lvl="0" indent="-228600" fontAlgn="base">
-              <a:lnSpc>
-                <a:spcPct val="90000"/>
-              </a:lnSpc>
-              <a:spcBef>
-                <a:spcPct val="0"/>
-              </a:spcBef>
-              <a:spcAft>
-                <a:spcPts val="600"/>
-              </a:spcAft>
-              <a:buClrTx/>
-              <a:buSzTx/>
-              <a:buFont typeface="Arial" panose="020B0604020202020204" pitchFamily="34" charset="0"/>
-              <a:buChar char="•"/>
-              <a:tabLst/>
-            </a:pPr>
-            <a:r>
-              <a:rPr kumimoji="0" lang="en-US" altLang="en-US" sz="2000" b="0" i="0" u="none" strike="noStrike" cap="none" normalizeH="0" baseline="0" dirty="0">
-                <a:ln>
-                  <a:noFill/>
-                </a:ln>
-                <a:solidFill>
-                  <a:schemeClr val="bg1">
-                    <a:alpha val="60000"/>
-                  </a:schemeClr>
-                </a:solidFill>
-                <a:effectLst/>
-              </a:rPr>
-              <a:t>std              0.359308 </a:t>
-            </a:r>
-          </a:p>
-          <a:p>
-            <a:pPr marL="0" marR="0" lvl="0" indent="-228600" fontAlgn="base">
-              <a:lnSpc>
-                <a:spcPct val="90000"/>
-              </a:lnSpc>
-              <a:spcBef>
-                <a:spcPct val="0"/>
-              </a:spcBef>
-              <a:spcAft>
-                <a:spcPts val="600"/>
-              </a:spcAft>
-              <a:buClrTx/>
-              <a:buSzTx/>
-              <a:buFont typeface="Arial" panose="020B0604020202020204" pitchFamily="34" charset="0"/>
-              <a:buChar char="•"/>
-              <a:tabLst/>
-            </a:pPr>
-            <a:r>
-              <a:rPr kumimoji="0" lang="en-US" altLang="en-US" sz="2000" b="0" i="0" u="none" strike="noStrike" cap="none" normalizeH="0" baseline="0" dirty="0">
-                <a:ln>
-                  <a:noFill/>
-                </a:ln>
-                <a:solidFill>
-                  <a:schemeClr val="bg1">
-                    <a:alpha val="60000"/>
-                  </a:schemeClr>
-                </a:solidFill>
-                <a:effectLst/>
-              </a:rPr>
-              <a:t>min             0.823825 </a:t>
-            </a:r>
-          </a:p>
-          <a:p>
-            <a:pPr marL="0" marR="0" lvl="0" indent="-228600" fontAlgn="base">
-              <a:lnSpc>
-                <a:spcPct val="90000"/>
-              </a:lnSpc>
-              <a:spcBef>
-                <a:spcPct val="0"/>
-              </a:spcBef>
-              <a:spcAft>
-                <a:spcPts val="600"/>
-              </a:spcAft>
-              <a:buClrTx/>
-              <a:buSzTx/>
-              <a:buFont typeface="Arial" panose="020B0604020202020204" pitchFamily="34" charset="0"/>
-              <a:buChar char="•"/>
-              <a:tabLst/>
-            </a:pPr>
-            <a:r>
-              <a:rPr kumimoji="0" lang="en-US" altLang="en-US" sz="2000" b="0" i="0" u="none" strike="noStrike" cap="none" normalizeH="0" baseline="0" dirty="0">
-                <a:ln>
-                  <a:noFill/>
-                </a:ln>
-                <a:solidFill>
-                  <a:schemeClr val="bg1">
-                    <a:alpha val="60000"/>
-                  </a:schemeClr>
-                </a:solidFill>
-                <a:effectLst/>
-              </a:rPr>
-              <a:t>25%            1.264320 </a:t>
-            </a:r>
-          </a:p>
-          <a:p>
-            <a:pPr marL="0" marR="0" lvl="0" indent="-228600" fontAlgn="base">
-              <a:lnSpc>
-                <a:spcPct val="90000"/>
-              </a:lnSpc>
-              <a:spcBef>
-                <a:spcPct val="0"/>
-              </a:spcBef>
-              <a:spcAft>
-                <a:spcPts val="600"/>
-              </a:spcAft>
-              <a:buClrTx/>
-              <a:buSzTx/>
-              <a:buFont typeface="Arial" panose="020B0604020202020204" pitchFamily="34" charset="0"/>
-              <a:buChar char="•"/>
-              <a:tabLst/>
-            </a:pPr>
-            <a:r>
-              <a:rPr kumimoji="0" lang="en-US" altLang="en-US" sz="2000" b="0" i="0" u="none" strike="noStrike" cap="none" normalizeH="0" baseline="0" dirty="0">
-                <a:ln>
-                  <a:noFill/>
-                </a:ln>
-                <a:solidFill>
-                  <a:schemeClr val="bg1">
-                    <a:alpha val="60000"/>
-                  </a:schemeClr>
-                </a:solidFill>
-                <a:effectLst/>
-              </a:rPr>
-              <a:t>50%            1.498127 </a:t>
-            </a:r>
-          </a:p>
-          <a:p>
-            <a:pPr marL="0" marR="0" lvl="0" indent="-228600" fontAlgn="base">
-              <a:lnSpc>
-                <a:spcPct val="90000"/>
-              </a:lnSpc>
-              <a:spcBef>
-                <a:spcPct val="0"/>
-              </a:spcBef>
-              <a:spcAft>
-                <a:spcPts val="600"/>
-              </a:spcAft>
-              <a:buClrTx/>
-              <a:buSzTx/>
-              <a:buFont typeface="Arial" panose="020B0604020202020204" pitchFamily="34" charset="0"/>
-              <a:buChar char="•"/>
-              <a:tabLst/>
-            </a:pPr>
-            <a:r>
-              <a:rPr kumimoji="0" lang="en-US" altLang="en-US" sz="2000" b="0" i="0" u="none" strike="noStrike" cap="none" normalizeH="0" baseline="0" dirty="0">
-                <a:ln>
-                  <a:noFill/>
-                </a:ln>
-                <a:solidFill>
-                  <a:schemeClr val="bg1">
-                    <a:alpha val="60000"/>
-                  </a:schemeClr>
-                </a:solidFill>
-                <a:effectLst/>
-              </a:rPr>
-              <a:t>75%            1.737534 </a:t>
-            </a:r>
-          </a:p>
-          <a:p>
-            <a:pPr marL="0" marR="0" lvl="0" indent="-228600" fontAlgn="base">
-              <a:lnSpc>
-                <a:spcPct val="90000"/>
-              </a:lnSpc>
-              <a:spcBef>
-                <a:spcPct val="0"/>
-              </a:spcBef>
-              <a:spcAft>
-                <a:spcPts val="600"/>
-              </a:spcAft>
-              <a:buClrTx/>
-              <a:buSzTx/>
-              <a:buFont typeface="Arial" panose="020B0604020202020204" pitchFamily="34" charset="0"/>
-              <a:buChar char="•"/>
-              <a:tabLst/>
-            </a:pPr>
-            <a:r>
-              <a:rPr kumimoji="0" lang="en-US" altLang="en-US" sz="2000" b="0" i="0" u="none" strike="noStrike" cap="none" normalizeH="0" baseline="0" dirty="0">
-                <a:ln>
-                  <a:noFill/>
-                </a:ln>
-                <a:solidFill>
-                  <a:schemeClr val="bg1">
-                    <a:alpha val="60000"/>
-                  </a:schemeClr>
-                </a:solidFill>
-                <a:effectLst/>
-              </a:rPr>
-              <a:t>max            3.029722 </a:t>
-            </a:r>
-          </a:p>
-          <a:p>
-            <a:pPr marL="0" marR="0" lvl="0" indent="-228600" fontAlgn="base">
-              <a:lnSpc>
-                <a:spcPct val="90000"/>
-              </a:lnSpc>
-              <a:spcBef>
-                <a:spcPct val="0"/>
-              </a:spcBef>
-              <a:spcAft>
-                <a:spcPts val="600"/>
-              </a:spcAft>
-              <a:buClrTx/>
-              <a:buSzTx/>
-              <a:buFont typeface="Arial" panose="020B0604020202020204" pitchFamily="34" charset="0"/>
-              <a:buChar char="•"/>
-              <a:tabLst/>
-            </a:pPr>
-            <a:r>
-              <a:rPr kumimoji="0" lang="en-US" altLang="en-US" sz="2000" b="0" i="0" u="none" strike="noStrike" cap="none" normalizeH="0" baseline="0" dirty="0">
-                <a:ln>
-                  <a:noFill/>
-                </a:ln>
-                <a:solidFill>
-                  <a:schemeClr val="bg1">
-                    <a:alpha val="60000"/>
-                  </a:schemeClr>
-                </a:solidFill>
-                <a:effectLst/>
-              </a:rPr>
-              <a:t>95% </a:t>
-            </a:r>
-            <a:r>
-              <a:rPr lang="en-US" altLang="en-US" sz="2000" dirty="0">
+              <a:rPr lang="en-US" sz="3200" dirty="0">
                 <a:solidFill>
                   <a:schemeClr val="bg1">
                     <a:alpha val="60000"/>
                   </a:schemeClr>
                 </a:solidFill>
               </a:rPr>
-              <a:t>CI - </a:t>
+              <a:t>Launching full web application</a:t>
             </a:r>
           </a:p>
           <a:p>
-            <a:pPr marL="0" marR="0" lvl="0" indent="-228600" fontAlgn="base">
-              <a:lnSpc>
-                <a:spcPct val="90000"/>
-              </a:lnSpc>
-              <a:spcBef>
-                <a:spcPct val="0"/>
-              </a:spcBef>
-              <a:spcAft>
-                <a:spcPts val="600"/>
-              </a:spcAft>
-              <a:buClrTx/>
-              <a:buSzTx/>
-              <a:buFont typeface="Arial" panose="020B0604020202020204" pitchFamily="34" charset="0"/>
-              <a:buChar char="•"/>
-              <a:tabLst/>
-            </a:pPr>
             <a:r>
-              <a:rPr kumimoji="0" lang="en-US" altLang="en-US" sz="2000" b="0" i="0" u="none" strike="noStrike" cap="none" normalizeH="0" baseline="0" dirty="0">
-                <a:ln>
-                  <a:noFill/>
-                </a:ln>
+              <a:rPr lang="en-US" sz="3200" dirty="0">
                 <a:solidFill>
                   <a:schemeClr val="bg1">
                     <a:alpha val="60000"/>
                   </a:schemeClr>
                 </a:solidFill>
-                <a:effectLst/>
               </a:rPr>
-              <a:t>Lower        0.943032 </a:t>
+              <a:t>Integrating questions from our questionary</a:t>
             </a:r>
           </a:p>
           <a:p>
-            <a:pPr marL="0" marR="0" lvl="0" indent="-228600" fontAlgn="base">
-              <a:lnSpc>
-                <a:spcPct val="90000"/>
-              </a:lnSpc>
-              <a:spcBef>
-                <a:spcPct val="0"/>
-              </a:spcBef>
-              <a:spcAft>
-                <a:spcPts val="600"/>
-              </a:spcAft>
-              <a:buClrTx/>
-              <a:buSzTx/>
-              <a:buFont typeface="Arial" panose="020B0604020202020204" pitchFamily="34" charset="0"/>
-              <a:buChar char="•"/>
-              <a:tabLst/>
-            </a:pPr>
             <a:r>
-              <a:rPr kumimoji="0" lang="en-US" altLang="en-US" sz="2000" b="0" i="0" u="none" strike="noStrike" cap="none" normalizeH="0" baseline="0" dirty="0">
-                <a:ln>
-                  <a:noFill/>
-                </a:ln>
+              <a:rPr lang="en-US" sz="3200" dirty="0">
                 <a:solidFill>
                   <a:schemeClr val="bg1">
                     <a:alpha val="60000"/>
                   </a:schemeClr>
                 </a:solidFill>
-                <a:effectLst/>
               </a:rPr>
-              <a:t>Upper        2.314443 </a:t>
-            </a:r>
-          </a:p>
-        </p:txBody>
-      </p:sp>
-      <p:sp>
-        <p:nvSpPr>
-          <p:cNvPr id="9" name="Rectangle 3">
-            <a:extLst>
-              <a:ext uri="{FF2B5EF4-FFF2-40B4-BE49-F238E27FC236}">
-                <a16:creationId xmlns:a16="http://schemas.microsoft.com/office/drawing/2014/main" id="{D7234067-148F-46BF-B20A-0A6B397C0C60}"/>
-              </a:ext>
-            </a:extLst>
-          </p:cNvPr>
-          <p:cNvSpPr>
-            <a:spLocks noChangeArrowheads="1"/>
-          </p:cNvSpPr>
-          <p:nvPr/>
-        </p:nvSpPr>
-        <p:spPr bwMode="auto">
-          <a:xfrm>
-            <a:off x="5035313" y="5205432"/>
-            <a:ext cx="6959450" cy="1261884"/>
-          </a:xfrm>
-          <a:prstGeom prst="rect">
-            <a:avLst/>
-          </a:prstGeom>
-          <a:solidFill>
-            <a:srgbClr val="FFFFFF"/>
-          </a:solidFill>
-          <a:ln>
-            <a:noFill/>
-          </a:ln>
-          <a:effectLst/>
-          <a:extLst>
-            <a:ext uri="{91240B29-F687-4F45-9708-019B960494DF}">
-              <a14:hiddenLine xmlns:a14="http://schemas.microsoft.com/office/drawing/2010/main" w="9525">
-                <a:solidFill>
-                  <a:schemeClr val="tx1"/>
-                </a:solidFill>
-                <a:miter lim="800000"/>
-                <a:headEnd/>
-                <a:tailEnd/>
-              </a14:hiddenLine>
-            </a:ext>
-            <a:ext uri="{AF507438-7753-43E0-B8FC-AC1667EBCBE1}">
-              <a14:hiddenEffects xmlns:a14="http://schemas.microsoft.com/office/drawing/2010/main">
-                <a:effectLst>
-                  <a:outerShdw dist="35921" dir="2700000" algn="ctr" rotWithShape="0">
-                    <a:schemeClr val="bg2"/>
-                  </a:outerShdw>
-                </a:effectLst>
-              </a14:hiddenEffects>
-            </a:ext>
-          </a:extLst>
-        </p:spPr>
-        <p:txBody>
-          <a:bodyPr vert="horz" wrap="square" lIns="0" tIns="0" rIns="0" bIns="0" numCol="1" anchor="ctr" anchorCtr="0" compatLnSpc="1">
-            <a:prstTxWarp prst="textNoShape">
-              <a:avLst/>
-            </a:prstTxWarp>
-            <a:spAutoFit/>
-          </a:bodyPr>
-          <a:lstStyle/>
-          <a:p>
-            <a:pPr marL="0" marR="0" lvl="0" indent="0" algn="l" defTabSz="914400" rtl="0" eaLnBrk="0" fontAlgn="base" latinLnBrk="0" hangingPunct="0">
-              <a:spcBef>
-                <a:spcPct val="0"/>
-              </a:spcBef>
-              <a:spcAft>
-                <a:spcPts val="600"/>
-              </a:spcAft>
-              <a:buClrTx/>
-              <a:buSzTx/>
-              <a:buFontTx/>
-              <a:buNone/>
-              <a:tabLst/>
-            </a:pPr>
-            <a:r>
-              <a:rPr kumimoji="0" lang="en-US" altLang="en-US" sz="2400" b="0" i="0" u="none" strike="noStrike" cap="none" normalizeH="0" baseline="0" dirty="0">
-                <a:ln>
-                  <a:noFill/>
-                </a:ln>
-                <a:solidFill>
-                  <a:schemeClr val="tx1"/>
-                </a:solidFill>
-                <a:effectLst/>
-                <a:latin typeface="var(--jp-code-font-family)"/>
-              </a:rPr>
-              <a:t>There is a 95% chance that an initial investment of </a:t>
-            </a:r>
-          </a:p>
-          <a:p>
-            <a:pPr marL="0" marR="0" lvl="0" indent="0" algn="l" defTabSz="914400" rtl="0" eaLnBrk="0" fontAlgn="base" latinLnBrk="0" hangingPunct="0">
-              <a:spcBef>
-                <a:spcPct val="0"/>
-              </a:spcBef>
-              <a:spcAft>
-                <a:spcPts val="600"/>
-              </a:spcAft>
-              <a:buClrTx/>
-              <a:buSzTx/>
-              <a:buFontTx/>
-              <a:buNone/>
-              <a:tabLst/>
-            </a:pPr>
-            <a:r>
-              <a:rPr kumimoji="0" lang="en-US" altLang="en-US" sz="2400" b="0" i="0" u="none" strike="noStrike" cap="none" normalizeH="0" baseline="0" dirty="0">
-                <a:ln>
-                  <a:noFill/>
-                </a:ln>
-                <a:solidFill>
-                  <a:schemeClr val="tx1"/>
-                </a:solidFill>
-                <a:effectLst/>
-                <a:latin typeface="var(--jp-code-font-family)"/>
-              </a:rPr>
-              <a:t>$</a:t>
-            </a:r>
-            <a:r>
-              <a:rPr kumimoji="0" lang="en-US" altLang="en-US" sz="2400" b="1" i="0" u="none" strike="noStrike" cap="none" normalizeH="0" baseline="0" dirty="0">
-                <a:ln>
-                  <a:noFill/>
-                </a:ln>
-                <a:solidFill>
-                  <a:schemeClr val="tx1"/>
-                </a:solidFill>
-                <a:effectLst/>
-                <a:latin typeface="var(--jp-code-font-family)"/>
-              </a:rPr>
-              <a:t>10,000</a:t>
-            </a:r>
-            <a:r>
-              <a:rPr kumimoji="0" lang="en-US" altLang="en-US" sz="2400" b="0" i="0" u="none" strike="noStrike" cap="none" normalizeH="0" baseline="0" dirty="0">
-                <a:ln>
-                  <a:noFill/>
-                </a:ln>
-                <a:solidFill>
-                  <a:schemeClr val="tx1"/>
-                </a:solidFill>
-                <a:effectLst/>
-                <a:latin typeface="var(--jp-code-font-family)"/>
-              </a:rPr>
-              <a:t> in the portfolio</a:t>
-            </a:r>
-          </a:p>
-          <a:p>
-            <a:pPr marL="0" marR="0" lvl="0" indent="0" algn="l" defTabSz="914400" rtl="0" eaLnBrk="0" fontAlgn="base" latinLnBrk="0" hangingPunct="0">
-              <a:spcBef>
-                <a:spcPct val="0"/>
-              </a:spcBef>
-              <a:spcAft>
-                <a:spcPts val="600"/>
-              </a:spcAft>
-              <a:buClrTx/>
-              <a:buSzTx/>
-              <a:buFontTx/>
-              <a:buNone/>
-              <a:tabLst/>
-            </a:pPr>
-            <a:r>
-              <a:rPr lang="en-US" altLang="en-US" sz="2400" dirty="0">
-                <a:latin typeface="var(--jp-code-font-family)"/>
-              </a:rPr>
-              <a:t>Returns </a:t>
-            </a:r>
-            <a:r>
-              <a:rPr kumimoji="0" lang="en-US" altLang="en-US" sz="2400" b="0" i="0" u="none" strike="noStrike" cap="none" normalizeH="0" baseline="0" dirty="0">
-                <a:ln>
-                  <a:noFill/>
-                </a:ln>
-                <a:solidFill>
-                  <a:schemeClr val="tx1"/>
-                </a:solidFill>
-                <a:effectLst/>
-                <a:latin typeface="var(--jp-code-font-family)"/>
-              </a:rPr>
-              <a:t> $</a:t>
-            </a:r>
-            <a:r>
-              <a:rPr kumimoji="0" lang="en-US" altLang="en-US" sz="2400" b="1" i="0" u="none" strike="noStrike" cap="none" normalizeH="0" baseline="0" dirty="0">
-                <a:ln>
-                  <a:noFill/>
-                </a:ln>
-                <a:solidFill>
-                  <a:schemeClr val="tx1"/>
-                </a:solidFill>
-                <a:effectLst/>
-                <a:latin typeface="var(--jp-code-font-family)"/>
-              </a:rPr>
-              <a:t>9430.32</a:t>
-            </a:r>
-            <a:r>
-              <a:rPr kumimoji="0" lang="en-US" altLang="en-US" sz="2400" b="0" i="0" u="none" strike="noStrike" cap="none" normalizeH="0" baseline="0" dirty="0">
-                <a:ln>
-                  <a:noFill/>
-                </a:ln>
-                <a:solidFill>
-                  <a:schemeClr val="tx1"/>
-                </a:solidFill>
-                <a:effectLst/>
-                <a:latin typeface="var(--jp-code-font-family)"/>
-              </a:rPr>
-              <a:t> </a:t>
-            </a:r>
-            <a:r>
-              <a:rPr lang="en-US" altLang="en-US" sz="2400" dirty="0">
-                <a:latin typeface="var(--jp-code-font-family)"/>
-              </a:rPr>
-              <a:t>to</a:t>
-            </a:r>
-            <a:r>
-              <a:rPr kumimoji="0" lang="en-US" altLang="en-US" sz="2400" b="0" i="0" u="none" strike="noStrike" cap="none" normalizeH="0" baseline="0" dirty="0">
-                <a:ln>
-                  <a:noFill/>
-                </a:ln>
-                <a:solidFill>
-                  <a:schemeClr val="tx1"/>
-                </a:solidFill>
-                <a:effectLst/>
-                <a:latin typeface="var(--jp-code-font-family)"/>
-              </a:rPr>
-              <a:t> $</a:t>
-            </a:r>
-            <a:r>
-              <a:rPr kumimoji="0" lang="en-US" altLang="en-US" sz="2400" b="1" i="0" u="none" strike="noStrike" cap="none" normalizeH="0" baseline="0" dirty="0">
-                <a:ln>
-                  <a:noFill/>
-                </a:ln>
-                <a:solidFill>
-                  <a:schemeClr val="tx1"/>
-                </a:solidFill>
-                <a:effectLst/>
-                <a:latin typeface="var(--jp-code-font-family)"/>
-              </a:rPr>
-              <a:t>23144.43</a:t>
-            </a:r>
-            <a:r>
-              <a:rPr kumimoji="0" lang="en-US" altLang="en-US" sz="2400" b="0" i="0" u="none" strike="noStrike" cap="none" normalizeH="0" baseline="0" dirty="0">
-                <a:ln>
-                  <a:noFill/>
-                </a:ln>
-                <a:solidFill>
-                  <a:schemeClr val="tx1"/>
-                </a:solidFill>
-                <a:effectLst/>
-                <a:latin typeface="var(--jp-code-font-family)"/>
-              </a:rPr>
-              <a:t>.</a:t>
-            </a:r>
-            <a:r>
-              <a:rPr kumimoji="0" lang="en-US" altLang="en-US" sz="2400" b="0" i="0" u="none" strike="noStrike" cap="none" normalizeH="0" baseline="0" dirty="0">
-                <a:ln>
-                  <a:noFill/>
-                </a:ln>
-                <a:solidFill>
-                  <a:schemeClr val="tx1"/>
-                </a:solidFill>
-                <a:effectLst/>
-              </a:rPr>
-              <a:t> </a:t>
-            </a:r>
-            <a:endParaRPr kumimoji="0" lang="en-US" altLang="en-US" sz="2400" b="0" i="0" u="none" strike="noStrike" cap="none" normalizeH="0" baseline="0" dirty="0">
-              <a:ln>
-                <a:noFill/>
-              </a:ln>
-              <a:solidFill>
-                <a:schemeClr val="tx1"/>
-              </a:solidFill>
-              <a:effectLst/>
-              <a:latin typeface="Arial" panose="020B0604020202020204" pitchFamily="34" charset="0"/>
-            </a:endParaRPr>
-          </a:p>
-        </p:txBody>
-      </p:sp>
-      <p:sp>
-        <p:nvSpPr>
-          <p:cNvPr id="2" name="TextBox 1">
-            <a:extLst>
-              <a:ext uri="{FF2B5EF4-FFF2-40B4-BE49-F238E27FC236}">
-                <a16:creationId xmlns:a16="http://schemas.microsoft.com/office/drawing/2014/main" id="{B1768CFA-28A3-440C-93CA-254317782DC8}"/>
-              </a:ext>
-            </a:extLst>
-          </p:cNvPr>
-          <p:cNvSpPr txBox="1"/>
-          <p:nvPr/>
-        </p:nvSpPr>
-        <p:spPr>
-          <a:xfrm>
-            <a:off x="4838076" y="72970"/>
-            <a:ext cx="7869925" cy="1569660"/>
-          </a:xfrm>
-          <a:prstGeom prst="rect">
-            <a:avLst/>
-          </a:prstGeom>
-          <a:noFill/>
-        </p:spPr>
-        <p:txBody>
-          <a:bodyPr wrap="square" rtlCol="0">
-            <a:spAutoFit/>
-          </a:bodyPr>
-          <a:lstStyle/>
-          <a:p>
-            <a:r>
-              <a:rPr lang="en-US" sz="3200" dirty="0"/>
-              <a:t>Forecasting of Portfolio consisting of 20% </a:t>
-            </a:r>
-          </a:p>
-          <a:p>
-            <a:r>
-              <a:rPr lang="en-US" sz="3200" dirty="0" err="1"/>
-              <a:t>tlt</a:t>
-            </a:r>
-            <a:r>
-              <a:rPr lang="en-US" sz="3200" dirty="0"/>
-              <a:t> and 64% spy (stock) and 36% </a:t>
-            </a:r>
-            <a:r>
-              <a:rPr lang="en-US" sz="3200" dirty="0" err="1"/>
-              <a:t>ier</a:t>
-            </a:r>
-            <a:r>
-              <a:rPr lang="en-US" sz="3200" dirty="0"/>
-              <a:t> (bond)</a:t>
-            </a:r>
-          </a:p>
-          <a:p>
-            <a:r>
-              <a:rPr lang="en-US" sz="3200" dirty="0"/>
-              <a:t>using Monte Carlo</a:t>
+              <a:t>Making daily updates on ratios</a:t>
             </a:r>
           </a:p>
         </p:txBody>
       </p:sp>
       <p:pic>
         <p:nvPicPr>
-          <p:cNvPr id="4" name="Picture 3" descr="Chart, line chart&#10;&#10;Description automatically generated">
+          <p:cNvPr id="6" name="Picture 5" descr="Stock exchange numbers">
             <a:extLst>
               <a:ext uri="{FF2B5EF4-FFF2-40B4-BE49-F238E27FC236}">
-                <a16:creationId xmlns:a16="http://schemas.microsoft.com/office/drawing/2014/main" id="{3B495E77-F93B-4AA9-AF5E-34C3E85E947D}"/>
+                <a16:creationId xmlns:a16="http://schemas.microsoft.com/office/drawing/2014/main" id="{22B2FCB6-3BA8-4B5D-997B-DA67E0FD1A7B}"/>
               </a:ext>
             </a:extLst>
           </p:cNvPr>
@@ -16758,22 +17331,15 @@
           </p:cNvPicPr>
           <p:nvPr/>
         </p:nvPicPr>
-        <p:blipFill>
-          <a:blip r:embed="rId2">
-            <a:extLst>
-              <a:ext uri="{28A0092B-C50C-407E-A947-70E740481C1C}">
-                <a14:useLocalDpi xmlns:a14="http://schemas.microsoft.com/office/drawing/2010/main" val="0"/>
-              </a:ext>
-            </a:extLst>
-          </a:blip>
-          <a:stretch>
-            <a:fillRect/>
-          </a:stretch>
+        <p:blipFill rotWithShape="1">
+          <a:blip r:embed="rId2"/>
+          <a:srcRect l="33698" r="32216" b="-1"/>
+          <a:stretch/>
         </p:blipFill>
         <p:spPr>
           <a:xfrm>
-            <a:off x="3212561" y="1679786"/>
-            <a:ext cx="9051628" cy="3298164"/>
+            <a:off x="6948237" y="559738"/>
+            <a:ext cx="2844845" cy="5571062"/>
           </a:xfrm>
           <a:prstGeom prst="rect">
             <a:avLst/>
@@ -16783,7 +17349,7 @@
     </p:spTree>
     <p:extLst>
       <p:ext uri="{BB962C8B-B14F-4D97-AF65-F5344CB8AC3E}">
-        <p14:creationId xmlns:p14="http://schemas.microsoft.com/office/powerpoint/2010/main" val="3894897037"/>
+        <p14:creationId xmlns:p14="http://schemas.microsoft.com/office/powerpoint/2010/main" val="3104626400"/>
       </p:ext>
     </p:extLst>
   </p:cSld>
@@ -16793,7 +17359,7 @@
 </p:sld>
 </file>
 
-<file path=ppt/slides/slide15.xml><?xml version="1.0" encoding="utf-8"?>
+<file path=ppt/slides/slide16.xml><?xml version="1.0" encoding="utf-8"?>
 <p:sld xmlns:a="http://schemas.openxmlformats.org/drawingml/2006/main" xmlns:r="http://schemas.openxmlformats.org/officeDocument/2006/relationships" xmlns:p="http://schemas.openxmlformats.org/presentationml/2006/main">
   <p:cSld>
     <p:bg>
@@ -17117,124 +17683,178 @@
           </a:p>
         </p:txBody>
       </p:sp>
-      <p:pic>
-        <p:nvPicPr>
-          <p:cNvPr id="7" name="Picture 6" descr="A screenshot of a computer&#10;&#10;Description automatically generated with medium confidence">
+      <p:sp>
+        <p:nvSpPr>
+          <p:cNvPr id="2" name="TextBox 1">
             <a:extLst>
               <a:ext uri="{FF2B5EF4-FFF2-40B4-BE49-F238E27FC236}">
-                <a16:creationId xmlns:a16="http://schemas.microsoft.com/office/drawing/2014/main" id="{E614BD8C-4614-4648-B67A-2CB7D22C5323}"/>
+                <a16:creationId xmlns:a16="http://schemas.microsoft.com/office/drawing/2014/main" id="{58F2584D-F505-4BEE-989E-AAB989B78ACE}"/>
               </a:ext>
             </a:extLst>
           </p:cNvPr>
-          <p:cNvPicPr>
-            <a:picLocks noChangeAspect="1"/>
-          </p:cNvPicPr>
+          <p:cNvSpPr txBox="1"/>
           <p:nvPr/>
-        </p:nvPicPr>
-        <p:blipFill>
-          <a:blip r:embed="rId2">
-            <a:extLst>
-              <a:ext uri="{28A0092B-C50C-407E-A947-70E740481C1C}">
-                <a14:useLocalDpi xmlns:a14="http://schemas.microsoft.com/office/drawing/2010/main" val="0"/>
-              </a:ext>
-            </a:extLst>
-          </a:blip>
-          <a:stretch>
-            <a:fillRect/>
-          </a:stretch>
-        </p:blipFill>
+        </p:nvSpPr>
         <p:spPr>
           <a:xfrm>
-            <a:off x="869289" y="1381760"/>
-            <a:ext cx="9798711" cy="5546440"/>
+            <a:off x="696528" y="158115"/>
+            <a:ext cx="5958038" cy="707886"/>
           </a:xfrm>
           <a:prstGeom prst="rect">
             <a:avLst/>
           </a:prstGeom>
-        </p:spPr>
-      </p:pic>
-      <p:sp>
-        <p:nvSpPr>
-          <p:cNvPr id="8" name="Title 1">
-            <a:extLst>
-              <a:ext uri="{FF2B5EF4-FFF2-40B4-BE49-F238E27FC236}">
-                <a16:creationId xmlns:a16="http://schemas.microsoft.com/office/drawing/2014/main" id="{9000B72E-D0CF-4EA8-9AB8-F1F20F0E79D0}"/>
-              </a:ext>
-            </a:extLst>
-          </p:cNvPr>
-          <p:cNvSpPr txBox="1">
-            <a:spLocks/>
-          </p:cNvSpPr>
-          <p:nvPr/>
-        </p:nvSpPr>
-        <p:spPr>
-          <a:xfrm>
-            <a:off x="1856509" y="169808"/>
-            <a:ext cx="9144000" cy="757237"/>
-          </a:xfrm>
-          <a:prstGeom prst="rect">
-            <a:avLst/>
-          </a:prstGeom>
+          <a:noFill/>
         </p:spPr>
         <p:txBody>
-          <a:bodyPr vert="horz" lIns="91440" tIns="45720" rIns="91440" bIns="45720" rtlCol="0" anchor="ctr">
-            <a:normAutofit fontScale="75000" lnSpcReduction="20000"/>
+          <a:bodyPr wrap="square" rtlCol="0">
+            <a:spAutoFit/>
           </a:bodyPr>
-          <a:lstStyle>
-            <a:lvl1pPr algn="l" defTabSz="914400" rtl="0" eaLnBrk="1" latinLnBrk="0" hangingPunct="1">
-              <a:lnSpc>
-                <a:spcPct val="90000"/>
-              </a:lnSpc>
-              <a:spcBef>
-                <a:spcPct val="0"/>
-              </a:spcBef>
-              <a:buNone/>
-              <a:defRPr sz="4400" kern="1200">
-                <a:solidFill>
-                  <a:schemeClr val="tx1"/>
-                </a:solidFill>
-                <a:latin typeface="+mj-lt"/>
-                <a:ea typeface="+mj-ea"/>
-                <a:cs typeface="+mj-cs"/>
-              </a:defRPr>
-            </a:lvl1pPr>
-          </a:lstStyle>
+          <a:lstStyle/>
           <a:p>
             <a:r>
-              <a:rPr lang="en-US" sz="4900" b="1" dirty="0">
+              <a:rPr lang="en-US" sz="4000" dirty="0">
                 <a:solidFill>
                   <a:schemeClr val="bg1"/>
                 </a:solidFill>
               </a:rPr>
-              <a:t>Identifying Target Customers</a:t>
+              <a:t>Future Enhancements</a:t>
             </a:r>
-            <a:br>
+          </a:p>
+        </p:txBody>
+      </p:sp>
+      <p:sp>
+        <p:nvSpPr>
+          <p:cNvPr id="7" name="Content Placeholder 2">
+            <a:extLst>
+              <a:ext uri="{FF2B5EF4-FFF2-40B4-BE49-F238E27FC236}">
+                <a16:creationId xmlns:a16="http://schemas.microsoft.com/office/drawing/2014/main" id="{DF70BA40-0EE4-41ED-8C57-FADEA3B94489}"/>
+              </a:ext>
+            </a:extLst>
+          </p:cNvPr>
+          <p:cNvSpPr>
+            <a:spLocks noGrp="1"/>
+          </p:cNvSpPr>
+          <p:nvPr>
+            <p:ph idx="1"/>
+          </p:nvPr>
+        </p:nvSpPr>
+        <p:spPr>
+          <a:xfrm>
+            <a:off x="696528" y="1253117"/>
+            <a:ext cx="10515600" cy="4351338"/>
+          </a:xfrm>
+        </p:spPr>
+        <p:txBody>
+          <a:bodyPr>
+            <a:normAutofit fontScale="92500" lnSpcReduction="20000"/>
+          </a:bodyPr>
+          <a:lstStyle/>
+          <a:p>
+            <a:r>
               <a:rPr lang="en-US" dirty="0">
                 <a:solidFill>
                   <a:schemeClr val="bg1"/>
                 </a:solidFill>
               </a:rPr>
-            </a:br>
+              <a:t>Release the MVP to the early adopters</a:t>
+            </a:r>
+          </a:p>
+          <a:p>
             <a:r>
-              <a:rPr lang="en-US" sz="3100" dirty="0">
+              <a:rPr lang="en-US" dirty="0">
                 <a:solidFill>
                   <a:schemeClr val="bg1"/>
                 </a:solidFill>
               </a:rPr>
-              <a:t>San Francisco Neighborhoods by Income and Population</a:t>
+              <a:t>Productize the MVP &amp; Make it web based</a:t>
             </a:r>
-            <a:endParaRPr lang="en-US" sz="5300" dirty="0">
-              <a:solidFill>
-                <a:schemeClr val="bg1"/>
-              </a:solidFill>
-            </a:endParaRPr>
+          </a:p>
+          <a:p>
+            <a:r>
+              <a:rPr lang="en-US" dirty="0">
+                <a:solidFill>
+                  <a:schemeClr val="bg1"/>
+                </a:solidFill>
+              </a:rPr>
+              <a:t>Provide Daily and Monthly Rebalancing of Portfolios</a:t>
+            </a:r>
+          </a:p>
+          <a:p>
+            <a:r>
+              <a:rPr lang="en-US" dirty="0">
+                <a:solidFill>
+                  <a:schemeClr val="bg1"/>
+                </a:solidFill>
+              </a:rPr>
+              <a:t>Provide Optimization of Portfolio based on tickers selected. </a:t>
+            </a:r>
+          </a:p>
+          <a:p>
+            <a:r>
+              <a:rPr lang="en-US" dirty="0">
+                <a:solidFill>
+                  <a:schemeClr val="bg1"/>
+                </a:solidFill>
+              </a:rPr>
+              <a:t>Flexibility with adding tickers                                                            </a:t>
+            </a:r>
+          </a:p>
+          <a:p>
+            <a:r>
+              <a:rPr lang="en-US" dirty="0">
+                <a:solidFill>
+                  <a:schemeClr val="bg1"/>
+                </a:solidFill>
+              </a:rPr>
+              <a:t>Add Customized Portfolios &amp; recursively add portfolios</a:t>
+            </a:r>
+          </a:p>
+          <a:p>
+            <a:r>
+              <a:rPr lang="en-US" dirty="0">
+                <a:solidFill>
+                  <a:schemeClr val="bg1"/>
+                </a:solidFill>
+              </a:rPr>
+              <a:t>Integrate UI with Dash</a:t>
+            </a:r>
+          </a:p>
+          <a:p>
+            <a:r>
+              <a:rPr lang="en-US" dirty="0">
+                <a:solidFill>
+                  <a:schemeClr val="bg1"/>
+                </a:solidFill>
+              </a:rPr>
+              <a:t>Tiered Pricing with Premium Personal &amp; Specialized Support                                            </a:t>
+            </a:r>
+          </a:p>
+          <a:p>
+            <a:r>
+              <a:rPr lang="en-US" dirty="0">
+                <a:solidFill>
+                  <a:schemeClr val="bg1"/>
+                </a:solidFill>
+              </a:rPr>
+              <a:t>Add options to change portfolio weights </a:t>
+            </a:r>
+          </a:p>
+          <a:p>
+            <a:r>
+              <a:rPr lang="en-US" dirty="0">
+                <a:solidFill>
+                  <a:schemeClr val="bg1"/>
+                </a:solidFill>
+              </a:rPr>
+              <a:t>Add Treynor, Information ratio and other diversification metrics for comparison                                       </a:t>
+            </a:r>
           </a:p>
         </p:txBody>
       </p:sp>
     </p:spTree>
     <p:extLst>
       <p:ext uri="{BB962C8B-B14F-4D97-AF65-F5344CB8AC3E}">
-        <p14:creationId xmlns:p14="http://schemas.microsoft.com/office/powerpoint/2010/main" val="3730486294"/>
+        <p14:creationId xmlns:p14="http://schemas.microsoft.com/office/powerpoint/2010/main" val="3728842178"/>
       </p:ext>
     </p:extLst>
   </p:cSld>
@@ -17244,9 +17864,17 @@
 </p:sld>
 </file>
 
-<file path=ppt/slides/slide16.xml><?xml version="1.0" encoding="utf-8"?>
+<file path=ppt/slides/slide17.xml><?xml version="1.0" encoding="utf-8"?>
 <p:sld xmlns:a="http://schemas.openxmlformats.org/drawingml/2006/main" xmlns:r="http://schemas.openxmlformats.org/officeDocument/2006/relationships" xmlns:p="http://schemas.openxmlformats.org/presentationml/2006/main">
   <p:cSld>
+    <p:bg>
+      <p:bgPr>
+        <a:solidFill>
+          <a:schemeClr val="bg1"/>
+        </a:solidFill>
+        <a:effectLst/>
+      </p:bgPr>
+    </p:bg>
     <p:spTree>
       <p:nvGrpSpPr>
         <p:cNvPr id="1" name=""/>
@@ -17261,63 +17889,348 @@
           <a:chExt cx="0" cy="0"/>
         </a:xfrm>
       </p:grpSpPr>
-      <p:sp>
+      <p:sp useBgFill="1">
         <p:nvSpPr>
-          <p:cNvPr id="2" name="Title 1">
+          <p:cNvPr id="10" name="Rectangle 9">
             <a:extLst>
               <a:ext uri="{FF2B5EF4-FFF2-40B4-BE49-F238E27FC236}">
-                <a16:creationId xmlns:a16="http://schemas.microsoft.com/office/drawing/2014/main" id="{6E4BB5AA-5CD9-4DD2-95A7-48FD92D49E01}"/>
+                <a16:creationId xmlns:a16="http://schemas.microsoft.com/office/drawing/2014/main" id="{AB8C311F-7253-4AED-9701-7FC0708C41C7}"/>
+              </a:ext>
+              <a:ext uri="{C183D7F6-B498-43B3-948B-1728B52AA6E4}">
+                <adec:decorative xmlns:adec="http://schemas.microsoft.com/office/drawing/2017/decorative" val="1"/>
               </a:ext>
             </a:extLst>
           </p:cNvPr>
           <p:cNvSpPr>
-            <a:spLocks noGrp="1"/>
+            <a:spLocks noGrp="1" noRot="1" noChangeAspect="1" noMove="1" noResize="1" noEditPoints="1" noAdjustHandles="1" noChangeArrowheads="1" noChangeShapeType="1" noTextEdit="1"/>
           </p:cNvSpPr>
           <p:nvPr>
-            <p:ph type="title"/>
+            <p:extLst>
+              <p:ext uri="{386F3935-93C4-4BCD-93E2-E3B085C9AB24}">
+                <p16:designElem xmlns:p16="http://schemas.microsoft.com/office/powerpoint/2015/main" val="1"/>
+              </p:ext>
+            </p:extLst>
           </p:nvPr>
         </p:nvSpPr>
-        <p:spPr/>
+        <p:spPr>
+          <a:xfrm>
+            <a:off x="0" y="0"/>
+            <a:ext cx="12192000" cy="6858000"/>
+          </a:xfrm>
+          <a:prstGeom prst="rect">
+            <a:avLst/>
+          </a:prstGeom>
+          <a:ln w="12700" cap="flat" cmpd="sng" algn="ctr">
+            <a:noFill/>
+            <a:prstDash val="solid"/>
+            <a:miter lim="800000"/>
+          </a:ln>
+          <a:effectLst/>
+          <a:extLst>
+            <a:ext uri="{91240B29-F687-4F45-9708-019B960494DF}">
+              <a14:hiddenLine xmlns:a14="http://schemas.microsoft.com/office/drawing/2010/main" w="12700" cap="flat" cmpd="sng" algn="ctr">
+                <a:solidFill>
+                  <a:schemeClr val="accent1">
+                    <a:shade val="50000"/>
+                  </a:schemeClr>
+                </a:solidFill>
+                <a:prstDash val="solid"/>
+                <a:miter lim="800000"/>
+              </a14:hiddenLine>
+            </a:ext>
+          </a:extLst>
+        </p:spPr>
+        <p:style>
+          <a:lnRef idx="2">
+            <a:schemeClr val="accent1">
+              <a:shade val="50000"/>
+            </a:schemeClr>
+          </a:lnRef>
+          <a:fillRef idx="1">
+            <a:schemeClr val="accent1"/>
+          </a:fillRef>
+          <a:effectRef idx="0">
+            <a:schemeClr val="accent1"/>
+          </a:effectRef>
+          <a:fontRef idx="minor">
+            <a:schemeClr val="lt1"/>
+          </a:fontRef>
+        </p:style>
         <p:txBody>
-          <a:bodyPr/>
+          <a:bodyPr rtlCol="0" anchor="ctr"/>
           <a:lstStyle/>
           <a:p>
-            <a:r>
-              <a:rPr lang="en-US" dirty="0"/>
-              <a:t>Future Enhancements</a:t>
-            </a:r>
+            <a:pPr algn="ctr"/>
+            <a:endParaRPr lang="en-US"/>
           </a:p>
         </p:txBody>
       </p:sp>
       <p:sp>
         <p:nvSpPr>
-          <p:cNvPr id="7" name="Content Placeholder 6">
+          <p:cNvPr id="12" name="Rectangle 11">
             <a:extLst>
               <a:ext uri="{FF2B5EF4-FFF2-40B4-BE49-F238E27FC236}">
-                <a16:creationId xmlns:a16="http://schemas.microsoft.com/office/drawing/2014/main" id="{E213CC97-26B8-4E24-9868-776400F620E2}"/>
+                <a16:creationId xmlns:a16="http://schemas.microsoft.com/office/drawing/2014/main" id="{E2384209-CB15-4CDF-9D31-C44FD9A3F20D}"/>
+              </a:ext>
+              <a:ext uri="{C183D7F6-B498-43B3-948B-1728B52AA6E4}">
+                <adec:decorative xmlns:adec="http://schemas.microsoft.com/office/drawing/2017/decorative" val="1"/>
               </a:ext>
             </a:extLst>
           </p:cNvPr>
           <p:cNvSpPr>
-            <a:spLocks noGrp="1"/>
+            <a:spLocks noGrp="1" noRot="1" noChangeAspect="1" noMove="1" noResize="1" noEditPoints="1" noAdjustHandles="1" noChangeArrowheads="1" noChangeShapeType="1" noTextEdit="1"/>
           </p:cNvSpPr>
           <p:nvPr>
-            <p:ph idx="1"/>
+            <p:extLst>
+              <p:ext uri="{386F3935-93C4-4BCD-93E2-E3B085C9AB24}">
+                <p16:designElem xmlns:p16="http://schemas.microsoft.com/office/powerpoint/2015/main" val="1"/>
+              </p:ext>
+            </p:extLst>
           </p:nvPr>
         </p:nvSpPr>
-        <p:spPr/>
+        <p:spPr>
+          <a:xfrm rot="16200000" flipH="1">
+            <a:off x="2666617" y="-2666188"/>
+            <a:ext cx="6858000" cy="12191233"/>
+          </a:xfrm>
+          <a:prstGeom prst="rect">
+            <a:avLst/>
+          </a:prstGeom>
+          <a:gradFill>
+            <a:gsLst>
+              <a:gs pos="8000">
+                <a:schemeClr val="accent1"/>
+              </a:gs>
+              <a:gs pos="100000">
+                <a:schemeClr val="accent1">
+                  <a:lumMod val="50000"/>
+                </a:schemeClr>
+              </a:gs>
+            </a:gsLst>
+            <a:lin ang="12000000" scaled="0"/>
+          </a:gradFill>
+          <a:ln>
+            <a:noFill/>
+          </a:ln>
+        </p:spPr>
+        <p:style>
+          <a:lnRef idx="2">
+            <a:schemeClr val="accent1">
+              <a:shade val="50000"/>
+            </a:schemeClr>
+          </a:lnRef>
+          <a:fillRef idx="1">
+            <a:schemeClr val="accent1"/>
+          </a:fillRef>
+          <a:effectRef idx="0">
+            <a:schemeClr val="accent1"/>
+          </a:effectRef>
+          <a:fontRef idx="minor">
+            <a:schemeClr val="lt1"/>
+          </a:fontRef>
+        </p:style>
         <p:txBody>
-          <a:bodyPr/>
+          <a:bodyPr rtlCol="0" anchor="ctr"/>
           <a:lstStyle/>
           <a:p>
+            <a:pPr algn="ctr"/>
             <a:endParaRPr lang="en-US"/>
+          </a:p>
+        </p:txBody>
+      </p:sp>
+      <p:sp>
+        <p:nvSpPr>
+          <p:cNvPr id="14" name="Rectangle 13">
+            <a:extLst>
+              <a:ext uri="{FF2B5EF4-FFF2-40B4-BE49-F238E27FC236}">
+                <a16:creationId xmlns:a16="http://schemas.microsoft.com/office/drawing/2014/main" id="{2633B3B5-CC90-43F0-8714-D31D1F3F0209}"/>
+              </a:ext>
+              <a:ext uri="{C183D7F6-B498-43B3-948B-1728B52AA6E4}">
+                <adec:decorative xmlns:adec="http://schemas.microsoft.com/office/drawing/2017/decorative" val="1"/>
+              </a:ext>
+            </a:extLst>
+          </p:cNvPr>
+          <p:cNvSpPr>
+            <a:spLocks noGrp="1" noRot="1" noChangeAspect="1" noMove="1" noResize="1" noEditPoints="1" noAdjustHandles="1" noChangeArrowheads="1" noChangeShapeType="1" noTextEdit="1"/>
+          </p:cNvSpPr>
+          <p:nvPr>
+            <p:extLst>
+              <p:ext uri="{386F3935-93C4-4BCD-93E2-E3B085C9AB24}">
+                <p16:designElem xmlns:p16="http://schemas.microsoft.com/office/powerpoint/2015/main" val="1"/>
+              </p:ext>
+            </p:extLst>
+          </p:nvPr>
+        </p:nvSpPr>
+        <p:spPr>
+          <a:xfrm rot="10800000" flipH="1">
+            <a:off x="-2311" y="0"/>
+            <a:ext cx="9070846" cy="6857572"/>
+          </a:xfrm>
+          <a:prstGeom prst="rect">
+            <a:avLst/>
+          </a:prstGeom>
+          <a:gradFill>
+            <a:gsLst>
+              <a:gs pos="8000">
+                <a:srgbClr val="000000">
+                  <a:alpha val="52000"/>
+                </a:srgbClr>
+              </a:gs>
+              <a:gs pos="100000">
+                <a:schemeClr val="accent1"/>
+              </a:gs>
+            </a:gsLst>
+            <a:lin ang="4800000" scaled="0"/>
+          </a:gradFill>
+          <a:ln>
+            <a:noFill/>
+          </a:ln>
+        </p:spPr>
+        <p:style>
+          <a:lnRef idx="2">
+            <a:schemeClr val="accent1">
+              <a:shade val="50000"/>
+            </a:schemeClr>
+          </a:lnRef>
+          <a:fillRef idx="1">
+            <a:schemeClr val="accent1"/>
+          </a:fillRef>
+          <a:effectRef idx="0">
+            <a:schemeClr val="accent1"/>
+          </a:effectRef>
+          <a:fontRef idx="minor">
+            <a:schemeClr val="lt1"/>
+          </a:fontRef>
+        </p:style>
+        <p:txBody>
+          <a:bodyPr rtlCol="0" anchor="ctr"/>
+          <a:lstStyle/>
+          <a:p>
+            <a:pPr algn="ctr"/>
+            <a:endParaRPr lang="en-US"/>
+          </a:p>
+        </p:txBody>
+      </p:sp>
+      <p:sp>
+        <p:nvSpPr>
+          <p:cNvPr id="16" name="Rectangle 15">
+            <a:extLst>
+              <a:ext uri="{FF2B5EF4-FFF2-40B4-BE49-F238E27FC236}">
+                <a16:creationId xmlns:a16="http://schemas.microsoft.com/office/drawing/2014/main" id="{A8D57A06-A426-446D-B02C-A2DC6B62E45E}"/>
+              </a:ext>
+              <a:ext uri="{C183D7F6-B498-43B3-948B-1728B52AA6E4}">
+                <adec:decorative xmlns:adec="http://schemas.microsoft.com/office/drawing/2017/decorative" val="1"/>
+              </a:ext>
+            </a:extLst>
+          </p:cNvPr>
+          <p:cNvSpPr>
+            <a:spLocks noGrp="1" noRot="1" noChangeAspect="1" noMove="1" noResize="1" noEditPoints="1" noAdjustHandles="1" noChangeArrowheads="1" noChangeShapeType="1" noTextEdit="1"/>
+          </p:cNvSpPr>
+          <p:nvPr>
+            <p:extLst>
+              <p:ext uri="{386F3935-93C4-4BCD-93E2-E3B085C9AB24}">
+                <p16:designElem xmlns:p16="http://schemas.microsoft.com/office/powerpoint/2015/main" val="1"/>
+              </p:ext>
+            </p:extLst>
+          </p:nvPr>
+        </p:nvSpPr>
+        <p:spPr>
+          <a:xfrm rot="16200000" flipH="1">
+            <a:off x="3649491" y="-1685840"/>
+            <a:ext cx="4894564" cy="12193546"/>
+          </a:xfrm>
+          <a:prstGeom prst="rect">
+            <a:avLst/>
+          </a:prstGeom>
+          <a:gradFill>
+            <a:gsLst>
+              <a:gs pos="0">
+                <a:schemeClr val="accent5">
+                  <a:lumMod val="60000"/>
+                  <a:lumOff val="40000"/>
+                  <a:alpha val="0"/>
+                </a:schemeClr>
+              </a:gs>
+              <a:gs pos="100000">
+                <a:srgbClr val="000000">
+                  <a:alpha val="46000"/>
+                </a:srgbClr>
+              </a:gs>
+            </a:gsLst>
+            <a:lin ang="1200000" scaled="0"/>
+          </a:gradFill>
+          <a:ln>
+            <a:noFill/>
+          </a:ln>
+        </p:spPr>
+        <p:style>
+          <a:lnRef idx="2">
+            <a:schemeClr val="accent1">
+              <a:shade val="50000"/>
+            </a:schemeClr>
+          </a:lnRef>
+          <a:fillRef idx="1">
+            <a:schemeClr val="accent1"/>
+          </a:fillRef>
+          <a:effectRef idx="0">
+            <a:schemeClr val="accent1"/>
+          </a:effectRef>
+          <a:fontRef idx="minor">
+            <a:schemeClr val="lt1"/>
+          </a:fontRef>
+        </p:style>
+        <p:txBody>
+          <a:bodyPr rtlCol="0" anchor="ctr"/>
+          <a:lstStyle/>
+          <a:p>
+            <a:pPr algn="ctr"/>
+            <a:endParaRPr lang="en-US"/>
+          </a:p>
+        </p:txBody>
+      </p:sp>
+      <p:sp>
+        <p:nvSpPr>
+          <p:cNvPr id="2" name="TextBox 1">
+            <a:extLst>
+              <a:ext uri="{FF2B5EF4-FFF2-40B4-BE49-F238E27FC236}">
+                <a16:creationId xmlns:a16="http://schemas.microsoft.com/office/drawing/2014/main" id="{58F2584D-F505-4BEE-989E-AAB989B78ACE}"/>
+              </a:ext>
+            </a:extLst>
+          </p:cNvPr>
+          <p:cNvSpPr txBox="1"/>
+          <p:nvPr/>
+        </p:nvSpPr>
+        <p:spPr>
+          <a:xfrm>
+            <a:off x="4671847" y="2501265"/>
+            <a:ext cx="5958038" cy="1323439"/>
+          </a:xfrm>
+          <a:prstGeom prst="rect">
+            <a:avLst/>
+          </a:prstGeom>
+          <a:noFill/>
+        </p:spPr>
+        <p:txBody>
+          <a:bodyPr wrap="square" rtlCol="0">
+            <a:spAutoFit/>
+          </a:bodyPr>
+          <a:lstStyle/>
+          <a:p>
+            <a:r>
+              <a:rPr lang="en-US" sz="8000" dirty="0">
+                <a:solidFill>
+                  <a:schemeClr val="bg1"/>
+                </a:solidFill>
+              </a:rPr>
+              <a:t>Q &amp; A</a:t>
+            </a:r>
           </a:p>
         </p:txBody>
       </p:sp>
     </p:spTree>
     <p:extLst>
       <p:ext uri="{BB962C8B-B14F-4D97-AF65-F5344CB8AC3E}">
-        <p14:creationId xmlns:p14="http://schemas.microsoft.com/office/powerpoint/2010/main" val="4050268540"/>
+        <p14:creationId xmlns:p14="http://schemas.microsoft.com/office/powerpoint/2010/main" val="2427958235"/>
       </p:ext>
     </p:extLst>
   </p:cSld>
@@ -17327,9 +18240,17 @@
 </p:sld>
 </file>
 
-<file path=ppt/slides/slide17.xml><?xml version="1.0" encoding="utf-8"?>
+<file path=ppt/slides/slide18.xml><?xml version="1.0" encoding="utf-8"?>
 <p:sld xmlns:a="http://schemas.openxmlformats.org/drawingml/2006/main" xmlns:r="http://schemas.openxmlformats.org/officeDocument/2006/relationships" xmlns:p="http://schemas.openxmlformats.org/presentationml/2006/main">
   <p:cSld>
+    <p:bg>
+      <p:bgPr>
+        <a:solidFill>
+          <a:schemeClr val="bg1"/>
+        </a:solidFill>
+        <a:effectLst/>
+      </p:bgPr>
+    </p:bg>
     <p:spTree>
       <p:nvGrpSpPr>
         <p:cNvPr id="1" name=""/>
@@ -17344,12 +18265,350 @@
           <a:chExt cx="0" cy="0"/>
         </a:xfrm>
       </p:grpSpPr>
+      <p:sp useBgFill="1">
+        <p:nvSpPr>
+          <p:cNvPr id="10" name="Rectangle 9">
+            <a:extLst>
+              <a:ext uri="{FF2B5EF4-FFF2-40B4-BE49-F238E27FC236}">
+                <a16:creationId xmlns:a16="http://schemas.microsoft.com/office/drawing/2014/main" id="{AB8C311F-7253-4AED-9701-7FC0708C41C7}"/>
+              </a:ext>
+              <a:ext uri="{C183D7F6-B498-43B3-948B-1728B52AA6E4}">
+                <adec:decorative xmlns:adec="http://schemas.microsoft.com/office/drawing/2017/decorative" val="1"/>
+              </a:ext>
+            </a:extLst>
+          </p:cNvPr>
+          <p:cNvSpPr>
+            <a:spLocks noGrp="1" noRot="1" noChangeAspect="1" noMove="1" noResize="1" noEditPoints="1" noAdjustHandles="1" noChangeArrowheads="1" noChangeShapeType="1" noTextEdit="1"/>
+          </p:cNvSpPr>
+          <p:nvPr>
+            <p:extLst>
+              <p:ext uri="{386F3935-93C4-4BCD-93E2-E3B085C9AB24}">
+                <p16:designElem xmlns:p16="http://schemas.microsoft.com/office/powerpoint/2015/main" val="1"/>
+              </p:ext>
+            </p:extLst>
+          </p:nvPr>
+        </p:nvSpPr>
+        <p:spPr>
+          <a:xfrm>
+            <a:off x="0" y="0"/>
+            <a:ext cx="12192000" cy="6858000"/>
+          </a:xfrm>
+          <a:prstGeom prst="rect">
+            <a:avLst/>
+          </a:prstGeom>
+          <a:ln w="12700" cap="flat" cmpd="sng" algn="ctr">
+            <a:noFill/>
+            <a:prstDash val="solid"/>
+            <a:miter lim="800000"/>
+          </a:ln>
+          <a:effectLst/>
+          <a:extLst>
+            <a:ext uri="{91240B29-F687-4F45-9708-019B960494DF}">
+              <a14:hiddenLine xmlns:a14="http://schemas.microsoft.com/office/drawing/2010/main" w="12700" cap="flat" cmpd="sng" algn="ctr">
+                <a:solidFill>
+                  <a:schemeClr val="accent1">
+                    <a:shade val="50000"/>
+                  </a:schemeClr>
+                </a:solidFill>
+                <a:prstDash val="solid"/>
+                <a:miter lim="800000"/>
+              </a14:hiddenLine>
+            </a:ext>
+          </a:extLst>
+        </p:spPr>
+        <p:style>
+          <a:lnRef idx="2">
+            <a:schemeClr val="accent1">
+              <a:shade val="50000"/>
+            </a:schemeClr>
+          </a:lnRef>
+          <a:fillRef idx="1">
+            <a:schemeClr val="accent1"/>
+          </a:fillRef>
+          <a:effectRef idx="0">
+            <a:schemeClr val="accent1"/>
+          </a:effectRef>
+          <a:fontRef idx="minor">
+            <a:schemeClr val="lt1"/>
+          </a:fontRef>
+        </p:style>
+        <p:txBody>
+          <a:bodyPr rtlCol="0" anchor="ctr"/>
+          <a:lstStyle/>
+          <a:p>
+            <a:pPr algn="ctr"/>
+            <a:endParaRPr lang="en-US"/>
+          </a:p>
+        </p:txBody>
+      </p:sp>
       <p:sp>
         <p:nvSpPr>
-          <p:cNvPr id="3" name="Content Placeholder 2">
+          <p:cNvPr id="12" name="Rectangle 11">
             <a:extLst>
               <a:ext uri="{FF2B5EF4-FFF2-40B4-BE49-F238E27FC236}">
-                <a16:creationId xmlns:a16="http://schemas.microsoft.com/office/drawing/2014/main" id="{8C905ED6-F3B5-48FB-AA3D-380A8C6DBB18}"/>
+                <a16:creationId xmlns:a16="http://schemas.microsoft.com/office/drawing/2014/main" id="{E2384209-CB15-4CDF-9D31-C44FD9A3F20D}"/>
+              </a:ext>
+              <a:ext uri="{C183D7F6-B498-43B3-948B-1728B52AA6E4}">
+                <adec:decorative xmlns:adec="http://schemas.microsoft.com/office/drawing/2017/decorative" val="1"/>
+              </a:ext>
+            </a:extLst>
+          </p:cNvPr>
+          <p:cNvSpPr>
+            <a:spLocks noGrp="1" noRot="1" noChangeAspect="1" noMove="1" noResize="1" noEditPoints="1" noAdjustHandles="1" noChangeArrowheads="1" noChangeShapeType="1" noTextEdit="1"/>
+          </p:cNvSpPr>
+          <p:nvPr>
+            <p:extLst>
+              <p:ext uri="{386F3935-93C4-4BCD-93E2-E3B085C9AB24}">
+                <p16:designElem xmlns:p16="http://schemas.microsoft.com/office/powerpoint/2015/main" val="1"/>
+              </p:ext>
+            </p:extLst>
+          </p:nvPr>
+        </p:nvSpPr>
+        <p:spPr>
+          <a:xfrm rot="16200000" flipH="1">
+            <a:off x="2666617" y="-2666188"/>
+            <a:ext cx="6858000" cy="12191233"/>
+          </a:xfrm>
+          <a:prstGeom prst="rect">
+            <a:avLst/>
+          </a:prstGeom>
+          <a:gradFill>
+            <a:gsLst>
+              <a:gs pos="8000">
+                <a:schemeClr val="accent1"/>
+              </a:gs>
+              <a:gs pos="100000">
+                <a:schemeClr val="accent1">
+                  <a:lumMod val="50000"/>
+                </a:schemeClr>
+              </a:gs>
+            </a:gsLst>
+            <a:lin ang="12000000" scaled="0"/>
+          </a:gradFill>
+          <a:ln>
+            <a:noFill/>
+          </a:ln>
+        </p:spPr>
+        <p:style>
+          <a:lnRef idx="2">
+            <a:schemeClr val="accent1">
+              <a:shade val="50000"/>
+            </a:schemeClr>
+          </a:lnRef>
+          <a:fillRef idx="1">
+            <a:schemeClr val="accent1"/>
+          </a:fillRef>
+          <a:effectRef idx="0">
+            <a:schemeClr val="accent1"/>
+          </a:effectRef>
+          <a:fontRef idx="minor">
+            <a:schemeClr val="lt1"/>
+          </a:fontRef>
+        </p:style>
+        <p:txBody>
+          <a:bodyPr rtlCol="0" anchor="ctr"/>
+          <a:lstStyle/>
+          <a:p>
+            <a:pPr algn="ctr"/>
+            <a:endParaRPr lang="en-US"/>
+          </a:p>
+        </p:txBody>
+      </p:sp>
+      <p:sp>
+        <p:nvSpPr>
+          <p:cNvPr id="14" name="Rectangle 13">
+            <a:extLst>
+              <a:ext uri="{FF2B5EF4-FFF2-40B4-BE49-F238E27FC236}">
+                <a16:creationId xmlns:a16="http://schemas.microsoft.com/office/drawing/2014/main" id="{2633B3B5-CC90-43F0-8714-D31D1F3F0209}"/>
+              </a:ext>
+              <a:ext uri="{C183D7F6-B498-43B3-948B-1728B52AA6E4}">
+                <adec:decorative xmlns:adec="http://schemas.microsoft.com/office/drawing/2017/decorative" val="1"/>
+              </a:ext>
+            </a:extLst>
+          </p:cNvPr>
+          <p:cNvSpPr>
+            <a:spLocks noGrp="1" noRot="1" noChangeAspect="1" noMove="1" noResize="1" noEditPoints="1" noAdjustHandles="1" noChangeArrowheads="1" noChangeShapeType="1" noTextEdit="1"/>
+          </p:cNvSpPr>
+          <p:nvPr>
+            <p:extLst>
+              <p:ext uri="{386F3935-93C4-4BCD-93E2-E3B085C9AB24}">
+                <p16:designElem xmlns:p16="http://schemas.microsoft.com/office/powerpoint/2015/main" val="1"/>
+              </p:ext>
+            </p:extLst>
+          </p:nvPr>
+        </p:nvSpPr>
+        <p:spPr>
+          <a:xfrm rot="10800000" flipH="1">
+            <a:off x="-2311" y="0"/>
+            <a:ext cx="9070846" cy="6857572"/>
+          </a:xfrm>
+          <a:prstGeom prst="rect">
+            <a:avLst/>
+          </a:prstGeom>
+          <a:gradFill>
+            <a:gsLst>
+              <a:gs pos="8000">
+                <a:srgbClr val="000000">
+                  <a:alpha val="52000"/>
+                </a:srgbClr>
+              </a:gs>
+              <a:gs pos="100000">
+                <a:schemeClr val="accent1"/>
+              </a:gs>
+            </a:gsLst>
+            <a:lin ang="4800000" scaled="0"/>
+          </a:gradFill>
+          <a:ln>
+            <a:noFill/>
+          </a:ln>
+        </p:spPr>
+        <p:style>
+          <a:lnRef idx="2">
+            <a:schemeClr val="accent1">
+              <a:shade val="50000"/>
+            </a:schemeClr>
+          </a:lnRef>
+          <a:fillRef idx="1">
+            <a:schemeClr val="accent1"/>
+          </a:fillRef>
+          <a:effectRef idx="0">
+            <a:schemeClr val="accent1"/>
+          </a:effectRef>
+          <a:fontRef idx="minor">
+            <a:schemeClr val="lt1"/>
+          </a:fontRef>
+        </p:style>
+        <p:txBody>
+          <a:bodyPr rtlCol="0" anchor="ctr"/>
+          <a:lstStyle/>
+          <a:p>
+            <a:pPr algn="ctr"/>
+            <a:endParaRPr lang="en-US"/>
+          </a:p>
+        </p:txBody>
+      </p:sp>
+      <p:sp>
+        <p:nvSpPr>
+          <p:cNvPr id="16" name="Rectangle 15">
+            <a:extLst>
+              <a:ext uri="{FF2B5EF4-FFF2-40B4-BE49-F238E27FC236}">
+                <a16:creationId xmlns:a16="http://schemas.microsoft.com/office/drawing/2014/main" id="{A8D57A06-A426-446D-B02C-A2DC6B62E45E}"/>
+              </a:ext>
+              <a:ext uri="{C183D7F6-B498-43B3-948B-1728B52AA6E4}">
+                <adec:decorative xmlns:adec="http://schemas.microsoft.com/office/drawing/2017/decorative" val="1"/>
+              </a:ext>
+            </a:extLst>
+          </p:cNvPr>
+          <p:cNvSpPr>
+            <a:spLocks noGrp="1" noRot="1" noChangeAspect="1" noMove="1" noResize="1" noEditPoints="1" noAdjustHandles="1" noChangeArrowheads="1" noChangeShapeType="1" noTextEdit="1"/>
+          </p:cNvSpPr>
+          <p:nvPr>
+            <p:extLst>
+              <p:ext uri="{386F3935-93C4-4BCD-93E2-E3B085C9AB24}">
+                <p16:designElem xmlns:p16="http://schemas.microsoft.com/office/powerpoint/2015/main" val="1"/>
+              </p:ext>
+            </p:extLst>
+          </p:nvPr>
+        </p:nvSpPr>
+        <p:spPr>
+          <a:xfrm rot="16200000" flipH="1">
+            <a:off x="3649491" y="-1685840"/>
+            <a:ext cx="4894564" cy="12193546"/>
+          </a:xfrm>
+          <a:prstGeom prst="rect">
+            <a:avLst/>
+          </a:prstGeom>
+          <a:gradFill>
+            <a:gsLst>
+              <a:gs pos="0">
+                <a:schemeClr val="accent5">
+                  <a:lumMod val="60000"/>
+                  <a:lumOff val="40000"/>
+                  <a:alpha val="0"/>
+                </a:schemeClr>
+              </a:gs>
+              <a:gs pos="100000">
+                <a:srgbClr val="000000">
+                  <a:alpha val="46000"/>
+                </a:srgbClr>
+              </a:gs>
+            </a:gsLst>
+            <a:lin ang="1200000" scaled="0"/>
+          </a:gradFill>
+          <a:ln>
+            <a:noFill/>
+          </a:ln>
+        </p:spPr>
+        <p:style>
+          <a:lnRef idx="2">
+            <a:schemeClr val="accent1">
+              <a:shade val="50000"/>
+            </a:schemeClr>
+          </a:lnRef>
+          <a:fillRef idx="1">
+            <a:schemeClr val="accent1"/>
+          </a:fillRef>
+          <a:effectRef idx="0">
+            <a:schemeClr val="accent1"/>
+          </a:effectRef>
+          <a:fontRef idx="minor">
+            <a:schemeClr val="lt1"/>
+          </a:fontRef>
+        </p:style>
+        <p:txBody>
+          <a:bodyPr rtlCol="0" anchor="ctr"/>
+          <a:lstStyle/>
+          <a:p>
+            <a:pPr algn="ctr"/>
+            <a:endParaRPr lang="en-US"/>
+          </a:p>
+        </p:txBody>
+      </p:sp>
+      <p:sp>
+        <p:nvSpPr>
+          <p:cNvPr id="2" name="TextBox 1">
+            <a:extLst>
+              <a:ext uri="{FF2B5EF4-FFF2-40B4-BE49-F238E27FC236}">
+                <a16:creationId xmlns:a16="http://schemas.microsoft.com/office/drawing/2014/main" id="{58F2584D-F505-4BEE-989E-AAB989B78ACE}"/>
+              </a:ext>
+            </a:extLst>
+          </p:cNvPr>
+          <p:cNvSpPr txBox="1"/>
+          <p:nvPr/>
+        </p:nvSpPr>
+        <p:spPr>
+          <a:xfrm>
+            <a:off x="696528" y="158115"/>
+            <a:ext cx="5958038" cy="707886"/>
+          </a:xfrm>
+          <a:prstGeom prst="rect">
+            <a:avLst/>
+          </a:prstGeom>
+          <a:noFill/>
+        </p:spPr>
+        <p:txBody>
+          <a:bodyPr wrap="square" rtlCol="0">
+            <a:spAutoFit/>
+          </a:bodyPr>
+          <a:lstStyle/>
+          <a:p>
+            <a:r>
+              <a:rPr lang="en-US" sz="4000" dirty="0">
+                <a:solidFill>
+                  <a:schemeClr val="bg1"/>
+                </a:solidFill>
+              </a:rPr>
+              <a:t>Technology Used</a:t>
+            </a:r>
+          </a:p>
+        </p:txBody>
+      </p:sp>
+      <p:sp>
+        <p:nvSpPr>
+          <p:cNvPr id="7" name="Content Placeholder 2">
+            <a:extLst>
+              <a:ext uri="{FF2B5EF4-FFF2-40B4-BE49-F238E27FC236}">
+                <a16:creationId xmlns:a16="http://schemas.microsoft.com/office/drawing/2014/main" id="{AB4DADBF-B8AF-4970-9612-07F9AA197F5B}"/>
               </a:ext>
             </a:extLst>
           </p:cNvPr>
@@ -17362,20 +18621,416 @@
         </p:nvSpPr>
         <p:spPr>
           <a:xfrm>
-            <a:off x="5814461" y="2848309"/>
-            <a:ext cx="1038726" cy="580691"/>
+            <a:off x="467928" y="1339227"/>
+            <a:ext cx="6618672" cy="4351338"/>
           </a:xfrm>
         </p:spPr>
         <p:txBody>
-          <a:bodyPr/>
+          <a:bodyPr>
+            <a:normAutofit/>
+          </a:bodyPr>
           <a:lstStyle/>
           <a:p>
-            <a:pPr marL="0" indent="0">
-              <a:buNone/>
-            </a:pPr>
             <a:r>
-              <a:rPr lang="en-US" dirty="0"/>
-              <a:t>Q&amp;A</a:t>
+              <a:rPr lang="en-US" dirty="0">
+                <a:solidFill>
+                  <a:schemeClr val="bg1"/>
+                </a:solidFill>
+              </a:rPr>
+              <a:t>Python 3.7</a:t>
+            </a:r>
+          </a:p>
+          <a:p>
+            <a:r>
+              <a:rPr lang="en-US" dirty="0">
+                <a:solidFill>
+                  <a:schemeClr val="bg1"/>
+                </a:solidFill>
+              </a:rPr>
+              <a:t>Visual Studio Code				    </a:t>
+            </a:r>
+          </a:p>
+          <a:p>
+            <a:r>
+              <a:rPr lang="en-US" dirty="0" err="1">
+                <a:solidFill>
+                  <a:schemeClr val="bg1"/>
+                </a:solidFill>
+              </a:rPr>
+              <a:t>Jupyter</a:t>
+            </a:r>
+            <a:r>
+              <a:rPr lang="en-US" dirty="0">
+                <a:solidFill>
+                  <a:schemeClr val="bg1"/>
+                </a:solidFill>
+              </a:rPr>
+              <a:t> Lab					    </a:t>
+            </a:r>
+          </a:p>
+          <a:p>
+            <a:r>
+              <a:rPr lang="en-US" dirty="0" err="1">
+                <a:solidFill>
+                  <a:schemeClr val="bg1"/>
+                </a:solidFill>
+              </a:rPr>
+              <a:t>Github</a:t>
+            </a:r>
+            <a:r>
+              <a:rPr lang="en-US" dirty="0">
+                <a:solidFill>
+                  <a:schemeClr val="bg1"/>
+                </a:solidFill>
+              </a:rPr>
+              <a:t>                                                                    </a:t>
+            </a:r>
+          </a:p>
+          <a:p>
+            <a:r>
+              <a:rPr lang="en-US" dirty="0" err="1">
+                <a:solidFill>
+                  <a:schemeClr val="bg1"/>
+                </a:solidFill>
+              </a:rPr>
+              <a:t>Yfinance</a:t>
+            </a:r>
+            <a:r>
+              <a:rPr lang="en-US" dirty="0">
+                <a:solidFill>
+                  <a:schemeClr val="bg1"/>
+                </a:solidFill>
+              </a:rPr>
+              <a:t>       					                                              </a:t>
+            </a:r>
+          </a:p>
+          <a:p>
+            <a:r>
+              <a:rPr lang="en-US" dirty="0" err="1">
+                <a:solidFill>
+                  <a:schemeClr val="bg1"/>
+                </a:solidFill>
+              </a:rPr>
+              <a:t>Mapbox</a:t>
+            </a:r>
+            <a:r>
+              <a:rPr lang="en-US" dirty="0">
+                <a:solidFill>
+                  <a:schemeClr val="bg1"/>
+                </a:solidFill>
+              </a:rPr>
+              <a:t>                                                                 </a:t>
+            </a:r>
+          </a:p>
+          <a:p>
+            <a:r>
+              <a:rPr lang="en-US" dirty="0">
+                <a:solidFill>
+                  <a:schemeClr val="bg1"/>
+                </a:solidFill>
+              </a:rPr>
+              <a:t>Dash	                                                          </a:t>
+            </a:r>
+          </a:p>
+          <a:p>
+            <a:r>
+              <a:rPr lang="en-US" dirty="0">
+                <a:solidFill>
+                  <a:schemeClr val="bg1"/>
+                </a:solidFill>
+              </a:rPr>
+              <a:t>Questionary                                                          </a:t>
+            </a:r>
+          </a:p>
+        </p:txBody>
+      </p:sp>
+      <p:sp>
+        <p:nvSpPr>
+          <p:cNvPr id="8" name="Content Placeholder 2">
+            <a:extLst>
+              <a:ext uri="{FF2B5EF4-FFF2-40B4-BE49-F238E27FC236}">
+                <a16:creationId xmlns:a16="http://schemas.microsoft.com/office/drawing/2014/main" id="{0EF886F2-E06B-494F-8979-5F08D7010AE3}"/>
+              </a:ext>
+            </a:extLst>
+          </p:cNvPr>
+          <p:cNvSpPr txBox="1">
+            <a:spLocks/>
+          </p:cNvSpPr>
+          <p:nvPr/>
+        </p:nvSpPr>
+        <p:spPr>
+          <a:xfrm>
+            <a:off x="8019667" y="1339227"/>
+            <a:ext cx="10515600" cy="4351338"/>
+          </a:xfrm>
+          <a:prstGeom prst="rect">
+            <a:avLst/>
+          </a:prstGeom>
+        </p:spPr>
+        <p:txBody>
+          <a:bodyPr vert="horz" lIns="91440" tIns="45720" rIns="91440" bIns="45720" rtlCol="0">
+            <a:normAutofit/>
+          </a:bodyPr>
+          <a:lstStyle>
+            <a:lvl1pPr marL="228600" indent="-228600" algn="l" defTabSz="914400" rtl="0" eaLnBrk="1" latinLnBrk="0" hangingPunct="1">
+              <a:lnSpc>
+                <a:spcPct val="90000"/>
+              </a:lnSpc>
+              <a:spcBef>
+                <a:spcPts val="1000"/>
+              </a:spcBef>
+              <a:buFont typeface="Arial" panose="020B0604020202020204" pitchFamily="34" charset="0"/>
+              <a:buChar char="•"/>
+              <a:defRPr sz="2800" kern="1200">
+                <a:solidFill>
+                  <a:schemeClr val="tx1"/>
+                </a:solidFill>
+                <a:latin typeface="+mn-lt"/>
+                <a:ea typeface="+mn-ea"/>
+                <a:cs typeface="+mn-cs"/>
+              </a:defRPr>
+            </a:lvl1pPr>
+            <a:lvl2pPr marL="685800" indent="-228600" algn="l" defTabSz="914400" rtl="0" eaLnBrk="1" latinLnBrk="0" hangingPunct="1">
+              <a:lnSpc>
+                <a:spcPct val="90000"/>
+              </a:lnSpc>
+              <a:spcBef>
+                <a:spcPts val="500"/>
+              </a:spcBef>
+              <a:buFont typeface="Arial" panose="020B0604020202020204" pitchFamily="34" charset="0"/>
+              <a:buChar char="•"/>
+              <a:defRPr sz="2400" kern="1200">
+                <a:solidFill>
+                  <a:schemeClr val="tx1"/>
+                </a:solidFill>
+                <a:latin typeface="+mn-lt"/>
+                <a:ea typeface="+mn-ea"/>
+                <a:cs typeface="+mn-cs"/>
+              </a:defRPr>
+            </a:lvl2pPr>
+            <a:lvl3pPr marL="1143000" indent="-228600" algn="l" defTabSz="914400" rtl="0" eaLnBrk="1" latinLnBrk="0" hangingPunct="1">
+              <a:lnSpc>
+                <a:spcPct val="90000"/>
+              </a:lnSpc>
+              <a:spcBef>
+                <a:spcPts val="500"/>
+              </a:spcBef>
+              <a:buFont typeface="Arial" panose="020B0604020202020204" pitchFamily="34" charset="0"/>
+              <a:buChar char="•"/>
+              <a:defRPr sz="2000" kern="1200">
+                <a:solidFill>
+                  <a:schemeClr val="tx1"/>
+                </a:solidFill>
+                <a:latin typeface="+mn-lt"/>
+                <a:ea typeface="+mn-ea"/>
+                <a:cs typeface="+mn-cs"/>
+              </a:defRPr>
+            </a:lvl3pPr>
+            <a:lvl4pPr marL="1600200" indent="-228600" algn="l" defTabSz="914400" rtl="0" eaLnBrk="1" latinLnBrk="0" hangingPunct="1">
+              <a:lnSpc>
+                <a:spcPct val="90000"/>
+              </a:lnSpc>
+              <a:spcBef>
+                <a:spcPts val="500"/>
+              </a:spcBef>
+              <a:buFont typeface="Arial" panose="020B0604020202020204" pitchFamily="34" charset="0"/>
+              <a:buChar char="•"/>
+              <a:defRPr sz="1800" kern="1200">
+                <a:solidFill>
+                  <a:schemeClr val="tx1"/>
+                </a:solidFill>
+                <a:latin typeface="+mn-lt"/>
+                <a:ea typeface="+mn-ea"/>
+                <a:cs typeface="+mn-cs"/>
+              </a:defRPr>
+            </a:lvl4pPr>
+            <a:lvl5pPr marL="2057400" indent="-228600" algn="l" defTabSz="914400" rtl="0" eaLnBrk="1" latinLnBrk="0" hangingPunct="1">
+              <a:lnSpc>
+                <a:spcPct val="90000"/>
+              </a:lnSpc>
+              <a:spcBef>
+                <a:spcPts val="500"/>
+              </a:spcBef>
+              <a:buFont typeface="Arial" panose="020B0604020202020204" pitchFamily="34" charset="0"/>
+              <a:buChar char="•"/>
+              <a:defRPr sz="1800" kern="1200">
+                <a:solidFill>
+                  <a:schemeClr val="tx1"/>
+                </a:solidFill>
+                <a:latin typeface="+mn-lt"/>
+                <a:ea typeface="+mn-ea"/>
+                <a:cs typeface="+mn-cs"/>
+              </a:defRPr>
+            </a:lvl5pPr>
+            <a:lvl6pPr marL="2514600" indent="-228600" algn="l" defTabSz="914400" rtl="0" eaLnBrk="1" latinLnBrk="0" hangingPunct="1">
+              <a:lnSpc>
+                <a:spcPct val="90000"/>
+              </a:lnSpc>
+              <a:spcBef>
+                <a:spcPts val="500"/>
+              </a:spcBef>
+              <a:buFont typeface="Arial" panose="020B0604020202020204" pitchFamily="34" charset="0"/>
+              <a:buChar char="•"/>
+              <a:defRPr sz="1800" kern="1200">
+                <a:solidFill>
+                  <a:schemeClr val="tx1"/>
+                </a:solidFill>
+                <a:latin typeface="+mn-lt"/>
+                <a:ea typeface="+mn-ea"/>
+                <a:cs typeface="+mn-cs"/>
+              </a:defRPr>
+            </a:lvl6pPr>
+            <a:lvl7pPr marL="2971800" indent="-228600" algn="l" defTabSz="914400" rtl="0" eaLnBrk="1" latinLnBrk="0" hangingPunct="1">
+              <a:lnSpc>
+                <a:spcPct val="90000"/>
+              </a:lnSpc>
+              <a:spcBef>
+                <a:spcPts val="500"/>
+              </a:spcBef>
+              <a:buFont typeface="Arial" panose="020B0604020202020204" pitchFamily="34" charset="0"/>
+              <a:buChar char="•"/>
+              <a:defRPr sz="1800" kern="1200">
+                <a:solidFill>
+                  <a:schemeClr val="tx1"/>
+                </a:solidFill>
+                <a:latin typeface="+mn-lt"/>
+                <a:ea typeface="+mn-ea"/>
+                <a:cs typeface="+mn-cs"/>
+              </a:defRPr>
+            </a:lvl7pPr>
+            <a:lvl8pPr marL="3429000" indent="-228600" algn="l" defTabSz="914400" rtl="0" eaLnBrk="1" latinLnBrk="0" hangingPunct="1">
+              <a:lnSpc>
+                <a:spcPct val="90000"/>
+              </a:lnSpc>
+              <a:spcBef>
+                <a:spcPts val="500"/>
+              </a:spcBef>
+              <a:buFont typeface="Arial" panose="020B0604020202020204" pitchFamily="34" charset="0"/>
+              <a:buChar char="•"/>
+              <a:defRPr sz="1800" kern="1200">
+                <a:solidFill>
+                  <a:schemeClr val="tx1"/>
+                </a:solidFill>
+                <a:latin typeface="+mn-lt"/>
+                <a:ea typeface="+mn-ea"/>
+                <a:cs typeface="+mn-cs"/>
+              </a:defRPr>
+            </a:lvl8pPr>
+            <a:lvl9pPr marL="3886200" indent="-228600" algn="l" defTabSz="914400" rtl="0" eaLnBrk="1" latinLnBrk="0" hangingPunct="1">
+              <a:lnSpc>
+                <a:spcPct val="90000"/>
+              </a:lnSpc>
+              <a:spcBef>
+                <a:spcPts val="500"/>
+              </a:spcBef>
+              <a:buFont typeface="Arial" panose="020B0604020202020204" pitchFamily="34" charset="0"/>
+              <a:buChar char="•"/>
+              <a:defRPr sz="1800" kern="1200">
+                <a:solidFill>
+                  <a:schemeClr val="tx1"/>
+                </a:solidFill>
+                <a:latin typeface="+mn-lt"/>
+                <a:ea typeface="+mn-ea"/>
+                <a:cs typeface="+mn-cs"/>
+              </a:defRPr>
+            </a:lvl9pPr>
+          </a:lstStyle>
+          <a:p>
+            <a:r>
+              <a:rPr lang="en-US" dirty="0" err="1">
+                <a:solidFill>
+                  <a:schemeClr val="bg1"/>
+                </a:solidFill>
+              </a:rPr>
+              <a:t>Pathlib</a:t>
+            </a:r>
+            <a:endParaRPr lang="en-US" dirty="0">
+              <a:solidFill>
+                <a:schemeClr val="bg1"/>
+              </a:solidFill>
+            </a:endParaRPr>
+          </a:p>
+          <a:p>
+            <a:r>
+              <a:rPr lang="en-US" dirty="0">
+                <a:solidFill>
+                  <a:schemeClr val="bg1"/>
+                </a:solidFill>
+              </a:rPr>
+              <a:t>Fire </a:t>
+            </a:r>
+          </a:p>
+          <a:p>
+            <a:r>
+              <a:rPr lang="en-US" dirty="0" err="1">
+                <a:solidFill>
+                  <a:schemeClr val="bg1"/>
+                </a:solidFill>
+              </a:rPr>
+              <a:t>Plotly</a:t>
+            </a:r>
+            <a:endParaRPr lang="en-US" dirty="0">
+              <a:solidFill>
+                <a:schemeClr val="bg1"/>
+              </a:solidFill>
+            </a:endParaRPr>
+          </a:p>
+          <a:p>
+            <a:r>
+              <a:rPr lang="en-US" dirty="0">
+                <a:solidFill>
+                  <a:schemeClr val="bg1"/>
+                </a:solidFill>
+              </a:rPr>
+              <a:t>Pandas</a:t>
+            </a:r>
+          </a:p>
+          <a:p>
+            <a:r>
+              <a:rPr lang="en-US" dirty="0" err="1">
+                <a:solidFill>
+                  <a:schemeClr val="bg1"/>
+                </a:solidFill>
+              </a:rPr>
+              <a:t>Yfinance</a:t>
+            </a:r>
+            <a:r>
+              <a:rPr lang="en-US" dirty="0">
+                <a:solidFill>
+                  <a:schemeClr val="bg1"/>
+                </a:solidFill>
+              </a:rPr>
+              <a:t>                                            </a:t>
+            </a:r>
+          </a:p>
+          <a:p>
+            <a:r>
+              <a:rPr lang="en-US" dirty="0">
+                <a:solidFill>
+                  <a:schemeClr val="bg1"/>
+                </a:solidFill>
+              </a:rPr>
+              <a:t>Matplotlib</a:t>
+            </a:r>
+          </a:p>
+          <a:p>
+            <a:r>
+              <a:rPr lang="en-US" dirty="0">
+                <a:solidFill>
+                  <a:schemeClr val="bg1"/>
+                </a:solidFill>
+              </a:rPr>
+              <a:t>Dash</a:t>
+            </a:r>
+          </a:p>
+          <a:p>
+            <a:r>
+              <a:rPr lang="en-US" dirty="0">
+                <a:solidFill>
+                  <a:schemeClr val="bg1"/>
+                </a:solidFill>
+              </a:rPr>
+              <a:t>Questionary</a:t>
             </a:r>
           </a:p>
         </p:txBody>
@@ -17383,90 +19038,7 @@
     </p:spTree>
     <p:extLst>
       <p:ext uri="{BB962C8B-B14F-4D97-AF65-F5344CB8AC3E}">
-        <p14:creationId xmlns:p14="http://schemas.microsoft.com/office/powerpoint/2010/main" val="3476450870"/>
-      </p:ext>
-    </p:extLst>
-  </p:cSld>
-  <p:clrMapOvr>
-    <a:masterClrMapping/>
-  </p:clrMapOvr>
-</p:sld>
-</file>
-
-<file path=ppt/slides/slide18.xml><?xml version="1.0" encoding="utf-8"?>
-<p:sld xmlns:a="http://schemas.openxmlformats.org/drawingml/2006/main" xmlns:r="http://schemas.openxmlformats.org/officeDocument/2006/relationships" xmlns:p="http://schemas.openxmlformats.org/presentationml/2006/main">
-  <p:cSld>
-    <p:spTree>
-      <p:nvGrpSpPr>
-        <p:cNvPr id="1" name=""/>
-        <p:cNvGrpSpPr/>
-        <p:nvPr/>
-      </p:nvGrpSpPr>
-      <p:grpSpPr>
-        <a:xfrm>
-          <a:off x="0" y="0"/>
-          <a:ext cx="0" cy="0"/>
-          <a:chOff x="0" y="0"/>
-          <a:chExt cx="0" cy="0"/>
-        </a:xfrm>
-      </p:grpSpPr>
-      <p:sp>
-        <p:nvSpPr>
-          <p:cNvPr id="2" name="Title 1">
-            <a:extLst>
-              <a:ext uri="{FF2B5EF4-FFF2-40B4-BE49-F238E27FC236}">
-                <a16:creationId xmlns:a16="http://schemas.microsoft.com/office/drawing/2014/main" id="{F13ABB0C-7973-4536-A04E-FE6972DA9501}"/>
-              </a:ext>
-            </a:extLst>
-          </p:cNvPr>
-          <p:cNvSpPr>
-            <a:spLocks noGrp="1"/>
-          </p:cNvSpPr>
-          <p:nvPr>
-            <p:ph type="title"/>
-          </p:nvPr>
-        </p:nvSpPr>
-        <p:spPr/>
-        <p:txBody>
-          <a:bodyPr/>
-          <a:lstStyle/>
-          <a:p>
-            <a:r>
-              <a:rPr lang="en-US" dirty="0"/>
-              <a:t>Technology</a:t>
-            </a:r>
-          </a:p>
-        </p:txBody>
-      </p:sp>
-      <p:sp>
-        <p:nvSpPr>
-          <p:cNvPr id="3" name="Content Placeholder 2">
-            <a:extLst>
-              <a:ext uri="{FF2B5EF4-FFF2-40B4-BE49-F238E27FC236}">
-                <a16:creationId xmlns:a16="http://schemas.microsoft.com/office/drawing/2014/main" id="{40080517-189A-4D4E-BAB1-9B59407F4CF0}"/>
-              </a:ext>
-            </a:extLst>
-          </p:cNvPr>
-          <p:cNvSpPr>
-            <a:spLocks noGrp="1"/>
-          </p:cNvSpPr>
-          <p:nvPr>
-            <p:ph idx="1"/>
-          </p:nvPr>
-        </p:nvSpPr>
-        <p:spPr/>
-        <p:txBody>
-          <a:bodyPr/>
-          <a:lstStyle/>
-          <a:p>
-            <a:endParaRPr lang="en-US" dirty="0"/>
-          </a:p>
-        </p:txBody>
-      </p:sp>
-    </p:spTree>
-    <p:extLst>
-      <p:ext uri="{BB962C8B-B14F-4D97-AF65-F5344CB8AC3E}">
-        <p14:creationId xmlns:p14="http://schemas.microsoft.com/office/powerpoint/2010/main" val="2373615912"/>
+        <p14:creationId xmlns:p14="http://schemas.microsoft.com/office/powerpoint/2010/main" val="659539348"/>
       </p:ext>
     </p:extLst>
   </p:cSld>
@@ -17498,7 +19070,7 @@
           <p:cNvPr id="2" name="Title 1">
             <a:extLst>
               <a:ext uri="{FF2B5EF4-FFF2-40B4-BE49-F238E27FC236}">
-                <a16:creationId xmlns:a16="http://schemas.microsoft.com/office/drawing/2014/main" id="{556E793C-9930-4131-A53B-C6F570DCEF3B}"/>
+                <a16:creationId xmlns:a16="http://schemas.microsoft.com/office/drawing/2014/main" id="{06EBBF74-5278-4E14-BFC6-319F2F26BE49}"/>
               </a:ext>
             </a:extLst>
           </p:cNvPr>
@@ -17518,35 +19090,10 @@
           </a:p>
         </p:txBody>
       </p:sp>
-      <p:sp>
-        <p:nvSpPr>
-          <p:cNvPr id="3" name="Content Placeholder 2">
-            <a:extLst>
-              <a:ext uri="{FF2B5EF4-FFF2-40B4-BE49-F238E27FC236}">
-                <a16:creationId xmlns:a16="http://schemas.microsoft.com/office/drawing/2014/main" id="{2A664A03-9898-4C50-960D-D788DD452C20}"/>
-              </a:ext>
-            </a:extLst>
-          </p:cNvPr>
-          <p:cNvSpPr>
-            <a:spLocks noGrp="1"/>
-          </p:cNvSpPr>
-          <p:nvPr>
-            <p:ph idx="1"/>
-          </p:nvPr>
-        </p:nvSpPr>
-        <p:spPr/>
-        <p:txBody>
-          <a:bodyPr/>
-          <a:lstStyle/>
-          <a:p>
-            <a:endParaRPr lang="en-US"/>
-          </a:p>
-        </p:txBody>
-      </p:sp>
     </p:spTree>
     <p:extLst>
       <p:ext uri="{BB962C8B-B14F-4D97-AF65-F5344CB8AC3E}">
-        <p14:creationId xmlns:p14="http://schemas.microsoft.com/office/powerpoint/2010/main" val="3076032048"/>
+        <p14:creationId xmlns:p14="http://schemas.microsoft.com/office/powerpoint/2010/main" val="3421722547"/>
       </p:ext>
     </p:extLst>
   </p:cSld>
@@ -19840,7 +21387,7 @@
         </p:nvSpPr>
         <p:spPr>
           <a:xfrm>
-            <a:off x="586478" y="1683756"/>
+            <a:off x="-166456" y="1303804"/>
             <a:ext cx="3115265" cy="2396359"/>
           </a:xfrm>
         </p:spPr>
@@ -19852,13 +21399,26 @@
           <a:p>
             <a:pPr algn="r"/>
             <a:r>
-              <a:rPr lang="en-US" sz="4000">
+              <a:rPr lang="en-US" sz="4000" dirty="0">
                 <a:solidFill>
                   <a:srgbClr val="FFFFFF"/>
                 </a:solidFill>
               </a:rPr>
-              <a:t>Diversifiers Idenitified</a:t>
+              <a:t>Diversifiers </a:t>
             </a:r>
+            <a:r>
+              <a:rPr lang="en-US" sz="4000" dirty="0" err="1">
+                <a:solidFill>
+                  <a:srgbClr val="FFFFFF"/>
+                </a:solidFill>
+              </a:rPr>
+              <a:t>Idenitified</a:t>
+            </a:r>
+            <a:endParaRPr lang="en-US" sz="4000" dirty="0">
+              <a:solidFill>
+                <a:srgbClr val="FFFFFF"/>
+              </a:solidFill>
+            </a:endParaRPr>
           </a:p>
         </p:txBody>
       </p:sp>
@@ -19878,14 +21438,14 @@
             <p:ph idx="1"/>
             <p:extLst>
               <p:ext uri="{D42A27DB-BD31-4B8C-83A1-F6EECF244321}">
-                <p14:modId xmlns:p14="http://schemas.microsoft.com/office/powerpoint/2010/main" val="1795305365"/>
+                <p14:modId xmlns:p14="http://schemas.microsoft.com/office/powerpoint/2010/main" val="1564322130"/>
               </p:ext>
             </p:extLst>
           </p:nvPr>
         </p:nvGraphicFramePr>
         <p:xfrm>
-          <a:off x="4905052" y="750440"/>
-          <a:ext cx="6666833" cy="5453920"/>
+          <a:off x="4204269" y="511388"/>
+          <a:ext cx="7778181" cy="5654710"/>
         </p:xfrm>
         <a:graphic>
           <a:graphicData uri="http://schemas.openxmlformats.org/drawingml/2006/diagram">

--- a/Portfolio_Diversifier.pptx
+++ b/Portfolio_Diversifier.pptx
@@ -23,7 +23,6 @@
     <p:sldId id="290" r:id="rId17"/>
     <p:sldId id="292" r:id="rId18"/>
     <p:sldId id="293" r:id="rId19"/>
-    <p:sldId id="294" r:id="rId20"/>
   </p:sldIdLst>
   <p:sldSz cx="12192000" cy="6858000"/>
   <p:notesSz cx="6858000" cy="9144000"/>
@@ -19048,61 +19047,6 @@
 </p:sld>
 </file>
 
-<file path=ppt/slides/slide19.xml><?xml version="1.0" encoding="utf-8"?>
-<p:sld xmlns:a="http://schemas.openxmlformats.org/drawingml/2006/main" xmlns:r="http://schemas.openxmlformats.org/officeDocument/2006/relationships" xmlns:p="http://schemas.openxmlformats.org/presentationml/2006/main">
-  <p:cSld>
-    <p:spTree>
-      <p:nvGrpSpPr>
-        <p:cNvPr id="1" name=""/>
-        <p:cNvGrpSpPr/>
-        <p:nvPr/>
-      </p:nvGrpSpPr>
-      <p:grpSpPr>
-        <a:xfrm>
-          <a:off x="0" y="0"/>
-          <a:ext cx="0" cy="0"/>
-          <a:chOff x="0" y="0"/>
-          <a:chExt cx="0" cy="0"/>
-        </a:xfrm>
-      </p:grpSpPr>
-      <p:sp>
-        <p:nvSpPr>
-          <p:cNvPr id="2" name="Title 1">
-            <a:extLst>
-              <a:ext uri="{FF2B5EF4-FFF2-40B4-BE49-F238E27FC236}">
-                <a16:creationId xmlns:a16="http://schemas.microsoft.com/office/drawing/2014/main" id="{06EBBF74-5278-4E14-BFC6-319F2F26BE49}"/>
-              </a:ext>
-            </a:extLst>
-          </p:cNvPr>
-          <p:cNvSpPr>
-            <a:spLocks noGrp="1"/>
-          </p:cNvSpPr>
-          <p:nvPr>
-            <p:ph type="title"/>
-          </p:nvPr>
-        </p:nvSpPr>
-        <p:spPr/>
-        <p:txBody>
-          <a:bodyPr/>
-          <a:lstStyle/>
-          <a:p>
-            <a:endParaRPr lang="en-US"/>
-          </a:p>
-        </p:txBody>
-      </p:sp>
-    </p:spTree>
-    <p:extLst>
-      <p:ext uri="{BB962C8B-B14F-4D97-AF65-F5344CB8AC3E}">
-        <p14:creationId xmlns:p14="http://schemas.microsoft.com/office/powerpoint/2010/main" val="3421722547"/>
-      </p:ext>
-    </p:extLst>
-  </p:cSld>
-  <p:clrMapOvr>
-    <a:masterClrMapping/>
-  </p:clrMapOvr>
-</p:sld>
-</file>
-
 <file path=ppt/slides/slide2.xml><?xml version="1.0" encoding="utf-8"?>
 <p:sld xmlns:a="http://schemas.openxmlformats.org/drawingml/2006/main" xmlns:r="http://schemas.openxmlformats.org/officeDocument/2006/relationships" xmlns:p="http://schemas.openxmlformats.org/presentationml/2006/main">
   <p:cSld>

--- a/Portfolio_Diversifier.pptx
+++ b/Portfolio_Diversifier.pptx
@@ -21,8 +21,9 @@
     <p:sldId id="288" r:id="rId15"/>
     <p:sldId id="284" r:id="rId16"/>
     <p:sldId id="290" r:id="rId17"/>
-    <p:sldId id="292" r:id="rId18"/>
-    <p:sldId id="293" r:id="rId19"/>
+    <p:sldId id="294" r:id="rId18"/>
+    <p:sldId id="292" r:id="rId19"/>
+    <p:sldId id="293" r:id="rId20"/>
   </p:sldIdLst>
   <p:sldSz cx="12192000" cy="6858000"/>
   <p:notesSz cx="6858000" cy="9144000"/>
@@ -17716,7 +17717,7 @@
                   <a:schemeClr val="bg1"/>
                 </a:solidFill>
               </a:rPr>
-              <a:t>Future Enhancements</a:t>
+              <a:t>Conclusions</a:t>
             </a:r>
           </a:p>
         </p:txBody>
@@ -17745,17 +17746,25 @@
         </p:spPr>
         <p:txBody>
           <a:bodyPr>
-            <a:normAutofit fontScale="92500" lnSpcReduction="20000"/>
+            <a:normAutofit/>
           </a:bodyPr>
           <a:lstStyle/>
           <a:p>
+            <a:r>
+              <a:rPr lang="en-US" dirty="0" err="1">
+                <a:solidFill>
+                  <a:schemeClr val="bg1"/>
+                </a:solidFill>
+              </a:rPr>
+              <a:t>tlt</a:t>
+            </a:r>
             <a:r>
               <a:rPr lang="en-US" dirty="0">
                 <a:solidFill>
                   <a:schemeClr val="bg1"/>
                 </a:solidFill>
               </a:rPr>
-              <a:t>Release the MVP to the early adopters</a:t>
+              <a:t> is the best diversifier</a:t>
             </a:r>
           </a:p>
           <a:p>
@@ -17765,7 +17774,7 @@
                   <a:schemeClr val="bg1"/>
                 </a:solidFill>
               </a:rPr>
-              <a:t>Productize the MVP &amp; Make it web based</a:t>
+              <a:t>WARP allows us to easily identify a good diversifier and does not suffer from some of the flaws of common ratios such as Sharpe</a:t>
             </a:r>
           </a:p>
           <a:p>
@@ -17775,77 +17784,7 @@
                   <a:schemeClr val="bg1"/>
                 </a:solidFill>
               </a:rPr>
-              <a:t>Provide Daily and Monthly Rebalancing of Portfolios</a:t>
-            </a:r>
-          </a:p>
-          <a:p>
-            <a:r>
-              <a:rPr lang="en-US" dirty="0">
-                <a:solidFill>
-                  <a:schemeClr val="bg1"/>
-                </a:solidFill>
-              </a:rPr>
-              <a:t>Provide Optimization of Portfolio based on tickers selected. </a:t>
-            </a:r>
-          </a:p>
-          <a:p>
-            <a:r>
-              <a:rPr lang="en-US" dirty="0">
-                <a:solidFill>
-                  <a:schemeClr val="bg1"/>
-                </a:solidFill>
-              </a:rPr>
-              <a:t>Flexibility with adding tickers                                                            </a:t>
-            </a:r>
-          </a:p>
-          <a:p>
-            <a:r>
-              <a:rPr lang="en-US" dirty="0">
-                <a:solidFill>
-                  <a:schemeClr val="bg1"/>
-                </a:solidFill>
-              </a:rPr>
-              <a:t>Add Customized Portfolios &amp; recursively add portfolios</a:t>
-            </a:r>
-          </a:p>
-          <a:p>
-            <a:r>
-              <a:rPr lang="en-US" dirty="0">
-                <a:solidFill>
-                  <a:schemeClr val="bg1"/>
-                </a:solidFill>
-              </a:rPr>
-              <a:t>Integrate UI with Dash</a:t>
-            </a:r>
-          </a:p>
-          <a:p>
-            <a:r>
-              <a:rPr lang="en-US" dirty="0">
-                <a:solidFill>
-                  <a:schemeClr val="bg1"/>
-                </a:solidFill>
-              </a:rPr>
-              <a:t>Tiered Pricing with Premium Personal &amp; Specialized Support                                            </a:t>
-            </a:r>
-          </a:p>
-          <a:p>
-            <a:r>
-              <a:rPr lang="en-US" dirty="0">
-                <a:solidFill>
-                  <a:schemeClr val="bg1"/>
-                </a:solidFill>
-              </a:rPr>
-              <a:t>Add options to change portfolio weights </a:t>
-            </a:r>
-          </a:p>
-          <a:p>
-            <a:r>
-              <a:rPr lang="en-US" dirty="0">
-                <a:solidFill>
-                  <a:schemeClr val="bg1"/>
-                </a:solidFill>
-              </a:rPr>
-              <a:t>Add Treynor, Information ratio and other diversification metrics for comparison                                       </a:t>
+              <a:t>Diversifier identified by WARP allows us to perform better than the market in both the bull and bear periods.</a:t>
             </a:r>
           </a:p>
         </p:txBody>
@@ -18201,6 +18140,511 @@
         </p:nvSpPr>
         <p:spPr>
           <a:xfrm>
+            <a:off x="696528" y="158115"/>
+            <a:ext cx="5958038" cy="707886"/>
+          </a:xfrm>
+          <a:prstGeom prst="rect">
+            <a:avLst/>
+          </a:prstGeom>
+          <a:noFill/>
+        </p:spPr>
+        <p:txBody>
+          <a:bodyPr wrap="square" rtlCol="0">
+            <a:spAutoFit/>
+          </a:bodyPr>
+          <a:lstStyle/>
+          <a:p>
+            <a:r>
+              <a:rPr lang="en-US" sz="4000" dirty="0">
+                <a:solidFill>
+                  <a:schemeClr val="bg1"/>
+                </a:solidFill>
+              </a:rPr>
+              <a:t>Future Enhancements</a:t>
+            </a:r>
+          </a:p>
+        </p:txBody>
+      </p:sp>
+      <p:sp>
+        <p:nvSpPr>
+          <p:cNvPr id="7" name="Content Placeholder 2">
+            <a:extLst>
+              <a:ext uri="{FF2B5EF4-FFF2-40B4-BE49-F238E27FC236}">
+                <a16:creationId xmlns:a16="http://schemas.microsoft.com/office/drawing/2014/main" id="{DF70BA40-0EE4-41ED-8C57-FADEA3B94489}"/>
+              </a:ext>
+            </a:extLst>
+          </p:cNvPr>
+          <p:cNvSpPr>
+            <a:spLocks noGrp="1"/>
+          </p:cNvSpPr>
+          <p:nvPr>
+            <p:ph idx="1"/>
+          </p:nvPr>
+        </p:nvSpPr>
+        <p:spPr>
+          <a:xfrm>
+            <a:off x="696528" y="1253117"/>
+            <a:ext cx="10515600" cy="4351338"/>
+          </a:xfrm>
+        </p:spPr>
+        <p:txBody>
+          <a:bodyPr>
+            <a:normAutofit fontScale="92500" lnSpcReduction="20000"/>
+          </a:bodyPr>
+          <a:lstStyle/>
+          <a:p>
+            <a:r>
+              <a:rPr lang="en-US" dirty="0">
+                <a:solidFill>
+                  <a:schemeClr val="bg1"/>
+                </a:solidFill>
+              </a:rPr>
+              <a:t>Release the MVP to the early adopters</a:t>
+            </a:r>
+          </a:p>
+          <a:p>
+            <a:r>
+              <a:rPr lang="en-US" dirty="0">
+                <a:solidFill>
+                  <a:schemeClr val="bg1"/>
+                </a:solidFill>
+              </a:rPr>
+              <a:t>Productize the MVP &amp; Make it web based</a:t>
+            </a:r>
+          </a:p>
+          <a:p>
+            <a:r>
+              <a:rPr lang="en-US" dirty="0">
+                <a:solidFill>
+                  <a:schemeClr val="bg1"/>
+                </a:solidFill>
+              </a:rPr>
+              <a:t>Provide Daily and Monthly Rebalancing of Portfolios</a:t>
+            </a:r>
+          </a:p>
+          <a:p>
+            <a:r>
+              <a:rPr lang="en-US" dirty="0">
+                <a:solidFill>
+                  <a:schemeClr val="bg1"/>
+                </a:solidFill>
+              </a:rPr>
+              <a:t>Provide Optimization of Portfolio based on tickers selected. </a:t>
+            </a:r>
+          </a:p>
+          <a:p>
+            <a:r>
+              <a:rPr lang="en-US" dirty="0">
+                <a:solidFill>
+                  <a:schemeClr val="bg1"/>
+                </a:solidFill>
+              </a:rPr>
+              <a:t>Flexibility with adding tickers                                                            </a:t>
+            </a:r>
+          </a:p>
+          <a:p>
+            <a:r>
+              <a:rPr lang="en-US" dirty="0">
+                <a:solidFill>
+                  <a:schemeClr val="bg1"/>
+                </a:solidFill>
+              </a:rPr>
+              <a:t>Add Customized Portfolios &amp; recursively add portfolios</a:t>
+            </a:r>
+          </a:p>
+          <a:p>
+            <a:r>
+              <a:rPr lang="en-US" dirty="0">
+                <a:solidFill>
+                  <a:schemeClr val="bg1"/>
+                </a:solidFill>
+              </a:rPr>
+              <a:t>Integrate UI with Dash</a:t>
+            </a:r>
+          </a:p>
+          <a:p>
+            <a:r>
+              <a:rPr lang="en-US" dirty="0">
+                <a:solidFill>
+                  <a:schemeClr val="bg1"/>
+                </a:solidFill>
+              </a:rPr>
+              <a:t>Tiered Pricing with Premium Personal &amp; Specialized Support                                            </a:t>
+            </a:r>
+          </a:p>
+          <a:p>
+            <a:r>
+              <a:rPr lang="en-US" dirty="0">
+                <a:solidFill>
+                  <a:schemeClr val="bg1"/>
+                </a:solidFill>
+              </a:rPr>
+              <a:t>Add options to change portfolio weights </a:t>
+            </a:r>
+          </a:p>
+          <a:p>
+            <a:r>
+              <a:rPr lang="en-US" dirty="0">
+                <a:solidFill>
+                  <a:schemeClr val="bg1"/>
+                </a:solidFill>
+              </a:rPr>
+              <a:t>Add Treynor, Information ratio and other diversification metrics for comparison                                       </a:t>
+            </a:r>
+          </a:p>
+        </p:txBody>
+      </p:sp>
+    </p:spTree>
+    <p:extLst>
+      <p:ext uri="{BB962C8B-B14F-4D97-AF65-F5344CB8AC3E}">
+        <p14:creationId xmlns:p14="http://schemas.microsoft.com/office/powerpoint/2010/main" val="2258085073"/>
+      </p:ext>
+    </p:extLst>
+  </p:cSld>
+  <p:clrMapOvr>
+    <a:masterClrMapping/>
+  </p:clrMapOvr>
+</p:sld>
+</file>
+
+<file path=ppt/slides/slide18.xml><?xml version="1.0" encoding="utf-8"?>
+<p:sld xmlns:a="http://schemas.openxmlformats.org/drawingml/2006/main" xmlns:r="http://schemas.openxmlformats.org/officeDocument/2006/relationships" xmlns:p="http://schemas.openxmlformats.org/presentationml/2006/main">
+  <p:cSld>
+    <p:bg>
+      <p:bgPr>
+        <a:solidFill>
+          <a:schemeClr val="bg1"/>
+        </a:solidFill>
+        <a:effectLst/>
+      </p:bgPr>
+    </p:bg>
+    <p:spTree>
+      <p:nvGrpSpPr>
+        <p:cNvPr id="1" name=""/>
+        <p:cNvGrpSpPr/>
+        <p:nvPr/>
+      </p:nvGrpSpPr>
+      <p:grpSpPr>
+        <a:xfrm>
+          <a:off x="0" y="0"/>
+          <a:ext cx="0" cy="0"/>
+          <a:chOff x="0" y="0"/>
+          <a:chExt cx="0" cy="0"/>
+        </a:xfrm>
+      </p:grpSpPr>
+      <p:sp useBgFill="1">
+        <p:nvSpPr>
+          <p:cNvPr id="10" name="Rectangle 9">
+            <a:extLst>
+              <a:ext uri="{FF2B5EF4-FFF2-40B4-BE49-F238E27FC236}">
+                <a16:creationId xmlns:a16="http://schemas.microsoft.com/office/drawing/2014/main" id="{AB8C311F-7253-4AED-9701-7FC0708C41C7}"/>
+              </a:ext>
+              <a:ext uri="{C183D7F6-B498-43B3-948B-1728B52AA6E4}">
+                <adec:decorative xmlns:adec="http://schemas.microsoft.com/office/drawing/2017/decorative" val="1"/>
+              </a:ext>
+            </a:extLst>
+          </p:cNvPr>
+          <p:cNvSpPr>
+            <a:spLocks noGrp="1" noRot="1" noChangeAspect="1" noMove="1" noResize="1" noEditPoints="1" noAdjustHandles="1" noChangeArrowheads="1" noChangeShapeType="1" noTextEdit="1"/>
+          </p:cNvSpPr>
+          <p:nvPr>
+            <p:extLst>
+              <p:ext uri="{386F3935-93C4-4BCD-93E2-E3B085C9AB24}">
+                <p16:designElem xmlns:p16="http://schemas.microsoft.com/office/powerpoint/2015/main" val="1"/>
+              </p:ext>
+            </p:extLst>
+          </p:nvPr>
+        </p:nvSpPr>
+        <p:spPr>
+          <a:xfrm>
+            <a:off x="0" y="0"/>
+            <a:ext cx="12192000" cy="6858000"/>
+          </a:xfrm>
+          <a:prstGeom prst="rect">
+            <a:avLst/>
+          </a:prstGeom>
+          <a:ln w="12700" cap="flat" cmpd="sng" algn="ctr">
+            <a:noFill/>
+            <a:prstDash val="solid"/>
+            <a:miter lim="800000"/>
+          </a:ln>
+          <a:effectLst/>
+          <a:extLst>
+            <a:ext uri="{91240B29-F687-4F45-9708-019B960494DF}">
+              <a14:hiddenLine xmlns:a14="http://schemas.microsoft.com/office/drawing/2010/main" w="12700" cap="flat" cmpd="sng" algn="ctr">
+                <a:solidFill>
+                  <a:schemeClr val="accent1">
+                    <a:shade val="50000"/>
+                  </a:schemeClr>
+                </a:solidFill>
+                <a:prstDash val="solid"/>
+                <a:miter lim="800000"/>
+              </a14:hiddenLine>
+            </a:ext>
+          </a:extLst>
+        </p:spPr>
+        <p:style>
+          <a:lnRef idx="2">
+            <a:schemeClr val="accent1">
+              <a:shade val="50000"/>
+            </a:schemeClr>
+          </a:lnRef>
+          <a:fillRef idx="1">
+            <a:schemeClr val="accent1"/>
+          </a:fillRef>
+          <a:effectRef idx="0">
+            <a:schemeClr val="accent1"/>
+          </a:effectRef>
+          <a:fontRef idx="minor">
+            <a:schemeClr val="lt1"/>
+          </a:fontRef>
+        </p:style>
+        <p:txBody>
+          <a:bodyPr rtlCol="0" anchor="ctr"/>
+          <a:lstStyle/>
+          <a:p>
+            <a:pPr algn="ctr"/>
+            <a:endParaRPr lang="en-US"/>
+          </a:p>
+        </p:txBody>
+      </p:sp>
+      <p:sp>
+        <p:nvSpPr>
+          <p:cNvPr id="12" name="Rectangle 11">
+            <a:extLst>
+              <a:ext uri="{FF2B5EF4-FFF2-40B4-BE49-F238E27FC236}">
+                <a16:creationId xmlns:a16="http://schemas.microsoft.com/office/drawing/2014/main" id="{E2384209-CB15-4CDF-9D31-C44FD9A3F20D}"/>
+              </a:ext>
+              <a:ext uri="{C183D7F6-B498-43B3-948B-1728B52AA6E4}">
+                <adec:decorative xmlns:adec="http://schemas.microsoft.com/office/drawing/2017/decorative" val="1"/>
+              </a:ext>
+            </a:extLst>
+          </p:cNvPr>
+          <p:cNvSpPr>
+            <a:spLocks noGrp="1" noRot="1" noChangeAspect="1" noMove="1" noResize="1" noEditPoints="1" noAdjustHandles="1" noChangeArrowheads="1" noChangeShapeType="1" noTextEdit="1"/>
+          </p:cNvSpPr>
+          <p:nvPr>
+            <p:extLst>
+              <p:ext uri="{386F3935-93C4-4BCD-93E2-E3B085C9AB24}">
+                <p16:designElem xmlns:p16="http://schemas.microsoft.com/office/powerpoint/2015/main" val="1"/>
+              </p:ext>
+            </p:extLst>
+          </p:nvPr>
+        </p:nvSpPr>
+        <p:spPr>
+          <a:xfrm rot="16200000" flipH="1">
+            <a:off x="2666617" y="-2666188"/>
+            <a:ext cx="6858000" cy="12191233"/>
+          </a:xfrm>
+          <a:prstGeom prst="rect">
+            <a:avLst/>
+          </a:prstGeom>
+          <a:gradFill>
+            <a:gsLst>
+              <a:gs pos="8000">
+                <a:schemeClr val="accent1"/>
+              </a:gs>
+              <a:gs pos="100000">
+                <a:schemeClr val="accent1">
+                  <a:lumMod val="50000"/>
+                </a:schemeClr>
+              </a:gs>
+            </a:gsLst>
+            <a:lin ang="12000000" scaled="0"/>
+          </a:gradFill>
+          <a:ln>
+            <a:noFill/>
+          </a:ln>
+        </p:spPr>
+        <p:style>
+          <a:lnRef idx="2">
+            <a:schemeClr val="accent1">
+              <a:shade val="50000"/>
+            </a:schemeClr>
+          </a:lnRef>
+          <a:fillRef idx="1">
+            <a:schemeClr val="accent1"/>
+          </a:fillRef>
+          <a:effectRef idx="0">
+            <a:schemeClr val="accent1"/>
+          </a:effectRef>
+          <a:fontRef idx="minor">
+            <a:schemeClr val="lt1"/>
+          </a:fontRef>
+        </p:style>
+        <p:txBody>
+          <a:bodyPr rtlCol="0" anchor="ctr"/>
+          <a:lstStyle/>
+          <a:p>
+            <a:pPr algn="ctr"/>
+            <a:endParaRPr lang="en-US"/>
+          </a:p>
+        </p:txBody>
+      </p:sp>
+      <p:sp>
+        <p:nvSpPr>
+          <p:cNvPr id="14" name="Rectangle 13">
+            <a:extLst>
+              <a:ext uri="{FF2B5EF4-FFF2-40B4-BE49-F238E27FC236}">
+                <a16:creationId xmlns:a16="http://schemas.microsoft.com/office/drawing/2014/main" id="{2633B3B5-CC90-43F0-8714-D31D1F3F0209}"/>
+              </a:ext>
+              <a:ext uri="{C183D7F6-B498-43B3-948B-1728B52AA6E4}">
+                <adec:decorative xmlns:adec="http://schemas.microsoft.com/office/drawing/2017/decorative" val="1"/>
+              </a:ext>
+            </a:extLst>
+          </p:cNvPr>
+          <p:cNvSpPr>
+            <a:spLocks noGrp="1" noRot="1" noChangeAspect="1" noMove="1" noResize="1" noEditPoints="1" noAdjustHandles="1" noChangeArrowheads="1" noChangeShapeType="1" noTextEdit="1"/>
+          </p:cNvSpPr>
+          <p:nvPr>
+            <p:extLst>
+              <p:ext uri="{386F3935-93C4-4BCD-93E2-E3B085C9AB24}">
+                <p16:designElem xmlns:p16="http://schemas.microsoft.com/office/powerpoint/2015/main" val="1"/>
+              </p:ext>
+            </p:extLst>
+          </p:nvPr>
+        </p:nvSpPr>
+        <p:spPr>
+          <a:xfrm rot="10800000" flipH="1">
+            <a:off x="-2311" y="0"/>
+            <a:ext cx="9070846" cy="6857572"/>
+          </a:xfrm>
+          <a:prstGeom prst="rect">
+            <a:avLst/>
+          </a:prstGeom>
+          <a:gradFill>
+            <a:gsLst>
+              <a:gs pos="8000">
+                <a:srgbClr val="000000">
+                  <a:alpha val="52000"/>
+                </a:srgbClr>
+              </a:gs>
+              <a:gs pos="100000">
+                <a:schemeClr val="accent1"/>
+              </a:gs>
+            </a:gsLst>
+            <a:lin ang="4800000" scaled="0"/>
+          </a:gradFill>
+          <a:ln>
+            <a:noFill/>
+          </a:ln>
+        </p:spPr>
+        <p:style>
+          <a:lnRef idx="2">
+            <a:schemeClr val="accent1">
+              <a:shade val="50000"/>
+            </a:schemeClr>
+          </a:lnRef>
+          <a:fillRef idx="1">
+            <a:schemeClr val="accent1"/>
+          </a:fillRef>
+          <a:effectRef idx="0">
+            <a:schemeClr val="accent1"/>
+          </a:effectRef>
+          <a:fontRef idx="minor">
+            <a:schemeClr val="lt1"/>
+          </a:fontRef>
+        </p:style>
+        <p:txBody>
+          <a:bodyPr rtlCol="0" anchor="ctr"/>
+          <a:lstStyle/>
+          <a:p>
+            <a:pPr algn="ctr"/>
+            <a:endParaRPr lang="en-US"/>
+          </a:p>
+        </p:txBody>
+      </p:sp>
+      <p:sp>
+        <p:nvSpPr>
+          <p:cNvPr id="16" name="Rectangle 15">
+            <a:extLst>
+              <a:ext uri="{FF2B5EF4-FFF2-40B4-BE49-F238E27FC236}">
+                <a16:creationId xmlns:a16="http://schemas.microsoft.com/office/drawing/2014/main" id="{A8D57A06-A426-446D-B02C-A2DC6B62E45E}"/>
+              </a:ext>
+              <a:ext uri="{C183D7F6-B498-43B3-948B-1728B52AA6E4}">
+                <adec:decorative xmlns:adec="http://schemas.microsoft.com/office/drawing/2017/decorative" val="1"/>
+              </a:ext>
+            </a:extLst>
+          </p:cNvPr>
+          <p:cNvSpPr>
+            <a:spLocks noGrp="1" noRot="1" noChangeAspect="1" noMove="1" noResize="1" noEditPoints="1" noAdjustHandles="1" noChangeArrowheads="1" noChangeShapeType="1" noTextEdit="1"/>
+          </p:cNvSpPr>
+          <p:nvPr>
+            <p:extLst>
+              <p:ext uri="{386F3935-93C4-4BCD-93E2-E3B085C9AB24}">
+                <p16:designElem xmlns:p16="http://schemas.microsoft.com/office/powerpoint/2015/main" val="1"/>
+              </p:ext>
+            </p:extLst>
+          </p:nvPr>
+        </p:nvSpPr>
+        <p:spPr>
+          <a:xfrm rot="16200000" flipH="1">
+            <a:off x="3649491" y="-1685840"/>
+            <a:ext cx="4894564" cy="12193546"/>
+          </a:xfrm>
+          <a:prstGeom prst="rect">
+            <a:avLst/>
+          </a:prstGeom>
+          <a:gradFill>
+            <a:gsLst>
+              <a:gs pos="0">
+                <a:schemeClr val="accent5">
+                  <a:lumMod val="60000"/>
+                  <a:lumOff val="40000"/>
+                  <a:alpha val="0"/>
+                </a:schemeClr>
+              </a:gs>
+              <a:gs pos="100000">
+                <a:srgbClr val="000000">
+                  <a:alpha val="46000"/>
+                </a:srgbClr>
+              </a:gs>
+            </a:gsLst>
+            <a:lin ang="1200000" scaled="0"/>
+          </a:gradFill>
+          <a:ln>
+            <a:noFill/>
+          </a:ln>
+        </p:spPr>
+        <p:style>
+          <a:lnRef idx="2">
+            <a:schemeClr val="accent1">
+              <a:shade val="50000"/>
+            </a:schemeClr>
+          </a:lnRef>
+          <a:fillRef idx="1">
+            <a:schemeClr val="accent1"/>
+          </a:fillRef>
+          <a:effectRef idx="0">
+            <a:schemeClr val="accent1"/>
+          </a:effectRef>
+          <a:fontRef idx="minor">
+            <a:schemeClr val="lt1"/>
+          </a:fontRef>
+        </p:style>
+        <p:txBody>
+          <a:bodyPr rtlCol="0" anchor="ctr"/>
+          <a:lstStyle/>
+          <a:p>
+            <a:pPr algn="ctr"/>
+            <a:endParaRPr lang="en-US"/>
+          </a:p>
+        </p:txBody>
+      </p:sp>
+      <p:sp>
+        <p:nvSpPr>
+          <p:cNvPr id="2" name="TextBox 1">
+            <a:extLst>
+              <a:ext uri="{FF2B5EF4-FFF2-40B4-BE49-F238E27FC236}">
+                <a16:creationId xmlns:a16="http://schemas.microsoft.com/office/drawing/2014/main" id="{58F2584D-F505-4BEE-989E-AAB989B78ACE}"/>
+              </a:ext>
+            </a:extLst>
+          </p:cNvPr>
+          <p:cNvSpPr txBox="1"/>
+          <p:nvPr/>
+        </p:nvSpPr>
+        <p:spPr>
+          <a:xfrm>
             <a:off x="4671847" y="2501265"/>
             <a:ext cx="5958038" cy="1323439"/>
           </a:xfrm>
@@ -18239,7 +18683,7 @@
 </p:sld>
 </file>
 
-<file path=ppt/slides/slide18.xml><?xml version="1.0" encoding="utf-8"?>
+<file path=ppt/slides/slide19.xml><?xml version="1.0" encoding="utf-8"?>
 <p:sld xmlns:a="http://schemas.openxmlformats.org/drawingml/2006/main" xmlns:r="http://schemas.openxmlformats.org/officeDocument/2006/relationships" xmlns:p="http://schemas.openxmlformats.org/presentationml/2006/main">
   <p:cSld>
     <p:bg>
@@ -22167,8 +22611,8 @@
         </p:blipFill>
         <p:spPr>
           <a:xfrm>
-            <a:off x="10438410" y="253644"/>
-            <a:ext cx="1753590" cy="2137339"/>
+            <a:off x="7856627" y="180806"/>
+            <a:ext cx="1622761" cy="1977880"/>
           </a:xfrm>
           <a:prstGeom prst="rect">
             <a:avLst/>
@@ -22540,8 +22984,8 @@
         </p:blipFill>
         <p:spPr>
           <a:xfrm>
-            <a:off x="76999" y="677288"/>
-            <a:ext cx="11276801" cy="5799712"/>
+            <a:off x="406876" y="676432"/>
+            <a:ext cx="10607241" cy="5654719"/>
           </a:xfrm>
           <a:prstGeom prst="rect">
             <a:avLst/>

--- a/Portfolio_Diversifier.pptx
+++ b/Portfolio_Diversifier.pptx
@@ -13592,6 +13592,83 @@
           </a:p>
         </p:txBody>
       </p:sp>
+      <p:sp>
+        <p:nvSpPr>
+          <p:cNvPr id="11" name="TextBox 10">
+            <a:extLst>
+              <a:ext uri="{FF2B5EF4-FFF2-40B4-BE49-F238E27FC236}">
+                <a16:creationId xmlns:a16="http://schemas.microsoft.com/office/drawing/2014/main" id="{FA3E2750-6CDE-41D8-84F2-533A2633AC5A}"/>
+              </a:ext>
+            </a:extLst>
+          </p:cNvPr>
+          <p:cNvSpPr txBox="1"/>
+          <p:nvPr/>
+        </p:nvSpPr>
+        <p:spPr>
+          <a:xfrm>
+            <a:off x="5768644" y="5119480"/>
+            <a:ext cx="1333500" cy="646331"/>
+          </a:xfrm>
+          <a:prstGeom prst="rect">
+            <a:avLst/>
+          </a:prstGeom>
+          <a:noFill/>
+        </p:spPr>
+        <p:txBody>
+          <a:bodyPr wrap="square" rtlCol="0">
+            <a:spAutoFit/>
+          </a:bodyPr>
+          <a:lstStyle/>
+          <a:p>
+            <a:r>
+              <a:rPr lang="en-US" dirty="0"/>
+              <a:t>Clarendon Heights</a:t>
+            </a:r>
+          </a:p>
+        </p:txBody>
+      </p:sp>
+      <p:sp>
+        <p:nvSpPr>
+          <p:cNvPr id="13" name="TextBox 12">
+            <a:extLst>
+              <a:ext uri="{FF2B5EF4-FFF2-40B4-BE49-F238E27FC236}">
+                <a16:creationId xmlns:a16="http://schemas.microsoft.com/office/drawing/2014/main" id="{86BDC484-B8B0-48C9-A627-D0B35A198050}"/>
+              </a:ext>
+            </a:extLst>
+          </p:cNvPr>
+          <p:cNvSpPr txBox="1"/>
+          <p:nvPr/>
+        </p:nvSpPr>
+        <p:spPr>
+          <a:xfrm>
+            <a:off x="6095617" y="4177396"/>
+            <a:ext cx="1333500" cy="646331"/>
+          </a:xfrm>
+          <a:prstGeom prst="rect">
+            <a:avLst/>
+          </a:prstGeom>
+          <a:noFill/>
+        </p:spPr>
+        <p:txBody>
+          <a:bodyPr wrap="square" rtlCol="0">
+            <a:spAutoFit/>
+          </a:bodyPr>
+          <a:lstStyle/>
+          <a:p>
+            <a:r>
+              <a:rPr lang="en-US" b="0" i="0" dirty="0">
+                <a:solidFill>
+                  <a:srgbClr val="1D1C1D"/>
+                </a:solidFill>
+                <a:effectLst/>
+                <a:latin typeface="Slack-Lato"/>
+              </a:rPr>
+              <a:t>Buena Vista Park</a:t>
+            </a:r>
+            <a:endParaRPr lang="en-US" dirty="0"/>
+          </a:p>
+        </p:txBody>
+      </p:sp>
     </p:spTree>
     <p:extLst>
       <p:ext uri="{BB962C8B-B14F-4D97-AF65-F5344CB8AC3E}">
@@ -13749,42 +13826,6 @@
           </a:p>
         </p:txBody>
       </p:sp>
-      <p:pic>
-        <p:nvPicPr>
-          <p:cNvPr id="7" name="Picture 6" descr="Diagram&#10;&#10;Description automatically generated">
-            <a:extLst>
-              <a:ext uri="{FF2B5EF4-FFF2-40B4-BE49-F238E27FC236}">
-                <a16:creationId xmlns:a16="http://schemas.microsoft.com/office/drawing/2014/main" id="{288D4895-430B-4280-80C9-7E9841F3B1AC}"/>
-              </a:ext>
-            </a:extLst>
-          </p:cNvPr>
-          <p:cNvPicPr>
-            <a:picLocks noChangeAspect="1"/>
-          </p:cNvPicPr>
-          <p:nvPr/>
-        </p:nvPicPr>
-        <p:blipFill>
-          <a:blip r:embed="rId2">
-            <a:extLst>
-              <a:ext uri="{28A0092B-C50C-407E-A947-70E740481C1C}">
-                <a14:useLocalDpi xmlns:a14="http://schemas.microsoft.com/office/drawing/2010/main" val="0"/>
-              </a:ext>
-            </a:extLst>
-          </a:blip>
-          <a:stretch>
-            <a:fillRect/>
-          </a:stretch>
-        </p:blipFill>
-        <p:spPr>
-          <a:xfrm>
-            <a:off x="4321907" y="271263"/>
-            <a:ext cx="7307138" cy="6315474"/>
-          </a:xfrm>
-          <a:prstGeom prst="rect">
-            <a:avLst/>
-          </a:prstGeom>
-        </p:spPr>
-      </p:pic>
       <p:sp>
         <p:nvSpPr>
           <p:cNvPr id="5" name="AutoShape 4">
@@ -13830,6 +13871,42 @@
           </a:p>
         </p:txBody>
       </p:sp>
+      <p:pic>
+        <p:nvPicPr>
+          <p:cNvPr id="4" name="Picture 3" descr="Diagram&#10;&#10;Description automatically generated">
+            <a:extLst>
+              <a:ext uri="{FF2B5EF4-FFF2-40B4-BE49-F238E27FC236}">
+                <a16:creationId xmlns:a16="http://schemas.microsoft.com/office/drawing/2014/main" id="{ECB0C1E0-9DD3-4697-9C7F-639604672428}"/>
+              </a:ext>
+            </a:extLst>
+          </p:cNvPr>
+          <p:cNvPicPr>
+            <a:picLocks noChangeAspect="1"/>
+          </p:cNvPicPr>
+          <p:nvPr/>
+        </p:nvPicPr>
+        <p:blipFill>
+          <a:blip r:embed="rId2">
+            <a:extLst>
+              <a:ext uri="{28A0092B-C50C-407E-A947-70E740481C1C}">
+                <a14:useLocalDpi xmlns:a14="http://schemas.microsoft.com/office/drawing/2010/main" val="0"/>
+              </a:ext>
+            </a:extLst>
+          </a:blip>
+          <a:stretch>
+            <a:fillRect/>
+          </a:stretch>
+        </p:blipFill>
+        <p:spPr>
+          <a:xfrm>
+            <a:off x="4663945" y="76200"/>
+            <a:ext cx="6083560" cy="6858000"/>
+          </a:xfrm>
+          <a:prstGeom prst="rect">
+            <a:avLst/>
+          </a:prstGeom>
+        </p:spPr>
+      </p:pic>
     </p:spTree>
     <p:extLst>
       <p:ext uri="{BB962C8B-B14F-4D97-AF65-F5344CB8AC3E}">
@@ -18183,13 +18260,13 @@
         </p:nvSpPr>
         <p:spPr>
           <a:xfrm>
-            <a:off x="696528" y="1253117"/>
-            <a:ext cx="10515600" cy="4351338"/>
+            <a:off x="191703" y="1262641"/>
+            <a:ext cx="10515600" cy="5261984"/>
           </a:xfrm>
         </p:spPr>
         <p:txBody>
           <a:bodyPr>
-            <a:normAutofit fontScale="92500" lnSpcReduction="20000"/>
+            <a:normAutofit fontScale="92500" lnSpcReduction="10000"/>
           </a:bodyPr>
           <a:lstStyle/>
           <a:p>
@@ -18289,7 +18366,17 @@
                   <a:schemeClr val="bg1"/>
                 </a:solidFill>
               </a:rPr>
-              <a:t>Add Treynor, Information ratio and other diversification metrics for comparison                                       </a:t>
+              <a:t>Add Treynor, Information ratio and other diversification metrics for comparison</a:t>
+            </a:r>
+          </a:p>
+          <a:p>
+            <a:r>
+              <a:rPr lang="en-US" dirty="0">
+                <a:solidFill>
+                  <a:schemeClr val="bg1"/>
+                </a:solidFill>
+              </a:rPr>
+              <a:t>Explore Long Volatility and other funds as diversifiers                                       </a:t>
             </a:r>
           </a:p>
         </p:txBody>
@@ -19182,7 +19269,7 @@
                   <a:schemeClr val="bg1"/>
                 </a:solidFill>
               </a:rPr>
-              <a:t>Questionary                                                          </a:t>
+              <a:t>Monte Carlo                                                  </a:t>
             </a:r>
           </a:p>
         </p:txBody>
@@ -19425,25 +19512,7 @@
                   <a:schemeClr val="bg1"/>
                 </a:solidFill>
               </a:rPr>
-              <a:t>Pandas</a:t>
-            </a:r>
-          </a:p>
-          <a:p>
-            <a:r>
-              <a:rPr lang="en-US" dirty="0" err="1">
-                <a:solidFill>
-                  <a:schemeClr val="bg1"/>
-                </a:solidFill>
-              </a:rPr>
-              <a:t>Yfinance</a:t>
-            </a:r>
-            <a:r>
-              <a:rPr lang="en-US" dirty="0">
-                <a:solidFill>
-                  <a:schemeClr val="bg1"/>
-                </a:solidFill>
-              </a:rPr>
-              <a:t>                                            </a:t>
+              <a:t>Pandas                                          </a:t>
             </a:r>
           </a:p>
           <a:p>
@@ -19463,7 +19532,7 @@
                   <a:schemeClr val="bg1"/>
                 </a:solidFill>
               </a:rPr>
-              <a:t>Dash</a:t>
+              <a:t>External Style Sheets</a:t>
             </a:r>
           </a:p>
           <a:p>

--- a/Portfolio_Diversifier.pptx
+++ b/Portfolio_Diversifier.pptx
@@ -6,24 +6,25 @@
   </p:sldMasterIdLst>
   <p:sldIdLst>
     <p:sldId id="256" r:id="rId2"/>
-    <p:sldId id="274" r:id="rId3"/>
-    <p:sldId id="270" r:id="rId4"/>
-    <p:sldId id="275" r:id="rId5"/>
-    <p:sldId id="258" r:id="rId6"/>
-    <p:sldId id="257" r:id="rId7"/>
-    <p:sldId id="286" r:id="rId8"/>
-    <p:sldId id="285" r:id="rId9"/>
-    <p:sldId id="268" r:id="rId10"/>
-    <p:sldId id="269" r:id="rId11"/>
-    <p:sldId id="289" r:id="rId12"/>
-    <p:sldId id="273" r:id="rId13"/>
-    <p:sldId id="287" r:id="rId14"/>
-    <p:sldId id="288" r:id="rId15"/>
-    <p:sldId id="284" r:id="rId16"/>
-    <p:sldId id="290" r:id="rId17"/>
-    <p:sldId id="294" r:id="rId18"/>
-    <p:sldId id="292" r:id="rId19"/>
-    <p:sldId id="293" r:id="rId20"/>
+    <p:sldId id="296" r:id="rId3"/>
+    <p:sldId id="274" r:id="rId4"/>
+    <p:sldId id="270" r:id="rId5"/>
+    <p:sldId id="275" r:id="rId6"/>
+    <p:sldId id="258" r:id="rId7"/>
+    <p:sldId id="257" r:id="rId8"/>
+    <p:sldId id="286" r:id="rId9"/>
+    <p:sldId id="285" r:id="rId10"/>
+    <p:sldId id="268" r:id="rId11"/>
+    <p:sldId id="269" r:id="rId12"/>
+    <p:sldId id="289" r:id="rId13"/>
+    <p:sldId id="273" r:id="rId14"/>
+    <p:sldId id="287" r:id="rId15"/>
+    <p:sldId id="288" r:id="rId16"/>
+    <p:sldId id="284" r:id="rId17"/>
+    <p:sldId id="290" r:id="rId18"/>
+    <p:sldId id="294" r:id="rId19"/>
+    <p:sldId id="292" r:id="rId20"/>
+    <p:sldId id="293" r:id="rId21"/>
   </p:sldIdLst>
   <p:sldSz cx="12192000" cy="6858000"/>
   <p:notesSz cx="6858000" cy="9144000"/>
@@ -2131,7 +2132,7 @@
           </a:r>
           <a:r>
             <a:rPr lang="en-US" dirty="0"/>
-            <a:t>      20+ Year Treasury bond ETF</a:t>
+            <a:t>      20+ Year Treasury bond ETF (WARP)</a:t>
           </a:r>
         </a:p>
       </dgm:t>
@@ -2167,7 +2168,7 @@
         <a:p>
           <a:r>
             <a:rPr lang="en-US" dirty="0"/>
-            <a:t>shy    1-3 Year Treasury bond ETF</a:t>
+            <a:t>shy    1-3 Year Treasury bond ETF (Sharpe)</a:t>
           </a:r>
         </a:p>
       </dgm:t>
@@ -2207,7 +2208,7 @@
           </a:r>
           <a:r>
             <a:rPr lang="en-US" dirty="0"/>
-            <a:t>     Gold ETF</a:t>
+            <a:t>     Gold ETF (WARP)</a:t>
           </a:r>
         </a:p>
       </dgm:t>
@@ -2970,7 +2971,7 @@
           </a:r>
           <a:r>
             <a:rPr lang="en-US" sz="4200" kern="1200" dirty="0"/>
-            <a:t>      20+ Year Treasury bond ETF</a:t>
+            <a:t>      20+ Year Treasury bond ETF (WARP)</a:t>
           </a:r>
         </a:p>
       </dsp:txBody>
@@ -3069,7 +3070,7 @@
           </a:pPr>
           <a:r>
             <a:rPr lang="en-US" sz="4200" kern="1200" dirty="0"/>
-            <a:t>shy    1-3 Year Treasury bond ETF</a:t>
+            <a:t>shy    1-3 Year Treasury bond ETF (Sharpe)</a:t>
           </a:r>
         </a:p>
       </dsp:txBody>
@@ -3172,7 +3173,7 @@
           </a:r>
           <a:r>
             <a:rPr lang="en-US" sz="4200" kern="1200" dirty="0"/>
-            <a:t>     Gold ETF</a:t>
+            <a:t>     Gold ETF (WARP)</a:t>
           </a:r>
         </a:p>
       </dsp:txBody>
@@ -5734,7 +5735,7 @@
           <a:p>
             <a:fld id="{D5631127-A76B-4A35-A5FD-59E27004ABB4}" type="datetimeFigureOut">
               <a:rPr lang="en-US" smtClean="0"/>
-              <a:t>8/20/2021</a:t>
+              <a:t>8/22/2021</a:t>
             </a:fld>
             <a:endParaRPr lang="en-US"/>
           </a:p>
@@ -5932,7 +5933,7 @@
           <a:p>
             <a:fld id="{D5631127-A76B-4A35-A5FD-59E27004ABB4}" type="datetimeFigureOut">
               <a:rPr lang="en-US" smtClean="0"/>
-              <a:t>8/20/2021</a:t>
+              <a:t>8/22/2021</a:t>
             </a:fld>
             <a:endParaRPr lang="en-US"/>
           </a:p>
@@ -6140,7 +6141,7 @@
           <a:p>
             <a:fld id="{D5631127-A76B-4A35-A5FD-59E27004ABB4}" type="datetimeFigureOut">
               <a:rPr lang="en-US" smtClean="0"/>
-              <a:t>8/20/2021</a:t>
+              <a:t>8/22/2021</a:t>
             </a:fld>
             <a:endParaRPr lang="en-US"/>
           </a:p>
@@ -6338,7 +6339,7 @@
           <a:p>
             <a:fld id="{D5631127-A76B-4A35-A5FD-59E27004ABB4}" type="datetimeFigureOut">
               <a:rPr lang="en-US" smtClean="0"/>
-              <a:t>8/20/2021</a:t>
+              <a:t>8/22/2021</a:t>
             </a:fld>
             <a:endParaRPr lang="en-US"/>
           </a:p>
@@ -6613,7 +6614,7 @@
           <a:p>
             <a:fld id="{D5631127-A76B-4A35-A5FD-59E27004ABB4}" type="datetimeFigureOut">
               <a:rPr lang="en-US" smtClean="0"/>
-              <a:t>8/20/2021</a:t>
+              <a:t>8/22/2021</a:t>
             </a:fld>
             <a:endParaRPr lang="en-US"/>
           </a:p>
@@ -6878,7 +6879,7 @@
           <a:p>
             <a:fld id="{D5631127-A76B-4A35-A5FD-59E27004ABB4}" type="datetimeFigureOut">
               <a:rPr lang="en-US" smtClean="0"/>
-              <a:t>8/20/2021</a:t>
+              <a:t>8/22/2021</a:t>
             </a:fld>
             <a:endParaRPr lang="en-US"/>
           </a:p>
@@ -7290,7 +7291,7 @@
           <a:p>
             <a:fld id="{D5631127-A76B-4A35-A5FD-59E27004ABB4}" type="datetimeFigureOut">
               <a:rPr lang="en-US" smtClean="0"/>
-              <a:t>8/20/2021</a:t>
+              <a:t>8/22/2021</a:t>
             </a:fld>
             <a:endParaRPr lang="en-US"/>
           </a:p>
@@ -7431,7 +7432,7 @@
           <a:p>
             <a:fld id="{D5631127-A76B-4A35-A5FD-59E27004ABB4}" type="datetimeFigureOut">
               <a:rPr lang="en-US" smtClean="0"/>
-              <a:t>8/20/2021</a:t>
+              <a:t>8/22/2021</a:t>
             </a:fld>
             <a:endParaRPr lang="en-US"/>
           </a:p>
@@ -7544,7 +7545,7 @@
           <a:p>
             <a:fld id="{D5631127-A76B-4A35-A5FD-59E27004ABB4}" type="datetimeFigureOut">
               <a:rPr lang="en-US" smtClean="0"/>
-              <a:t>8/20/2021</a:t>
+              <a:t>8/22/2021</a:t>
             </a:fld>
             <a:endParaRPr lang="en-US"/>
           </a:p>
@@ -7855,7 +7856,7 @@
           <a:p>
             <a:fld id="{D5631127-A76B-4A35-A5FD-59E27004ABB4}" type="datetimeFigureOut">
               <a:rPr lang="en-US" smtClean="0"/>
-              <a:t>8/20/2021</a:t>
+              <a:t>8/22/2021</a:t>
             </a:fld>
             <a:endParaRPr lang="en-US"/>
           </a:p>
@@ -8143,7 +8144,7 @@
           <a:p>
             <a:fld id="{D5631127-A76B-4A35-A5FD-59E27004ABB4}" type="datetimeFigureOut">
               <a:rPr lang="en-US" smtClean="0"/>
-              <a:t>8/20/2021</a:t>
+              <a:t>8/22/2021</a:t>
             </a:fld>
             <a:endParaRPr lang="en-US"/>
           </a:p>
@@ -8384,7 +8385,7 @@
           <a:p>
             <a:fld id="{D5631127-A76B-4A35-A5FD-59E27004ABB4}" type="datetimeFigureOut">
               <a:rPr lang="en-US" smtClean="0"/>
-              <a:t>8/20/2021</a:t>
+              <a:t>8/22/2021</a:t>
             </a:fld>
             <a:endParaRPr lang="en-US"/>
           </a:p>
@@ -9706,6 +9707,430 @@
       </p:grpSpPr>
       <p:sp useBgFill="1">
         <p:nvSpPr>
+          <p:cNvPr id="10" name="Rectangle 9">
+            <a:extLst>
+              <a:ext uri="{FF2B5EF4-FFF2-40B4-BE49-F238E27FC236}">
+                <a16:creationId xmlns:a16="http://schemas.microsoft.com/office/drawing/2014/main" id="{AB8C311F-7253-4AED-9701-7FC0708C41C7}"/>
+              </a:ext>
+              <a:ext uri="{C183D7F6-B498-43B3-948B-1728B52AA6E4}">
+                <adec:decorative xmlns:adec="http://schemas.microsoft.com/office/drawing/2017/decorative" val="1"/>
+              </a:ext>
+            </a:extLst>
+          </p:cNvPr>
+          <p:cNvSpPr>
+            <a:spLocks noGrp="1" noRot="1" noChangeAspect="1" noMove="1" noResize="1" noEditPoints="1" noAdjustHandles="1" noChangeArrowheads="1" noChangeShapeType="1" noTextEdit="1"/>
+          </p:cNvSpPr>
+          <p:nvPr>
+            <p:extLst>
+              <p:ext uri="{386F3935-93C4-4BCD-93E2-E3B085C9AB24}">
+                <p16:designElem xmlns:p16="http://schemas.microsoft.com/office/powerpoint/2015/main" val="1"/>
+              </p:ext>
+            </p:extLst>
+          </p:nvPr>
+        </p:nvSpPr>
+        <p:spPr>
+          <a:xfrm>
+            <a:off x="0" y="0"/>
+            <a:ext cx="12192000" cy="6858000"/>
+          </a:xfrm>
+          <a:prstGeom prst="rect">
+            <a:avLst/>
+          </a:prstGeom>
+          <a:ln w="12700" cap="flat" cmpd="sng" algn="ctr">
+            <a:noFill/>
+            <a:prstDash val="solid"/>
+            <a:miter lim="800000"/>
+          </a:ln>
+          <a:effectLst/>
+          <a:extLst>
+            <a:ext uri="{91240B29-F687-4F45-9708-019B960494DF}">
+              <a14:hiddenLine xmlns:a14="http://schemas.microsoft.com/office/drawing/2010/main" w="12700" cap="flat" cmpd="sng" algn="ctr">
+                <a:solidFill>
+                  <a:schemeClr val="accent1">
+                    <a:shade val="50000"/>
+                  </a:schemeClr>
+                </a:solidFill>
+                <a:prstDash val="solid"/>
+                <a:miter lim="800000"/>
+              </a14:hiddenLine>
+            </a:ext>
+          </a:extLst>
+        </p:spPr>
+        <p:style>
+          <a:lnRef idx="2">
+            <a:schemeClr val="accent1">
+              <a:shade val="50000"/>
+            </a:schemeClr>
+          </a:lnRef>
+          <a:fillRef idx="1">
+            <a:schemeClr val="accent1"/>
+          </a:fillRef>
+          <a:effectRef idx="0">
+            <a:schemeClr val="accent1"/>
+          </a:effectRef>
+          <a:fontRef idx="minor">
+            <a:schemeClr val="lt1"/>
+          </a:fontRef>
+        </p:style>
+        <p:txBody>
+          <a:bodyPr rtlCol="0" anchor="ctr"/>
+          <a:lstStyle/>
+          <a:p>
+            <a:pPr algn="ctr"/>
+            <a:endParaRPr lang="en-US"/>
+          </a:p>
+        </p:txBody>
+      </p:sp>
+      <p:sp>
+        <p:nvSpPr>
+          <p:cNvPr id="12" name="Rectangle 11">
+            <a:extLst>
+              <a:ext uri="{FF2B5EF4-FFF2-40B4-BE49-F238E27FC236}">
+                <a16:creationId xmlns:a16="http://schemas.microsoft.com/office/drawing/2014/main" id="{E2384209-CB15-4CDF-9D31-C44FD9A3F20D}"/>
+              </a:ext>
+              <a:ext uri="{C183D7F6-B498-43B3-948B-1728B52AA6E4}">
+                <adec:decorative xmlns:adec="http://schemas.microsoft.com/office/drawing/2017/decorative" val="1"/>
+              </a:ext>
+            </a:extLst>
+          </p:cNvPr>
+          <p:cNvSpPr>
+            <a:spLocks noGrp="1" noRot="1" noChangeAspect="1" noMove="1" noResize="1" noEditPoints="1" noAdjustHandles="1" noChangeArrowheads="1" noChangeShapeType="1" noTextEdit="1"/>
+          </p:cNvSpPr>
+          <p:nvPr>
+            <p:extLst>
+              <p:ext uri="{386F3935-93C4-4BCD-93E2-E3B085C9AB24}">
+                <p16:designElem xmlns:p16="http://schemas.microsoft.com/office/powerpoint/2015/main" val="1"/>
+              </p:ext>
+            </p:extLst>
+          </p:nvPr>
+        </p:nvSpPr>
+        <p:spPr>
+          <a:xfrm rot="16200000" flipH="1">
+            <a:off x="2666617" y="-2666188"/>
+            <a:ext cx="6858000" cy="12191233"/>
+          </a:xfrm>
+          <a:prstGeom prst="rect">
+            <a:avLst/>
+          </a:prstGeom>
+          <a:gradFill>
+            <a:gsLst>
+              <a:gs pos="8000">
+                <a:schemeClr val="accent1"/>
+              </a:gs>
+              <a:gs pos="100000">
+                <a:schemeClr val="accent1">
+                  <a:lumMod val="50000"/>
+                </a:schemeClr>
+              </a:gs>
+            </a:gsLst>
+            <a:lin ang="12000000" scaled="0"/>
+          </a:gradFill>
+          <a:ln>
+            <a:noFill/>
+          </a:ln>
+        </p:spPr>
+        <p:style>
+          <a:lnRef idx="2">
+            <a:schemeClr val="accent1">
+              <a:shade val="50000"/>
+            </a:schemeClr>
+          </a:lnRef>
+          <a:fillRef idx="1">
+            <a:schemeClr val="accent1"/>
+          </a:fillRef>
+          <a:effectRef idx="0">
+            <a:schemeClr val="accent1"/>
+          </a:effectRef>
+          <a:fontRef idx="minor">
+            <a:schemeClr val="lt1"/>
+          </a:fontRef>
+        </p:style>
+        <p:txBody>
+          <a:bodyPr rtlCol="0" anchor="ctr"/>
+          <a:lstStyle/>
+          <a:p>
+            <a:pPr algn="ctr"/>
+            <a:endParaRPr lang="en-US"/>
+          </a:p>
+        </p:txBody>
+      </p:sp>
+      <p:sp>
+        <p:nvSpPr>
+          <p:cNvPr id="14" name="Rectangle 13">
+            <a:extLst>
+              <a:ext uri="{FF2B5EF4-FFF2-40B4-BE49-F238E27FC236}">
+                <a16:creationId xmlns:a16="http://schemas.microsoft.com/office/drawing/2014/main" id="{2633B3B5-CC90-43F0-8714-D31D1F3F0209}"/>
+              </a:ext>
+              <a:ext uri="{C183D7F6-B498-43B3-948B-1728B52AA6E4}">
+                <adec:decorative xmlns:adec="http://schemas.microsoft.com/office/drawing/2017/decorative" val="1"/>
+              </a:ext>
+            </a:extLst>
+          </p:cNvPr>
+          <p:cNvSpPr>
+            <a:spLocks noGrp="1" noRot="1" noChangeAspect="1" noMove="1" noResize="1" noEditPoints="1" noAdjustHandles="1" noChangeArrowheads="1" noChangeShapeType="1" noTextEdit="1"/>
+          </p:cNvSpPr>
+          <p:nvPr>
+            <p:extLst>
+              <p:ext uri="{386F3935-93C4-4BCD-93E2-E3B085C9AB24}">
+                <p16:designElem xmlns:p16="http://schemas.microsoft.com/office/powerpoint/2015/main" val="1"/>
+              </p:ext>
+            </p:extLst>
+          </p:nvPr>
+        </p:nvSpPr>
+        <p:spPr>
+          <a:xfrm rot="10800000" flipH="1">
+            <a:off x="-2311" y="0"/>
+            <a:ext cx="9070846" cy="6857572"/>
+          </a:xfrm>
+          <a:prstGeom prst="rect">
+            <a:avLst/>
+          </a:prstGeom>
+          <a:gradFill>
+            <a:gsLst>
+              <a:gs pos="8000">
+                <a:srgbClr val="000000">
+                  <a:alpha val="52000"/>
+                </a:srgbClr>
+              </a:gs>
+              <a:gs pos="100000">
+                <a:schemeClr val="accent1"/>
+              </a:gs>
+            </a:gsLst>
+            <a:lin ang="4800000" scaled="0"/>
+          </a:gradFill>
+          <a:ln>
+            <a:noFill/>
+          </a:ln>
+        </p:spPr>
+        <p:style>
+          <a:lnRef idx="2">
+            <a:schemeClr val="accent1">
+              <a:shade val="50000"/>
+            </a:schemeClr>
+          </a:lnRef>
+          <a:fillRef idx="1">
+            <a:schemeClr val="accent1"/>
+          </a:fillRef>
+          <a:effectRef idx="0">
+            <a:schemeClr val="accent1"/>
+          </a:effectRef>
+          <a:fontRef idx="minor">
+            <a:schemeClr val="lt1"/>
+          </a:fontRef>
+        </p:style>
+        <p:txBody>
+          <a:bodyPr rtlCol="0" anchor="ctr"/>
+          <a:lstStyle/>
+          <a:p>
+            <a:pPr algn="ctr"/>
+            <a:endParaRPr lang="en-US"/>
+          </a:p>
+        </p:txBody>
+      </p:sp>
+      <p:sp>
+        <p:nvSpPr>
+          <p:cNvPr id="16" name="Rectangle 15">
+            <a:extLst>
+              <a:ext uri="{FF2B5EF4-FFF2-40B4-BE49-F238E27FC236}">
+                <a16:creationId xmlns:a16="http://schemas.microsoft.com/office/drawing/2014/main" id="{A8D57A06-A426-446D-B02C-A2DC6B62E45E}"/>
+              </a:ext>
+              <a:ext uri="{C183D7F6-B498-43B3-948B-1728B52AA6E4}">
+                <adec:decorative xmlns:adec="http://schemas.microsoft.com/office/drawing/2017/decorative" val="1"/>
+              </a:ext>
+            </a:extLst>
+          </p:cNvPr>
+          <p:cNvSpPr>
+            <a:spLocks noGrp="1" noRot="1" noChangeAspect="1" noMove="1" noResize="1" noEditPoints="1" noAdjustHandles="1" noChangeArrowheads="1" noChangeShapeType="1" noTextEdit="1"/>
+          </p:cNvSpPr>
+          <p:nvPr>
+            <p:extLst>
+              <p:ext uri="{386F3935-93C4-4BCD-93E2-E3B085C9AB24}">
+                <p16:designElem xmlns:p16="http://schemas.microsoft.com/office/powerpoint/2015/main" val="1"/>
+              </p:ext>
+            </p:extLst>
+          </p:nvPr>
+        </p:nvSpPr>
+        <p:spPr>
+          <a:xfrm rot="16200000" flipH="1">
+            <a:off x="3649491" y="-1685840"/>
+            <a:ext cx="4894564" cy="12193546"/>
+          </a:xfrm>
+          <a:prstGeom prst="rect">
+            <a:avLst/>
+          </a:prstGeom>
+          <a:gradFill>
+            <a:gsLst>
+              <a:gs pos="0">
+                <a:schemeClr val="accent5">
+                  <a:lumMod val="60000"/>
+                  <a:lumOff val="40000"/>
+                  <a:alpha val="0"/>
+                </a:schemeClr>
+              </a:gs>
+              <a:gs pos="100000">
+                <a:srgbClr val="000000">
+                  <a:alpha val="46000"/>
+                </a:srgbClr>
+              </a:gs>
+            </a:gsLst>
+            <a:lin ang="1200000" scaled="0"/>
+          </a:gradFill>
+          <a:ln>
+            <a:noFill/>
+          </a:ln>
+        </p:spPr>
+        <p:style>
+          <a:lnRef idx="2">
+            <a:schemeClr val="accent1">
+              <a:shade val="50000"/>
+            </a:schemeClr>
+          </a:lnRef>
+          <a:fillRef idx="1">
+            <a:schemeClr val="accent1"/>
+          </a:fillRef>
+          <a:effectRef idx="0">
+            <a:schemeClr val="accent1"/>
+          </a:effectRef>
+          <a:fontRef idx="minor">
+            <a:schemeClr val="lt1"/>
+          </a:fontRef>
+        </p:style>
+        <p:txBody>
+          <a:bodyPr rtlCol="0" anchor="ctr"/>
+          <a:lstStyle/>
+          <a:p>
+            <a:pPr algn="ctr"/>
+            <a:endParaRPr lang="en-US"/>
+          </a:p>
+        </p:txBody>
+      </p:sp>
+      <p:pic>
+        <p:nvPicPr>
+          <p:cNvPr id="3" name="Picture 2" descr="Chart&#10;&#10;Description automatically generated">
+            <a:extLst>
+              <a:ext uri="{FF2B5EF4-FFF2-40B4-BE49-F238E27FC236}">
+                <a16:creationId xmlns:a16="http://schemas.microsoft.com/office/drawing/2014/main" id="{8F7F74C1-635B-4556-B03A-F48C00F114F2}"/>
+              </a:ext>
+            </a:extLst>
+          </p:cNvPr>
+          <p:cNvPicPr>
+            <a:picLocks noChangeAspect="1"/>
+          </p:cNvPicPr>
+          <p:nvPr/>
+        </p:nvPicPr>
+        <p:blipFill>
+          <a:blip r:embed="rId2">
+            <a:extLst>
+              <a:ext uri="{28A0092B-C50C-407E-A947-70E740481C1C}">
+                <a14:useLocalDpi xmlns:a14="http://schemas.microsoft.com/office/drawing/2010/main" val="0"/>
+              </a:ext>
+            </a:extLst>
+          </a:blip>
+          <a:stretch>
+            <a:fillRect/>
+          </a:stretch>
+        </p:blipFill>
+        <p:spPr>
+          <a:xfrm>
+            <a:off x="406876" y="676432"/>
+            <a:ext cx="10607241" cy="5654719"/>
+          </a:xfrm>
+          <a:prstGeom prst="rect">
+            <a:avLst/>
+          </a:prstGeom>
+        </p:spPr>
+      </p:pic>
+      <p:sp>
+        <p:nvSpPr>
+          <p:cNvPr id="7" name="TextBox 6">
+            <a:extLst>
+              <a:ext uri="{FF2B5EF4-FFF2-40B4-BE49-F238E27FC236}">
+                <a16:creationId xmlns:a16="http://schemas.microsoft.com/office/drawing/2014/main" id="{0FC29528-E595-4DB8-84D7-1B26B4D6E593}"/>
+              </a:ext>
+            </a:extLst>
+          </p:cNvPr>
+          <p:cNvSpPr txBox="1"/>
+          <p:nvPr/>
+        </p:nvSpPr>
+        <p:spPr>
+          <a:xfrm>
+            <a:off x="7778399" y="3392477"/>
+            <a:ext cx="3157086" cy="2031325"/>
+          </a:xfrm>
+          <a:prstGeom prst="rect">
+            <a:avLst/>
+          </a:prstGeom>
+          <a:noFill/>
+        </p:spPr>
+        <p:txBody>
+          <a:bodyPr wrap="square" rtlCol="0">
+            <a:spAutoFit/>
+          </a:bodyPr>
+          <a:lstStyle/>
+          <a:p>
+            <a:r>
+              <a:rPr lang="en-US" dirty="0"/>
+              <a:t>portfolio with </a:t>
+            </a:r>
+            <a:r>
+              <a:rPr lang="en-US" dirty="0" err="1"/>
+              <a:t>tlt</a:t>
+            </a:r>
+            <a:r>
+              <a:rPr lang="en-US" dirty="0"/>
+              <a:t> (WARP) and </a:t>
+            </a:r>
+            <a:r>
+              <a:rPr lang="en-US" dirty="0" err="1"/>
+              <a:t>gld</a:t>
+            </a:r>
+            <a:r>
+              <a:rPr lang="en-US" dirty="0"/>
+              <a:t> (WARP) as the diversifier performs better than the market and provide more downside protection and better recovery in the Pandemic than the portfolio with shy (Sharpe)</a:t>
+            </a:r>
+          </a:p>
+        </p:txBody>
+      </p:sp>
+    </p:spTree>
+    <p:extLst>
+      <p:ext uri="{BB962C8B-B14F-4D97-AF65-F5344CB8AC3E}">
+        <p14:creationId xmlns:p14="http://schemas.microsoft.com/office/powerpoint/2010/main" val="761059145"/>
+      </p:ext>
+    </p:extLst>
+  </p:cSld>
+  <p:clrMapOvr>
+    <a:masterClrMapping/>
+  </p:clrMapOvr>
+</p:sld>
+</file>
+
+<file path=ppt/slides/slide11.xml><?xml version="1.0" encoding="utf-8"?>
+<p:sld xmlns:a="http://schemas.openxmlformats.org/drawingml/2006/main" xmlns:r="http://schemas.openxmlformats.org/officeDocument/2006/relationships" xmlns:p="http://schemas.openxmlformats.org/presentationml/2006/main">
+  <p:cSld>
+    <p:bg>
+      <p:bgPr>
+        <a:solidFill>
+          <a:schemeClr val="bg1"/>
+        </a:solidFill>
+        <a:effectLst/>
+      </p:bgPr>
+    </p:bg>
+    <p:spTree>
+      <p:nvGrpSpPr>
+        <p:cNvPr id="1" name=""/>
+        <p:cNvGrpSpPr/>
+        <p:nvPr/>
+      </p:nvGrpSpPr>
+      <p:grpSpPr>
+        <a:xfrm>
+          <a:off x="0" y="0"/>
+          <a:ext cx="0" cy="0"/>
+          <a:chOff x="0" y="0"/>
+          <a:chExt cx="0" cy="0"/>
+        </a:xfrm>
+      </p:grpSpPr>
+      <p:sp useBgFill="1">
+        <p:nvSpPr>
           <p:cNvPr id="14" name="Rectangle 13">
             <a:extLst>
               <a:ext uri="{FF2B5EF4-FFF2-40B4-BE49-F238E27FC236}">
@@ -13000,10 +13425,6 @@
           <a:lstStyle/>
           <a:p>
             <a:r>
-              <a:rPr lang="en-US" sz="3200" dirty="0"/>
-              <a:t>Portfolio</a:t>
-            </a:r>
-            <a:r>
               <a:rPr lang="en-US" sz="3200" dirty="0">
                 <a:solidFill>
                   <a:schemeClr val="bg1"/>
@@ -13014,6 +13435,14 @@
             <a:r>
               <a:rPr lang="en-US" sz="3200" dirty="0"/>
               <a:t>consisting of 20% </a:t>
+            </a:r>
+            <a:r>
+              <a:rPr lang="en-US" sz="3200" dirty="0" err="1"/>
+              <a:t>tlt</a:t>
+            </a:r>
+            <a:r>
+              <a:rPr lang="en-US" sz="3200" dirty="0"/>
+              <a:t> (best diversifier </a:t>
             </a:r>
           </a:p>
           <a:p>
@@ -13052,8 +13481,8 @@
         </p:nvSpPr>
         <p:spPr>
           <a:xfrm>
-            <a:off x="2084225" y="141007"/>
-            <a:ext cx="7869925" cy="1569660"/>
+            <a:off x="602345" y="132416"/>
+            <a:ext cx="8741367" cy="1569660"/>
           </a:xfrm>
           <a:prstGeom prst="rect">
             <a:avLst/>
@@ -13072,25 +13501,17 @@
                   <a:schemeClr val="bg1"/>
                 </a:solidFill>
               </a:rPr>
-              <a:t>Forecasting of</a:t>
+              <a:t> Forecasting of portfolio</a:t>
             </a:r>
           </a:p>
           <a:p>
-            <a:r>
-              <a:rPr lang="en-US" sz="3200" dirty="0" err="1">
-                <a:solidFill>
-                  <a:schemeClr val="bg1"/>
-                </a:solidFill>
-              </a:rPr>
-              <a:t>tlt</a:t>
-            </a:r>
             <a:r>
               <a:rPr lang="en-US" sz="3200" dirty="0">
                 <a:solidFill>
                   <a:schemeClr val="bg1"/>
                 </a:solidFill>
               </a:rPr>
-              <a:t> (diversifier) </a:t>
+              <a:t>from historical analysis) </a:t>
             </a:r>
           </a:p>
           <a:p>
@@ -13100,7 +13521,7 @@
                   <a:schemeClr val="bg1"/>
                 </a:solidFill>
               </a:rPr>
-              <a:t>              using</a:t>
+              <a:t>                                using</a:t>
             </a:r>
           </a:p>
         </p:txBody>
@@ -13154,7 +13575,7 @@
 </p:sld>
 </file>
 
-<file path=ppt/slides/slide11.xml><?xml version="1.0" encoding="utf-8"?>
+<file path=ppt/slides/slide12.xml><?xml version="1.0" encoding="utf-8"?>
 <p:sld xmlns:a="http://schemas.openxmlformats.org/drawingml/2006/main" xmlns:r="http://schemas.openxmlformats.org/officeDocument/2006/relationships" xmlns:p="http://schemas.openxmlformats.org/presentationml/2006/main">
   <p:cSld>
     <p:bg>
@@ -13682,7 +14103,7 @@
 </p:sld>
 </file>
 
-<file path=ppt/slides/slide12.xml><?xml version="1.0" encoding="utf-8"?>
+<file path=ppt/slides/slide13.xml><?xml version="1.0" encoding="utf-8"?>
 <p:sld xmlns:a="http://schemas.openxmlformats.org/drawingml/2006/main" xmlns:r="http://schemas.openxmlformats.org/officeDocument/2006/relationships" xmlns:p="http://schemas.openxmlformats.org/presentationml/2006/main">
   <p:cSld>
     <p:bg>
@@ -13920,7 +14341,7 @@
 </p:sld>
 </file>
 
-<file path=ppt/slides/slide13.xml><?xml version="1.0" encoding="utf-8"?>
+<file path=ppt/slides/slide14.xml><?xml version="1.0" encoding="utf-8"?>
 <p:sld xmlns:a="http://schemas.openxmlformats.org/drawingml/2006/main" xmlns:r="http://schemas.openxmlformats.org/officeDocument/2006/relationships" xmlns:p="http://schemas.openxmlformats.org/presentationml/2006/main">
   <p:cSld>
     <p:bg>
@@ -14296,7 +14717,7 @@
 </p:sld>
 </file>
 
-<file path=ppt/slides/slide14.xml><?xml version="1.0" encoding="utf-8"?>
+<file path=ppt/slides/slide15.xml><?xml version="1.0" encoding="utf-8"?>
 <p:sld xmlns:a="http://schemas.openxmlformats.org/drawingml/2006/main" xmlns:r="http://schemas.openxmlformats.org/officeDocument/2006/relationships" xmlns:p="http://schemas.openxmlformats.org/presentationml/2006/main">
   <p:cSld>
     <p:bg>
@@ -14708,7 +15129,7 @@
 </p:sld>
 </file>
 
-<file path=ppt/slides/slide15.xml><?xml version="1.0" encoding="utf-8"?>
+<file path=ppt/slides/slide16.xml><?xml version="1.0" encoding="utf-8"?>
 <p:sld xmlns:a="http://schemas.openxmlformats.org/drawingml/2006/main" xmlns:r="http://schemas.openxmlformats.org/officeDocument/2006/relationships" xmlns:p="http://schemas.openxmlformats.org/presentationml/2006/main">
   <p:cSld>
     <p:bg>
@@ -17436,7 +17857,7 @@
 </p:sld>
 </file>
 
-<file path=ppt/slides/slide16.xml><?xml version="1.0" encoding="utf-8"?>
+<file path=ppt/slides/slide17.xml><?xml version="1.0" encoding="utf-8"?>
 <p:sld xmlns:a="http://schemas.openxmlformats.org/drawingml/2006/main" xmlns:r="http://schemas.openxmlformats.org/officeDocument/2006/relationships" xmlns:p="http://schemas.openxmlformats.org/presentationml/2006/main">
   <p:cSld>
     <p:bg>
@@ -17817,13 +18238,13 @@
         </p:nvSpPr>
         <p:spPr>
           <a:xfrm>
-            <a:off x="696528" y="1253117"/>
-            <a:ext cx="10515600" cy="4351338"/>
+            <a:off x="696527" y="1023688"/>
+            <a:ext cx="11152171" cy="5319360"/>
           </a:xfrm>
         </p:spPr>
         <p:txBody>
           <a:bodyPr>
-            <a:normAutofit/>
+            <a:normAutofit fontScale="92500" lnSpcReduction="10000"/>
           </a:bodyPr>
           <a:lstStyle/>
           <a:p>
@@ -17832,6 +18253,8 @@
                 <a:solidFill>
                   <a:schemeClr val="bg1"/>
                 </a:solidFill>
+                <a:latin typeface="Calibri" panose="020F0502020204030204" pitchFamily="34" charset="0"/>
+                <a:cs typeface="Calibri" panose="020F0502020204030204" pitchFamily="34" charset="0"/>
               </a:rPr>
               <a:t>tlt</a:t>
             </a:r>
@@ -17840,9 +18263,53 @@
                 <a:solidFill>
                   <a:schemeClr val="bg1"/>
                 </a:solidFill>
+                <a:latin typeface="Calibri" panose="020F0502020204030204" pitchFamily="34" charset="0"/>
+                <a:cs typeface="Calibri" panose="020F0502020204030204" pitchFamily="34" charset="0"/>
               </a:rPr>
-              <a:t> is the best diversifier</a:t>
+              <a:t> is the best diversifier out of the list of known diversifiers</a:t>
             </a:r>
+          </a:p>
+          <a:p>
+            <a:r>
+              <a:rPr lang="en-US" b="0" dirty="0">
+                <a:solidFill>
+                  <a:schemeClr val="bg1"/>
+                </a:solidFill>
+                <a:effectLst/>
+                <a:latin typeface="Calibri" panose="020F0502020204030204" pitchFamily="34" charset="0"/>
+                <a:cs typeface="Calibri" panose="020F0502020204030204" pitchFamily="34" charset="0"/>
+              </a:rPr>
+              <a:t>portfolio mixing 20% </a:t>
+            </a:r>
+            <a:r>
+              <a:rPr lang="en-US" b="0" dirty="0" err="1">
+                <a:solidFill>
+                  <a:schemeClr val="bg1"/>
+                </a:solidFill>
+                <a:effectLst/>
+                <a:latin typeface="Calibri" panose="020F0502020204030204" pitchFamily="34" charset="0"/>
+                <a:cs typeface="Calibri" panose="020F0502020204030204" pitchFamily="34" charset="0"/>
+              </a:rPr>
+              <a:t>tlt</a:t>
+            </a:r>
+            <a:r>
+              <a:rPr lang="en-US" b="0" dirty="0">
+                <a:solidFill>
+                  <a:schemeClr val="bg1"/>
+                </a:solidFill>
+                <a:effectLst/>
+                <a:latin typeface="Calibri" panose="020F0502020204030204" pitchFamily="34" charset="0"/>
+                <a:cs typeface="Calibri" panose="020F0502020204030204" pitchFamily="34" charset="0"/>
+              </a:rPr>
+              <a:t> (picked based on WARP) with 80% spy performs better  than portfolio mixing 20% shy (picked based on Sharpe) with 80% spy</a:t>
+            </a:r>
+            <a:endParaRPr lang="en-US" dirty="0">
+              <a:solidFill>
+                <a:schemeClr val="bg1"/>
+              </a:solidFill>
+              <a:latin typeface="Calibri" panose="020F0502020204030204" pitchFamily="34" charset="0"/>
+              <a:cs typeface="Calibri" panose="020F0502020204030204" pitchFamily="34" charset="0"/>
+            </a:endParaRPr>
           </a:p>
           <a:p>
             <a:r>
@@ -17850,6 +18317,8 @@
                 <a:solidFill>
                   <a:schemeClr val="bg1"/>
                 </a:solidFill>
+                <a:latin typeface="Calibri" panose="020F0502020204030204" pitchFamily="34" charset="0"/>
+                <a:cs typeface="Calibri" panose="020F0502020204030204" pitchFamily="34" charset="0"/>
               </a:rPr>
               <a:t>WARP allows us to easily identify a good diversifier and does not suffer from some of the flaws of common ratios such as Sharpe</a:t>
             </a:r>
@@ -17860,9 +18329,57 @@
                 <a:solidFill>
                   <a:schemeClr val="bg1"/>
                 </a:solidFill>
+                <a:latin typeface="Calibri" panose="020F0502020204030204" pitchFamily="34" charset="0"/>
+                <a:cs typeface="Calibri" panose="020F0502020204030204" pitchFamily="34" charset="0"/>
               </a:rPr>
-              <a:t>Diversifier identified by WARP allows us to perform better than the market in both the bull and bear periods.</a:t>
+              <a:t>Diversifier identified by WARP allows us to perform better than the market and the diversifiers identified using other ratios (such as Sharpe, etc.) in both the bull and bear periods.</a:t>
             </a:r>
+          </a:p>
+          <a:p>
+            <a:r>
+              <a:rPr lang="en-US" b="0" dirty="0">
+                <a:solidFill>
+                  <a:schemeClr val="bg1"/>
+                </a:solidFill>
+                <a:effectLst/>
+                <a:latin typeface="Calibri" panose="020F0502020204030204" pitchFamily="34" charset="0"/>
+                <a:cs typeface="Calibri" panose="020F0502020204030204" pitchFamily="34" charset="0"/>
+              </a:rPr>
+              <a:t>Sharpe is not a good way to identify tickers for diversification.</a:t>
+            </a:r>
+          </a:p>
+          <a:p>
+            <a:r>
+              <a:rPr lang="en-US" b="0" dirty="0">
+                <a:solidFill>
+                  <a:schemeClr val="bg1"/>
+                </a:solidFill>
+                <a:effectLst/>
+                <a:latin typeface="Calibri" panose="020F0502020204030204" pitchFamily="34" charset="0"/>
+                <a:cs typeface="Calibri" panose="020F0502020204030204" pitchFamily="34" charset="0"/>
+              </a:rPr>
+              <a:t>Buena Vista Park and Clarendon Heights in San Francisco are ideal initial neighborhoods to target customers for this application.</a:t>
+            </a:r>
+          </a:p>
+          <a:p>
+            <a:r>
+              <a:rPr lang="en-US" b="0" dirty="0">
+                <a:solidFill>
+                  <a:schemeClr val="bg1"/>
+                </a:solidFill>
+                <a:effectLst/>
+                <a:latin typeface="Calibri" panose="020F0502020204030204" pitchFamily="34" charset="0"/>
+                <a:cs typeface="Calibri" panose="020F0502020204030204" pitchFamily="34" charset="0"/>
+              </a:rPr>
+              <a:t>Questionary and Dash provide a seamless UI/Front end experience for  customers to easily navigate through their diversification requirements and provide a guided experience with recommendations.</a:t>
+            </a:r>
+          </a:p>
+          <a:p>
+            <a:endParaRPr lang="en-US" dirty="0">
+              <a:solidFill>
+                <a:schemeClr val="bg1"/>
+              </a:solidFill>
+            </a:endParaRPr>
           </a:p>
         </p:txBody>
       </p:sp>
@@ -17879,7 +18396,7 @@
 </p:sld>
 </file>
 
-<file path=ppt/slides/slide17.xml><?xml version="1.0" encoding="utf-8"?>
+<file path=ppt/slides/slide18.xml><?xml version="1.0" encoding="utf-8"?>
 <p:sld xmlns:a="http://schemas.openxmlformats.org/drawingml/2006/main" xmlns:r="http://schemas.openxmlformats.org/officeDocument/2006/relationships" xmlns:p="http://schemas.openxmlformats.org/presentationml/2006/main">
   <p:cSld>
     <p:bg>
@@ -18217,8 +18734,8 @@
         </p:nvSpPr>
         <p:spPr>
           <a:xfrm>
-            <a:off x="696528" y="158115"/>
-            <a:ext cx="5958038" cy="707886"/>
+            <a:off x="340392" y="200598"/>
+            <a:ext cx="7600449" cy="707886"/>
           </a:xfrm>
           <a:prstGeom prst="rect">
             <a:avLst/>
@@ -18237,7 +18754,7 @@
                   <a:schemeClr val="bg1"/>
                 </a:solidFill>
               </a:rPr>
-              <a:t>Future Enhancements</a:t>
+              <a:t>Future Enhancements/Next Steps</a:t>
             </a:r>
           </a:p>
         </p:txBody>
@@ -18394,7 +18911,7 @@
 </p:sld>
 </file>
 
-<file path=ppt/slides/slide18.xml><?xml version="1.0" encoding="utf-8"?>
+<file path=ppt/slides/slide19.xml><?xml version="1.0" encoding="utf-8"?>
 <p:sld xmlns:a="http://schemas.openxmlformats.org/drawingml/2006/main" xmlns:r="http://schemas.openxmlformats.org/officeDocument/2006/relationships" xmlns:p="http://schemas.openxmlformats.org/presentationml/2006/main">
   <p:cSld>
     <p:bg>
@@ -18770,7 +19287,1102 @@
 </p:sld>
 </file>
 
-<file path=ppt/slides/slide19.xml><?xml version="1.0" encoding="utf-8"?>
+<file path=ppt/slides/slide2.xml><?xml version="1.0" encoding="utf-8"?>
+<p:sld xmlns:a="http://schemas.openxmlformats.org/drawingml/2006/main" xmlns:r="http://schemas.openxmlformats.org/officeDocument/2006/relationships" xmlns:p="http://schemas.openxmlformats.org/presentationml/2006/main">
+  <p:cSld>
+    <p:bg>
+      <p:bgPr>
+        <a:solidFill>
+          <a:schemeClr val="bg1"/>
+        </a:solidFill>
+        <a:effectLst/>
+      </p:bgPr>
+    </p:bg>
+    <p:spTree>
+      <p:nvGrpSpPr>
+        <p:cNvPr id="1" name=""/>
+        <p:cNvGrpSpPr/>
+        <p:nvPr/>
+      </p:nvGrpSpPr>
+      <p:grpSpPr>
+        <a:xfrm>
+          <a:off x="0" y="0"/>
+          <a:ext cx="0" cy="0"/>
+          <a:chOff x="0" y="0"/>
+          <a:chExt cx="0" cy="0"/>
+        </a:xfrm>
+      </p:grpSpPr>
+      <p:sp useBgFill="1">
+        <p:nvSpPr>
+          <p:cNvPr id="8" name="Rectangle 7">
+            <a:extLst>
+              <a:ext uri="{FF2B5EF4-FFF2-40B4-BE49-F238E27FC236}">
+                <a16:creationId xmlns:a16="http://schemas.microsoft.com/office/drawing/2014/main" id="{577D6B2E-37A3-429E-A37C-F30ED6487282}"/>
+              </a:ext>
+              <a:ext uri="{C183D7F6-B498-43B3-948B-1728B52AA6E4}">
+                <adec:decorative xmlns:adec="http://schemas.microsoft.com/office/drawing/2017/decorative" val="1"/>
+              </a:ext>
+            </a:extLst>
+          </p:cNvPr>
+          <p:cNvSpPr>
+            <a:spLocks noGrp="1" noRot="1" noChangeAspect="1" noMove="1" noResize="1" noEditPoints="1" noAdjustHandles="1" noChangeArrowheads="1" noChangeShapeType="1" noTextEdit="1"/>
+          </p:cNvSpPr>
+          <p:nvPr>
+            <p:extLst>
+              <p:ext uri="{386F3935-93C4-4BCD-93E2-E3B085C9AB24}">
+                <p16:designElem xmlns:p16="http://schemas.microsoft.com/office/powerpoint/2015/main" val="1"/>
+              </p:ext>
+            </p:extLst>
+          </p:nvPr>
+        </p:nvSpPr>
+        <p:spPr>
+          <a:xfrm>
+            <a:off x="0" y="0"/>
+            <a:ext cx="12192000" cy="6858000"/>
+          </a:xfrm>
+          <a:prstGeom prst="rect">
+            <a:avLst/>
+          </a:prstGeom>
+          <a:ln w="12700" cap="flat" cmpd="sng" algn="ctr">
+            <a:noFill/>
+            <a:prstDash val="solid"/>
+            <a:miter lim="800000"/>
+          </a:ln>
+          <a:effectLst/>
+          <a:extLst>
+            <a:ext uri="{91240B29-F687-4F45-9708-019B960494DF}">
+              <a14:hiddenLine xmlns:a14="http://schemas.microsoft.com/office/drawing/2010/main" w="12700" cap="flat" cmpd="sng" algn="ctr">
+                <a:solidFill>
+                  <a:schemeClr val="accent1">
+                    <a:shade val="50000"/>
+                  </a:schemeClr>
+                </a:solidFill>
+                <a:prstDash val="solid"/>
+                <a:miter lim="800000"/>
+              </a14:hiddenLine>
+            </a:ext>
+          </a:extLst>
+        </p:spPr>
+        <p:style>
+          <a:lnRef idx="2">
+            <a:schemeClr val="accent1">
+              <a:shade val="50000"/>
+            </a:schemeClr>
+          </a:lnRef>
+          <a:fillRef idx="1">
+            <a:schemeClr val="accent1"/>
+          </a:fillRef>
+          <a:effectRef idx="0">
+            <a:schemeClr val="accent1"/>
+          </a:effectRef>
+          <a:fontRef idx="minor">
+            <a:schemeClr val="lt1"/>
+          </a:fontRef>
+        </p:style>
+        <p:txBody>
+          <a:bodyPr rtlCol="0" anchor="ctr"/>
+          <a:lstStyle/>
+          <a:p>
+            <a:pPr algn="ctr"/>
+            <a:endParaRPr lang="en-US"/>
+          </a:p>
+        </p:txBody>
+      </p:sp>
+      <p:sp>
+        <p:nvSpPr>
+          <p:cNvPr id="10" name="Rectangle 9">
+            <a:extLst>
+              <a:ext uri="{FF2B5EF4-FFF2-40B4-BE49-F238E27FC236}">
+                <a16:creationId xmlns:a16="http://schemas.microsoft.com/office/drawing/2014/main" id="{5CEAD642-85CF-4750-8432-7C80C901F001}"/>
+              </a:ext>
+              <a:ext uri="{C183D7F6-B498-43B3-948B-1728B52AA6E4}">
+                <adec:decorative xmlns:adec="http://schemas.microsoft.com/office/drawing/2017/decorative" val="1"/>
+              </a:ext>
+            </a:extLst>
+          </p:cNvPr>
+          <p:cNvSpPr>
+            <a:spLocks noGrp="1" noRot="1" noChangeAspect="1" noMove="1" noResize="1" noEditPoints="1" noAdjustHandles="1" noChangeArrowheads="1" noChangeShapeType="1" noTextEdit="1"/>
+          </p:cNvSpPr>
+          <p:nvPr>
+            <p:extLst>
+              <p:ext uri="{386F3935-93C4-4BCD-93E2-E3B085C9AB24}">
+                <p16:designElem xmlns:p16="http://schemas.microsoft.com/office/powerpoint/2015/main" val="1"/>
+              </p:ext>
+            </p:extLst>
+          </p:nvPr>
+        </p:nvSpPr>
+        <p:spPr>
+          <a:xfrm rot="10800000">
+            <a:off x="-11723" y="-1"/>
+            <a:ext cx="12225953" cy="6868071"/>
+          </a:xfrm>
+          <a:prstGeom prst="rect">
+            <a:avLst/>
+          </a:prstGeom>
+          <a:gradFill>
+            <a:gsLst>
+              <a:gs pos="0">
+                <a:srgbClr val="000000"/>
+              </a:gs>
+              <a:gs pos="100000">
+                <a:schemeClr val="accent1">
+                  <a:lumMod val="75000"/>
+                </a:schemeClr>
+              </a:gs>
+            </a:gsLst>
+            <a:lin ang="4200000" scaled="0"/>
+          </a:gradFill>
+          <a:ln>
+            <a:noFill/>
+          </a:ln>
+        </p:spPr>
+        <p:style>
+          <a:lnRef idx="2">
+            <a:schemeClr val="accent1">
+              <a:shade val="50000"/>
+            </a:schemeClr>
+          </a:lnRef>
+          <a:fillRef idx="1">
+            <a:schemeClr val="accent1"/>
+          </a:fillRef>
+          <a:effectRef idx="0">
+            <a:schemeClr val="accent1"/>
+          </a:effectRef>
+          <a:fontRef idx="minor">
+            <a:schemeClr val="lt1"/>
+          </a:fontRef>
+        </p:style>
+        <p:txBody>
+          <a:bodyPr rtlCol="0" anchor="ctr"/>
+          <a:lstStyle/>
+          <a:p>
+            <a:pPr algn="ctr"/>
+            <a:endParaRPr lang="en-US"/>
+          </a:p>
+        </p:txBody>
+      </p:sp>
+      <p:sp>
+        <p:nvSpPr>
+          <p:cNvPr id="12" name="Rectangle 11">
+            <a:extLst>
+              <a:ext uri="{FF2B5EF4-FFF2-40B4-BE49-F238E27FC236}">
+                <a16:creationId xmlns:a16="http://schemas.microsoft.com/office/drawing/2014/main" id="{FA33EEAE-15D5-4119-8C1E-89D943F911EF}"/>
+              </a:ext>
+              <a:ext uri="{C183D7F6-B498-43B3-948B-1728B52AA6E4}">
+                <adec:decorative xmlns:adec="http://schemas.microsoft.com/office/drawing/2017/decorative" val="1"/>
+              </a:ext>
+            </a:extLst>
+          </p:cNvPr>
+          <p:cNvSpPr>
+            <a:spLocks noGrp="1" noRot="1" noChangeAspect="1" noMove="1" noResize="1" noEditPoints="1" noAdjustHandles="1" noChangeArrowheads="1" noChangeShapeType="1" noTextEdit="1"/>
+          </p:cNvSpPr>
+          <p:nvPr>
+            <p:extLst>
+              <p:ext uri="{386F3935-93C4-4BCD-93E2-E3B085C9AB24}">
+                <p16:designElem xmlns:p16="http://schemas.microsoft.com/office/powerpoint/2015/main" val="1"/>
+              </p:ext>
+            </p:extLst>
+          </p:nvPr>
+        </p:nvSpPr>
+        <p:spPr>
+          <a:xfrm rot="10800000" flipH="1">
+            <a:off x="441959" y="-3"/>
+            <a:ext cx="11772269" cy="6868074"/>
+          </a:xfrm>
+          <a:prstGeom prst="rect">
+            <a:avLst/>
+          </a:prstGeom>
+          <a:gradFill>
+            <a:gsLst>
+              <a:gs pos="21000">
+                <a:schemeClr val="accent1">
+                  <a:lumMod val="50000"/>
+                  <a:alpha val="83000"/>
+                </a:schemeClr>
+              </a:gs>
+              <a:gs pos="100000">
+                <a:schemeClr val="accent1">
+                  <a:alpha val="0"/>
+                </a:schemeClr>
+              </a:gs>
+            </a:gsLst>
+            <a:lin ang="8400000" scaled="0"/>
+          </a:gradFill>
+          <a:ln>
+            <a:noFill/>
+          </a:ln>
+        </p:spPr>
+        <p:style>
+          <a:lnRef idx="2">
+            <a:schemeClr val="accent1">
+              <a:shade val="50000"/>
+            </a:schemeClr>
+          </a:lnRef>
+          <a:fillRef idx="1">
+            <a:schemeClr val="accent1"/>
+          </a:fillRef>
+          <a:effectRef idx="0">
+            <a:schemeClr val="accent1"/>
+          </a:effectRef>
+          <a:fontRef idx="minor">
+            <a:schemeClr val="lt1"/>
+          </a:fontRef>
+        </p:style>
+        <p:txBody>
+          <a:bodyPr rtlCol="0" anchor="ctr"/>
+          <a:lstStyle/>
+          <a:p>
+            <a:pPr algn="ctr"/>
+            <a:endParaRPr lang="en-US"/>
+          </a:p>
+        </p:txBody>
+      </p:sp>
+      <p:sp>
+        <p:nvSpPr>
+          <p:cNvPr id="14" name="Rectangle 13">
+            <a:extLst>
+              <a:ext uri="{FF2B5EF4-FFF2-40B4-BE49-F238E27FC236}">
+                <a16:creationId xmlns:a16="http://schemas.microsoft.com/office/drawing/2014/main" id="{730D8B3B-9B80-4025-B934-26DC7D7CD231}"/>
+              </a:ext>
+              <a:ext uri="{C183D7F6-B498-43B3-948B-1728B52AA6E4}">
+                <adec:decorative xmlns:adec="http://schemas.microsoft.com/office/drawing/2017/decorative" val="1"/>
+              </a:ext>
+            </a:extLst>
+          </p:cNvPr>
+          <p:cNvSpPr>
+            <a:spLocks noGrp="1" noRot="1" noChangeAspect="1" noMove="1" noResize="1" noEditPoints="1" noAdjustHandles="1" noChangeArrowheads="1" noChangeShapeType="1" noTextEdit="1"/>
+          </p:cNvSpPr>
+          <p:nvPr>
+            <p:extLst>
+              <p:ext uri="{386F3935-93C4-4BCD-93E2-E3B085C9AB24}">
+                <p16:designElem xmlns:p16="http://schemas.microsoft.com/office/powerpoint/2015/main" val="1"/>
+              </p:ext>
+            </p:extLst>
+          </p:nvPr>
+        </p:nvSpPr>
+        <p:spPr>
+          <a:xfrm rot="10800000">
+            <a:off x="-15200" y="0"/>
+            <a:ext cx="3623374" cy="6868072"/>
+          </a:xfrm>
+          <a:prstGeom prst="rect">
+            <a:avLst/>
+          </a:prstGeom>
+          <a:gradFill>
+            <a:gsLst>
+              <a:gs pos="0">
+                <a:schemeClr val="accent1">
+                  <a:lumMod val="75000"/>
+                  <a:alpha val="0"/>
+                </a:schemeClr>
+              </a:gs>
+              <a:gs pos="99000">
+                <a:srgbClr val="000000">
+                  <a:alpha val="41000"/>
+                </a:srgbClr>
+              </a:gs>
+            </a:gsLst>
+            <a:lin ang="13200000" scaled="0"/>
+          </a:gradFill>
+          <a:ln>
+            <a:noFill/>
+          </a:ln>
+        </p:spPr>
+        <p:style>
+          <a:lnRef idx="2">
+            <a:schemeClr val="accent1">
+              <a:shade val="50000"/>
+            </a:schemeClr>
+          </a:lnRef>
+          <a:fillRef idx="1">
+            <a:schemeClr val="accent1"/>
+          </a:fillRef>
+          <a:effectRef idx="0">
+            <a:schemeClr val="accent1"/>
+          </a:effectRef>
+          <a:fontRef idx="minor">
+            <a:schemeClr val="lt1"/>
+          </a:fontRef>
+        </p:style>
+        <p:txBody>
+          <a:bodyPr rtlCol="0" anchor="ctr"/>
+          <a:lstStyle/>
+          <a:p>
+            <a:pPr algn="ctr"/>
+            <a:endParaRPr lang="en-US"/>
+          </a:p>
+        </p:txBody>
+      </p:sp>
+      <p:sp>
+        <p:nvSpPr>
+          <p:cNvPr id="16" name="Rectangle 15">
+            <a:extLst>
+              <a:ext uri="{FF2B5EF4-FFF2-40B4-BE49-F238E27FC236}">
+                <a16:creationId xmlns:a16="http://schemas.microsoft.com/office/drawing/2014/main" id="{1064D5D5-227B-4F66-9AEA-46F570E793BD}"/>
+              </a:ext>
+              <a:ext uri="{C183D7F6-B498-43B3-948B-1728B52AA6E4}">
+                <adec:decorative xmlns:adec="http://schemas.microsoft.com/office/drawing/2017/decorative" val="1"/>
+              </a:ext>
+            </a:extLst>
+          </p:cNvPr>
+          <p:cNvSpPr>
+            <a:spLocks noGrp="1" noRot="1" noChangeAspect="1" noMove="1" noResize="1" noEditPoints="1" noAdjustHandles="1" noChangeArrowheads="1" noChangeShapeType="1" noTextEdit="1"/>
+          </p:cNvSpPr>
+          <p:nvPr>
+            <p:extLst>
+              <p:ext uri="{386F3935-93C4-4BCD-93E2-E3B085C9AB24}">
+                <p16:designElem xmlns:p16="http://schemas.microsoft.com/office/powerpoint/2015/main" val="1"/>
+              </p:ext>
+            </p:extLst>
+          </p:nvPr>
+        </p:nvSpPr>
+        <p:spPr>
+          <a:xfrm flipH="1">
+            <a:off x="-15875" y="-3"/>
+            <a:ext cx="12233581" cy="6868076"/>
+          </a:xfrm>
+          <a:prstGeom prst="rect">
+            <a:avLst/>
+          </a:prstGeom>
+          <a:gradFill>
+            <a:gsLst>
+              <a:gs pos="3000">
+                <a:schemeClr val="accent1">
+                  <a:lumMod val="75000"/>
+                  <a:alpha val="0"/>
+                </a:schemeClr>
+              </a:gs>
+              <a:gs pos="100000">
+                <a:srgbClr val="000000">
+                  <a:alpha val="73000"/>
+                </a:srgbClr>
+              </a:gs>
+            </a:gsLst>
+            <a:lin ang="17400000" scaled="0"/>
+          </a:gradFill>
+          <a:ln>
+            <a:noFill/>
+          </a:ln>
+        </p:spPr>
+        <p:style>
+          <a:lnRef idx="2">
+            <a:schemeClr val="accent1">
+              <a:shade val="50000"/>
+            </a:schemeClr>
+          </a:lnRef>
+          <a:fillRef idx="1">
+            <a:schemeClr val="accent1"/>
+          </a:fillRef>
+          <a:effectRef idx="0">
+            <a:schemeClr val="accent1"/>
+          </a:effectRef>
+          <a:fontRef idx="minor">
+            <a:schemeClr val="lt1"/>
+          </a:fontRef>
+        </p:style>
+        <p:txBody>
+          <a:bodyPr rtlCol="0" anchor="ctr"/>
+          <a:lstStyle/>
+          <a:p>
+            <a:pPr algn="ctr"/>
+            <a:endParaRPr lang="en-US"/>
+          </a:p>
+        </p:txBody>
+      </p:sp>
+      <p:sp>
+        <p:nvSpPr>
+          <p:cNvPr id="18" name="Rectangle 17">
+            <a:extLst>
+              <a:ext uri="{FF2B5EF4-FFF2-40B4-BE49-F238E27FC236}">
+                <a16:creationId xmlns:a16="http://schemas.microsoft.com/office/drawing/2014/main" id="{646B67A4-D328-4747-A82B-65E84FA46368}"/>
+              </a:ext>
+              <a:ext uri="{C183D7F6-B498-43B3-948B-1728B52AA6E4}">
+                <adec:decorative xmlns:adec="http://schemas.microsoft.com/office/drawing/2017/decorative" val="1"/>
+              </a:ext>
+            </a:extLst>
+          </p:cNvPr>
+          <p:cNvSpPr>
+            <a:spLocks noGrp="1" noRot="1" noChangeAspect="1" noMove="1" noResize="1" noEditPoints="1" noAdjustHandles="1" noChangeArrowheads="1" noChangeShapeType="1" noTextEdit="1"/>
+          </p:cNvSpPr>
+          <p:nvPr>
+            <p:extLst>
+              <p:ext uri="{386F3935-93C4-4BCD-93E2-E3B085C9AB24}">
+                <p16:designElem xmlns:p16="http://schemas.microsoft.com/office/powerpoint/2015/main" val="1"/>
+              </p:ext>
+            </p:extLst>
+          </p:nvPr>
+        </p:nvSpPr>
+        <p:spPr>
+          <a:xfrm rot="5400000" flipH="1">
+            <a:off x="4484334" y="-861824"/>
+            <a:ext cx="6861931" cy="8597859"/>
+          </a:xfrm>
+          <a:prstGeom prst="rect">
+            <a:avLst/>
+          </a:prstGeom>
+          <a:gradFill>
+            <a:gsLst>
+              <a:gs pos="3000">
+                <a:schemeClr val="accent1">
+                  <a:lumMod val="75000"/>
+                  <a:alpha val="0"/>
+                </a:schemeClr>
+              </a:gs>
+              <a:gs pos="100000">
+                <a:srgbClr val="000000">
+                  <a:alpha val="27000"/>
+                </a:srgbClr>
+              </a:gs>
+            </a:gsLst>
+            <a:lin ang="13800000" scaled="0"/>
+          </a:gradFill>
+          <a:ln>
+            <a:noFill/>
+          </a:ln>
+        </p:spPr>
+        <p:style>
+          <a:lnRef idx="2">
+            <a:schemeClr val="accent1">
+              <a:shade val="50000"/>
+            </a:schemeClr>
+          </a:lnRef>
+          <a:fillRef idx="1">
+            <a:schemeClr val="accent1"/>
+          </a:fillRef>
+          <a:effectRef idx="0">
+            <a:schemeClr val="accent1"/>
+          </a:effectRef>
+          <a:fontRef idx="minor">
+            <a:schemeClr val="lt1"/>
+          </a:fontRef>
+        </p:style>
+        <p:txBody>
+          <a:bodyPr rtlCol="0" anchor="ctr"/>
+          <a:lstStyle/>
+          <a:p>
+            <a:pPr algn="ctr"/>
+            <a:endParaRPr lang="en-US"/>
+          </a:p>
+        </p:txBody>
+      </p:sp>
+      <p:sp>
+        <p:nvSpPr>
+          <p:cNvPr id="20" name="Oval 19">
+            <a:extLst>
+              <a:ext uri="{FF2B5EF4-FFF2-40B4-BE49-F238E27FC236}">
+                <a16:creationId xmlns:a16="http://schemas.microsoft.com/office/drawing/2014/main" id="{B5A1B09C-1565-46F8-B70F-621C5EB48A09}"/>
+              </a:ext>
+              <a:ext uri="{C183D7F6-B498-43B3-948B-1728B52AA6E4}">
+                <adec:decorative xmlns:adec="http://schemas.microsoft.com/office/drawing/2017/decorative" val="1"/>
+              </a:ext>
+            </a:extLst>
+          </p:cNvPr>
+          <p:cNvSpPr>
+            <a:spLocks noGrp="1" noRot="1" noChangeAspect="1" noMove="1" noResize="1" noEditPoints="1" noAdjustHandles="1" noChangeArrowheads="1" noChangeShapeType="1" noTextEdit="1"/>
+          </p:cNvSpPr>
+          <p:nvPr>
+            <p:extLst>
+              <p:ext uri="{386F3935-93C4-4BCD-93E2-E3B085C9AB24}">
+                <p16:designElem xmlns:p16="http://schemas.microsoft.com/office/powerpoint/2015/main" val="1"/>
+              </p:ext>
+            </p:extLst>
+          </p:nvPr>
+        </p:nvSpPr>
+        <p:spPr>
+          <a:xfrm rot="5993193">
+            <a:off x="1186972" y="1089049"/>
+            <a:ext cx="4967533" cy="4988390"/>
+          </a:xfrm>
+          <a:prstGeom prst="ellipse">
+            <a:avLst/>
+          </a:prstGeom>
+          <a:gradFill>
+            <a:gsLst>
+              <a:gs pos="0">
+                <a:schemeClr val="accent1">
+                  <a:alpha val="26000"/>
+                </a:schemeClr>
+              </a:gs>
+              <a:gs pos="85000">
+                <a:schemeClr val="accent1">
+                  <a:lumMod val="60000"/>
+                  <a:lumOff val="40000"/>
+                  <a:alpha val="0"/>
+                </a:schemeClr>
+              </a:gs>
+            </a:gsLst>
+            <a:lin ang="14400000" scaled="0"/>
+          </a:gradFill>
+          <a:ln>
+            <a:noFill/>
+          </a:ln>
+        </p:spPr>
+        <p:style>
+          <a:lnRef idx="2">
+            <a:schemeClr val="accent1">
+              <a:shade val="50000"/>
+            </a:schemeClr>
+          </a:lnRef>
+          <a:fillRef idx="1">
+            <a:schemeClr val="accent1"/>
+          </a:fillRef>
+          <a:effectRef idx="0">
+            <a:schemeClr val="accent1"/>
+          </a:effectRef>
+          <a:fontRef idx="minor">
+            <a:schemeClr val="lt1"/>
+          </a:fontRef>
+        </p:style>
+        <p:txBody>
+          <a:bodyPr rtlCol="0" anchor="ctr"/>
+          <a:lstStyle/>
+          <a:p>
+            <a:pPr algn="ctr"/>
+            <a:endParaRPr lang="en-US" dirty="0"/>
+          </a:p>
+        </p:txBody>
+      </p:sp>
+      <p:sp>
+        <p:nvSpPr>
+          <p:cNvPr id="2" name="Title 1">
+            <a:extLst>
+              <a:ext uri="{FF2B5EF4-FFF2-40B4-BE49-F238E27FC236}">
+                <a16:creationId xmlns:a16="http://schemas.microsoft.com/office/drawing/2014/main" id="{7B300DB8-FAC5-4151-9E14-62204241D4B1}"/>
+              </a:ext>
+            </a:extLst>
+          </p:cNvPr>
+          <p:cNvSpPr>
+            <a:spLocks noGrp="1"/>
+          </p:cNvSpPr>
+          <p:nvPr>
+            <p:ph type="ctrTitle"/>
+          </p:nvPr>
+        </p:nvSpPr>
+        <p:spPr>
+          <a:xfrm>
+            <a:off x="586245" y="135651"/>
+            <a:ext cx="8597859" cy="778810"/>
+          </a:xfrm>
+        </p:spPr>
+        <p:txBody>
+          <a:bodyPr>
+            <a:normAutofit fontScale="90000"/>
+          </a:bodyPr>
+          <a:lstStyle/>
+          <a:p>
+            <a:pPr algn="l"/>
+            <a:r>
+              <a:rPr lang="en-US" sz="4800" dirty="0">
+                <a:solidFill>
+                  <a:srgbClr val="FFFFFF"/>
+                </a:solidFill>
+              </a:rPr>
+              <a:t>Executive Summary and Project Goals</a:t>
+            </a:r>
+          </a:p>
+        </p:txBody>
+      </p:sp>
+      <p:sp>
+        <p:nvSpPr>
+          <p:cNvPr id="22" name="Rectangle 21">
+            <a:extLst>
+              <a:ext uri="{FF2B5EF4-FFF2-40B4-BE49-F238E27FC236}">
+                <a16:creationId xmlns:a16="http://schemas.microsoft.com/office/drawing/2014/main" id="{8C516CC8-80AC-446C-A56E-9F54B7210402}"/>
+              </a:ext>
+              <a:ext uri="{C183D7F6-B498-43B3-948B-1728B52AA6E4}">
+                <adec:decorative xmlns:adec="http://schemas.microsoft.com/office/drawing/2017/decorative" val="1"/>
+              </a:ext>
+            </a:extLst>
+          </p:cNvPr>
+          <p:cNvSpPr>
+            <a:spLocks noGrp="1" noRot="1" noChangeAspect="1" noMove="1" noResize="1" noEditPoints="1" noAdjustHandles="1" noChangeArrowheads="1" noChangeShapeType="1" noTextEdit="1"/>
+          </p:cNvSpPr>
+          <p:nvPr>
+            <p:extLst>
+              <p:ext uri="{386F3935-93C4-4BCD-93E2-E3B085C9AB24}">
+                <p16:designElem xmlns:p16="http://schemas.microsoft.com/office/powerpoint/2015/main" val="1"/>
+              </p:ext>
+            </p:extLst>
+          </p:nvPr>
+        </p:nvSpPr>
+        <p:spPr>
+          <a:xfrm flipH="1">
+            <a:off x="-3" y="4490110"/>
+            <a:ext cx="12217710" cy="2377962"/>
+          </a:xfrm>
+          <a:prstGeom prst="rect">
+            <a:avLst/>
+          </a:prstGeom>
+          <a:gradFill>
+            <a:gsLst>
+              <a:gs pos="0">
+                <a:schemeClr val="accent1">
+                  <a:lumMod val="75000"/>
+                  <a:alpha val="50000"/>
+                </a:schemeClr>
+              </a:gs>
+              <a:gs pos="99000">
+                <a:srgbClr val="000000">
+                  <a:alpha val="34000"/>
+                </a:srgbClr>
+              </a:gs>
+            </a:gsLst>
+            <a:lin ang="13200000" scaled="0"/>
+          </a:gradFill>
+          <a:ln>
+            <a:noFill/>
+          </a:ln>
+        </p:spPr>
+        <p:style>
+          <a:lnRef idx="2">
+            <a:schemeClr val="accent1">
+              <a:shade val="50000"/>
+            </a:schemeClr>
+          </a:lnRef>
+          <a:fillRef idx="1">
+            <a:schemeClr val="accent1"/>
+          </a:fillRef>
+          <a:effectRef idx="0">
+            <a:schemeClr val="accent1"/>
+          </a:effectRef>
+          <a:fontRef idx="minor">
+            <a:schemeClr val="lt1"/>
+          </a:fontRef>
+        </p:style>
+        <p:txBody>
+          <a:bodyPr rtlCol="0" anchor="ctr"/>
+          <a:lstStyle/>
+          <a:p>
+            <a:pPr algn="ctr"/>
+            <a:endParaRPr lang="en-US"/>
+          </a:p>
+        </p:txBody>
+      </p:sp>
+      <p:sp>
+        <p:nvSpPr>
+          <p:cNvPr id="15" name="Content Placeholder 2">
+            <a:extLst>
+              <a:ext uri="{FF2B5EF4-FFF2-40B4-BE49-F238E27FC236}">
+                <a16:creationId xmlns:a16="http://schemas.microsoft.com/office/drawing/2014/main" id="{82AC6C7D-3F6D-4BAF-8E72-8679D0C75833}"/>
+              </a:ext>
+            </a:extLst>
+          </p:cNvPr>
+          <p:cNvSpPr txBox="1">
+            <a:spLocks/>
+          </p:cNvSpPr>
+          <p:nvPr/>
+        </p:nvSpPr>
+        <p:spPr>
+          <a:xfrm>
+            <a:off x="586245" y="1138958"/>
+            <a:ext cx="11262453" cy="5597460"/>
+          </a:xfrm>
+          <a:prstGeom prst="rect">
+            <a:avLst/>
+          </a:prstGeom>
+        </p:spPr>
+        <p:txBody>
+          <a:bodyPr vert="horz" lIns="91440" tIns="45720" rIns="91440" bIns="45720" rtlCol="0">
+            <a:normAutofit lnSpcReduction="10000"/>
+          </a:bodyPr>
+          <a:lstStyle>
+            <a:lvl1pPr marL="0" indent="0" algn="ctr" defTabSz="914400" rtl="0" eaLnBrk="1" latinLnBrk="0" hangingPunct="1">
+              <a:lnSpc>
+                <a:spcPct val="90000"/>
+              </a:lnSpc>
+              <a:spcBef>
+                <a:spcPts val="1000"/>
+              </a:spcBef>
+              <a:buFont typeface="Arial" panose="020B0604020202020204" pitchFamily="34" charset="0"/>
+              <a:buNone/>
+              <a:defRPr sz="2400" kern="1200">
+                <a:solidFill>
+                  <a:schemeClr val="tx1"/>
+                </a:solidFill>
+                <a:latin typeface="+mn-lt"/>
+                <a:ea typeface="+mn-ea"/>
+                <a:cs typeface="+mn-cs"/>
+              </a:defRPr>
+            </a:lvl1pPr>
+            <a:lvl2pPr marL="457200" indent="0" algn="ctr" defTabSz="914400" rtl="0" eaLnBrk="1" latinLnBrk="0" hangingPunct="1">
+              <a:lnSpc>
+                <a:spcPct val="90000"/>
+              </a:lnSpc>
+              <a:spcBef>
+                <a:spcPts val="500"/>
+              </a:spcBef>
+              <a:buFont typeface="Arial" panose="020B0604020202020204" pitchFamily="34" charset="0"/>
+              <a:buNone/>
+              <a:defRPr sz="2000" kern="1200">
+                <a:solidFill>
+                  <a:schemeClr val="tx1"/>
+                </a:solidFill>
+                <a:latin typeface="+mn-lt"/>
+                <a:ea typeface="+mn-ea"/>
+                <a:cs typeface="+mn-cs"/>
+              </a:defRPr>
+            </a:lvl2pPr>
+            <a:lvl3pPr marL="914400" indent="0" algn="ctr" defTabSz="914400" rtl="0" eaLnBrk="1" latinLnBrk="0" hangingPunct="1">
+              <a:lnSpc>
+                <a:spcPct val="90000"/>
+              </a:lnSpc>
+              <a:spcBef>
+                <a:spcPts val="500"/>
+              </a:spcBef>
+              <a:buFont typeface="Arial" panose="020B0604020202020204" pitchFamily="34" charset="0"/>
+              <a:buNone/>
+              <a:defRPr sz="1800" kern="1200">
+                <a:solidFill>
+                  <a:schemeClr val="tx1"/>
+                </a:solidFill>
+                <a:latin typeface="+mn-lt"/>
+                <a:ea typeface="+mn-ea"/>
+                <a:cs typeface="+mn-cs"/>
+              </a:defRPr>
+            </a:lvl3pPr>
+            <a:lvl4pPr marL="1371600" indent="0" algn="ctr" defTabSz="914400" rtl="0" eaLnBrk="1" latinLnBrk="0" hangingPunct="1">
+              <a:lnSpc>
+                <a:spcPct val="90000"/>
+              </a:lnSpc>
+              <a:spcBef>
+                <a:spcPts val="500"/>
+              </a:spcBef>
+              <a:buFont typeface="Arial" panose="020B0604020202020204" pitchFamily="34" charset="0"/>
+              <a:buNone/>
+              <a:defRPr sz="1600" kern="1200">
+                <a:solidFill>
+                  <a:schemeClr val="tx1"/>
+                </a:solidFill>
+                <a:latin typeface="+mn-lt"/>
+                <a:ea typeface="+mn-ea"/>
+                <a:cs typeface="+mn-cs"/>
+              </a:defRPr>
+            </a:lvl4pPr>
+            <a:lvl5pPr marL="1828800" indent="0" algn="ctr" defTabSz="914400" rtl="0" eaLnBrk="1" latinLnBrk="0" hangingPunct="1">
+              <a:lnSpc>
+                <a:spcPct val="90000"/>
+              </a:lnSpc>
+              <a:spcBef>
+                <a:spcPts val="500"/>
+              </a:spcBef>
+              <a:buFont typeface="Arial" panose="020B0604020202020204" pitchFamily="34" charset="0"/>
+              <a:buNone/>
+              <a:defRPr sz="1600" kern="1200">
+                <a:solidFill>
+                  <a:schemeClr val="tx1"/>
+                </a:solidFill>
+                <a:latin typeface="+mn-lt"/>
+                <a:ea typeface="+mn-ea"/>
+                <a:cs typeface="+mn-cs"/>
+              </a:defRPr>
+            </a:lvl5pPr>
+            <a:lvl6pPr marL="2286000" indent="0" algn="ctr" defTabSz="914400" rtl="0" eaLnBrk="1" latinLnBrk="0" hangingPunct="1">
+              <a:lnSpc>
+                <a:spcPct val="90000"/>
+              </a:lnSpc>
+              <a:spcBef>
+                <a:spcPts val="500"/>
+              </a:spcBef>
+              <a:buFont typeface="Arial" panose="020B0604020202020204" pitchFamily="34" charset="0"/>
+              <a:buNone/>
+              <a:defRPr sz="1600" kern="1200">
+                <a:solidFill>
+                  <a:schemeClr val="tx1"/>
+                </a:solidFill>
+                <a:latin typeface="+mn-lt"/>
+                <a:ea typeface="+mn-ea"/>
+                <a:cs typeface="+mn-cs"/>
+              </a:defRPr>
+            </a:lvl6pPr>
+            <a:lvl7pPr marL="2743200" indent="0" algn="ctr" defTabSz="914400" rtl="0" eaLnBrk="1" latinLnBrk="0" hangingPunct="1">
+              <a:lnSpc>
+                <a:spcPct val="90000"/>
+              </a:lnSpc>
+              <a:spcBef>
+                <a:spcPts val="500"/>
+              </a:spcBef>
+              <a:buFont typeface="Arial" panose="020B0604020202020204" pitchFamily="34" charset="0"/>
+              <a:buNone/>
+              <a:defRPr sz="1600" kern="1200">
+                <a:solidFill>
+                  <a:schemeClr val="tx1"/>
+                </a:solidFill>
+                <a:latin typeface="+mn-lt"/>
+                <a:ea typeface="+mn-ea"/>
+                <a:cs typeface="+mn-cs"/>
+              </a:defRPr>
+            </a:lvl7pPr>
+            <a:lvl8pPr marL="3200400" indent="0" algn="ctr" defTabSz="914400" rtl="0" eaLnBrk="1" latinLnBrk="0" hangingPunct="1">
+              <a:lnSpc>
+                <a:spcPct val="90000"/>
+              </a:lnSpc>
+              <a:spcBef>
+                <a:spcPts val="500"/>
+              </a:spcBef>
+              <a:buFont typeface="Arial" panose="020B0604020202020204" pitchFamily="34" charset="0"/>
+              <a:buNone/>
+              <a:defRPr sz="1600" kern="1200">
+                <a:solidFill>
+                  <a:schemeClr val="tx1"/>
+                </a:solidFill>
+                <a:latin typeface="+mn-lt"/>
+                <a:ea typeface="+mn-ea"/>
+                <a:cs typeface="+mn-cs"/>
+              </a:defRPr>
+            </a:lvl8pPr>
+            <a:lvl9pPr marL="3657600" indent="0" algn="ctr" defTabSz="914400" rtl="0" eaLnBrk="1" latinLnBrk="0" hangingPunct="1">
+              <a:lnSpc>
+                <a:spcPct val="90000"/>
+              </a:lnSpc>
+              <a:spcBef>
+                <a:spcPts val="500"/>
+              </a:spcBef>
+              <a:buFont typeface="Arial" panose="020B0604020202020204" pitchFamily="34" charset="0"/>
+              <a:buNone/>
+              <a:defRPr sz="1600" kern="1200">
+                <a:solidFill>
+                  <a:schemeClr val="tx1"/>
+                </a:solidFill>
+                <a:latin typeface="+mn-lt"/>
+                <a:ea typeface="+mn-ea"/>
+                <a:cs typeface="+mn-cs"/>
+              </a:defRPr>
+            </a:lvl9pPr>
+          </a:lstStyle>
+          <a:p>
+            <a:pPr marL="342900" indent="-342900" algn="l">
+              <a:buFont typeface="Arial" panose="020B0604020202020204" pitchFamily="34" charset="0"/>
+              <a:buChar char="•"/>
+            </a:pPr>
+            <a:r>
+              <a:rPr lang="en-US" dirty="0">
+                <a:solidFill>
+                  <a:schemeClr val="bg1"/>
+                </a:solidFill>
+              </a:rPr>
+              <a:t>Identify the best tool to pick tickers for diversification</a:t>
+            </a:r>
+          </a:p>
+          <a:p>
+            <a:pPr marL="342900" indent="-342900" algn="l">
+              <a:buFont typeface="Arial" panose="020B0604020202020204" pitchFamily="34" charset="0"/>
+              <a:buChar char="•"/>
+            </a:pPr>
+            <a:r>
+              <a:rPr lang="en-US" dirty="0">
+                <a:solidFill>
+                  <a:schemeClr val="bg1"/>
+                </a:solidFill>
+              </a:rPr>
+              <a:t>Show why using Sharp is not a good idea to pick tickers for diversification</a:t>
+            </a:r>
+          </a:p>
+          <a:p>
+            <a:pPr marL="342900" indent="-342900" algn="l">
+              <a:buFont typeface="Arial" panose="020B0604020202020204" pitchFamily="34" charset="0"/>
+              <a:buChar char="•"/>
+            </a:pPr>
+            <a:r>
+              <a:rPr lang="en-US" dirty="0">
+                <a:solidFill>
+                  <a:schemeClr val="bg1"/>
+                </a:solidFill>
+              </a:rPr>
+              <a:t>Introduce WARP and show how easy it to use and why it is better than Sharpe</a:t>
+            </a:r>
+          </a:p>
+          <a:p>
+            <a:pPr marL="342900" indent="-342900" algn="l">
+              <a:buFont typeface="Arial" panose="020B0604020202020204" pitchFamily="34" charset="0"/>
+              <a:buChar char="•"/>
+            </a:pPr>
+            <a:r>
+              <a:rPr lang="en-US" dirty="0">
+                <a:solidFill>
+                  <a:schemeClr val="bg1"/>
+                </a:solidFill>
+              </a:rPr>
+              <a:t>Pick tickers using WARP and Sharpe and compare them</a:t>
+            </a:r>
+          </a:p>
+          <a:p>
+            <a:pPr marL="342900" indent="-342900" algn="l">
+              <a:buFont typeface="Arial" panose="020B0604020202020204" pitchFamily="34" charset="0"/>
+              <a:buChar char="•"/>
+            </a:pPr>
+            <a:r>
+              <a:rPr lang="en-US" dirty="0">
+                <a:solidFill>
+                  <a:schemeClr val="bg1"/>
+                </a:solidFill>
+              </a:rPr>
+              <a:t>Analyze the data from 2008 to 2020 to show that WARP performs better than Sharpe and provides more protection in bear markets and downturns</a:t>
+            </a:r>
+          </a:p>
+          <a:p>
+            <a:pPr marL="342900" indent="-342900" algn="l">
+              <a:buFont typeface="Arial" panose="020B0604020202020204" pitchFamily="34" charset="0"/>
+              <a:buChar char="•"/>
+            </a:pPr>
+            <a:r>
+              <a:rPr lang="en-US" dirty="0">
+                <a:solidFill>
+                  <a:schemeClr val="bg1"/>
+                </a:solidFill>
+              </a:rPr>
+              <a:t>Identify the best ticker for diversification based on the historical analysis and the best available tool.</a:t>
+            </a:r>
+          </a:p>
+          <a:p>
+            <a:pPr marL="342900" indent="-342900" algn="l">
+              <a:buFont typeface="Arial" panose="020B0604020202020204" pitchFamily="34" charset="0"/>
+              <a:buChar char="•"/>
+            </a:pPr>
+            <a:r>
+              <a:rPr lang="en-US" dirty="0">
+                <a:solidFill>
+                  <a:schemeClr val="bg1"/>
+                </a:solidFill>
+              </a:rPr>
+              <a:t>Use Monte Carlo to Forecast the performance of a portfolio based on the best ticker identified </a:t>
+            </a:r>
+          </a:p>
+          <a:p>
+            <a:pPr marL="342900" indent="-342900" algn="l">
+              <a:buFont typeface="Arial" panose="020B0604020202020204" pitchFamily="34" charset="0"/>
+              <a:buChar char="•"/>
+            </a:pPr>
+            <a:r>
+              <a:rPr lang="en-US" dirty="0">
+                <a:solidFill>
+                  <a:schemeClr val="bg1"/>
+                </a:solidFill>
+              </a:rPr>
+              <a:t>Identify Target Customers for the application</a:t>
+            </a:r>
+          </a:p>
+          <a:p>
+            <a:pPr marL="342900" indent="-342900" algn="l">
+              <a:buFont typeface="Arial" panose="020B0604020202020204" pitchFamily="34" charset="0"/>
+              <a:buChar char="•"/>
+            </a:pPr>
+            <a:r>
+              <a:rPr lang="en-US" dirty="0">
+                <a:solidFill>
+                  <a:schemeClr val="bg1"/>
+                </a:solidFill>
+              </a:rPr>
+              <a:t>Use questionary and Dash to provide a seamless UI for the customers to easily navigate their diversification needs with a guided interface which provides recommendations</a:t>
+            </a:r>
+          </a:p>
+        </p:txBody>
+      </p:sp>
+    </p:spTree>
+    <p:extLst>
+      <p:ext uri="{BB962C8B-B14F-4D97-AF65-F5344CB8AC3E}">
+        <p14:creationId xmlns:p14="http://schemas.microsoft.com/office/powerpoint/2010/main" val="3520916530"/>
+      </p:ext>
+    </p:extLst>
+  </p:cSld>
+  <p:clrMapOvr>
+    <a:masterClrMapping/>
+  </p:clrMapOvr>
+  <p:timing>
+    <p:tnLst>
+      <p:par>
+        <p:cTn id="1" dur="indefinite" restart="never" nodeType="tmRoot">
+          <p:childTnLst>
+            <p:seq concurrent="1" nextAc="seek">
+              <p:cTn id="2" dur="indefinite" nodeType="mainSeq">
+                <p:childTnLst>
+                  <p:par>
+                    <p:cTn id="3" fill="hold">
+                      <p:stCondLst>
+                        <p:cond delay="indefinite"/>
+                        <p:cond evt="onBegin" delay="0">
+                          <p:tn val="2"/>
+                        </p:cond>
+                      </p:stCondLst>
+                      <p:childTnLst>
+                        <p:par>
+                          <p:cTn id="4" fill="hold">
+                            <p:stCondLst>
+                              <p:cond delay="0"/>
+                            </p:stCondLst>
+                            <p:childTnLst>
+                              <p:par>
+                                <p:cTn id="5" presetID="10" presetClass="entr" presetSubtype="0" fill="hold" grpId="0" nodeType="withEffect">
+                                  <p:stCondLst>
+                                    <p:cond delay="500"/>
+                                  </p:stCondLst>
+                                  <p:iterate>
+                                    <p:tmPct val="10000"/>
+                                  </p:iterate>
+                                  <p:childTnLst>
+                                    <p:set>
+                                      <p:cBhvr>
+                                        <p:cTn id="6" dur="1" fill="hold">
+                                          <p:stCondLst>
+                                            <p:cond delay="0"/>
+                                          </p:stCondLst>
+                                        </p:cTn>
+                                        <p:tgtEl>
+                                          <p:spTgt spid="2"/>
+                                        </p:tgtEl>
+                                        <p:attrNameLst>
+                                          <p:attrName>style.visibility</p:attrName>
+                                        </p:attrNameLst>
+                                      </p:cBhvr>
+                                      <p:to>
+                                        <p:strVal val="visible"/>
+                                      </p:to>
+                                    </p:set>
+                                    <p:animEffect transition="in" filter="fade">
+                                      <p:cBhvr>
+                                        <p:cTn id="7" dur="700"/>
+                                        <p:tgtEl>
+                                          <p:spTgt spid="2"/>
+                                        </p:tgtEl>
+                                      </p:cBhvr>
+                                    </p:animEffect>
+                                  </p:childTnLst>
+                                </p:cTn>
+                              </p:par>
+                            </p:childTnLst>
+                          </p:cTn>
+                        </p:par>
+                      </p:childTnLst>
+                    </p:cTn>
+                  </p:par>
+                </p:childTnLst>
+              </p:cTn>
+              <p:prevCondLst>
+                <p:cond evt="onPrev" delay="0">
+                  <p:tgtEl>
+                    <p:sldTgt/>
+                  </p:tgtEl>
+                </p:cond>
+              </p:prevCondLst>
+              <p:nextCondLst>
+                <p:cond evt="onNext" delay="0">
+                  <p:tgtEl>
+                    <p:sldTgt/>
+                  </p:tgtEl>
+                </p:cond>
+              </p:nextCondLst>
+            </p:seq>
+          </p:childTnLst>
+        </p:cTn>
+      </p:par>
+    </p:tnLst>
+    <p:bldLst>
+      <p:bldP spid="2" grpId="0"/>
+    </p:bldLst>
+  </p:timing>
+</p:sld>
+</file>
+
+<file path=ppt/slides/slide20.xml><?xml version="1.0" encoding="utf-8"?>
 <p:sld xmlns:a="http://schemas.openxmlformats.org/drawingml/2006/main" xmlns:r="http://schemas.openxmlformats.org/officeDocument/2006/relationships" xmlns:p="http://schemas.openxmlformats.org/presentationml/2006/main">
   <p:cSld>
     <p:bg>
@@ -19560,7 +21172,7 @@
 </p:sld>
 </file>
 
-<file path=ppt/slides/slide2.xml><?xml version="1.0" encoding="utf-8"?>
+<file path=ppt/slides/slide3.xml><?xml version="1.0" encoding="utf-8"?>
 <p:sld xmlns:a="http://schemas.openxmlformats.org/drawingml/2006/main" xmlns:r="http://schemas.openxmlformats.org/officeDocument/2006/relationships" xmlns:p="http://schemas.openxmlformats.org/presentationml/2006/main">
   <p:cSld>
     <p:bg>
@@ -20087,7 +21699,7 @@
 </p:sld>
 </file>
 
-<file path=ppt/slides/slide3.xml><?xml version="1.0" encoding="utf-8"?>
+<file path=ppt/slides/slide4.xml><?xml version="1.0" encoding="utf-8"?>
 <p:sld xmlns:a="http://schemas.openxmlformats.org/drawingml/2006/main" xmlns:r="http://schemas.openxmlformats.org/officeDocument/2006/relationships" xmlns:p="http://schemas.openxmlformats.org/presentationml/2006/main">
   <p:cSld>
     <p:bg>
@@ -20912,7 +22524,7 @@
 </p:sld>
 </file>
 
-<file path=ppt/slides/slide4.xml><?xml version="1.0" encoding="utf-8"?>
+<file path=ppt/slides/slide5.xml><?xml version="1.0" encoding="utf-8"?>
 <p:sld xmlns:a="http://schemas.openxmlformats.org/drawingml/2006/main" xmlns:r="http://schemas.openxmlformats.org/officeDocument/2006/relationships" xmlns:p="http://schemas.openxmlformats.org/presentationml/2006/main">
   <p:cSld>
     <p:bg>
@@ -21049,7 +22661,7 @@
 </p:sld>
 </file>
 
-<file path=ppt/slides/slide5.xml><?xml version="1.0" encoding="utf-8"?>
+<file path=ppt/slides/slide6.xml><?xml version="1.0" encoding="utf-8"?>
 <p:sld xmlns:a="http://schemas.openxmlformats.org/drawingml/2006/main" xmlns:r="http://schemas.openxmlformats.org/officeDocument/2006/relationships" xmlns:p="http://schemas.openxmlformats.org/presentationml/2006/main">
   <p:cSld>
     <p:spTree>
@@ -21242,6 +22854,112 @@
           </a:p>
         </p:txBody>
       </p:sp>
+      <p:sp>
+        <p:nvSpPr>
+          <p:cNvPr id="2" name="TextBox 1">
+            <a:extLst>
+              <a:ext uri="{FF2B5EF4-FFF2-40B4-BE49-F238E27FC236}">
+                <a16:creationId xmlns:a16="http://schemas.microsoft.com/office/drawing/2014/main" id="{A781B4F3-AC75-47A9-A72A-0512D4B6DE86}"/>
+              </a:ext>
+            </a:extLst>
+          </p:cNvPr>
+          <p:cNvSpPr txBox="1"/>
+          <p:nvPr/>
+        </p:nvSpPr>
+        <p:spPr>
+          <a:xfrm>
+            <a:off x="2156058" y="2662731"/>
+            <a:ext cx="5361272" cy="369332"/>
+          </a:xfrm>
+          <a:prstGeom prst="rect">
+            <a:avLst/>
+          </a:prstGeom>
+          <a:noFill/>
+        </p:spPr>
+        <p:txBody>
+          <a:bodyPr wrap="square" rtlCol="0">
+            <a:spAutoFit/>
+          </a:bodyPr>
+          <a:lstStyle/>
+          <a:p>
+            <a:r>
+              <a:rPr lang="en-US" dirty="0">
+                <a:solidFill>
+                  <a:schemeClr val="bg1"/>
+                </a:solidFill>
+              </a:rPr>
+              <a:t>WARP suggests </a:t>
+            </a:r>
+            <a:r>
+              <a:rPr lang="en-US" dirty="0" err="1">
+                <a:solidFill>
+                  <a:schemeClr val="bg1"/>
+                </a:solidFill>
+              </a:rPr>
+              <a:t>tlt</a:t>
+            </a:r>
+            <a:r>
+              <a:rPr lang="en-US" dirty="0">
+                <a:solidFill>
+                  <a:schemeClr val="bg1"/>
+                </a:solidFill>
+              </a:rPr>
+              <a:t> and </a:t>
+            </a:r>
+            <a:r>
+              <a:rPr lang="en-US" dirty="0" err="1">
+                <a:solidFill>
+                  <a:schemeClr val="bg1"/>
+                </a:solidFill>
+              </a:rPr>
+              <a:t>gld</a:t>
+            </a:r>
+            <a:r>
+              <a:rPr lang="en-US" dirty="0">
+                <a:solidFill>
+                  <a:schemeClr val="bg1"/>
+                </a:solidFill>
+              </a:rPr>
+              <a:t> are the best diversifiers  </a:t>
+            </a:r>
+          </a:p>
+        </p:txBody>
+      </p:sp>
+      <p:sp>
+        <p:nvSpPr>
+          <p:cNvPr id="8" name="TextBox 7">
+            <a:extLst>
+              <a:ext uri="{FF2B5EF4-FFF2-40B4-BE49-F238E27FC236}">
+                <a16:creationId xmlns:a16="http://schemas.microsoft.com/office/drawing/2014/main" id="{88D63F7B-4BD3-4862-9F60-DAF5F4AAC637}"/>
+              </a:ext>
+            </a:extLst>
+          </p:cNvPr>
+          <p:cNvSpPr txBox="1"/>
+          <p:nvPr/>
+        </p:nvSpPr>
+        <p:spPr>
+          <a:xfrm>
+            <a:off x="1898489" y="6456969"/>
+            <a:ext cx="6097604" cy="369332"/>
+          </a:xfrm>
+          <a:prstGeom prst="rect">
+            <a:avLst/>
+          </a:prstGeom>
+          <a:noFill/>
+        </p:spPr>
+        <p:txBody>
+          <a:bodyPr wrap="square">
+            <a:spAutoFit/>
+          </a:bodyPr>
+          <a:lstStyle/>
+          <a:p>
+            <a:r>
+              <a:rPr lang="en-US" dirty="0"/>
+              <a:t>Sharpe suggests shy is the best diversifier  </a:t>
+            </a:r>
+          </a:p>
+        </p:txBody>
+      </p:sp>
     </p:spTree>
     <p:extLst>
       <p:ext uri="{BB962C8B-B14F-4D97-AF65-F5344CB8AC3E}">
@@ -21255,7 +22973,7 @@
 </p:sld>
 </file>
 
-<file path=ppt/slides/slide6.xml><?xml version="1.0" encoding="utf-8"?>
+<file path=ppt/slides/slide7.xml><?xml version="1.0" encoding="utf-8"?>
 <p:sld xmlns:a="http://schemas.openxmlformats.org/drawingml/2006/main" xmlns:r="http://schemas.openxmlformats.org/officeDocument/2006/relationships" xmlns:p="http://schemas.openxmlformats.org/presentationml/2006/main">
   <p:cSld>
     <p:bg>
@@ -21861,21 +23579,8 @@
                   <a:srgbClr val="FFFFFF"/>
                 </a:solidFill>
               </a:rPr>
-              <a:t>Diversifiers </a:t>
+              <a:t>Diversifiers Identified using WARP and Sharpe</a:t>
             </a:r>
-            <a:r>
-              <a:rPr lang="en-US" sz="4000" dirty="0" err="1">
-                <a:solidFill>
-                  <a:srgbClr val="FFFFFF"/>
-                </a:solidFill>
-              </a:rPr>
-              <a:t>Idenitified</a:t>
-            </a:r>
-            <a:endParaRPr lang="en-US" sz="4000" dirty="0">
-              <a:solidFill>
-                <a:srgbClr val="FFFFFF"/>
-              </a:solidFill>
-            </a:endParaRPr>
           </a:p>
         </p:txBody>
       </p:sp>
@@ -21895,7 +23600,7 @@
             <p:ph idx="1"/>
             <p:extLst>
               <p:ext uri="{D42A27DB-BD31-4B8C-83A1-F6EECF244321}">
-                <p14:modId xmlns:p14="http://schemas.microsoft.com/office/powerpoint/2010/main" val="1564322130"/>
+                <p14:modId xmlns:p14="http://schemas.microsoft.com/office/powerpoint/2010/main" val="2545294148"/>
               </p:ext>
             </p:extLst>
           </p:nvPr>
@@ -21923,7 +23628,7 @@
 </p:sld>
 </file>
 
-<file path=ppt/slides/slide7.xml><?xml version="1.0" encoding="utf-8"?>
+<file path=ppt/slides/slide8.xml><?xml version="1.0" encoding="utf-8"?>
 <p:sld xmlns:a="http://schemas.openxmlformats.org/drawingml/2006/main" xmlns:r="http://schemas.openxmlformats.org/officeDocument/2006/relationships" xmlns:p="http://schemas.openxmlformats.org/presentationml/2006/main">
   <p:cSld>
     <p:bg>
@@ -22283,6 +23988,61 @@
           </a:prstGeom>
         </p:spPr>
       </p:pic>
+      <p:sp>
+        <p:nvSpPr>
+          <p:cNvPr id="2" name="TextBox 1">
+            <a:extLst>
+              <a:ext uri="{FF2B5EF4-FFF2-40B4-BE49-F238E27FC236}">
+                <a16:creationId xmlns:a16="http://schemas.microsoft.com/office/drawing/2014/main" id="{6B539AF9-C01A-4FAD-9C00-C50ADCCD557D}"/>
+              </a:ext>
+            </a:extLst>
+          </p:cNvPr>
+          <p:cNvSpPr txBox="1"/>
+          <p:nvPr/>
+        </p:nvSpPr>
+        <p:spPr>
+          <a:xfrm>
+            <a:off x="8752640" y="3878981"/>
+            <a:ext cx="3157086" cy="1477328"/>
+          </a:xfrm>
+          <a:prstGeom prst="rect">
+            <a:avLst/>
+          </a:prstGeom>
+          <a:noFill/>
+        </p:spPr>
+        <p:txBody>
+          <a:bodyPr wrap="square" rtlCol="0">
+            <a:spAutoFit/>
+          </a:bodyPr>
+          <a:lstStyle/>
+          <a:p>
+            <a:r>
+              <a:rPr lang="en-US" dirty="0">
+                <a:solidFill>
+                  <a:schemeClr val="bg1"/>
+                </a:solidFill>
+              </a:rPr>
+              <a:t>portfolio with </a:t>
+            </a:r>
+            <a:r>
+              <a:rPr lang="en-US" dirty="0" err="1">
+                <a:solidFill>
+                  <a:schemeClr val="bg1"/>
+                </a:solidFill>
+              </a:rPr>
+              <a:t>tlt</a:t>
+            </a:r>
+            <a:r>
+              <a:rPr lang="en-US" dirty="0">
+                <a:solidFill>
+                  <a:schemeClr val="bg1"/>
+                </a:solidFill>
+              </a:rPr>
+              <a:t> (WARP) as the diversifier performs better than the market and portfolio with shy (Sharpe) performs the worst</a:t>
+            </a:r>
+          </a:p>
+        </p:txBody>
+      </p:sp>
     </p:spTree>
     <p:extLst>
       <p:ext uri="{BB962C8B-B14F-4D97-AF65-F5344CB8AC3E}">
@@ -22296,7 +24056,7 @@
 </p:sld>
 </file>
 
-<file path=ppt/slides/slide8.xml><?xml version="1.0" encoding="utf-8"?>
+<file path=ppt/slides/slide9.xml><?xml version="1.0" encoding="utf-8"?>
 <p:sld xmlns:a="http://schemas.openxmlformats.org/drawingml/2006/main" xmlns:r="http://schemas.openxmlformats.org/officeDocument/2006/relationships" xmlns:p="http://schemas.openxmlformats.org/presentationml/2006/main">
   <p:cSld>
     <p:bg>
@@ -22688,383 +24448,81 @@
           </a:prstGeom>
         </p:spPr>
       </p:pic>
+      <p:sp>
+        <p:nvSpPr>
+          <p:cNvPr id="9" name="TextBox 8">
+            <a:extLst>
+              <a:ext uri="{FF2B5EF4-FFF2-40B4-BE49-F238E27FC236}">
+                <a16:creationId xmlns:a16="http://schemas.microsoft.com/office/drawing/2014/main" id="{D8E1FB10-7837-4F5A-9518-8B548A3613B1}"/>
+              </a:ext>
+            </a:extLst>
+          </p:cNvPr>
+          <p:cNvSpPr txBox="1"/>
+          <p:nvPr/>
+        </p:nvSpPr>
+        <p:spPr>
+          <a:xfrm>
+            <a:off x="8230787" y="4210070"/>
+            <a:ext cx="3157086" cy="1477328"/>
+          </a:xfrm>
+          <a:prstGeom prst="rect">
+            <a:avLst/>
+          </a:prstGeom>
+          <a:noFill/>
+        </p:spPr>
+        <p:txBody>
+          <a:bodyPr wrap="square" rtlCol="0">
+            <a:spAutoFit/>
+          </a:bodyPr>
+          <a:lstStyle/>
+          <a:p>
+            <a:r>
+              <a:rPr lang="en-US" dirty="0">
+                <a:solidFill>
+                  <a:schemeClr val="bg1"/>
+                </a:solidFill>
+              </a:rPr>
+              <a:t>portfolio with </a:t>
+            </a:r>
+            <a:r>
+              <a:rPr lang="en-US" dirty="0" err="1">
+                <a:solidFill>
+                  <a:schemeClr val="bg1"/>
+                </a:solidFill>
+              </a:rPr>
+              <a:t>tlt</a:t>
+            </a:r>
+            <a:r>
+              <a:rPr lang="en-US" dirty="0">
+                <a:solidFill>
+                  <a:schemeClr val="bg1"/>
+                </a:solidFill>
+              </a:rPr>
+              <a:t> (WARP) and </a:t>
+            </a:r>
+            <a:r>
+              <a:rPr lang="en-US" dirty="0" err="1">
+                <a:solidFill>
+                  <a:schemeClr val="bg1"/>
+                </a:solidFill>
+              </a:rPr>
+              <a:t>gld</a:t>
+            </a:r>
+            <a:r>
+              <a:rPr lang="en-US" dirty="0">
+                <a:solidFill>
+                  <a:schemeClr val="bg1"/>
+                </a:solidFill>
+              </a:rPr>
+              <a:t> (WARP) as the diversifier performs better than the market and provide more downside protection</a:t>
+            </a:r>
+          </a:p>
+        </p:txBody>
+      </p:sp>
     </p:spTree>
     <p:extLst>
       <p:ext uri="{BB962C8B-B14F-4D97-AF65-F5344CB8AC3E}">
         <p14:creationId xmlns:p14="http://schemas.microsoft.com/office/powerpoint/2010/main" val="3146264759"/>
-      </p:ext>
-    </p:extLst>
-  </p:cSld>
-  <p:clrMapOvr>
-    <a:masterClrMapping/>
-  </p:clrMapOvr>
-</p:sld>
-</file>
-
-<file path=ppt/slides/slide9.xml><?xml version="1.0" encoding="utf-8"?>
-<p:sld xmlns:a="http://schemas.openxmlformats.org/drawingml/2006/main" xmlns:r="http://schemas.openxmlformats.org/officeDocument/2006/relationships" xmlns:p="http://schemas.openxmlformats.org/presentationml/2006/main">
-  <p:cSld>
-    <p:bg>
-      <p:bgPr>
-        <a:solidFill>
-          <a:schemeClr val="bg1"/>
-        </a:solidFill>
-        <a:effectLst/>
-      </p:bgPr>
-    </p:bg>
-    <p:spTree>
-      <p:nvGrpSpPr>
-        <p:cNvPr id="1" name=""/>
-        <p:cNvGrpSpPr/>
-        <p:nvPr/>
-      </p:nvGrpSpPr>
-      <p:grpSpPr>
-        <a:xfrm>
-          <a:off x="0" y="0"/>
-          <a:ext cx="0" cy="0"/>
-          <a:chOff x="0" y="0"/>
-          <a:chExt cx="0" cy="0"/>
-        </a:xfrm>
-      </p:grpSpPr>
-      <p:sp useBgFill="1">
-        <p:nvSpPr>
-          <p:cNvPr id="10" name="Rectangle 9">
-            <a:extLst>
-              <a:ext uri="{FF2B5EF4-FFF2-40B4-BE49-F238E27FC236}">
-                <a16:creationId xmlns:a16="http://schemas.microsoft.com/office/drawing/2014/main" id="{AB8C311F-7253-4AED-9701-7FC0708C41C7}"/>
-              </a:ext>
-              <a:ext uri="{C183D7F6-B498-43B3-948B-1728B52AA6E4}">
-                <adec:decorative xmlns:adec="http://schemas.microsoft.com/office/drawing/2017/decorative" val="1"/>
-              </a:ext>
-            </a:extLst>
-          </p:cNvPr>
-          <p:cNvSpPr>
-            <a:spLocks noGrp="1" noRot="1" noChangeAspect="1" noMove="1" noResize="1" noEditPoints="1" noAdjustHandles="1" noChangeArrowheads="1" noChangeShapeType="1" noTextEdit="1"/>
-          </p:cNvSpPr>
-          <p:nvPr>
-            <p:extLst>
-              <p:ext uri="{386F3935-93C4-4BCD-93E2-E3B085C9AB24}">
-                <p16:designElem xmlns:p16="http://schemas.microsoft.com/office/powerpoint/2015/main" val="1"/>
-              </p:ext>
-            </p:extLst>
-          </p:nvPr>
-        </p:nvSpPr>
-        <p:spPr>
-          <a:xfrm>
-            <a:off x="0" y="0"/>
-            <a:ext cx="12192000" cy="6858000"/>
-          </a:xfrm>
-          <a:prstGeom prst="rect">
-            <a:avLst/>
-          </a:prstGeom>
-          <a:ln w="12700" cap="flat" cmpd="sng" algn="ctr">
-            <a:noFill/>
-            <a:prstDash val="solid"/>
-            <a:miter lim="800000"/>
-          </a:ln>
-          <a:effectLst/>
-          <a:extLst>
-            <a:ext uri="{91240B29-F687-4F45-9708-019B960494DF}">
-              <a14:hiddenLine xmlns:a14="http://schemas.microsoft.com/office/drawing/2010/main" w="12700" cap="flat" cmpd="sng" algn="ctr">
-                <a:solidFill>
-                  <a:schemeClr val="accent1">
-                    <a:shade val="50000"/>
-                  </a:schemeClr>
-                </a:solidFill>
-                <a:prstDash val="solid"/>
-                <a:miter lim="800000"/>
-              </a14:hiddenLine>
-            </a:ext>
-          </a:extLst>
-        </p:spPr>
-        <p:style>
-          <a:lnRef idx="2">
-            <a:schemeClr val="accent1">
-              <a:shade val="50000"/>
-            </a:schemeClr>
-          </a:lnRef>
-          <a:fillRef idx="1">
-            <a:schemeClr val="accent1"/>
-          </a:fillRef>
-          <a:effectRef idx="0">
-            <a:schemeClr val="accent1"/>
-          </a:effectRef>
-          <a:fontRef idx="minor">
-            <a:schemeClr val="lt1"/>
-          </a:fontRef>
-        </p:style>
-        <p:txBody>
-          <a:bodyPr rtlCol="0" anchor="ctr"/>
-          <a:lstStyle/>
-          <a:p>
-            <a:pPr algn="ctr"/>
-            <a:endParaRPr lang="en-US"/>
-          </a:p>
-        </p:txBody>
-      </p:sp>
-      <p:sp>
-        <p:nvSpPr>
-          <p:cNvPr id="12" name="Rectangle 11">
-            <a:extLst>
-              <a:ext uri="{FF2B5EF4-FFF2-40B4-BE49-F238E27FC236}">
-                <a16:creationId xmlns:a16="http://schemas.microsoft.com/office/drawing/2014/main" id="{E2384209-CB15-4CDF-9D31-C44FD9A3F20D}"/>
-              </a:ext>
-              <a:ext uri="{C183D7F6-B498-43B3-948B-1728B52AA6E4}">
-                <adec:decorative xmlns:adec="http://schemas.microsoft.com/office/drawing/2017/decorative" val="1"/>
-              </a:ext>
-            </a:extLst>
-          </p:cNvPr>
-          <p:cNvSpPr>
-            <a:spLocks noGrp="1" noRot="1" noChangeAspect="1" noMove="1" noResize="1" noEditPoints="1" noAdjustHandles="1" noChangeArrowheads="1" noChangeShapeType="1" noTextEdit="1"/>
-          </p:cNvSpPr>
-          <p:nvPr>
-            <p:extLst>
-              <p:ext uri="{386F3935-93C4-4BCD-93E2-E3B085C9AB24}">
-                <p16:designElem xmlns:p16="http://schemas.microsoft.com/office/powerpoint/2015/main" val="1"/>
-              </p:ext>
-            </p:extLst>
-          </p:nvPr>
-        </p:nvSpPr>
-        <p:spPr>
-          <a:xfrm rot="16200000" flipH="1">
-            <a:off x="2666617" y="-2666188"/>
-            <a:ext cx="6858000" cy="12191233"/>
-          </a:xfrm>
-          <a:prstGeom prst="rect">
-            <a:avLst/>
-          </a:prstGeom>
-          <a:gradFill>
-            <a:gsLst>
-              <a:gs pos="8000">
-                <a:schemeClr val="accent1"/>
-              </a:gs>
-              <a:gs pos="100000">
-                <a:schemeClr val="accent1">
-                  <a:lumMod val="50000"/>
-                </a:schemeClr>
-              </a:gs>
-            </a:gsLst>
-            <a:lin ang="12000000" scaled="0"/>
-          </a:gradFill>
-          <a:ln>
-            <a:noFill/>
-          </a:ln>
-        </p:spPr>
-        <p:style>
-          <a:lnRef idx="2">
-            <a:schemeClr val="accent1">
-              <a:shade val="50000"/>
-            </a:schemeClr>
-          </a:lnRef>
-          <a:fillRef idx="1">
-            <a:schemeClr val="accent1"/>
-          </a:fillRef>
-          <a:effectRef idx="0">
-            <a:schemeClr val="accent1"/>
-          </a:effectRef>
-          <a:fontRef idx="minor">
-            <a:schemeClr val="lt1"/>
-          </a:fontRef>
-        </p:style>
-        <p:txBody>
-          <a:bodyPr rtlCol="0" anchor="ctr"/>
-          <a:lstStyle/>
-          <a:p>
-            <a:pPr algn="ctr"/>
-            <a:endParaRPr lang="en-US"/>
-          </a:p>
-        </p:txBody>
-      </p:sp>
-      <p:sp>
-        <p:nvSpPr>
-          <p:cNvPr id="14" name="Rectangle 13">
-            <a:extLst>
-              <a:ext uri="{FF2B5EF4-FFF2-40B4-BE49-F238E27FC236}">
-                <a16:creationId xmlns:a16="http://schemas.microsoft.com/office/drawing/2014/main" id="{2633B3B5-CC90-43F0-8714-D31D1F3F0209}"/>
-              </a:ext>
-              <a:ext uri="{C183D7F6-B498-43B3-948B-1728B52AA6E4}">
-                <adec:decorative xmlns:adec="http://schemas.microsoft.com/office/drawing/2017/decorative" val="1"/>
-              </a:ext>
-            </a:extLst>
-          </p:cNvPr>
-          <p:cNvSpPr>
-            <a:spLocks noGrp="1" noRot="1" noChangeAspect="1" noMove="1" noResize="1" noEditPoints="1" noAdjustHandles="1" noChangeArrowheads="1" noChangeShapeType="1" noTextEdit="1"/>
-          </p:cNvSpPr>
-          <p:nvPr>
-            <p:extLst>
-              <p:ext uri="{386F3935-93C4-4BCD-93E2-E3B085C9AB24}">
-                <p16:designElem xmlns:p16="http://schemas.microsoft.com/office/powerpoint/2015/main" val="1"/>
-              </p:ext>
-            </p:extLst>
-          </p:nvPr>
-        </p:nvSpPr>
-        <p:spPr>
-          <a:xfrm rot="10800000" flipH="1">
-            <a:off x="-2311" y="0"/>
-            <a:ext cx="9070846" cy="6857572"/>
-          </a:xfrm>
-          <a:prstGeom prst="rect">
-            <a:avLst/>
-          </a:prstGeom>
-          <a:gradFill>
-            <a:gsLst>
-              <a:gs pos="8000">
-                <a:srgbClr val="000000">
-                  <a:alpha val="52000"/>
-                </a:srgbClr>
-              </a:gs>
-              <a:gs pos="100000">
-                <a:schemeClr val="accent1"/>
-              </a:gs>
-            </a:gsLst>
-            <a:lin ang="4800000" scaled="0"/>
-          </a:gradFill>
-          <a:ln>
-            <a:noFill/>
-          </a:ln>
-        </p:spPr>
-        <p:style>
-          <a:lnRef idx="2">
-            <a:schemeClr val="accent1">
-              <a:shade val="50000"/>
-            </a:schemeClr>
-          </a:lnRef>
-          <a:fillRef idx="1">
-            <a:schemeClr val="accent1"/>
-          </a:fillRef>
-          <a:effectRef idx="0">
-            <a:schemeClr val="accent1"/>
-          </a:effectRef>
-          <a:fontRef idx="minor">
-            <a:schemeClr val="lt1"/>
-          </a:fontRef>
-        </p:style>
-        <p:txBody>
-          <a:bodyPr rtlCol="0" anchor="ctr"/>
-          <a:lstStyle/>
-          <a:p>
-            <a:pPr algn="ctr"/>
-            <a:endParaRPr lang="en-US"/>
-          </a:p>
-        </p:txBody>
-      </p:sp>
-      <p:sp>
-        <p:nvSpPr>
-          <p:cNvPr id="16" name="Rectangle 15">
-            <a:extLst>
-              <a:ext uri="{FF2B5EF4-FFF2-40B4-BE49-F238E27FC236}">
-                <a16:creationId xmlns:a16="http://schemas.microsoft.com/office/drawing/2014/main" id="{A8D57A06-A426-446D-B02C-A2DC6B62E45E}"/>
-              </a:ext>
-              <a:ext uri="{C183D7F6-B498-43B3-948B-1728B52AA6E4}">
-                <adec:decorative xmlns:adec="http://schemas.microsoft.com/office/drawing/2017/decorative" val="1"/>
-              </a:ext>
-            </a:extLst>
-          </p:cNvPr>
-          <p:cNvSpPr>
-            <a:spLocks noGrp="1" noRot="1" noChangeAspect="1" noMove="1" noResize="1" noEditPoints="1" noAdjustHandles="1" noChangeArrowheads="1" noChangeShapeType="1" noTextEdit="1"/>
-          </p:cNvSpPr>
-          <p:nvPr>
-            <p:extLst>
-              <p:ext uri="{386F3935-93C4-4BCD-93E2-E3B085C9AB24}">
-                <p16:designElem xmlns:p16="http://schemas.microsoft.com/office/powerpoint/2015/main" val="1"/>
-              </p:ext>
-            </p:extLst>
-          </p:nvPr>
-        </p:nvSpPr>
-        <p:spPr>
-          <a:xfrm rot="16200000" flipH="1">
-            <a:off x="3649491" y="-1685840"/>
-            <a:ext cx="4894564" cy="12193546"/>
-          </a:xfrm>
-          <a:prstGeom prst="rect">
-            <a:avLst/>
-          </a:prstGeom>
-          <a:gradFill>
-            <a:gsLst>
-              <a:gs pos="0">
-                <a:schemeClr val="accent5">
-                  <a:lumMod val="60000"/>
-                  <a:lumOff val="40000"/>
-                  <a:alpha val="0"/>
-                </a:schemeClr>
-              </a:gs>
-              <a:gs pos="100000">
-                <a:srgbClr val="000000">
-                  <a:alpha val="46000"/>
-                </a:srgbClr>
-              </a:gs>
-            </a:gsLst>
-            <a:lin ang="1200000" scaled="0"/>
-          </a:gradFill>
-          <a:ln>
-            <a:noFill/>
-          </a:ln>
-        </p:spPr>
-        <p:style>
-          <a:lnRef idx="2">
-            <a:schemeClr val="accent1">
-              <a:shade val="50000"/>
-            </a:schemeClr>
-          </a:lnRef>
-          <a:fillRef idx="1">
-            <a:schemeClr val="accent1"/>
-          </a:fillRef>
-          <a:effectRef idx="0">
-            <a:schemeClr val="accent1"/>
-          </a:effectRef>
-          <a:fontRef idx="minor">
-            <a:schemeClr val="lt1"/>
-          </a:fontRef>
-        </p:style>
-        <p:txBody>
-          <a:bodyPr rtlCol="0" anchor="ctr"/>
-          <a:lstStyle/>
-          <a:p>
-            <a:pPr algn="ctr"/>
-            <a:endParaRPr lang="en-US"/>
-          </a:p>
-        </p:txBody>
-      </p:sp>
-      <p:pic>
-        <p:nvPicPr>
-          <p:cNvPr id="3" name="Picture 2" descr="Chart&#10;&#10;Description automatically generated">
-            <a:extLst>
-              <a:ext uri="{FF2B5EF4-FFF2-40B4-BE49-F238E27FC236}">
-                <a16:creationId xmlns:a16="http://schemas.microsoft.com/office/drawing/2014/main" id="{8F7F74C1-635B-4556-B03A-F48C00F114F2}"/>
-              </a:ext>
-            </a:extLst>
-          </p:cNvPr>
-          <p:cNvPicPr>
-            <a:picLocks noChangeAspect="1"/>
-          </p:cNvPicPr>
-          <p:nvPr/>
-        </p:nvPicPr>
-        <p:blipFill>
-          <a:blip r:embed="rId2">
-            <a:extLst>
-              <a:ext uri="{28A0092B-C50C-407E-A947-70E740481C1C}">
-                <a14:useLocalDpi xmlns:a14="http://schemas.microsoft.com/office/drawing/2010/main" val="0"/>
-              </a:ext>
-            </a:extLst>
-          </a:blip>
-          <a:stretch>
-            <a:fillRect/>
-          </a:stretch>
-        </p:blipFill>
-        <p:spPr>
-          <a:xfrm>
-            <a:off x="406876" y="676432"/>
-            <a:ext cx="10607241" cy="5654719"/>
-          </a:xfrm>
-          <a:prstGeom prst="rect">
-            <a:avLst/>
-          </a:prstGeom>
-        </p:spPr>
-      </p:pic>
-    </p:spTree>
-    <p:extLst>
-      <p:ext uri="{BB962C8B-B14F-4D97-AF65-F5344CB8AC3E}">
-        <p14:creationId xmlns:p14="http://schemas.microsoft.com/office/powerpoint/2010/main" val="761059145"/>
       </p:ext>
     </p:extLst>
   </p:cSld>
